--- a/logo/szekelydata logo2.pptx
+++ b/logo/szekelydata logo2.pptx
@@ -277,7 +277,7 @@
           <a:p>
             <a:fld id="{18E8E0FF-2D50-4C17-A871-A3C9A189B845}" type="datetimeFigureOut">
               <a:rPr lang="en-US" smtClean="0"/>
-              <a:t>8/23/2018</a:t>
+              <a:t>11/18/2018</a:t>
             </a:fld>
             <a:endParaRPr lang="en-US"/>
           </a:p>
@@ -475,7 +475,7 @@
           <a:p>
             <a:fld id="{18E8E0FF-2D50-4C17-A871-A3C9A189B845}" type="datetimeFigureOut">
               <a:rPr lang="en-US" smtClean="0"/>
-              <a:t>8/23/2018</a:t>
+              <a:t>11/18/2018</a:t>
             </a:fld>
             <a:endParaRPr lang="en-US"/>
           </a:p>
@@ -683,7 +683,7 @@
           <a:p>
             <a:fld id="{18E8E0FF-2D50-4C17-A871-A3C9A189B845}" type="datetimeFigureOut">
               <a:rPr lang="en-US" smtClean="0"/>
-              <a:t>8/23/2018</a:t>
+              <a:t>11/18/2018</a:t>
             </a:fld>
             <a:endParaRPr lang="en-US"/>
           </a:p>
@@ -881,7 +881,7 @@
           <a:p>
             <a:fld id="{18E8E0FF-2D50-4C17-A871-A3C9A189B845}" type="datetimeFigureOut">
               <a:rPr lang="en-US" smtClean="0"/>
-              <a:t>8/23/2018</a:t>
+              <a:t>11/18/2018</a:t>
             </a:fld>
             <a:endParaRPr lang="en-US"/>
           </a:p>
@@ -1156,7 +1156,7 @@
           <a:p>
             <a:fld id="{18E8E0FF-2D50-4C17-A871-A3C9A189B845}" type="datetimeFigureOut">
               <a:rPr lang="en-US" smtClean="0"/>
-              <a:t>8/23/2018</a:t>
+              <a:t>11/18/2018</a:t>
             </a:fld>
             <a:endParaRPr lang="en-US"/>
           </a:p>
@@ -1421,7 +1421,7 @@
           <a:p>
             <a:fld id="{18E8E0FF-2D50-4C17-A871-A3C9A189B845}" type="datetimeFigureOut">
               <a:rPr lang="en-US" smtClean="0"/>
-              <a:t>8/23/2018</a:t>
+              <a:t>11/18/2018</a:t>
             </a:fld>
             <a:endParaRPr lang="en-US"/>
           </a:p>
@@ -1833,7 +1833,7 @@
           <a:p>
             <a:fld id="{18E8E0FF-2D50-4C17-A871-A3C9A189B845}" type="datetimeFigureOut">
               <a:rPr lang="en-US" smtClean="0"/>
-              <a:t>8/23/2018</a:t>
+              <a:t>11/18/2018</a:t>
             </a:fld>
             <a:endParaRPr lang="en-US"/>
           </a:p>
@@ -1974,7 +1974,7 @@
           <a:p>
             <a:fld id="{18E8E0FF-2D50-4C17-A871-A3C9A189B845}" type="datetimeFigureOut">
               <a:rPr lang="en-US" smtClean="0"/>
-              <a:t>8/23/2018</a:t>
+              <a:t>11/18/2018</a:t>
             </a:fld>
             <a:endParaRPr lang="en-US"/>
           </a:p>
@@ -2087,7 +2087,7 @@
           <a:p>
             <a:fld id="{18E8E0FF-2D50-4C17-A871-A3C9A189B845}" type="datetimeFigureOut">
               <a:rPr lang="en-US" smtClean="0"/>
-              <a:t>8/23/2018</a:t>
+              <a:t>11/18/2018</a:t>
             </a:fld>
             <a:endParaRPr lang="en-US"/>
           </a:p>
@@ -2398,7 +2398,7 @@
           <a:p>
             <a:fld id="{18E8E0FF-2D50-4C17-A871-A3C9A189B845}" type="datetimeFigureOut">
               <a:rPr lang="en-US" smtClean="0"/>
-              <a:t>8/23/2018</a:t>
+              <a:t>11/18/2018</a:t>
             </a:fld>
             <a:endParaRPr lang="en-US"/>
           </a:p>
@@ -2686,7 +2686,7 @@
           <a:p>
             <a:fld id="{18E8E0FF-2D50-4C17-A871-A3C9A189B845}" type="datetimeFigureOut">
               <a:rPr lang="en-US" smtClean="0"/>
-              <a:t>8/23/2018</a:t>
+              <a:t>11/18/2018</a:t>
             </a:fld>
             <a:endParaRPr lang="en-US"/>
           </a:p>
@@ -2927,7 +2927,7 @@
           <a:p>
             <a:fld id="{18E8E0FF-2D50-4C17-A871-A3C9A189B845}" type="datetimeFigureOut">
               <a:rPr lang="en-US" smtClean="0"/>
-              <a:t>8/23/2018</a:t>
+              <a:t>11/18/2018</a:t>
             </a:fld>
             <a:endParaRPr lang="en-US"/>
           </a:p>

--- a/logo/szekelydata logo2.pptx
+++ b/logo/szekelydata logo2.pptx
@@ -9,9 +9,11 @@
     <p:sldId id="258" r:id="rId3"/>
     <p:sldId id="259" r:id="rId4"/>
     <p:sldId id="260" r:id="rId5"/>
-    <p:sldId id="261" r:id="rId6"/>
-    <p:sldId id="262" r:id="rId7"/>
-    <p:sldId id="263" r:id="rId8"/>
+    <p:sldId id="264" r:id="rId6"/>
+    <p:sldId id="261" r:id="rId7"/>
+    <p:sldId id="262" r:id="rId8"/>
+    <p:sldId id="263" r:id="rId9"/>
+    <p:sldId id="265" r:id="rId10"/>
   </p:sldIdLst>
   <p:sldSz cx="12192000" cy="6858000"/>
   <p:notesSz cx="6858000" cy="9144000"/>
@@ -277,7 +279,7 @@
           <a:p>
             <a:fld id="{18E8E0FF-2D50-4C17-A871-A3C9A189B845}" type="datetimeFigureOut">
               <a:rPr lang="en-US" smtClean="0"/>
-              <a:t>11/18/2018</a:t>
+              <a:t>12/18/2018</a:t>
             </a:fld>
             <a:endParaRPr lang="en-US"/>
           </a:p>
@@ -475,7 +477,7 @@
           <a:p>
             <a:fld id="{18E8E0FF-2D50-4C17-A871-A3C9A189B845}" type="datetimeFigureOut">
               <a:rPr lang="en-US" smtClean="0"/>
-              <a:t>11/18/2018</a:t>
+              <a:t>12/18/2018</a:t>
             </a:fld>
             <a:endParaRPr lang="en-US"/>
           </a:p>
@@ -683,7 +685,7 @@
           <a:p>
             <a:fld id="{18E8E0FF-2D50-4C17-A871-A3C9A189B845}" type="datetimeFigureOut">
               <a:rPr lang="en-US" smtClean="0"/>
-              <a:t>11/18/2018</a:t>
+              <a:t>12/18/2018</a:t>
             </a:fld>
             <a:endParaRPr lang="en-US"/>
           </a:p>
@@ -881,7 +883,7 @@
           <a:p>
             <a:fld id="{18E8E0FF-2D50-4C17-A871-A3C9A189B845}" type="datetimeFigureOut">
               <a:rPr lang="en-US" smtClean="0"/>
-              <a:t>11/18/2018</a:t>
+              <a:t>12/18/2018</a:t>
             </a:fld>
             <a:endParaRPr lang="en-US"/>
           </a:p>
@@ -1156,7 +1158,7 @@
           <a:p>
             <a:fld id="{18E8E0FF-2D50-4C17-A871-A3C9A189B845}" type="datetimeFigureOut">
               <a:rPr lang="en-US" smtClean="0"/>
-              <a:t>11/18/2018</a:t>
+              <a:t>12/18/2018</a:t>
             </a:fld>
             <a:endParaRPr lang="en-US"/>
           </a:p>
@@ -1421,7 +1423,7 @@
           <a:p>
             <a:fld id="{18E8E0FF-2D50-4C17-A871-A3C9A189B845}" type="datetimeFigureOut">
               <a:rPr lang="en-US" smtClean="0"/>
-              <a:t>11/18/2018</a:t>
+              <a:t>12/18/2018</a:t>
             </a:fld>
             <a:endParaRPr lang="en-US"/>
           </a:p>
@@ -1833,7 +1835,7 @@
           <a:p>
             <a:fld id="{18E8E0FF-2D50-4C17-A871-A3C9A189B845}" type="datetimeFigureOut">
               <a:rPr lang="en-US" smtClean="0"/>
-              <a:t>11/18/2018</a:t>
+              <a:t>12/18/2018</a:t>
             </a:fld>
             <a:endParaRPr lang="en-US"/>
           </a:p>
@@ -1974,7 +1976,7 @@
           <a:p>
             <a:fld id="{18E8E0FF-2D50-4C17-A871-A3C9A189B845}" type="datetimeFigureOut">
               <a:rPr lang="en-US" smtClean="0"/>
-              <a:t>11/18/2018</a:t>
+              <a:t>12/18/2018</a:t>
             </a:fld>
             <a:endParaRPr lang="en-US"/>
           </a:p>
@@ -2087,7 +2089,7 @@
           <a:p>
             <a:fld id="{18E8E0FF-2D50-4C17-A871-A3C9A189B845}" type="datetimeFigureOut">
               <a:rPr lang="en-US" smtClean="0"/>
-              <a:t>11/18/2018</a:t>
+              <a:t>12/18/2018</a:t>
             </a:fld>
             <a:endParaRPr lang="en-US"/>
           </a:p>
@@ -2398,7 +2400,7 @@
           <a:p>
             <a:fld id="{18E8E0FF-2D50-4C17-A871-A3C9A189B845}" type="datetimeFigureOut">
               <a:rPr lang="en-US" smtClean="0"/>
-              <a:t>11/18/2018</a:t>
+              <a:t>12/18/2018</a:t>
             </a:fld>
             <a:endParaRPr lang="en-US"/>
           </a:p>
@@ -2686,7 +2688,7 @@
           <a:p>
             <a:fld id="{18E8E0FF-2D50-4C17-A871-A3C9A189B845}" type="datetimeFigureOut">
               <a:rPr lang="en-US" smtClean="0"/>
-              <a:t>11/18/2018</a:t>
+              <a:t>12/18/2018</a:t>
             </a:fld>
             <a:endParaRPr lang="en-US"/>
           </a:p>
@@ -2927,7 +2929,7 @@
           <a:p>
             <a:fld id="{18E8E0FF-2D50-4C17-A871-A3C9A189B845}" type="datetimeFigureOut">
               <a:rPr lang="en-US" smtClean="0"/>
-              <a:t>11/18/2018</a:t>
+              <a:t>12/18/2018</a:t>
             </a:fld>
             <a:endParaRPr lang="en-US"/>
           </a:p>
@@ -4818,6 +4820,143 @@
           <a:chExt cx="0" cy="0"/>
         </a:xfrm>
       </p:grpSpPr>
+      <p:sp>
+        <p:nvSpPr>
+          <p:cNvPr id="9" name="TextBox 8">
+            <a:extLst>
+              <a:ext uri="{FF2B5EF4-FFF2-40B4-BE49-F238E27FC236}">
+                <a16:creationId xmlns:a16="http://schemas.microsoft.com/office/drawing/2014/main" id="{44F8CD09-5FFA-422B-9DE7-3F17F3C739E1}"/>
+              </a:ext>
+            </a:extLst>
+          </p:cNvPr>
+          <p:cNvSpPr txBox="1"/>
+          <p:nvPr/>
+        </p:nvSpPr>
+        <p:spPr>
+          <a:xfrm>
+            <a:off x="1924774" y="645850"/>
+            <a:ext cx="9390926" cy="2031325"/>
+          </a:xfrm>
+          <a:prstGeom prst="rect">
+            <a:avLst/>
+          </a:prstGeom>
+          <a:noFill/>
+        </p:spPr>
+        <p:txBody>
+          <a:bodyPr wrap="square" rtlCol="0">
+            <a:spAutoFit/>
+          </a:bodyPr>
+          <a:lstStyle/>
+          <a:p>
+            <a:pPr algn="ctr"/>
+            <a:r>
+              <a:rPr lang="hu-HU" sz="12600" b="1" dirty="0">
+                <a:ln w="28575">
+                  <a:solidFill>
+                    <a:schemeClr val="tx1"/>
+                  </a:solidFill>
+                </a:ln>
+                <a:solidFill>
+                  <a:srgbClr val="FE0100"/>
+                </a:solidFill>
+                <a:latin typeface="Bahnschrift" panose="020B0502040204020203" pitchFamily="34" charset="0"/>
+              </a:rPr>
+              <a:t>székel</a:t>
+            </a:r>
+            <a:r>
+              <a:rPr lang="hu-HU" sz="12400" b="1" dirty="0">
+                <a:ln w="28575">
+                  <a:solidFill>
+                    <a:schemeClr val="tx1"/>
+                  </a:solidFill>
+                </a:ln>
+                <a:solidFill>
+                  <a:srgbClr val="FE0100"/>
+                </a:solidFill>
+                <a:latin typeface="Bahnschrift" panose="020B0502040204020203" pitchFamily="34" charset="0"/>
+              </a:rPr>
+              <a:t>y</a:t>
+            </a:r>
+            <a:r>
+              <a:rPr lang="en-GB" sz="12400" b="1" dirty="0">
+                <a:latin typeface="Bahnschrift" panose="020B0502040204020203" pitchFamily="34" charset="0"/>
+              </a:rPr>
+              <a:t>data</a:t>
+            </a:r>
+            <a:endParaRPr lang="en-US" sz="12400" b="1" dirty="0">
+              <a:latin typeface="Bahnschrift" panose="020B0502040204020203" pitchFamily="34" charset="0"/>
+            </a:endParaRPr>
+          </a:p>
+        </p:txBody>
+      </p:sp>
+      <p:pic>
+        <p:nvPicPr>
+          <p:cNvPr id="13" name="Graphic 12" descr="Snowflake">
+            <a:extLst>
+              <a:ext uri="{FF2B5EF4-FFF2-40B4-BE49-F238E27FC236}">
+                <a16:creationId xmlns:a16="http://schemas.microsoft.com/office/drawing/2014/main" id="{089F0FCD-74A5-49FD-AAD6-A6C18808A0E9}"/>
+              </a:ext>
+            </a:extLst>
+          </p:cNvPr>
+          <p:cNvPicPr>
+            <a:picLocks noChangeAspect="1"/>
+          </p:cNvPicPr>
+          <p:nvPr/>
+        </p:nvPicPr>
+        <p:blipFill rotWithShape="1">
+          <a:blip r:embed="rId2">
+            <a:extLst>
+              <a:ext uri="{28A0092B-C50C-407E-A947-70E740481C1C}">
+                <a14:useLocalDpi xmlns:a14="http://schemas.microsoft.com/office/drawing/2010/main" val="0"/>
+              </a:ext>
+              <a:ext uri="{96DAC541-7B7A-43D3-8B79-37D633B846F1}">
+                <asvg:svgBlip xmlns:asvg="http://schemas.microsoft.com/office/drawing/2016/SVG/main" r:embed="rId3"/>
+              </a:ext>
+            </a:extLst>
+          </a:blip>
+          <a:srcRect l="9739" t="9739" r="9739" b="9739"/>
+          <a:stretch/>
+        </p:blipFill>
+        <p:spPr>
+          <a:xfrm>
+            <a:off x="275894" y="735712"/>
+            <a:ext cx="2210130" cy="2210130"/>
+          </a:xfrm>
+          <a:prstGeom prst="rect">
+            <a:avLst/>
+          </a:prstGeom>
+        </p:spPr>
+      </p:pic>
+    </p:spTree>
+    <p:extLst>
+      <p:ext uri="{BB962C8B-B14F-4D97-AF65-F5344CB8AC3E}">
+        <p14:creationId xmlns:p14="http://schemas.microsoft.com/office/powerpoint/2010/main" val="3315524059"/>
+      </p:ext>
+    </p:extLst>
+  </p:cSld>
+  <p:clrMapOvr>
+    <a:masterClrMapping/>
+  </p:clrMapOvr>
+</p:sld>
+</file>
+
+<file path=ppt/slides/slide6.xml><?xml version="1.0" encoding="utf-8"?>
+<p:sld xmlns:a="http://schemas.openxmlformats.org/drawingml/2006/main" xmlns:r="http://schemas.openxmlformats.org/officeDocument/2006/relationships" xmlns:p="http://schemas.openxmlformats.org/presentationml/2006/main">
+  <p:cSld>
+    <p:spTree>
+      <p:nvGrpSpPr>
+        <p:cNvPr id="1" name=""/>
+        <p:cNvGrpSpPr/>
+        <p:nvPr/>
+      </p:nvGrpSpPr>
+      <p:grpSpPr>
+        <a:xfrm>
+          <a:off x="0" y="0"/>
+          <a:ext cx="0" cy="0"/>
+          <a:chOff x="0" y="0"/>
+          <a:chExt cx="0" cy="0"/>
+        </a:xfrm>
+      </p:grpSpPr>
       <p:grpSp>
         <p:nvGrpSpPr>
           <p:cNvPr id="5" name="Group 4">
@@ -5028,7 +5167,7 @@
 </p:sld>
 </file>
 
-<file path=ppt/slides/slide6.xml><?xml version="1.0" encoding="utf-8"?>
+<file path=ppt/slides/slide7.xml><?xml version="1.0" encoding="utf-8"?>
 <p:sld xmlns:a="http://schemas.openxmlformats.org/drawingml/2006/main" xmlns:r="http://schemas.openxmlformats.org/officeDocument/2006/relationships" xmlns:p="http://schemas.openxmlformats.org/presentationml/2006/main">
   <p:cSld>
     <p:spTree>
@@ -5593,7 +5732,7 @@
 </p:sld>
 </file>
 
-<file path=ppt/slides/slide7.xml><?xml version="1.0" encoding="utf-8"?>
+<file path=ppt/slides/slide8.xml><?xml version="1.0" encoding="utf-8"?>
 <p:sld xmlns:a="http://schemas.openxmlformats.org/drawingml/2006/main" xmlns:r="http://schemas.openxmlformats.org/officeDocument/2006/relationships" xmlns:p="http://schemas.openxmlformats.org/presentationml/2006/main">
   <p:cSld>
     <p:spTree>
@@ -5688,389 +5827,6 @@
           <a:xfrm>
             <a:off x="2662487" y="9221"/>
             <a:ext cx="6867026" cy="7182411"/>
-          </a:xfrm>
-          <a:prstGeom prst="rect">
-            <a:avLst/>
-          </a:prstGeom>
-        </p:spPr>
-      </p:pic>
-      <p:sp>
-        <p:nvSpPr>
-          <p:cNvPr id="17" name="TextBox 16"/>
-          <p:cNvSpPr txBox="1"/>
-          <p:nvPr/>
-        </p:nvSpPr>
-        <p:spPr>
-          <a:xfrm>
-            <a:off x="6765555" y="2607606"/>
-            <a:ext cx="1364476" cy="400110"/>
-          </a:xfrm>
-          <a:prstGeom prst="rect">
-            <a:avLst/>
-          </a:prstGeom>
-          <a:noFill/>
-        </p:spPr>
-        <p:txBody>
-          <a:bodyPr wrap="none" rtlCol="0">
-            <a:spAutoFit/>
-          </a:bodyPr>
-          <a:lstStyle/>
-          <a:p>
-            <a:pPr algn="ctr"/>
-            <a:r>
-              <a:rPr lang="hu-HU" sz="2000" b="1" cap="small" dirty="0">
-                <a:solidFill>
-                  <a:schemeClr val="bg1">
-                    <a:lumMod val="75000"/>
-                  </a:schemeClr>
-                </a:solidFill>
-                <a:latin typeface="Segoe UI Emoji" panose="020B0502040204020203" pitchFamily="34" charset="0"/>
-                <a:ea typeface="Segoe UI Emoji" panose="020B0502040204020203" pitchFamily="34" charset="0"/>
-              </a:rPr>
-              <a:t>köszönjük!</a:t>
-            </a:r>
-            <a:endParaRPr lang="en-GB" sz="2000" cap="small" dirty="0">
-              <a:solidFill>
-                <a:schemeClr val="bg1">
-                  <a:lumMod val="75000"/>
-                </a:schemeClr>
-              </a:solidFill>
-              <a:latin typeface="Segoe UI Emoji" panose="020B0502040204020203" pitchFamily="34" charset="0"/>
-              <a:ea typeface="Segoe UI Emoji" panose="020B0502040204020203" pitchFamily="34" charset="0"/>
-            </a:endParaRPr>
-          </a:p>
-        </p:txBody>
-      </p:sp>
-      <p:sp>
-        <p:nvSpPr>
-          <p:cNvPr id="18" name="TextBox 17"/>
-          <p:cNvSpPr txBox="1"/>
-          <p:nvPr/>
-        </p:nvSpPr>
-        <p:spPr>
-          <a:xfrm>
-            <a:off x="3674591" y="2669162"/>
-            <a:ext cx="1880643" cy="338554"/>
-          </a:xfrm>
-          <a:prstGeom prst="rect">
-            <a:avLst/>
-          </a:prstGeom>
-          <a:noFill/>
-        </p:spPr>
-        <p:txBody>
-          <a:bodyPr wrap="none" rtlCol="0">
-            <a:spAutoFit/>
-          </a:bodyPr>
-          <a:lstStyle/>
-          <a:p>
-            <a:pPr algn="ctr"/>
-            <a:r>
-              <a:rPr lang="en-US" sz="1600" b="1" cap="small" dirty="0">
-                <a:solidFill>
-                  <a:schemeClr val="bg1">
-                    <a:lumMod val="75000"/>
-                  </a:schemeClr>
-                </a:solidFill>
-                <a:latin typeface="Segoe UI Emoji" panose="020B0502040204020203" pitchFamily="34" charset="0"/>
-                <a:ea typeface="Segoe UI Emoji" panose="020B0502040204020203" pitchFamily="34" charset="0"/>
-              </a:rPr>
-              <a:t>1000</a:t>
-            </a:r>
-            <a:r>
-              <a:rPr lang="hu-HU" sz="1600" b="1" cap="small" dirty="0">
-                <a:solidFill>
-                  <a:schemeClr val="bg1">
-                    <a:lumMod val="75000"/>
-                  </a:schemeClr>
-                </a:solidFill>
-                <a:latin typeface="Segoe UI Emoji" panose="020B0502040204020203" pitchFamily="34" charset="0"/>
-                <a:ea typeface="Segoe UI Emoji" panose="020B0502040204020203" pitchFamily="34" charset="0"/>
-              </a:rPr>
-              <a:t> </a:t>
-            </a:r>
-            <a:r>
-              <a:rPr lang="hu-HU" sz="1600" cap="small" dirty="0">
-                <a:solidFill>
-                  <a:schemeClr val="bg1">
-                    <a:lumMod val="75000"/>
-                  </a:schemeClr>
-                </a:solidFill>
-                <a:latin typeface="Segoe UI Emoji" panose="020B0502040204020203" pitchFamily="34" charset="0"/>
-                <a:ea typeface="Segoe UI Emoji" panose="020B0502040204020203" pitchFamily="34" charset="0"/>
-              </a:rPr>
-              <a:t>adatvarázsló</a:t>
-            </a:r>
-            <a:endParaRPr lang="en-US" sz="1600" cap="small" dirty="0">
-              <a:solidFill>
-                <a:schemeClr val="bg1">
-                  <a:lumMod val="75000"/>
-                </a:schemeClr>
-              </a:solidFill>
-              <a:latin typeface="Segoe UI Emoji" panose="020B0502040204020203" pitchFamily="34" charset="0"/>
-              <a:ea typeface="Segoe UI Emoji" panose="020B0502040204020203" pitchFamily="34" charset="0"/>
-            </a:endParaRPr>
-          </a:p>
-        </p:txBody>
-      </p:sp>
-      <p:sp>
-        <p:nvSpPr>
-          <p:cNvPr id="4" name="Rectangle 3"/>
-          <p:cNvSpPr/>
-          <p:nvPr/>
-        </p:nvSpPr>
-        <p:spPr>
-          <a:xfrm rot="16200000" flipH="1">
-            <a:off x="6053287" y="1170749"/>
-            <a:ext cx="36000" cy="4997788"/>
-          </a:xfrm>
-          <a:prstGeom prst="rect">
-            <a:avLst/>
-          </a:prstGeom>
-          <a:gradFill flip="none" rotWithShape="1">
-            <a:gsLst>
-              <a:gs pos="27000">
-                <a:srgbClr val="B5B7BB"/>
-              </a:gs>
-              <a:gs pos="76000">
-                <a:srgbClr val="C2C7CE"/>
-              </a:gs>
-              <a:gs pos="0">
-                <a:schemeClr val="bg1">
-                  <a:lumMod val="65000"/>
-                  <a:alpha val="0"/>
-                </a:schemeClr>
-              </a:gs>
-              <a:gs pos="100000">
-                <a:schemeClr val="accent1">
-                  <a:tint val="23500"/>
-                  <a:satMod val="160000"/>
-                  <a:alpha val="0"/>
-                </a:schemeClr>
-              </a:gs>
-            </a:gsLst>
-            <a:lin ang="5400000" scaled="1"/>
-            <a:tileRect/>
-          </a:gradFill>
-          <a:ln>
-            <a:noFill/>
-          </a:ln>
-        </p:spPr>
-        <p:style>
-          <a:lnRef idx="2">
-            <a:schemeClr val="accent1">
-              <a:shade val="50000"/>
-            </a:schemeClr>
-          </a:lnRef>
-          <a:fillRef idx="1">
-            <a:schemeClr val="accent1"/>
-          </a:fillRef>
-          <a:effectRef idx="0">
-            <a:schemeClr val="accent1"/>
-          </a:effectRef>
-          <a:fontRef idx="minor">
-            <a:schemeClr val="lt1"/>
-          </a:fontRef>
-        </p:style>
-        <p:txBody>
-          <a:bodyPr rtlCol="0" anchor="ctr"/>
-          <a:lstStyle/>
-          <a:p>
-            <a:pPr algn="ctr"/>
-            <a:endParaRPr lang="en-GB"/>
-          </a:p>
-        </p:txBody>
-      </p:sp>
-      <p:sp>
-        <p:nvSpPr>
-          <p:cNvPr id="20" name="TextBox 19"/>
-          <p:cNvSpPr txBox="1"/>
-          <p:nvPr/>
-        </p:nvSpPr>
-        <p:spPr>
-          <a:xfrm>
-            <a:off x="5003264" y="3999808"/>
-            <a:ext cx="2484976" cy="785151"/>
-          </a:xfrm>
-          <a:prstGeom prst="rect">
-            <a:avLst/>
-          </a:prstGeom>
-          <a:noFill/>
-        </p:spPr>
-        <p:txBody>
-          <a:bodyPr wrap="none" rtlCol="0">
-            <a:spAutoFit/>
-          </a:bodyPr>
-          <a:lstStyle/>
-          <a:p>
-            <a:pPr>
-              <a:lnSpc>
-                <a:spcPct val="150000"/>
-              </a:lnSpc>
-            </a:pPr>
-            <a:r>
-              <a:rPr lang="hu-HU" sz="1600" cap="small" dirty="0">
-                <a:solidFill>
-                  <a:schemeClr val="bg1">
-                    <a:lumMod val="75000"/>
-                  </a:schemeClr>
-                </a:solidFill>
-                <a:latin typeface="Segoe UI Emoji" panose="020B0502040204020203" pitchFamily="34" charset="0"/>
-                <a:ea typeface="Segoe UI Emoji" panose="020B0502040204020203" pitchFamily="34" charset="0"/>
-              </a:rPr>
-              <a:t>szekelydata.csaladen.es</a:t>
-            </a:r>
-          </a:p>
-          <a:p>
-            <a:pPr>
-              <a:lnSpc>
-                <a:spcPct val="150000"/>
-              </a:lnSpc>
-            </a:pPr>
-            <a:r>
-              <a:rPr lang="hu-HU" sz="1600" cap="small" dirty="0">
-                <a:solidFill>
-                  <a:schemeClr val="bg1">
-                    <a:lumMod val="75000"/>
-                  </a:schemeClr>
-                </a:solidFill>
-                <a:latin typeface="Segoe UI Emoji" panose="020B0502040204020203" pitchFamily="34" charset="0"/>
-                <a:ea typeface="Segoe UI Emoji" panose="020B0502040204020203" pitchFamily="34" charset="0"/>
-              </a:rPr>
-              <a:t>facebook.com/szekelydata</a:t>
-            </a:r>
-            <a:endParaRPr lang="en-GB" sz="1600" cap="small" dirty="0">
-              <a:solidFill>
-                <a:schemeClr val="bg1">
-                  <a:lumMod val="75000"/>
-                </a:schemeClr>
-              </a:solidFill>
-              <a:latin typeface="Segoe UI Emoji" panose="020B0502040204020203" pitchFamily="34" charset="0"/>
-              <a:ea typeface="Segoe UI Emoji" panose="020B0502040204020203" pitchFamily="34" charset="0"/>
-            </a:endParaRPr>
-          </a:p>
-        </p:txBody>
-      </p:sp>
-      <p:pic>
-        <p:nvPicPr>
-          <p:cNvPr id="3" name="Picture 2">
-            <a:extLst>
-              <a:ext uri="{FF2B5EF4-FFF2-40B4-BE49-F238E27FC236}">
-                <a16:creationId xmlns:a16="http://schemas.microsoft.com/office/drawing/2014/main" id="{73AA9B91-375B-4572-8D41-2C8D9A45E9EE}"/>
-              </a:ext>
-            </a:extLst>
-          </p:cNvPr>
-          <p:cNvPicPr>
-            <a:picLocks noChangeAspect="1"/>
-          </p:cNvPicPr>
-          <p:nvPr/>
-        </p:nvPicPr>
-        <p:blipFill rotWithShape="1">
-          <a:blip r:embed="rId4"/>
-          <a:srcRect l="13467" r="13467" b="8646"/>
-          <a:stretch/>
-        </p:blipFill>
-        <p:spPr>
-          <a:xfrm>
-            <a:off x="5798695" y="2446474"/>
-            <a:ext cx="723399" cy="722376"/>
-          </a:xfrm>
-          <a:prstGeom prst="roundRect">
-            <a:avLst>
-              <a:gd name="adj" fmla="val 8594"/>
-            </a:avLst>
-          </a:prstGeom>
-          <a:solidFill>
-            <a:srgbClr val="FFFFFF">
-              <a:shade val="85000"/>
-            </a:srgbClr>
-          </a:solidFill>
-          <a:ln>
-            <a:noFill/>
-          </a:ln>
-          <a:effectLst>
-            <a:reflection blurRad="12700" stA="38000" endPos="28000" dist="5000" dir="5400000" sy="-100000" algn="bl" rotWithShape="0"/>
-          </a:effectLst>
-        </p:spPr>
-      </p:pic>
-      <p:pic>
-        <p:nvPicPr>
-          <p:cNvPr id="1026" name="Picture 2" descr="Facebook logo | Logok">
-            <a:extLst>
-              <a:ext uri="{FF2B5EF4-FFF2-40B4-BE49-F238E27FC236}">
-                <a16:creationId xmlns:a16="http://schemas.microsoft.com/office/drawing/2014/main" id="{495BE7B9-FFF4-4648-A32D-85BC740E70B8}"/>
-              </a:ext>
-            </a:extLst>
-          </p:cNvPr>
-          <p:cNvPicPr>
-            <a:picLocks noChangeAspect="1" noChangeArrowheads="1"/>
-          </p:cNvPicPr>
-          <p:nvPr/>
-        </p:nvPicPr>
-        <p:blipFill>
-          <a:blip r:embed="rId5">
-            <a:extLst>
-              <a:ext uri="{28A0092B-C50C-407E-A947-70E740481C1C}">
-                <a14:useLocalDpi xmlns:a14="http://schemas.microsoft.com/office/drawing/2010/main" val="0"/>
-              </a:ext>
-            </a:extLst>
-          </a:blip>
-          <a:srcRect/>
-          <a:stretch>
-            <a:fillRect/>
-          </a:stretch>
-        </p:blipFill>
-        <p:spPr bwMode="auto">
-          <a:xfrm>
-            <a:off x="4668444" y="4433513"/>
-            <a:ext cx="486065" cy="345646"/>
-          </a:xfrm>
-          <a:prstGeom prst="rect">
-            <a:avLst/>
-          </a:prstGeom>
-          <a:noFill/>
-          <a:extLst>
-            <a:ext uri="{909E8E84-426E-40DD-AFC4-6F175D3DCCD1}">
-              <a14:hiddenFill xmlns:a14="http://schemas.microsoft.com/office/drawing/2010/main">
-                <a:solidFill>
-                  <a:srgbClr val="FFFFFF"/>
-                </a:solidFill>
-              </a14:hiddenFill>
-            </a:ext>
-          </a:extLst>
-        </p:spPr>
-      </p:pic>
-      <p:pic>
-        <p:nvPicPr>
-          <p:cNvPr id="19" name="Graphic 18" descr="Snowflake">
-            <a:extLst>
-              <a:ext uri="{FF2B5EF4-FFF2-40B4-BE49-F238E27FC236}">
-                <a16:creationId xmlns:a16="http://schemas.microsoft.com/office/drawing/2014/main" id="{84E30C7F-7F60-4FBD-BF7A-A3F89B51C467}"/>
-              </a:ext>
-            </a:extLst>
-          </p:cNvPr>
-          <p:cNvPicPr>
-            <a:picLocks noChangeAspect="1"/>
-          </p:cNvPicPr>
-          <p:nvPr/>
-        </p:nvPicPr>
-        <p:blipFill rotWithShape="1">
-          <a:blip r:embed="rId6">
-            <a:extLst>
-              <a:ext uri="{28A0092B-C50C-407E-A947-70E740481C1C}">
-                <a14:useLocalDpi xmlns:a14="http://schemas.microsoft.com/office/drawing/2010/main" val="0"/>
-              </a:ext>
-              <a:ext uri="{96DAC541-7B7A-43D3-8B79-37D633B846F1}">
-                <asvg:svgBlip xmlns:asvg="http://schemas.microsoft.com/office/drawing/2016/SVG/main" r:embed="rId7"/>
-              </a:ext>
-            </a:extLst>
-          </a:blip>
-          <a:srcRect l="9739" t="9739" r="9739" b="9739"/>
-          <a:stretch/>
-        </p:blipFill>
-        <p:spPr>
-          <a:xfrm>
-            <a:off x="4778430" y="4128130"/>
-            <a:ext cx="274262" cy="274262"/>
           </a:xfrm>
           <a:prstGeom prst="rect">
             <a:avLst/>
@@ -6155,6 +5911,82 @@
       </p:par>
     </p:tnLst>
   </p:timing>
+</p:sld>
+</file>
+
+<file path=ppt/slides/slide9.xml><?xml version="1.0" encoding="utf-8"?>
+<p:sld xmlns:a="http://schemas.openxmlformats.org/drawingml/2006/main" xmlns:r="http://schemas.openxmlformats.org/officeDocument/2006/relationships" xmlns:p="http://schemas.openxmlformats.org/presentationml/2006/main">
+  <p:cSld>
+    <p:spTree>
+      <p:nvGrpSpPr>
+        <p:cNvPr id="1" name=""/>
+        <p:cNvGrpSpPr/>
+        <p:nvPr/>
+      </p:nvGrpSpPr>
+      <p:grpSpPr>
+        <a:xfrm>
+          <a:off x="0" y="0"/>
+          <a:ext cx="0" cy="0"/>
+          <a:chOff x="0" y="0"/>
+          <a:chExt cx="0" cy="0"/>
+        </a:xfrm>
+      </p:grpSpPr>
+      <p:sp>
+        <p:nvSpPr>
+          <p:cNvPr id="2" name="Rectangle 1"/>
+          <p:cNvSpPr/>
+          <p:nvPr/>
+        </p:nvSpPr>
+        <p:spPr>
+          <a:xfrm>
+            <a:off x="0" y="0"/>
+            <a:ext cx="12192000" cy="6858000"/>
+          </a:xfrm>
+          <a:prstGeom prst="rect">
+            <a:avLst/>
+          </a:prstGeom>
+          <a:solidFill>
+            <a:srgbClr val="E6E6E6"/>
+          </a:solidFill>
+          <a:ln>
+            <a:noFill/>
+          </a:ln>
+        </p:spPr>
+        <p:style>
+          <a:lnRef idx="2">
+            <a:schemeClr val="accent1">
+              <a:shade val="50000"/>
+            </a:schemeClr>
+          </a:lnRef>
+          <a:fillRef idx="1">
+            <a:schemeClr val="accent1"/>
+          </a:fillRef>
+          <a:effectRef idx="0">
+            <a:schemeClr val="accent1"/>
+          </a:effectRef>
+          <a:fontRef idx="minor">
+            <a:schemeClr val="lt1"/>
+          </a:fontRef>
+        </p:style>
+        <p:txBody>
+          <a:bodyPr rtlCol="0" anchor="ctr"/>
+          <a:lstStyle/>
+          <a:p>
+            <a:pPr algn="ctr"/>
+            <a:endParaRPr lang="en-GB" dirty="0"/>
+          </a:p>
+        </p:txBody>
+      </p:sp>
+    </p:spTree>
+    <p:extLst>
+      <p:ext uri="{BB962C8B-B14F-4D97-AF65-F5344CB8AC3E}">
+        <p14:creationId xmlns:p14="http://schemas.microsoft.com/office/powerpoint/2010/main" val="2155476024"/>
+      </p:ext>
+    </p:extLst>
+  </p:cSld>
+  <p:clrMapOvr>
+    <a:masterClrMapping/>
+  </p:clrMapOvr>
 </p:sld>
 </file>
 

--- a/logo/szekelydata logo2.pptx
+++ b/logo/szekelydata logo2.pptx
@@ -13,7 +13,9 @@
     <p:sldId id="261" r:id="rId7"/>
     <p:sldId id="262" r:id="rId8"/>
     <p:sldId id="263" r:id="rId9"/>
-    <p:sldId id="265" r:id="rId10"/>
+    <p:sldId id="266" r:id="rId10"/>
+    <p:sldId id="267" r:id="rId11"/>
+    <p:sldId id="265" r:id="rId12"/>
   </p:sldIdLst>
   <p:sldSz cx="12192000" cy="6858000"/>
   <p:notesSz cx="6858000" cy="9144000"/>
@@ -279,7 +281,7 @@
           <a:p>
             <a:fld id="{18E8E0FF-2D50-4C17-A871-A3C9A189B845}" type="datetimeFigureOut">
               <a:rPr lang="en-US" smtClean="0"/>
-              <a:t>12/18/2018</a:t>
+              <a:t>12/22/2018</a:t>
             </a:fld>
             <a:endParaRPr lang="en-US"/>
           </a:p>
@@ -477,7 +479,7 @@
           <a:p>
             <a:fld id="{18E8E0FF-2D50-4C17-A871-A3C9A189B845}" type="datetimeFigureOut">
               <a:rPr lang="en-US" smtClean="0"/>
-              <a:t>12/18/2018</a:t>
+              <a:t>12/22/2018</a:t>
             </a:fld>
             <a:endParaRPr lang="en-US"/>
           </a:p>
@@ -685,7 +687,7 @@
           <a:p>
             <a:fld id="{18E8E0FF-2D50-4C17-A871-A3C9A189B845}" type="datetimeFigureOut">
               <a:rPr lang="en-US" smtClean="0"/>
-              <a:t>12/18/2018</a:t>
+              <a:t>12/22/2018</a:t>
             </a:fld>
             <a:endParaRPr lang="en-US"/>
           </a:p>
@@ -883,7 +885,7 @@
           <a:p>
             <a:fld id="{18E8E0FF-2D50-4C17-A871-A3C9A189B845}" type="datetimeFigureOut">
               <a:rPr lang="en-US" smtClean="0"/>
-              <a:t>12/18/2018</a:t>
+              <a:t>12/22/2018</a:t>
             </a:fld>
             <a:endParaRPr lang="en-US"/>
           </a:p>
@@ -1158,7 +1160,7 @@
           <a:p>
             <a:fld id="{18E8E0FF-2D50-4C17-A871-A3C9A189B845}" type="datetimeFigureOut">
               <a:rPr lang="en-US" smtClean="0"/>
-              <a:t>12/18/2018</a:t>
+              <a:t>12/22/2018</a:t>
             </a:fld>
             <a:endParaRPr lang="en-US"/>
           </a:p>
@@ -1423,7 +1425,7 @@
           <a:p>
             <a:fld id="{18E8E0FF-2D50-4C17-A871-A3C9A189B845}" type="datetimeFigureOut">
               <a:rPr lang="en-US" smtClean="0"/>
-              <a:t>12/18/2018</a:t>
+              <a:t>12/22/2018</a:t>
             </a:fld>
             <a:endParaRPr lang="en-US"/>
           </a:p>
@@ -1835,7 +1837,7 @@
           <a:p>
             <a:fld id="{18E8E0FF-2D50-4C17-A871-A3C9A189B845}" type="datetimeFigureOut">
               <a:rPr lang="en-US" smtClean="0"/>
-              <a:t>12/18/2018</a:t>
+              <a:t>12/22/2018</a:t>
             </a:fld>
             <a:endParaRPr lang="en-US"/>
           </a:p>
@@ -1976,7 +1978,7 @@
           <a:p>
             <a:fld id="{18E8E0FF-2D50-4C17-A871-A3C9A189B845}" type="datetimeFigureOut">
               <a:rPr lang="en-US" smtClean="0"/>
-              <a:t>12/18/2018</a:t>
+              <a:t>12/22/2018</a:t>
             </a:fld>
             <a:endParaRPr lang="en-US"/>
           </a:p>
@@ -2089,7 +2091,7 @@
           <a:p>
             <a:fld id="{18E8E0FF-2D50-4C17-A871-A3C9A189B845}" type="datetimeFigureOut">
               <a:rPr lang="en-US" smtClean="0"/>
-              <a:t>12/18/2018</a:t>
+              <a:t>12/22/2018</a:t>
             </a:fld>
             <a:endParaRPr lang="en-US"/>
           </a:p>
@@ -2400,7 +2402,7 @@
           <a:p>
             <a:fld id="{18E8E0FF-2D50-4C17-A871-A3C9A189B845}" type="datetimeFigureOut">
               <a:rPr lang="en-US" smtClean="0"/>
-              <a:t>12/18/2018</a:t>
+              <a:t>12/22/2018</a:t>
             </a:fld>
             <a:endParaRPr lang="en-US"/>
           </a:p>
@@ -2688,7 +2690,7 @@
           <a:p>
             <a:fld id="{18E8E0FF-2D50-4C17-A871-A3C9A189B845}" type="datetimeFigureOut">
               <a:rPr lang="en-US" smtClean="0"/>
-              <a:t>12/18/2018</a:t>
+              <a:t>12/22/2018</a:t>
             </a:fld>
             <a:endParaRPr lang="en-US"/>
           </a:p>
@@ -2929,7 +2931,7 @@
           <a:p>
             <a:fld id="{18E8E0FF-2D50-4C17-A871-A3C9A189B845}" type="datetimeFigureOut">
               <a:rPr lang="en-US" smtClean="0"/>
-              <a:t>12/18/2018</a:t>
+              <a:t>12/22/2018</a:t>
             </a:fld>
             <a:endParaRPr lang="en-US"/>
           </a:p>
@@ -3715,6 +3717,580 @@
 </p:sld>
 </file>
 
+<file path=ppt/slides/slide10.xml><?xml version="1.0" encoding="utf-8"?>
+<p:sld xmlns:a="http://schemas.openxmlformats.org/drawingml/2006/main" xmlns:r="http://schemas.openxmlformats.org/officeDocument/2006/relationships" xmlns:p="http://schemas.openxmlformats.org/presentationml/2006/main">
+  <p:cSld>
+    <p:spTree>
+      <p:nvGrpSpPr>
+        <p:cNvPr id="1" name=""/>
+        <p:cNvGrpSpPr/>
+        <p:nvPr/>
+      </p:nvGrpSpPr>
+      <p:grpSpPr>
+        <a:xfrm>
+          <a:off x="0" y="0"/>
+          <a:ext cx="0" cy="0"/>
+          <a:chOff x="0" y="0"/>
+          <a:chExt cx="0" cy="0"/>
+        </a:xfrm>
+      </p:grpSpPr>
+      <p:sp>
+        <p:nvSpPr>
+          <p:cNvPr id="2" name="Rectangle 1"/>
+          <p:cNvSpPr/>
+          <p:nvPr/>
+        </p:nvSpPr>
+        <p:spPr>
+          <a:xfrm>
+            <a:off x="0" y="0"/>
+            <a:ext cx="12192000" cy="6858000"/>
+          </a:xfrm>
+          <a:prstGeom prst="rect">
+            <a:avLst/>
+          </a:prstGeom>
+          <a:solidFill>
+            <a:srgbClr val="231F20"/>
+          </a:solidFill>
+          <a:ln>
+            <a:noFill/>
+          </a:ln>
+        </p:spPr>
+        <p:style>
+          <a:lnRef idx="2">
+            <a:schemeClr val="accent1">
+              <a:shade val="50000"/>
+            </a:schemeClr>
+          </a:lnRef>
+          <a:fillRef idx="1">
+            <a:schemeClr val="accent1"/>
+          </a:fillRef>
+          <a:effectRef idx="0">
+            <a:schemeClr val="accent1"/>
+          </a:effectRef>
+          <a:fontRef idx="minor">
+            <a:schemeClr val="lt1"/>
+          </a:fontRef>
+        </p:style>
+        <p:txBody>
+          <a:bodyPr rtlCol="0" anchor="ctr"/>
+          <a:lstStyle/>
+          <a:p>
+            <a:pPr algn="ctr"/>
+            <a:endParaRPr lang="en-GB"/>
+          </a:p>
+        </p:txBody>
+      </p:sp>
+      <p:pic>
+        <p:nvPicPr>
+          <p:cNvPr id="5" name="Picture 4"/>
+          <p:cNvPicPr>
+            <a:picLocks noChangeAspect="1"/>
+          </p:cNvPicPr>
+          <p:nvPr/>
+        </p:nvPicPr>
+        <p:blipFill rotWithShape="1">
+          <a:blip r:embed="rId2">
+            <a:extLst>
+              <a:ext uri="{BEBA8EAE-BF5A-486C-A8C5-ECC9F3942E4B}">
+                <a14:imgProps xmlns:a14="http://schemas.microsoft.com/office/drawing/2010/main">
+                  <a14:imgLayer r:embed="rId3">
+                    <a14:imgEffect>
+                      <a14:artisticBlur/>
+                    </a14:imgEffect>
+                  </a14:imgLayer>
+                </a14:imgProps>
+              </a:ext>
+              <a:ext uri="{28A0092B-C50C-407E-A947-70E740481C1C}">
+                <a14:useLocalDpi xmlns:a14="http://schemas.microsoft.com/office/drawing/2010/main" val="0"/>
+              </a:ext>
+            </a:extLst>
+          </a:blip>
+          <a:srcRect t="1" b="-5015"/>
+          <a:stretch/>
+        </p:blipFill>
+        <p:spPr>
+          <a:xfrm>
+            <a:off x="2662487" y="9221"/>
+            <a:ext cx="6867026" cy="7182411"/>
+          </a:xfrm>
+          <a:prstGeom prst="rect">
+            <a:avLst/>
+          </a:prstGeom>
+        </p:spPr>
+      </p:pic>
+      <p:sp>
+        <p:nvSpPr>
+          <p:cNvPr id="8" name="TextBox 7">
+            <a:extLst>
+              <a:ext uri="{FF2B5EF4-FFF2-40B4-BE49-F238E27FC236}">
+                <a16:creationId xmlns:a16="http://schemas.microsoft.com/office/drawing/2014/main" id="{EB5458EB-41A5-4115-9FA0-D9944FB4B945}"/>
+              </a:ext>
+            </a:extLst>
+          </p:cNvPr>
+          <p:cNvSpPr txBox="1"/>
+          <p:nvPr/>
+        </p:nvSpPr>
+        <p:spPr>
+          <a:xfrm>
+            <a:off x="2286762" y="2422634"/>
+            <a:ext cx="9390926" cy="1400383"/>
+          </a:xfrm>
+          <a:prstGeom prst="rect">
+            <a:avLst/>
+          </a:prstGeom>
+          <a:noFill/>
+        </p:spPr>
+        <p:txBody>
+          <a:bodyPr wrap="square" rtlCol="0">
+            <a:spAutoFit/>
+          </a:bodyPr>
+          <a:lstStyle/>
+          <a:p>
+            <a:pPr algn="ctr"/>
+            <a:r>
+              <a:rPr lang="en-GB" sz="8500" b="1" dirty="0">
+                <a:solidFill>
+                  <a:schemeClr val="bg1">
+                    <a:lumMod val="95000"/>
+                  </a:schemeClr>
+                </a:solidFill>
+                <a:latin typeface="Bahnschrift" panose="020B0502040204020203" pitchFamily="34" charset="0"/>
+              </a:rPr>
+              <a:t>mini-</a:t>
+            </a:r>
+            <a:r>
+              <a:rPr lang="en-GB" sz="8500" b="1" dirty="0" err="1">
+                <a:solidFill>
+                  <a:schemeClr val="bg1">
+                    <a:lumMod val="95000"/>
+                  </a:schemeClr>
+                </a:solidFill>
+                <a:latin typeface="Bahnschrift" panose="020B0502040204020203" pitchFamily="34" charset="0"/>
+              </a:rPr>
+              <a:t>konferencia</a:t>
+            </a:r>
+            <a:endParaRPr lang="en-US" sz="8500" b="1" dirty="0">
+              <a:solidFill>
+                <a:schemeClr val="bg1">
+                  <a:lumMod val="95000"/>
+                </a:schemeClr>
+              </a:solidFill>
+              <a:latin typeface="Bahnschrift" panose="020B0502040204020203" pitchFamily="34" charset="0"/>
+            </a:endParaRPr>
+          </a:p>
+        </p:txBody>
+      </p:sp>
+      <p:grpSp>
+        <p:nvGrpSpPr>
+          <p:cNvPr id="4" name="Group 3">
+            <a:extLst>
+              <a:ext uri="{FF2B5EF4-FFF2-40B4-BE49-F238E27FC236}">
+                <a16:creationId xmlns:a16="http://schemas.microsoft.com/office/drawing/2014/main" id="{70F6FDBA-7238-49D3-936B-8931E2E85E64}"/>
+              </a:ext>
+            </a:extLst>
+          </p:cNvPr>
+          <p:cNvGrpSpPr/>
+          <p:nvPr/>
+        </p:nvGrpSpPr>
+        <p:grpSpPr>
+          <a:xfrm>
+            <a:off x="576097" y="938148"/>
+            <a:ext cx="11039806" cy="2299992"/>
+            <a:chOff x="275894" y="645850"/>
+            <a:chExt cx="11039806" cy="2299992"/>
+          </a:xfrm>
+        </p:grpSpPr>
+        <p:sp>
+          <p:nvSpPr>
+            <p:cNvPr id="6" name="TextBox 5">
+              <a:extLst>
+                <a:ext uri="{FF2B5EF4-FFF2-40B4-BE49-F238E27FC236}">
+                  <a16:creationId xmlns:a16="http://schemas.microsoft.com/office/drawing/2014/main" id="{174308D6-64C0-4C70-90BD-D47FA1756B30}"/>
+                </a:ext>
+              </a:extLst>
+            </p:cNvPr>
+            <p:cNvSpPr txBox="1"/>
+            <p:nvPr/>
+          </p:nvSpPr>
+          <p:spPr>
+            <a:xfrm>
+              <a:off x="1924774" y="645850"/>
+              <a:ext cx="9390926" cy="2031325"/>
+            </a:xfrm>
+            <a:prstGeom prst="rect">
+              <a:avLst/>
+            </a:prstGeom>
+            <a:noFill/>
+          </p:spPr>
+          <p:txBody>
+            <a:bodyPr wrap="square" rtlCol="0">
+              <a:spAutoFit/>
+            </a:bodyPr>
+            <a:lstStyle/>
+            <a:p>
+              <a:pPr algn="ctr"/>
+              <a:r>
+                <a:rPr lang="hu-HU" sz="12600" b="1" dirty="0">
+                  <a:ln w="28575">
+                    <a:solidFill>
+                      <a:schemeClr val="bg1">
+                        <a:lumMod val="95000"/>
+                      </a:schemeClr>
+                    </a:solidFill>
+                  </a:ln>
+                  <a:solidFill>
+                    <a:srgbClr val="FE0100"/>
+                  </a:solidFill>
+                  <a:latin typeface="Bahnschrift" panose="020B0502040204020203" pitchFamily="34" charset="0"/>
+                </a:rPr>
+                <a:t>székel</a:t>
+              </a:r>
+              <a:r>
+                <a:rPr lang="hu-HU" sz="12400" b="1" dirty="0">
+                  <a:ln w="28575">
+                    <a:solidFill>
+                      <a:schemeClr val="bg1">
+                        <a:lumMod val="95000"/>
+                      </a:schemeClr>
+                    </a:solidFill>
+                  </a:ln>
+                  <a:solidFill>
+                    <a:srgbClr val="FE0100"/>
+                  </a:solidFill>
+                  <a:latin typeface="Bahnschrift" panose="020B0502040204020203" pitchFamily="34" charset="0"/>
+                </a:rPr>
+                <a:t>y</a:t>
+              </a:r>
+              <a:r>
+                <a:rPr lang="en-GB" sz="12400" b="1" dirty="0">
+                  <a:solidFill>
+                    <a:schemeClr val="bg1">
+                      <a:lumMod val="95000"/>
+                    </a:schemeClr>
+                  </a:solidFill>
+                  <a:latin typeface="Bahnschrift" panose="020B0502040204020203" pitchFamily="34" charset="0"/>
+                </a:rPr>
+                <a:t>data</a:t>
+              </a:r>
+              <a:endParaRPr lang="en-US" sz="12400" b="1" dirty="0">
+                <a:solidFill>
+                  <a:schemeClr val="bg1">
+                    <a:lumMod val="95000"/>
+                  </a:schemeClr>
+                </a:solidFill>
+                <a:latin typeface="Bahnschrift" panose="020B0502040204020203" pitchFamily="34" charset="0"/>
+              </a:endParaRPr>
+            </a:p>
+          </p:txBody>
+        </p:sp>
+        <p:pic>
+          <p:nvPicPr>
+            <p:cNvPr id="7" name="Graphic 6" descr="Snowflake">
+              <a:extLst>
+                <a:ext uri="{FF2B5EF4-FFF2-40B4-BE49-F238E27FC236}">
+                  <a16:creationId xmlns:a16="http://schemas.microsoft.com/office/drawing/2014/main" id="{D8DDEC02-AB7C-4F61-9AE4-9401B7C268F3}"/>
+                </a:ext>
+              </a:extLst>
+            </p:cNvPr>
+            <p:cNvPicPr>
+              <a:picLocks noChangeAspect="1"/>
+            </p:cNvPicPr>
+            <p:nvPr/>
+          </p:nvPicPr>
+          <p:blipFill rotWithShape="1">
+            <a:blip r:embed="rId4">
+              <a:extLst>
+                <a:ext uri="{28A0092B-C50C-407E-A947-70E740481C1C}">
+                  <a14:useLocalDpi xmlns:a14="http://schemas.microsoft.com/office/drawing/2010/main" val="0"/>
+                </a:ext>
+                <a:ext uri="{96DAC541-7B7A-43D3-8B79-37D633B846F1}">
+                  <asvg:svgBlip xmlns:asvg="http://schemas.microsoft.com/office/drawing/2016/SVG/main" r:embed="rId5"/>
+                </a:ext>
+              </a:extLst>
+            </a:blip>
+            <a:srcRect l="9739" t="9739" r="9739" b="9739"/>
+            <a:stretch/>
+          </p:blipFill>
+          <p:spPr>
+            <a:xfrm>
+              <a:off x="275894" y="735712"/>
+              <a:ext cx="2210130" cy="2210130"/>
+            </a:xfrm>
+            <a:prstGeom prst="rect">
+              <a:avLst/>
+            </a:prstGeom>
+          </p:spPr>
+        </p:pic>
+      </p:grpSp>
+      <p:sp>
+        <p:nvSpPr>
+          <p:cNvPr id="10" name="TextBox 9">
+            <a:extLst>
+              <a:ext uri="{FF2B5EF4-FFF2-40B4-BE49-F238E27FC236}">
+                <a16:creationId xmlns:a16="http://schemas.microsoft.com/office/drawing/2014/main" id="{87F2ABB3-E43E-46F4-8536-1EC4264ED64F}"/>
+              </a:ext>
+            </a:extLst>
+          </p:cNvPr>
+          <p:cNvSpPr txBox="1"/>
+          <p:nvPr/>
+        </p:nvSpPr>
+        <p:spPr>
+          <a:xfrm>
+            <a:off x="2518148" y="5426338"/>
+            <a:ext cx="8804583" cy="1107996"/>
+          </a:xfrm>
+          <a:prstGeom prst="rect">
+            <a:avLst/>
+          </a:prstGeom>
+          <a:noFill/>
+        </p:spPr>
+        <p:txBody>
+          <a:bodyPr wrap="square" rtlCol="0">
+            <a:spAutoFit/>
+          </a:bodyPr>
+          <a:lstStyle/>
+          <a:p>
+            <a:pPr algn="r"/>
+            <a:r>
+              <a:rPr lang="hu-HU" sz="6600" b="1" dirty="0">
+                <a:solidFill>
+                  <a:schemeClr val="bg1">
+                    <a:lumMod val="95000"/>
+                  </a:schemeClr>
+                </a:solidFill>
+                <a:latin typeface="Bahnschrift" panose="020B0502040204020203" pitchFamily="34" charset="0"/>
+              </a:rPr>
+              <a:t>j</a:t>
+            </a:r>
+            <a:r>
+              <a:rPr lang="en-GB" sz="6600" b="1" dirty="0" err="1">
+                <a:solidFill>
+                  <a:schemeClr val="bg1">
+                    <a:lumMod val="95000"/>
+                  </a:schemeClr>
+                </a:solidFill>
+                <a:latin typeface="Bahnschrift" panose="020B0502040204020203" pitchFamily="34" charset="0"/>
+              </a:rPr>
+              <a:t>anu</a:t>
+            </a:r>
+            <a:r>
+              <a:rPr lang="hu-HU" sz="6600" b="1" dirty="0">
+                <a:solidFill>
+                  <a:schemeClr val="bg1">
+                    <a:lumMod val="95000"/>
+                  </a:schemeClr>
+                </a:solidFill>
+                <a:latin typeface="Bahnschrift" panose="020B0502040204020203" pitchFamily="34" charset="0"/>
+              </a:rPr>
+              <a:t>ár 18, Kolozsvár</a:t>
+            </a:r>
+            <a:endParaRPr lang="en-US" sz="6600" b="1" dirty="0">
+              <a:solidFill>
+                <a:schemeClr val="bg1">
+                  <a:lumMod val="95000"/>
+                </a:schemeClr>
+              </a:solidFill>
+              <a:latin typeface="Bahnschrift" panose="020B0502040204020203" pitchFamily="34" charset="0"/>
+            </a:endParaRPr>
+          </a:p>
+        </p:txBody>
+      </p:sp>
+      <p:pic>
+        <p:nvPicPr>
+          <p:cNvPr id="11" name="Graphic 10" descr="Pin">
+            <a:extLst>
+              <a:ext uri="{FF2B5EF4-FFF2-40B4-BE49-F238E27FC236}">
+                <a16:creationId xmlns:a16="http://schemas.microsoft.com/office/drawing/2014/main" id="{8FABB402-43F2-431A-AD26-823F6CA6EEDF}"/>
+              </a:ext>
+            </a:extLst>
+          </p:cNvPr>
+          <p:cNvPicPr>
+            <a:picLocks noChangeAspect="1"/>
+          </p:cNvPicPr>
+          <p:nvPr/>
+        </p:nvPicPr>
+        <p:blipFill>
+          <a:blip r:embed="rId6">
+            <a:extLst>
+              <a:ext uri="{28A0092B-C50C-407E-A947-70E740481C1C}">
+                <a14:useLocalDpi xmlns:a14="http://schemas.microsoft.com/office/drawing/2010/main" val="0"/>
+              </a:ext>
+              <a:ext uri="{96DAC541-7B7A-43D3-8B79-37D633B846F1}">
+                <asvg:svgBlip xmlns:asvg="http://schemas.microsoft.com/office/drawing/2016/SVG/main" r:embed="rId7"/>
+              </a:ext>
+            </a:extLst>
+          </a:blip>
+          <a:stretch>
+            <a:fillRect/>
+          </a:stretch>
+        </p:blipFill>
+        <p:spPr>
+          <a:xfrm>
+            <a:off x="2062952" y="5087784"/>
+            <a:ext cx="1446550" cy="1446550"/>
+          </a:xfrm>
+          <a:prstGeom prst="rect">
+            <a:avLst/>
+          </a:prstGeom>
+        </p:spPr>
+      </p:pic>
+    </p:spTree>
+    <p:extLst>
+      <p:ext uri="{BB962C8B-B14F-4D97-AF65-F5344CB8AC3E}">
+        <p14:creationId xmlns:p14="http://schemas.microsoft.com/office/powerpoint/2010/main" val="2824833552"/>
+      </p:ext>
+    </p:extLst>
+  </p:cSld>
+  <p:clrMapOvr>
+    <a:masterClrMapping/>
+  </p:clrMapOvr>
+  <p:timing>
+    <p:tnLst>
+      <p:par>
+        <p:cTn id="1" dur="indefinite" restart="never" nodeType="tmRoot">
+          <p:childTnLst>
+            <p:seq concurrent="1" nextAc="seek">
+              <p:cTn id="2" dur="indefinite" nodeType="mainSeq">
+                <p:childTnLst>
+                  <p:par>
+                    <p:cTn id="3" fill="hold">
+                      <p:stCondLst>
+                        <p:cond delay="indefinite"/>
+                      </p:stCondLst>
+                      <p:childTnLst>
+                        <p:par>
+                          <p:cTn id="4" fill="hold">
+                            <p:stCondLst>
+                              <p:cond delay="0"/>
+                            </p:stCondLst>
+                            <p:childTnLst>
+                              <p:par>
+                                <p:cTn id="5" presetID="8" presetClass="emph" presetSubtype="0" repeatCount="indefinite" fill="hold" nodeType="clickEffect">
+                                  <p:stCondLst>
+                                    <p:cond delay="0"/>
+                                  </p:stCondLst>
+                                  <p:childTnLst>
+                                    <p:animRot by="21600000">
+                                      <p:cBhvr>
+                                        <p:cTn id="6" dur="33000" fill="hold"/>
+                                        <p:tgtEl>
+                                          <p:spTgt spid="5"/>
+                                        </p:tgtEl>
+                                        <p:attrNameLst>
+                                          <p:attrName>r</p:attrName>
+                                        </p:attrNameLst>
+                                      </p:cBhvr>
+                                    </p:animRot>
+                                  </p:childTnLst>
+                                </p:cTn>
+                              </p:par>
+                            </p:childTnLst>
+                          </p:cTn>
+                        </p:par>
+                      </p:childTnLst>
+                    </p:cTn>
+                  </p:par>
+                </p:childTnLst>
+              </p:cTn>
+              <p:prevCondLst>
+                <p:cond evt="onPrev" delay="0">
+                  <p:tgtEl>
+                    <p:sldTgt/>
+                  </p:tgtEl>
+                </p:cond>
+              </p:prevCondLst>
+              <p:nextCondLst>
+                <p:cond evt="onNext" delay="0">
+                  <p:tgtEl>
+                    <p:sldTgt/>
+                  </p:tgtEl>
+                </p:cond>
+              </p:nextCondLst>
+            </p:seq>
+          </p:childTnLst>
+        </p:cTn>
+      </p:par>
+    </p:tnLst>
+  </p:timing>
+</p:sld>
+</file>
+
+<file path=ppt/slides/slide11.xml><?xml version="1.0" encoding="utf-8"?>
+<p:sld xmlns:a="http://schemas.openxmlformats.org/drawingml/2006/main" xmlns:r="http://schemas.openxmlformats.org/officeDocument/2006/relationships" xmlns:p="http://schemas.openxmlformats.org/presentationml/2006/main">
+  <p:cSld>
+    <p:spTree>
+      <p:nvGrpSpPr>
+        <p:cNvPr id="1" name=""/>
+        <p:cNvGrpSpPr/>
+        <p:nvPr/>
+      </p:nvGrpSpPr>
+      <p:grpSpPr>
+        <a:xfrm>
+          <a:off x="0" y="0"/>
+          <a:ext cx="0" cy="0"/>
+          <a:chOff x="0" y="0"/>
+          <a:chExt cx="0" cy="0"/>
+        </a:xfrm>
+      </p:grpSpPr>
+      <p:sp>
+        <p:nvSpPr>
+          <p:cNvPr id="2" name="Rectangle 1"/>
+          <p:cNvSpPr/>
+          <p:nvPr/>
+        </p:nvSpPr>
+        <p:spPr>
+          <a:xfrm>
+            <a:off x="0" y="0"/>
+            <a:ext cx="12192000" cy="6858000"/>
+          </a:xfrm>
+          <a:prstGeom prst="rect">
+            <a:avLst/>
+          </a:prstGeom>
+          <a:solidFill>
+            <a:srgbClr val="E6E6E6"/>
+          </a:solidFill>
+          <a:ln>
+            <a:noFill/>
+          </a:ln>
+        </p:spPr>
+        <p:style>
+          <a:lnRef idx="2">
+            <a:schemeClr val="accent1">
+              <a:shade val="50000"/>
+            </a:schemeClr>
+          </a:lnRef>
+          <a:fillRef idx="1">
+            <a:schemeClr val="accent1"/>
+          </a:fillRef>
+          <a:effectRef idx="0">
+            <a:schemeClr val="accent1"/>
+          </a:effectRef>
+          <a:fontRef idx="minor">
+            <a:schemeClr val="lt1"/>
+          </a:fontRef>
+        </p:style>
+        <p:txBody>
+          <a:bodyPr rtlCol="0" anchor="ctr"/>
+          <a:lstStyle/>
+          <a:p>
+            <a:pPr algn="ctr"/>
+            <a:endParaRPr lang="en-GB" dirty="0"/>
+          </a:p>
+        </p:txBody>
+      </p:sp>
+    </p:spTree>
+    <p:extLst>
+      <p:ext uri="{BB962C8B-B14F-4D97-AF65-F5344CB8AC3E}">
+        <p14:creationId xmlns:p14="http://schemas.microsoft.com/office/powerpoint/2010/main" val="2155476024"/>
+      </p:ext>
+    </p:extLst>
+  </p:cSld>
+  <p:clrMapOvr>
+    <a:masterClrMapping/>
+  </p:clrMapOvr>
+</p:sld>
+</file>
+
 <file path=ppt/slides/slide2.xml><?xml version="1.0" encoding="utf-8"?>
 <p:sld xmlns:a="http://schemas.openxmlformats.org/drawingml/2006/main" xmlns:r="http://schemas.openxmlformats.org/officeDocument/2006/relationships" xmlns:p="http://schemas.openxmlformats.org/presentationml/2006/main">
   <p:cSld>
@@ -5931,56 +6507,138 @@
           <a:chExt cx="0" cy="0"/>
         </a:xfrm>
       </p:grpSpPr>
-      <p:sp>
-        <p:nvSpPr>
-          <p:cNvPr id="2" name="Rectangle 1"/>
-          <p:cNvSpPr/>
+      <p:grpSp>
+        <p:nvGrpSpPr>
+          <p:cNvPr id="2" name="Group 1">
+            <a:extLst>
+              <a:ext uri="{FF2B5EF4-FFF2-40B4-BE49-F238E27FC236}">
+                <a16:creationId xmlns:a16="http://schemas.microsoft.com/office/drawing/2014/main" id="{800BFE87-B113-442F-87C2-8822CCDFB350}"/>
+              </a:ext>
+            </a:extLst>
+          </p:cNvPr>
+          <p:cNvGrpSpPr/>
           <p:nvPr/>
-        </p:nvSpPr>
-        <p:spPr>
+        </p:nvGrpSpPr>
+        <p:grpSpPr>
           <a:xfrm>
-            <a:off x="0" y="0"/>
-            <a:ext cx="12192000" cy="6858000"/>
+            <a:off x="576097" y="1129008"/>
+            <a:ext cx="11039806" cy="2299992"/>
+            <a:chOff x="275894" y="645850"/>
+            <a:chExt cx="11039806" cy="2299992"/>
           </a:xfrm>
-          <a:prstGeom prst="rect">
-            <a:avLst/>
-          </a:prstGeom>
-          <a:solidFill>
-            <a:srgbClr val="E6E6E6"/>
-          </a:solidFill>
-          <a:ln>
+        </p:grpSpPr>
+        <p:sp>
+          <p:nvSpPr>
+            <p:cNvPr id="9" name="TextBox 8">
+              <a:extLst>
+                <a:ext uri="{FF2B5EF4-FFF2-40B4-BE49-F238E27FC236}">
+                  <a16:creationId xmlns:a16="http://schemas.microsoft.com/office/drawing/2014/main" id="{44F8CD09-5FFA-422B-9DE7-3F17F3C739E1}"/>
+                </a:ext>
+              </a:extLst>
+            </p:cNvPr>
+            <p:cNvSpPr txBox="1"/>
+            <p:nvPr/>
+          </p:nvSpPr>
+          <p:spPr>
+            <a:xfrm>
+              <a:off x="1924774" y="645850"/>
+              <a:ext cx="9390926" cy="2031325"/>
+            </a:xfrm>
+            <a:prstGeom prst="rect">
+              <a:avLst/>
+            </a:prstGeom>
             <a:noFill/>
-          </a:ln>
-        </p:spPr>
-        <p:style>
-          <a:lnRef idx="2">
-            <a:schemeClr val="accent1">
-              <a:shade val="50000"/>
-            </a:schemeClr>
-          </a:lnRef>
-          <a:fillRef idx="1">
-            <a:schemeClr val="accent1"/>
-          </a:fillRef>
-          <a:effectRef idx="0">
-            <a:schemeClr val="accent1"/>
-          </a:effectRef>
-          <a:fontRef idx="minor">
-            <a:schemeClr val="lt1"/>
-          </a:fontRef>
-        </p:style>
-        <p:txBody>
-          <a:bodyPr rtlCol="0" anchor="ctr"/>
-          <a:lstStyle/>
-          <a:p>
-            <a:pPr algn="ctr"/>
-            <a:endParaRPr lang="en-GB" dirty="0"/>
-          </a:p>
-        </p:txBody>
-      </p:sp>
+          </p:spPr>
+          <p:txBody>
+            <a:bodyPr wrap="square" rtlCol="0">
+              <a:spAutoFit/>
+            </a:bodyPr>
+            <a:lstStyle/>
+            <a:p>
+              <a:pPr algn="ctr"/>
+              <a:r>
+                <a:rPr lang="hu-HU" sz="12600" b="1" dirty="0">
+                  <a:ln w="28575">
+                    <a:solidFill>
+                      <a:schemeClr val="tx1"/>
+                    </a:solidFill>
+                  </a:ln>
+                  <a:solidFill>
+                    <a:srgbClr val="FE0100"/>
+                  </a:solidFill>
+                  <a:latin typeface="Bahnschrift" panose="020B0502040204020203" pitchFamily="34" charset="0"/>
+                </a:rPr>
+                <a:t>székel</a:t>
+              </a:r>
+              <a:r>
+                <a:rPr lang="hu-HU" sz="12400" b="1" dirty="0">
+                  <a:ln w="28575">
+                    <a:solidFill>
+                      <a:schemeClr val="tx1"/>
+                    </a:solidFill>
+                  </a:ln>
+                  <a:solidFill>
+                    <a:srgbClr val="FE0100"/>
+                  </a:solidFill>
+                  <a:latin typeface="Bahnschrift" panose="020B0502040204020203" pitchFamily="34" charset="0"/>
+                </a:rPr>
+                <a:t>y</a:t>
+              </a:r>
+              <a:r>
+                <a:rPr lang="en-GB" sz="12400" b="1" dirty="0">
+                  <a:latin typeface="Bahnschrift" panose="020B0502040204020203" pitchFamily="34" charset="0"/>
+                </a:rPr>
+                <a:t>data</a:t>
+              </a:r>
+              <a:endParaRPr lang="en-US" sz="12400" b="1" dirty="0">
+                <a:latin typeface="Bahnschrift" panose="020B0502040204020203" pitchFamily="34" charset="0"/>
+              </a:endParaRPr>
+            </a:p>
+          </p:txBody>
+        </p:sp>
+        <p:pic>
+          <p:nvPicPr>
+            <p:cNvPr id="13" name="Graphic 12" descr="Snowflake">
+              <a:extLst>
+                <a:ext uri="{FF2B5EF4-FFF2-40B4-BE49-F238E27FC236}">
+                  <a16:creationId xmlns:a16="http://schemas.microsoft.com/office/drawing/2014/main" id="{089F0FCD-74A5-49FD-AAD6-A6C18808A0E9}"/>
+                </a:ext>
+              </a:extLst>
+            </p:cNvPr>
+            <p:cNvPicPr>
+              <a:picLocks noChangeAspect="1"/>
+            </p:cNvPicPr>
+            <p:nvPr/>
+          </p:nvPicPr>
+          <p:blipFill rotWithShape="1">
+            <a:blip r:embed="rId2">
+              <a:extLst>
+                <a:ext uri="{28A0092B-C50C-407E-A947-70E740481C1C}">
+                  <a14:useLocalDpi xmlns:a14="http://schemas.microsoft.com/office/drawing/2010/main" val="0"/>
+                </a:ext>
+                <a:ext uri="{96DAC541-7B7A-43D3-8B79-37D633B846F1}">
+                  <asvg:svgBlip xmlns:asvg="http://schemas.microsoft.com/office/drawing/2016/SVG/main" r:embed="rId3"/>
+                </a:ext>
+              </a:extLst>
+            </a:blip>
+            <a:srcRect l="9739" t="9739" r="9739" b="9739"/>
+            <a:stretch/>
+          </p:blipFill>
+          <p:spPr>
+            <a:xfrm>
+              <a:off x="275894" y="735712"/>
+              <a:ext cx="2210130" cy="2210130"/>
+            </a:xfrm>
+            <a:prstGeom prst="rect">
+              <a:avLst/>
+            </a:prstGeom>
+          </p:spPr>
+        </p:pic>
+      </p:grpSp>
     </p:spTree>
     <p:extLst>
       <p:ext uri="{BB962C8B-B14F-4D97-AF65-F5344CB8AC3E}">
-        <p14:creationId xmlns:p14="http://schemas.microsoft.com/office/powerpoint/2010/main" val="2155476024"/>
+        <p14:creationId xmlns:p14="http://schemas.microsoft.com/office/powerpoint/2010/main" val="4081413171"/>
       </p:ext>
     </p:extLst>
   </p:cSld>

--- a/logo/szekelydata logo2.pptx
+++ b/logo/szekelydata logo2.pptx
@@ -15,7 +15,16 @@
     <p:sldId id="263" r:id="rId9"/>
     <p:sldId id="266" r:id="rId10"/>
     <p:sldId id="267" r:id="rId11"/>
-    <p:sldId id="265" r:id="rId12"/>
+    <p:sldId id="269" r:id="rId12"/>
+    <p:sldId id="268" r:id="rId13"/>
+    <p:sldId id="270" r:id="rId14"/>
+    <p:sldId id="275" r:id="rId15"/>
+    <p:sldId id="272" r:id="rId16"/>
+    <p:sldId id="276" r:id="rId17"/>
+    <p:sldId id="274" r:id="rId18"/>
+    <p:sldId id="273" r:id="rId19"/>
+    <p:sldId id="277" r:id="rId20"/>
+    <p:sldId id="265" r:id="rId21"/>
   </p:sldIdLst>
   <p:sldSz cx="12192000" cy="6858000"/>
   <p:notesSz cx="6858000" cy="9144000"/>
@@ -281,7 +290,7 @@
           <a:p>
             <a:fld id="{18E8E0FF-2D50-4C17-A871-A3C9A189B845}" type="datetimeFigureOut">
               <a:rPr lang="en-US" smtClean="0"/>
-              <a:t>12/22/2018</a:t>
+              <a:t>1/22/2019</a:t>
             </a:fld>
             <a:endParaRPr lang="en-US"/>
           </a:p>
@@ -479,7 +488,7 @@
           <a:p>
             <a:fld id="{18E8E0FF-2D50-4C17-A871-A3C9A189B845}" type="datetimeFigureOut">
               <a:rPr lang="en-US" smtClean="0"/>
-              <a:t>12/22/2018</a:t>
+              <a:t>1/22/2019</a:t>
             </a:fld>
             <a:endParaRPr lang="en-US"/>
           </a:p>
@@ -687,7 +696,7 @@
           <a:p>
             <a:fld id="{18E8E0FF-2D50-4C17-A871-A3C9A189B845}" type="datetimeFigureOut">
               <a:rPr lang="en-US" smtClean="0"/>
-              <a:t>12/22/2018</a:t>
+              <a:t>1/22/2019</a:t>
             </a:fld>
             <a:endParaRPr lang="en-US"/>
           </a:p>
@@ -885,7 +894,7 @@
           <a:p>
             <a:fld id="{18E8E0FF-2D50-4C17-A871-A3C9A189B845}" type="datetimeFigureOut">
               <a:rPr lang="en-US" smtClean="0"/>
-              <a:t>12/22/2018</a:t>
+              <a:t>1/22/2019</a:t>
             </a:fld>
             <a:endParaRPr lang="en-US"/>
           </a:p>
@@ -1160,7 +1169,7 @@
           <a:p>
             <a:fld id="{18E8E0FF-2D50-4C17-A871-A3C9A189B845}" type="datetimeFigureOut">
               <a:rPr lang="en-US" smtClean="0"/>
-              <a:t>12/22/2018</a:t>
+              <a:t>1/22/2019</a:t>
             </a:fld>
             <a:endParaRPr lang="en-US"/>
           </a:p>
@@ -1425,7 +1434,7 @@
           <a:p>
             <a:fld id="{18E8E0FF-2D50-4C17-A871-A3C9A189B845}" type="datetimeFigureOut">
               <a:rPr lang="en-US" smtClean="0"/>
-              <a:t>12/22/2018</a:t>
+              <a:t>1/22/2019</a:t>
             </a:fld>
             <a:endParaRPr lang="en-US"/>
           </a:p>
@@ -1837,7 +1846,7 @@
           <a:p>
             <a:fld id="{18E8E0FF-2D50-4C17-A871-A3C9A189B845}" type="datetimeFigureOut">
               <a:rPr lang="en-US" smtClean="0"/>
-              <a:t>12/22/2018</a:t>
+              <a:t>1/22/2019</a:t>
             </a:fld>
             <a:endParaRPr lang="en-US"/>
           </a:p>
@@ -1978,7 +1987,7 @@
           <a:p>
             <a:fld id="{18E8E0FF-2D50-4C17-A871-A3C9A189B845}" type="datetimeFigureOut">
               <a:rPr lang="en-US" smtClean="0"/>
-              <a:t>12/22/2018</a:t>
+              <a:t>1/22/2019</a:t>
             </a:fld>
             <a:endParaRPr lang="en-US"/>
           </a:p>
@@ -2091,7 +2100,7 @@
           <a:p>
             <a:fld id="{18E8E0FF-2D50-4C17-A871-A3C9A189B845}" type="datetimeFigureOut">
               <a:rPr lang="en-US" smtClean="0"/>
-              <a:t>12/22/2018</a:t>
+              <a:t>1/22/2019</a:t>
             </a:fld>
             <a:endParaRPr lang="en-US"/>
           </a:p>
@@ -2402,7 +2411,7 @@
           <a:p>
             <a:fld id="{18E8E0FF-2D50-4C17-A871-A3C9A189B845}" type="datetimeFigureOut">
               <a:rPr lang="en-US" smtClean="0"/>
-              <a:t>12/22/2018</a:t>
+              <a:t>1/22/2019</a:t>
             </a:fld>
             <a:endParaRPr lang="en-US"/>
           </a:p>
@@ -2690,7 +2699,7 @@
           <a:p>
             <a:fld id="{18E8E0FF-2D50-4C17-A871-A3C9A189B845}" type="datetimeFigureOut">
               <a:rPr lang="en-US" smtClean="0"/>
-              <a:t>12/22/2018</a:t>
+              <a:t>1/22/2019</a:t>
             </a:fld>
             <a:endParaRPr lang="en-US"/>
           </a:p>
@@ -2931,7 +2940,7 @@
           <a:p>
             <a:fld id="{18E8E0FF-2D50-4C17-A871-A3C9A189B845}" type="datetimeFigureOut">
               <a:rPr lang="en-US" smtClean="0"/>
-              <a:t>12/22/2018</a:t>
+              <a:t>1/22/2019</a:t>
             </a:fld>
             <a:endParaRPr lang="en-US"/>
           </a:p>
@@ -4247,7 +4256,7 @@
             <a:avLst/>
           </a:prstGeom>
           <a:solidFill>
-            <a:srgbClr val="E6E6E6"/>
+            <a:srgbClr val="231F20"/>
           </a:solidFill>
           <a:ln>
             <a:noFill/>
@@ -4274,20 +4283,9046 @@
           <a:lstStyle/>
           <a:p>
             <a:pPr algn="ctr"/>
-            <a:endParaRPr lang="en-GB" dirty="0"/>
+            <a:endParaRPr lang="en-GB"/>
           </a:p>
         </p:txBody>
       </p:sp>
+      <p:pic>
+        <p:nvPicPr>
+          <p:cNvPr id="5" name="Picture 4"/>
+          <p:cNvPicPr>
+            <a:picLocks noChangeAspect="1"/>
+          </p:cNvPicPr>
+          <p:nvPr/>
+        </p:nvPicPr>
+        <p:blipFill rotWithShape="1">
+          <a:blip r:embed="rId2">
+            <a:extLst>
+              <a:ext uri="{BEBA8EAE-BF5A-486C-A8C5-ECC9F3942E4B}">
+                <a14:imgProps xmlns:a14="http://schemas.microsoft.com/office/drawing/2010/main">
+                  <a14:imgLayer r:embed="rId3">
+                    <a14:imgEffect>
+                      <a14:artisticBlur/>
+                    </a14:imgEffect>
+                  </a14:imgLayer>
+                </a14:imgProps>
+              </a:ext>
+              <a:ext uri="{28A0092B-C50C-407E-A947-70E740481C1C}">
+                <a14:useLocalDpi xmlns:a14="http://schemas.microsoft.com/office/drawing/2010/main" val="0"/>
+              </a:ext>
+            </a:extLst>
+          </a:blip>
+          <a:srcRect t="1" b="-5015"/>
+          <a:stretch/>
+        </p:blipFill>
+        <p:spPr>
+          <a:xfrm>
+            <a:off x="2662487" y="9221"/>
+            <a:ext cx="6867026" cy="7182411"/>
+          </a:xfrm>
+          <a:prstGeom prst="rect">
+            <a:avLst/>
+          </a:prstGeom>
+        </p:spPr>
+      </p:pic>
+      <p:sp>
+        <p:nvSpPr>
+          <p:cNvPr id="8" name="TextBox 7">
+            <a:extLst>
+              <a:ext uri="{FF2B5EF4-FFF2-40B4-BE49-F238E27FC236}">
+                <a16:creationId xmlns:a16="http://schemas.microsoft.com/office/drawing/2014/main" id="{EB5458EB-41A5-4115-9FA0-D9944FB4B945}"/>
+              </a:ext>
+            </a:extLst>
+          </p:cNvPr>
+          <p:cNvSpPr txBox="1"/>
+          <p:nvPr/>
+        </p:nvSpPr>
+        <p:spPr>
+          <a:xfrm>
+            <a:off x="2286762" y="2422634"/>
+            <a:ext cx="9390926" cy="1400383"/>
+          </a:xfrm>
+          <a:prstGeom prst="rect">
+            <a:avLst/>
+          </a:prstGeom>
+          <a:noFill/>
+        </p:spPr>
+        <p:txBody>
+          <a:bodyPr wrap="square" rtlCol="0">
+            <a:spAutoFit/>
+          </a:bodyPr>
+          <a:lstStyle/>
+          <a:p>
+            <a:pPr algn="ctr"/>
+            <a:r>
+              <a:rPr lang="en-GB" sz="8500" b="1" dirty="0">
+                <a:solidFill>
+                  <a:schemeClr val="bg1">
+                    <a:lumMod val="95000"/>
+                  </a:schemeClr>
+                </a:solidFill>
+                <a:latin typeface="Bahnschrift" panose="020B0502040204020203" pitchFamily="34" charset="0"/>
+              </a:rPr>
+              <a:t>mini-</a:t>
+            </a:r>
+            <a:r>
+              <a:rPr lang="en-GB" sz="8500" b="1" dirty="0" err="1">
+                <a:solidFill>
+                  <a:schemeClr val="bg1">
+                    <a:lumMod val="95000"/>
+                  </a:schemeClr>
+                </a:solidFill>
+                <a:latin typeface="Bahnschrift" panose="020B0502040204020203" pitchFamily="34" charset="0"/>
+              </a:rPr>
+              <a:t>konferencia</a:t>
+            </a:r>
+            <a:endParaRPr lang="en-US" sz="8500" b="1" dirty="0">
+              <a:solidFill>
+                <a:schemeClr val="bg1">
+                  <a:lumMod val="95000"/>
+                </a:schemeClr>
+              </a:solidFill>
+              <a:latin typeface="Bahnschrift" panose="020B0502040204020203" pitchFamily="34" charset="0"/>
+            </a:endParaRPr>
+          </a:p>
+        </p:txBody>
+      </p:sp>
+      <p:grpSp>
+        <p:nvGrpSpPr>
+          <p:cNvPr id="4" name="Group 3">
+            <a:extLst>
+              <a:ext uri="{FF2B5EF4-FFF2-40B4-BE49-F238E27FC236}">
+                <a16:creationId xmlns:a16="http://schemas.microsoft.com/office/drawing/2014/main" id="{70F6FDBA-7238-49D3-936B-8931E2E85E64}"/>
+              </a:ext>
+            </a:extLst>
+          </p:cNvPr>
+          <p:cNvGrpSpPr/>
+          <p:nvPr/>
+        </p:nvGrpSpPr>
+        <p:grpSpPr>
+          <a:xfrm>
+            <a:off x="576097" y="938148"/>
+            <a:ext cx="11039806" cy="2299992"/>
+            <a:chOff x="275894" y="645850"/>
+            <a:chExt cx="11039806" cy="2299992"/>
+          </a:xfrm>
+        </p:grpSpPr>
+        <p:sp>
+          <p:nvSpPr>
+            <p:cNvPr id="6" name="TextBox 5">
+              <a:extLst>
+                <a:ext uri="{FF2B5EF4-FFF2-40B4-BE49-F238E27FC236}">
+                  <a16:creationId xmlns:a16="http://schemas.microsoft.com/office/drawing/2014/main" id="{174308D6-64C0-4C70-90BD-D47FA1756B30}"/>
+                </a:ext>
+              </a:extLst>
+            </p:cNvPr>
+            <p:cNvSpPr txBox="1"/>
+            <p:nvPr/>
+          </p:nvSpPr>
+          <p:spPr>
+            <a:xfrm>
+              <a:off x="1924774" y="645850"/>
+              <a:ext cx="9390926" cy="2031325"/>
+            </a:xfrm>
+            <a:prstGeom prst="rect">
+              <a:avLst/>
+            </a:prstGeom>
+            <a:noFill/>
+          </p:spPr>
+          <p:txBody>
+            <a:bodyPr wrap="square" rtlCol="0">
+              <a:spAutoFit/>
+            </a:bodyPr>
+            <a:lstStyle/>
+            <a:p>
+              <a:pPr algn="ctr"/>
+              <a:r>
+                <a:rPr lang="hu-HU" sz="12600" b="1" dirty="0">
+                  <a:ln w="28575">
+                    <a:solidFill>
+                      <a:schemeClr val="bg1">
+                        <a:lumMod val="95000"/>
+                      </a:schemeClr>
+                    </a:solidFill>
+                  </a:ln>
+                  <a:solidFill>
+                    <a:srgbClr val="FE0100"/>
+                  </a:solidFill>
+                  <a:latin typeface="Bahnschrift" panose="020B0502040204020203" pitchFamily="34" charset="0"/>
+                </a:rPr>
+                <a:t>székel</a:t>
+              </a:r>
+              <a:r>
+                <a:rPr lang="hu-HU" sz="12400" b="1" dirty="0">
+                  <a:ln w="28575">
+                    <a:solidFill>
+                      <a:schemeClr val="bg1">
+                        <a:lumMod val="95000"/>
+                      </a:schemeClr>
+                    </a:solidFill>
+                  </a:ln>
+                  <a:solidFill>
+                    <a:srgbClr val="FE0100"/>
+                  </a:solidFill>
+                  <a:latin typeface="Bahnschrift" panose="020B0502040204020203" pitchFamily="34" charset="0"/>
+                </a:rPr>
+                <a:t>y</a:t>
+              </a:r>
+              <a:r>
+                <a:rPr lang="en-GB" sz="12400" b="1" dirty="0">
+                  <a:solidFill>
+                    <a:schemeClr val="bg1">
+                      <a:lumMod val="85000"/>
+                    </a:schemeClr>
+                  </a:solidFill>
+                  <a:latin typeface="Bahnschrift" panose="020B0502040204020203" pitchFamily="34" charset="0"/>
+                </a:rPr>
+                <a:t>data</a:t>
+              </a:r>
+              <a:endParaRPr lang="en-US" sz="12400" b="1" dirty="0">
+                <a:solidFill>
+                  <a:schemeClr val="bg1">
+                    <a:lumMod val="85000"/>
+                  </a:schemeClr>
+                </a:solidFill>
+                <a:latin typeface="Bahnschrift" panose="020B0502040204020203" pitchFamily="34" charset="0"/>
+              </a:endParaRPr>
+            </a:p>
+          </p:txBody>
+        </p:sp>
+        <p:pic>
+          <p:nvPicPr>
+            <p:cNvPr id="7" name="Graphic 6" descr="Snowflake">
+              <a:extLst>
+                <a:ext uri="{FF2B5EF4-FFF2-40B4-BE49-F238E27FC236}">
+                  <a16:creationId xmlns:a16="http://schemas.microsoft.com/office/drawing/2014/main" id="{D8DDEC02-AB7C-4F61-9AE4-9401B7C268F3}"/>
+                </a:ext>
+              </a:extLst>
+            </p:cNvPr>
+            <p:cNvPicPr>
+              <a:picLocks noChangeAspect="1"/>
+            </p:cNvPicPr>
+            <p:nvPr/>
+          </p:nvPicPr>
+          <p:blipFill rotWithShape="1">
+            <a:blip r:embed="rId4">
+              <a:extLst>
+                <a:ext uri="{28A0092B-C50C-407E-A947-70E740481C1C}">
+                  <a14:useLocalDpi xmlns:a14="http://schemas.microsoft.com/office/drawing/2010/main" val="0"/>
+                </a:ext>
+                <a:ext uri="{96DAC541-7B7A-43D3-8B79-37D633B846F1}">
+                  <asvg:svgBlip xmlns:asvg="http://schemas.microsoft.com/office/drawing/2016/SVG/main" r:embed="rId5"/>
+                </a:ext>
+              </a:extLst>
+            </a:blip>
+            <a:srcRect l="9739" t="9739" r="9739" b="9739"/>
+            <a:stretch/>
+          </p:blipFill>
+          <p:spPr>
+            <a:xfrm>
+              <a:off x="275894" y="735712"/>
+              <a:ext cx="2210130" cy="2210130"/>
+            </a:xfrm>
+            <a:prstGeom prst="rect">
+              <a:avLst/>
+            </a:prstGeom>
+          </p:spPr>
+        </p:pic>
+      </p:grpSp>
+      <p:sp>
+        <p:nvSpPr>
+          <p:cNvPr id="10" name="TextBox 9">
+            <a:extLst>
+              <a:ext uri="{FF2B5EF4-FFF2-40B4-BE49-F238E27FC236}">
+                <a16:creationId xmlns:a16="http://schemas.microsoft.com/office/drawing/2014/main" id="{87F2ABB3-E43E-46F4-8536-1EC4264ED64F}"/>
+              </a:ext>
+            </a:extLst>
+          </p:cNvPr>
+          <p:cNvSpPr txBox="1"/>
+          <p:nvPr/>
+        </p:nvSpPr>
+        <p:spPr>
+          <a:xfrm>
+            <a:off x="2518148" y="5426338"/>
+            <a:ext cx="8804583" cy="1107996"/>
+          </a:xfrm>
+          <a:prstGeom prst="rect">
+            <a:avLst/>
+          </a:prstGeom>
+          <a:noFill/>
+        </p:spPr>
+        <p:txBody>
+          <a:bodyPr wrap="square" rtlCol="0">
+            <a:spAutoFit/>
+          </a:bodyPr>
+          <a:lstStyle/>
+          <a:p>
+            <a:pPr algn="r"/>
+            <a:r>
+              <a:rPr lang="hu-HU" sz="6600" b="1" dirty="0">
+                <a:solidFill>
+                  <a:schemeClr val="bg1">
+                    <a:lumMod val="95000"/>
+                  </a:schemeClr>
+                </a:solidFill>
+                <a:latin typeface="Bahnschrift" panose="020B0502040204020203" pitchFamily="34" charset="0"/>
+              </a:rPr>
+              <a:t>j</a:t>
+            </a:r>
+            <a:r>
+              <a:rPr lang="en-GB" sz="6600" b="1" dirty="0" err="1">
+                <a:solidFill>
+                  <a:schemeClr val="bg1">
+                    <a:lumMod val="95000"/>
+                  </a:schemeClr>
+                </a:solidFill>
+                <a:latin typeface="Bahnschrift" panose="020B0502040204020203" pitchFamily="34" charset="0"/>
+              </a:rPr>
+              <a:t>anu</a:t>
+            </a:r>
+            <a:r>
+              <a:rPr lang="hu-HU" sz="6600" b="1" dirty="0">
+                <a:solidFill>
+                  <a:schemeClr val="bg1">
+                    <a:lumMod val="95000"/>
+                  </a:schemeClr>
+                </a:solidFill>
+                <a:latin typeface="Bahnschrift" panose="020B0502040204020203" pitchFamily="34" charset="0"/>
+              </a:rPr>
+              <a:t>ár 18, Kolozsvár</a:t>
+            </a:r>
+            <a:endParaRPr lang="en-US" sz="6600" b="1" dirty="0">
+              <a:solidFill>
+                <a:schemeClr val="bg1">
+                  <a:lumMod val="95000"/>
+                </a:schemeClr>
+              </a:solidFill>
+              <a:latin typeface="Bahnschrift" panose="020B0502040204020203" pitchFamily="34" charset="0"/>
+            </a:endParaRPr>
+          </a:p>
+        </p:txBody>
+      </p:sp>
+      <p:pic>
+        <p:nvPicPr>
+          <p:cNvPr id="11" name="Graphic 10" descr="Pin">
+            <a:extLst>
+              <a:ext uri="{FF2B5EF4-FFF2-40B4-BE49-F238E27FC236}">
+                <a16:creationId xmlns:a16="http://schemas.microsoft.com/office/drawing/2014/main" id="{8FABB402-43F2-431A-AD26-823F6CA6EEDF}"/>
+              </a:ext>
+            </a:extLst>
+          </p:cNvPr>
+          <p:cNvPicPr>
+            <a:picLocks noChangeAspect="1"/>
+          </p:cNvPicPr>
+          <p:nvPr/>
+        </p:nvPicPr>
+        <p:blipFill>
+          <a:blip r:embed="rId6">
+            <a:extLst>
+              <a:ext uri="{28A0092B-C50C-407E-A947-70E740481C1C}">
+                <a14:useLocalDpi xmlns:a14="http://schemas.microsoft.com/office/drawing/2010/main" val="0"/>
+              </a:ext>
+              <a:ext uri="{96DAC541-7B7A-43D3-8B79-37D633B846F1}">
+                <asvg:svgBlip xmlns:asvg="http://schemas.microsoft.com/office/drawing/2016/SVG/main" r:embed="rId7"/>
+              </a:ext>
+            </a:extLst>
+          </a:blip>
+          <a:stretch>
+            <a:fillRect/>
+          </a:stretch>
+        </p:blipFill>
+        <p:spPr>
+          <a:xfrm>
+            <a:off x="2062952" y="5087784"/>
+            <a:ext cx="1446550" cy="1446550"/>
+          </a:xfrm>
+          <a:prstGeom prst="rect">
+            <a:avLst/>
+          </a:prstGeom>
+        </p:spPr>
+      </p:pic>
     </p:spTree>
     <p:extLst>
       <p:ext uri="{BB962C8B-B14F-4D97-AF65-F5344CB8AC3E}">
-        <p14:creationId xmlns:p14="http://schemas.microsoft.com/office/powerpoint/2010/main" val="2155476024"/>
+        <p14:creationId xmlns:p14="http://schemas.microsoft.com/office/powerpoint/2010/main" val="2851857326"/>
       </p:ext>
     </p:extLst>
   </p:cSld>
   <p:clrMapOvr>
     <a:masterClrMapping/>
   </p:clrMapOvr>
+  <p:timing>
+    <p:tnLst>
+      <p:par>
+        <p:cTn id="1" dur="indefinite" restart="never" nodeType="tmRoot">
+          <p:childTnLst>
+            <p:seq concurrent="1" nextAc="seek">
+              <p:cTn id="2" dur="indefinite" nodeType="mainSeq">
+                <p:childTnLst>
+                  <p:par>
+                    <p:cTn id="3" fill="hold">
+                      <p:stCondLst>
+                        <p:cond delay="indefinite"/>
+                      </p:stCondLst>
+                      <p:childTnLst>
+                        <p:par>
+                          <p:cTn id="4" fill="hold">
+                            <p:stCondLst>
+                              <p:cond delay="0"/>
+                            </p:stCondLst>
+                            <p:childTnLst>
+                              <p:par>
+                                <p:cTn id="5" presetID="8" presetClass="emph" presetSubtype="0" repeatCount="indefinite" fill="hold" nodeType="clickEffect">
+                                  <p:stCondLst>
+                                    <p:cond delay="0"/>
+                                  </p:stCondLst>
+                                  <p:childTnLst>
+                                    <p:animRot by="21600000">
+                                      <p:cBhvr>
+                                        <p:cTn id="6" dur="33000" fill="hold"/>
+                                        <p:tgtEl>
+                                          <p:spTgt spid="5"/>
+                                        </p:tgtEl>
+                                        <p:attrNameLst>
+                                          <p:attrName>r</p:attrName>
+                                        </p:attrNameLst>
+                                      </p:cBhvr>
+                                    </p:animRot>
+                                  </p:childTnLst>
+                                </p:cTn>
+                              </p:par>
+                            </p:childTnLst>
+                          </p:cTn>
+                        </p:par>
+                      </p:childTnLst>
+                    </p:cTn>
+                  </p:par>
+                </p:childTnLst>
+              </p:cTn>
+              <p:prevCondLst>
+                <p:cond evt="onPrev" delay="0">
+                  <p:tgtEl>
+                    <p:sldTgt/>
+                  </p:tgtEl>
+                </p:cond>
+              </p:prevCondLst>
+              <p:nextCondLst>
+                <p:cond evt="onNext" delay="0">
+                  <p:tgtEl>
+                    <p:sldTgt/>
+                  </p:tgtEl>
+                </p:cond>
+              </p:nextCondLst>
+            </p:seq>
+          </p:childTnLst>
+        </p:cTn>
+      </p:par>
+    </p:tnLst>
+  </p:timing>
+</p:sld>
+</file>
+
+<file path=ppt/slides/slide12.xml><?xml version="1.0" encoding="utf-8"?>
+<p:sld xmlns:a="http://schemas.openxmlformats.org/drawingml/2006/main" xmlns:r="http://schemas.openxmlformats.org/officeDocument/2006/relationships" xmlns:p="http://schemas.openxmlformats.org/presentationml/2006/main">
+  <p:cSld>
+    <p:spTree>
+      <p:nvGrpSpPr>
+        <p:cNvPr id="1" name=""/>
+        <p:cNvGrpSpPr/>
+        <p:nvPr/>
+      </p:nvGrpSpPr>
+      <p:grpSpPr>
+        <a:xfrm>
+          <a:off x="0" y="0"/>
+          <a:ext cx="0" cy="0"/>
+          <a:chOff x="0" y="0"/>
+          <a:chExt cx="0" cy="0"/>
+        </a:xfrm>
+      </p:grpSpPr>
+      <p:sp>
+        <p:nvSpPr>
+          <p:cNvPr id="2" name="Rectangle 1"/>
+          <p:cNvSpPr/>
+          <p:nvPr/>
+        </p:nvSpPr>
+        <p:spPr>
+          <a:xfrm>
+            <a:off x="0" y="0"/>
+            <a:ext cx="12192000" cy="6858000"/>
+          </a:xfrm>
+          <a:prstGeom prst="rect">
+            <a:avLst/>
+          </a:prstGeom>
+          <a:solidFill>
+            <a:srgbClr val="231F20"/>
+          </a:solidFill>
+          <a:ln w="57150">
+            <a:noFill/>
+          </a:ln>
+        </p:spPr>
+        <p:style>
+          <a:lnRef idx="2">
+            <a:schemeClr val="accent1">
+              <a:shade val="50000"/>
+            </a:schemeClr>
+          </a:lnRef>
+          <a:fillRef idx="1">
+            <a:schemeClr val="accent1"/>
+          </a:fillRef>
+          <a:effectRef idx="0">
+            <a:schemeClr val="accent1"/>
+          </a:effectRef>
+          <a:fontRef idx="minor">
+            <a:schemeClr val="lt1"/>
+          </a:fontRef>
+        </p:style>
+        <p:txBody>
+          <a:bodyPr rtlCol="0" anchor="ctr"/>
+          <a:lstStyle/>
+          <a:p>
+            <a:pPr algn="ctr"/>
+            <a:endParaRPr lang="en-GB"/>
+          </a:p>
+        </p:txBody>
+      </p:sp>
+      <p:pic>
+        <p:nvPicPr>
+          <p:cNvPr id="5" name="Picture 4"/>
+          <p:cNvPicPr>
+            <a:picLocks noChangeAspect="1"/>
+          </p:cNvPicPr>
+          <p:nvPr/>
+        </p:nvPicPr>
+        <p:blipFill rotWithShape="1">
+          <a:blip r:embed="rId2">
+            <a:extLst>
+              <a:ext uri="{BEBA8EAE-BF5A-486C-A8C5-ECC9F3942E4B}">
+                <a14:imgProps xmlns:a14="http://schemas.microsoft.com/office/drawing/2010/main">
+                  <a14:imgLayer r:embed="rId3">
+                    <a14:imgEffect>
+                      <a14:artisticBlur/>
+                    </a14:imgEffect>
+                  </a14:imgLayer>
+                </a14:imgProps>
+              </a:ext>
+              <a:ext uri="{28A0092B-C50C-407E-A947-70E740481C1C}">
+                <a14:useLocalDpi xmlns:a14="http://schemas.microsoft.com/office/drawing/2010/main" val="0"/>
+              </a:ext>
+            </a:extLst>
+          </a:blip>
+          <a:srcRect t="1" b="-5015"/>
+          <a:stretch/>
+        </p:blipFill>
+        <p:spPr>
+          <a:xfrm>
+            <a:off x="2780270" y="132414"/>
+            <a:ext cx="6631460" cy="6936026"/>
+          </a:xfrm>
+          <a:prstGeom prst="rect">
+            <a:avLst/>
+          </a:prstGeom>
+        </p:spPr>
+      </p:pic>
+      <p:sp>
+        <p:nvSpPr>
+          <p:cNvPr id="8" name="TextBox 7">
+            <a:extLst>
+              <a:ext uri="{FF2B5EF4-FFF2-40B4-BE49-F238E27FC236}">
+                <a16:creationId xmlns:a16="http://schemas.microsoft.com/office/drawing/2014/main" id="{EB5458EB-41A5-4115-9FA0-D9944FB4B945}"/>
+              </a:ext>
+            </a:extLst>
+          </p:cNvPr>
+          <p:cNvSpPr txBox="1"/>
+          <p:nvPr/>
+        </p:nvSpPr>
+        <p:spPr>
+          <a:xfrm>
+            <a:off x="217909" y="2051968"/>
+            <a:ext cx="11756182" cy="1846659"/>
+          </a:xfrm>
+          <a:prstGeom prst="rect">
+            <a:avLst/>
+          </a:prstGeom>
+          <a:noFill/>
+        </p:spPr>
+        <p:txBody>
+          <a:bodyPr wrap="square" rtlCol="0">
+            <a:spAutoFit/>
+          </a:bodyPr>
+          <a:lstStyle/>
+          <a:p>
+            <a:pPr algn="ctr"/>
+            <a:r>
+              <a:rPr lang="ro-RO" sz="6000" b="1" dirty="0">
+                <a:solidFill>
+                  <a:schemeClr val="bg1">
+                    <a:lumMod val="85000"/>
+                  </a:schemeClr>
+                </a:solidFill>
+                <a:latin typeface="Bahnschrift" panose="020B0502040204020203" pitchFamily="34" charset="0"/>
+              </a:rPr>
+              <a:t>I. erd</a:t>
+            </a:r>
+            <a:r>
+              <a:rPr lang="hu-HU" sz="6000" b="1" dirty="0">
+                <a:solidFill>
+                  <a:schemeClr val="bg1">
+                    <a:lumMod val="85000"/>
+                  </a:schemeClr>
+                </a:solidFill>
+                <a:latin typeface="Bahnschrift" panose="020B0502040204020203" pitchFamily="34" charset="0"/>
+              </a:rPr>
+              <a:t>élyi adatviz</a:t>
+            </a:r>
+            <a:br>
+              <a:rPr lang="hu-HU" sz="5400" b="1" dirty="0">
+                <a:solidFill>
+                  <a:schemeClr val="bg1">
+                    <a:lumMod val="85000"/>
+                  </a:schemeClr>
+                </a:solidFill>
+                <a:latin typeface="Bahnschrift" panose="020B0502040204020203" pitchFamily="34" charset="0"/>
+              </a:rPr>
+            </a:br>
+            <a:r>
+              <a:rPr lang="en-GB" sz="5400" b="1" dirty="0">
+                <a:solidFill>
+                  <a:schemeClr val="bg1">
+                    <a:lumMod val="85000"/>
+                  </a:schemeClr>
+                </a:solidFill>
+                <a:latin typeface="Bahnschrift" panose="020B0502040204020203" pitchFamily="34" charset="0"/>
+              </a:rPr>
+              <a:t>mini-</a:t>
+            </a:r>
+            <a:r>
+              <a:rPr lang="en-GB" sz="5400" b="1" dirty="0" err="1">
+                <a:solidFill>
+                  <a:schemeClr val="bg1">
+                    <a:lumMod val="85000"/>
+                  </a:schemeClr>
+                </a:solidFill>
+                <a:latin typeface="Bahnschrift" panose="020B0502040204020203" pitchFamily="34" charset="0"/>
+              </a:rPr>
+              <a:t>konferencia</a:t>
+            </a:r>
+            <a:endParaRPr lang="hu-HU" sz="5400" b="1" dirty="0">
+              <a:solidFill>
+                <a:schemeClr val="bg1">
+                  <a:lumMod val="85000"/>
+                </a:schemeClr>
+              </a:solidFill>
+              <a:latin typeface="Bahnschrift" panose="020B0502040204020203" pitchFamily="34" charset="0"/>
+            </a:endParaRPr>
+          </a:p>
+        </p:txBody>
+      </p:sp>
+      <p:sp>
+        <p:nvSpPr>
+          <p:cNvPr id="10" name="TextBox 9">
+            <a:extLst>
+              <a:ext uri="{FF2B5EF4-FFF2-40B4-BE49-F238E27FC236}">
+                <a16:creationId xmlns:a16="http://schemas.microsoft.com/office/drawing/2014/main" id="{87F2ABB3-E43E-46F4-8536-1EC4264ED64F}"/>
+              </a:ext>
+            </a:extLst>
+          </p:cNvPr>
+          <p:cNvSpPr txBox="1"/>
+          <p:nvPr/>
+        </p:nvSpPr>
+        <p:spPr>
+          <a:xfrm>
+            <a:off x="134930" y="4649475"/>
+            <a:ext cx="11756182" cy="1938992"/>
+          </a:xfrm>
+          <a:prstGeom prst="rect">
+            <a:avLst/>
+          </a:prstGeom>
+          <a:noFill/>
+        </p:spPr>
+        <p:txBody>
+          <a:bodyPr wrap="square" rtlCol="0">
+            <a:spAutoFit/>
+          </a:bodyPr>
+          <a:lstStyle/>
+          <a:p>
+            <a:r>
+              <a:rPr lang="hu-HU" sz="4000" b="1" dirty="0">
+                <a:solidFill>
+                  <a:schemeClr val="bg1">
+                    <a:lumMod val="85000"/>
+                  </a:schemeClr>
+                </a:solidFill>
+                <a:latin typeface="Bahnschrift" panose="020B0502040204020203" pitchFamily="34" charset="0"/>
+              </a:rPr>
+              <a:t>2</a:t>
+            </a:r>
+            <a:r>
+              <a:rPr lang="ro-RO" sz="4000" b="1" dirty="0">
+                <a:solidFill>
+                  <a:schemeClr val="bg1">
+                    <a:lumMod val="85000"/>
+                  </a:schemeClr>
+                </a:solidFill>
+                <a:latin typeface="Bahnschrift" panose="020B0502040204020203" pitchFamily="34" charset="0"/>
+              </a:rPr>
+              <a:t>019. </a:t>
+            </a:r>
+            <a:r>
+              <a:rPr lang="hu-HU" sz="4000" b="1" dirty="0">
+                <a:solidFill>
+                  <a:schemeClr val="bg1">
+                    <a:lumMod val="85000"/>
+                  </a:schemeClr>
+                </a:solidFill>
+                <a:latin typeface="Bahnschrift" panose="020B0502040204020203" pitchFamily="34" charset="0"/>
+              </a:rPr>
+              <a:t>j</a:t>
+            </a:r>
+            <a:r>
+              <a:rPr lang="en-GB" sz="4000" b="1" dirty="0" err="1">
+                <a:solidFill>
+                  <a:schemeClr val="bg1">
+                    <a:lumMod val="85000"/>
+                  </a:schemeClr>
+                </a:solidFill>
+                <a:latin typeface="Bahnschrift" panose="020B0502040204020203" pitchFamily="34" charset="0"/>
+              </a:rPr>
+              <a:t>anu</a:t>
+            </a:r>
+            <a:r>
+              <a:rPr lang="hu-HU" sz="4000" b="1" dirty="0">
+                <a:solidFill>
+                  <a:schemeClr val="bg1">
+                    <a:lumMod val="85000"/>
+                  </a:schemeClr>
+                </a:solidFill>
+                <a:latin typeface="Bahnschrift" panose="020B0502040204020203" pitchFamily="34" charset="0"/>
+              </a:rPr>
+              <a:t>ár. 1</a:t>
+            </a:r>
+            <a:r>
+              <a:rPr lang="en-US" sz="4000" b="1" dirty="0">
+                <a:solidFill>
+                  <a:schemeClr val="bg1">
+                    <a:lumMod val="85000"/>
+                  </a:schemeClr>
+                </a:solidFill>
+                <a:latin typeface="Bahnschrift" panose="020B0502040204020203" pitchFamily="34" charset="0"/>
+              </a:rPr>
+              <a:t>8</a:t>
+            </a:r>
+            <a:r>
+              <a:rPr lang="hu-HU" sz="4000" b="1" dirty="0">
+                <a:solidFill>
+                  <a:schemeClr val="bg1">
+                    <a:lumMod val="85000"/>
+                  </a:schemeClr>
+                </a:solidFill>
+                <a:latin typeface="Bahnschrift" panose="020B0502040204020203" pitchFamily="34" charset="0"/>
+              </a:rPr>
+              <a:t>., Kolozsvár</a:t>
+            </a:r>
+          </a:p>
+          <a:p>
+            <a:r>
+              <a:rPr lang="en-US" sz="2400" b="1" dirty="0" err="1">
+                <a:solidFill>
+                  <a:schemeClr val="bg1">
+                    <a:lumMod val="85000"/>
+                  </a:schemeClr>
+                </a:solidFill>
+                <a:latin typeface="Bahnschrift" panose="020B0502040204020203" pitchFamily="34" charset="0"/>
+              </a:rPr>
+              <a:t>Babeș-Bolyai</a:t>
+            </a:r>
+            <a:r>
+              <a:rPr lang="en-US" sz="2400" b="1" dirty="0">
+                <a:solidFill>
+                  <a:schemeClr val="bg1">
+                    <a:lumMod val="85000"/>
+                  </a:schemeClr>
+                </a:solidFill>
+                <a:latin typeface="Bahnschrift" panose="020B0502040204020203" pitchFamily="34" charset="0"/>
+              </a:rPr>
+              <a:t> </a:t>
+            </a:r>
+            <a:r>
+              <a:rPr lang="en-US" sz="2400" b="1" dirty="0" err="1">
+                <a:solidFill>
+                  <a:schemeClr val="bg1">
+                    <a:lumMod val="85000"/>
+                  </a:schemeClr>
+                </a:solidFill>
+                <a:latin typeface="Bahnschrift" panose="020B0502040204020203" pitchFamily="34" charset="0"/>
+              </a:rPr>
+              <a:t>Tudományegyetem</a:t>
+            </a:r>
+            <a:r>
+              <a:rPr lang="en-US" sz="2400" b="1" dirty="0">
+                <a:solidFill>
+                  <a:schemeClr val="bg1">
+                    <a:lumMod val="85000"/>
+                  </a:schemeClr>
+                </a:solidFill>
+                <a:latin typeface="Bahnschrift" panose="020B0502040204020203" pitchFamily="34" charset="0"/>
+              </a:rPr>
+              <a:t>, </a:t>
+            </a:r>
+          </a:p>
+          <a:p>
+            <a:r>
+              <a:rPr lang="en-US" sz="2400" b="1" dirty="0" err="1">
+                <a:solidFill>
+                  <a:schemeClr val="bg1">
+                    <a:lumMod val="85000"/>
+                  </a:schemeClr>
+                </a:solidFill>
+                <a:latin typeface="Bahnschrift" panose="020B0502040204020203" pitchFamily="34" charset="0"/>
+              </a:rPr>
+              <a:t>Közgazdaság</a:t>
+            </a:r>
+            <a:r>
+              <a:rPr lang="en-US" sz="2400" b="1" dirty="0">
+                <a:solidFill>
+                  <a:schemeClr val="bg1">
+                    <a:lumMod val="85000"/>
+                  </a:schemeClr>
+                </a:solidFill>
+                <a:latin typeface="Bahnschrift" panose="020B0502040204020203" pitchFamily="34" charset="0"/>
+              </a:rPr>
+              <a:t>- </a:t>
+            </a:r>
+            <a:r>
+              <a:rPr lang="en-US" sz="2400" b="1" dirty="0" err="1">
+                <a:solidFill>
+                  <a:schemeClr val="bg1">
+                    <a:lumMod val="85000"/>
+                  </a:schemeClr>
+                </a:solidFill>
+                <a:latin typeface="Bahnschrift" panose="020B0502040204020203" pitchFamily="34" charset="0"/>
+              </a:rPr>
+              <a:t>és</a:t>
+            </a:r>
+            <a:r>
+              <a:rPr lang="en-US" sz="2400" b="1" dirty="0">
+                <a:solidFill>
+                  <a:schemeClr val="bg1">
+                    <a:lumMod val="85000"/>
+                  </a:schemeClr>
+                </a:solidFill>
+                <a:latin typeface="Bahnschrift" panose="020B0502040204020203" pitchFamily="34" charset="0"/>
+              </a:rPr>
+              <a:t> </a:t>
+            </a:r>
+            <a:r>
+              <a:rPr lang="en-US" sz="2400" b="1" dirty="0" err="1">
+                <a:solidFill>
+                  <a:schemeClr val="bg1">
+                    <a:lumMod val="85000"/>
+                  </a:schemeClr>
+                </a:solidFill>
+                <a:latin typeface="Bahnschrift" panose="020B0502040204020203" pitchFamily="34" charset="0"/>
+              </a:rPr>
+              <a:t>Gazdálkodástudományi</a:t>
+            </a:r>
+            <a:r>
+              <a:rPr lang="en-US" sz="2400" b="1" dirty="0">
+                <a:solidFill>
+                  <a:schemeClr val="bg1">
+                    <a:lumMod val="85000"/>
+                  </a:schemeClr>
+                </a:solidFill>
+                <a:latin typeface="Bahnschrift" panose="020B0502040204020203" pitchFamily="34" charset="0"/>
+              </a:rPr>
+              <a:t> </a:t>
+            </a:r>
+            <a:r>
+              <a:rPr lang="hu-HU" sz="2400" b="1" dirty="0">
+                <a:solidFill>
+                  <a:schemeClr val="bg1">
+                    <a:lumMod val="85000"/>
+                  </a:schemeClr>
+                </a:solidFill>
+                <a:latin typeface="Bahnschrift" panose="020B0502040204020203" pitchFamily="34" charset="0"/>
+              </a:rPr>
+              <a:t>Magyar Intézet</a:t>
+            </a:r>
+          </a:p>
+          <a:p>
+            <a:r>
+              <a:rPr lang="en-US" sz="2800" b="1" dirty="0">
+                <a:solidFill>
+                  <a:schemeClr val="bg1">
+                    <a:lumMod val="85000"/>
+                  </a:schemeClr>
+                </a:solidFill>
+              </a:rPr>
+              <a:t>👉</a:t>
+            </a:r>
+            <a:r>
+              <a:rPr lang="hu-HU" sz="1600" b="1" dirty="0">
+                <a:solidFill>
+                  <a:schemeClr val="bg1">
+                    <a:lumMod val="85000"/>
+                  </a:schemeClr>
+                </a:solidFill>
+              </a:rPr>
+              <a:t>  </a:t>
+            </a:r>
+            <a:r>
+              <a:rPr lang="hu-HU" sz="2400" b="1" dirty="0">
+                <a:solidFill>
+                  <a:schemeClr val="bg1">
+                    <a:lumMod val="85000"/>
+                  </a:schemeClr>
+                </a:solidFill>
+                <a:latin typeface="Bahnschrift" panose="020B0502040204020203" pitchFamily="34" charset="0"/>
+              </a:rPr>
+              <a:t>https://</a:t>
+            </a:r>
+            <a:r>
+              <a:rPr lang="en-US" sz="2400" b="1" dirty="0">
+                <a:solidFill>
+                  <a:schemeClr val="bg1">
+                    <a:lumMod val="85000"/>
+                  </a:schemeClr>
+                </a:solidFill>
+                <a:latin typeface="Bahnschrift" panose="020B0502040204020203" pitchFamily="34" charset="0"/>
+              </a:rPr>
+              <a:t>szekelydata.csaladen.es/</a:t>
+            </a:r>
+            <a:r>
+              <a:rPr lang="en-US" sz="2400" b="1" dirty="0" err="1">
+                <a:solidFill>
+                  <a:schemeClr val="bg1">
+                    <a:lumMod val="85000"/>
+                  </a:schemeClr>
+                </a:solidFill>
+                <a:latin typeface="Bahnschrift" panose="020B0502040204020203" pitchFamily="34" charset="0"/>
+              </a:rPr>
+              <a:t>konf</a:t>
+            </a:r>
+            <a:endParaRPr lang="en-US" sz="2400" b="1" dirty="0">
+              <a:solidFill>
+                <a:schemeClr val="bg1">
+                  <a:lumMod val="85000"/>
+                </a:schemeClr>
+              </a:solidFill>
+              <a:latin typeface="Bahnschrift" panose="020B0502040204020203" pitchFamily="34" charset="0"/>
+            </a:endParaRPr>
+          </a:p>
+        </p:txBody>
+      </p:sp>
+      <p:pic>
+        <p:nvPicPr>
+          <p:cNvPr id="9" name="Picture 8">
+            <a:extLst>
+              <a:ext uri="{FF2B5EF4-FFF2-40B4-BE49-F238E27FC236}">
+                <a16:creationId xmlns:a16="http://schemas.microsoft.com/office/drawing/2014/main" id="{816DBDDA-88D6-4591-A59E-93E89C11022C}"/>
+              </a:ext>
+            </a:extLst>
+          </p:cNvPr>
+          <p:cNvPicPr>
+            <a:picLocks noChangeAspect="1"/>
+          </p:cNvPicPr>
+          <p:nvPr/>
+        </p:nvPicPr>
+        <p:blipFill>
+          <a:blip r:embed="rId4">
+            <a:clrChange>
+              <a:clrFrom>
+                <a:srgbClr val="2C2728"/>
+              </a:clrFrom>
+              <a:clrTo>
+                <a:srgbClr val="2C2728">
+                  <a:alpha val="0"/>
+                </a:srgbClr>
+              </a:clrTo>
+            </a:clrChange>
+          </a:blip>
+          <a:stretch>
+            <a:fillRect/>
+          </a:stretch>
+        </p:blipFill>
+        <p:spPr>
+          <a:xfrm>
+            <a:off x="134930" y="367247"/>
+            <a:ext cx="2699658" cy="914400"/>
+          </a:xfrm>
+          <a:prstGeom prst="rect">
+            <a:avLst/>
+          </a:prstGeom>
+        </p:spPr>
+      </p:pic>
+      <p:pic>
+        <p:nvPicPr>
+          <p:cNvPr id="15" name="Picture 14">
+            <a:extLst>
+              <a:ext uri="{FF2B5EF4-FFF2-40B4-BE49-F238E27FC236}">
+                <a16:creationId xmlns:a16="http://schemas.microsoft.com/office/drawing/2014/main" id="{B80250E4-4212-4BCB-B63D-CA4FD598F553}"/>
+              </a:ext>
+            </a:extLst>
+          </p:cNvPr>
+          <p:cNvPicPr>
+            <a:picLocks noChangeAspect="1"/>
+          </p:cNvPicPr>
+          <p:nvPr/>
+        </p:nvPicPr>
+        <p:blipFill>
+          <a:blip r:embed="rId5">
+            <a:clrChange>
+              <a:clrFrom>
+                <a:srgbClr val="2C2728"/>
+              </a:clrFrom>
+              <a:clrTo>
+                <a:srgbClr val="2C2728">
+                  <a:alpha val="0"/>
+                </a:srgbClr>
+              </a:clrTo>
+            </a:clrChange>
+          </a:blip>
+          <a:stretch>
+            <a:fillRect/>
+          </a:stretch>
+        </p:blipFill>
+        <p:spPr>
+          <a:xfrm>
+            <a:off x="8856302" y="512392"/>
+            <a:ext cx="3108960" cy="659830"/>
+          </a:xfrm>
+          <a:prstGeom prst="rect">
+            <a:avLst/>
+          </a:prstGeom>
+        </p:spPr>
+      </p:pic>
+      <p:pic>
+        <p:nvPicPr>
+          <p:cNvPr id="19" name="Picture 18">
+            <a:extLst>
+              <a:ext uri="{FF2B5EF4-FFF2-40B4-BE49-F238E27FC236}">
+                <a16:creationId xmlns:a16="http://schemas.microsoft.com/office/drawing/2014/main" id="{FA40B0F5-FC66-4A1B-9727-A82788A465B0}"/>
+              </a:ext>
+            </a:extLst>
+          </p:cNvPr>
+          <p:cNvPicPr>
+            <a:picLocks noChangeAspect="1"/>
+          </p:cNvPicPr>
+          <p:nvPr/>
+        </p:nvPicPr>
+        <p:blipFill rotWithShape="1">
+          <a:blip r:embed="rId6"/>
+          <a:srcRect t="13690" b="13690"/>
+          <a:stretch/>
+        </p:blipFill>
+        <p:spPr>
+          <a:xfrm>
+            <a:off x="3791567" y="454308"/>
+            <a:ext cx="4442908" cy="929652"/>
+          </a:xfrm>
+          <a:prstGeom prst="rect">
+            <a:avLst/>
+          </a:prstGeom>
+        </p:spPr>
+      </p:pic>
+      <p:pic>
+        <p:nvPicPr>
+          <p:cNvPr id="22" name="Graphic 21" descr="Lecturer">
+            <a:extLst>
+              <a:ext uri="{FF2B5EF4-FFF2-40B4-BE49-F238E27FC236}">
+                <a16:creationId xmlns:a16="http://schemas.microsoft.com/office/drawing/2014/main" id="{9A8918D1-4280-4E94-9831-DD072E27DEFD}"/>
+              </a:ext>
+            </a:extLst>
+          </p:cNvPr>
+          <p:cNvPicPr>
+            <a:picLocks noChangeAspect="1"/>
+          </p:cNvPicPr>
+          <p:nvPr/>
+        </p:nvPicPr>
+        <p:blipFill>
+          <a:blip r:embed="rId7">
+            <a:extLst>
+              <a:ext uri="{28A0092B-C50C-407E-A947-70E740481C1C}">
+                <a14:useLocalDpi xmlns:a14="http://schemas.microsoft.com/office/drawing/2010/main" val="0"/>
+              </a:ext>
+              <a:ext uri="{96DAC541-7B7A-43D3-8B79-37D633B846F1}">
+                <asvg:svgBlip xmlns:asvg="http://schemas.microsoft.com/office/drawing/2016/SVG/main" r:embed="rId8"/>
+              </a:ext>
+            </a:extLst>
+          </a:blip>
+          <a:stretch>
+            <a:fillRect/>
+          </a:stretch>
+        </p:blipFill>
+        <p:spPr>
+          <a:xfrm>
+            <a:off x="10057477" y="2245763"/>
+            <a:ext cx="1488775" cy="1488775"/>
+          </a:xfrm>
+          <a:prstGeom prst="rect">
+            <a:avLst/>
+          </a:prstGeom>
+        </p:spPr>
+      </p:pic>
+      <p:pic>
+        <p:nvPicPr>
+          <p:cNvPr id="24" name="Graphic 23" descr="Bar chart">
+            <a:extLst>
+              <a:ext uri="{FF2B5EF4-FFF2-40B4-BE49-F238E27FC236}">
+                <a16:creationId xmlns:a16="http://schemas.microsoft.com/office/drawing/2014/main" id="{BB0AE8F9-1E7F-4E77-8B25-716FBBDC82A9}"/>
+              </a:ext>
+            </a:extLst>
+          </p:cNvPr>
+          <p:cNvPicPr>
+            <a:picLocks noChangeAspect="1"/>
+          </p:cNvPicPr>
+          <p:nvPr/>
+        </p:nvPicPr>
+        <p:blipFill>
+          <a:blip r:embed="rId9">
+            <a:extLst>
+              <a:ext uri="{28A0092B-C50C-407E-A947-70E740481C1C}">
+                <a14:useLocalDpi xmlns:a14="http://schemas.microsoft.com/office/drawing/2010/main" val="0"/>
+              </a:ext>
+              <a:ext uri="{96DAC541-7B7A-43D3-8B79-37D633B846F1}">
+                <asvg:svgBlip xmlns:asvg="http://schemas.microsoft.com/office/drawing/2016/SVG/main" r:embed="rId10"/>
+              </a:ext>
+            </a:extLst>
+          </a:blip>
+          <a:stretch>
+            <a:fillRect/>
+          </a:stretch>
+        </p:blipFill>
+        <p:spPr>
+          <a:xfrm>
+            <a:off x="300888" y="2183874"/>
+            <a:ext cx="1736124" cy="1736124"/>
+          </a:xfrm>
+          <a:prstGeom prst="rect">
+            <a:avLst/>
+          </a:prstGeom>
+        </p:spPr>
+      </p:pic>
+      <p:sp>
+        <p:nvSpPr>
+          <p:cNvPr id="25" name="Rectangle 24">
+            <a:extLst>
+              <a:ext uri="{FF2B5EF4-FFF2-40B4-BE49-F238E27FC236}">
+                <a16:creationId xmlns:a16="http://schemas.microsoft.com/office/drawing/2014/main" id="{8AB67406-5825-4B66-8538-9E3B9099584B}"/>
+              </a:ext>
+            </a:extLst>
+          </p:cNvPr>
+          <p:cNvSpPr/>
+          <p:nvPr/>
+        </p:nvSpPr>
+        <p:spPr>
+          <a:xfrm rot="16200000" flipH="1">
+            <a:off x="6078000" y="-934978"/>
+            <a:ext cx="36000" cy="4997788"/>
+          </a:xfrm>
+          <a:prstGeom prst="rect">
+            <a:avLst/>
+          </a:prstGeom>
+          <a:gradFill flip="none" rotWithShape="1">
+            <a:gsLst>
+              <a:gs pos="27000">
+                <a:srgbClr val="B5B7BB"/>
+              </a:gs>
+              <a:gs pos="76000">
+                <a:srgbClr val="C2C7CE"/>
+              </a:gs>
+              <a:gs pos="0">
+                <a:schemeClr val="bg1">
+                  <a:lumMod val="65000"/>
+                  <a:alpha val="0"/>
+                </a:schemeClr>
+              </a:gs>
+              <a:gs pos="100000">
+                <a:schemeClr val="accent1">
+                  <a:tint val="23500"/>
+                  <a:satMod val="160000"/>
+                  <a:alpha val="0"/>
+                </a:schemeClr>
+              </a:gs>
+            </a:gsLst>
+            <a:lin ang="5400000" scaled="1"/>
+            <a:tileRect/>
+          </a:gradFill>
+          <a:ln>
+            <a:noFill/>
+          </a:ln>
+        </p:spPr>
+        <p:style>
+          <a:lnRef idx="2">
+            <a:schemeClr val="accent1">
+              <a:shade val="50000"/>
+            </a:schemeClr>
+          </a:lnRef>
+          <a:fillRef idx="1">
+            <a:schemeClr val="accent1"/>
+          </a:fillRef>
+          <a:effectRef idx="0">
+            <a:schemeClr val="accent1"/>
+          </a:effectRef>
+          <a:fontRef idx="minor">
+            <a:schemeClr val="lt1"/>
+          </a:fontRef>
+        </p:style>
+        <p:txBody>
+          <a:bodyPr rtlCol="0" anchor="ctr"/>
+          <a:lstStyle/>
+          <a:p>
+            <a:pPr algn="ctr"/>
+            <a:endParaRPr lang="en-GB"/>
+          </a:p>
+        </p:txBody>
+      </p:sp>
+      <p:sp>
+        <p:nvSpPr>
+          <p:cNvPr id="26" name="Rectangle 25">
+            <a:extLst>
+              <a:ext uri="{FF2B5EF4-FFF2-40B4-BE49-F238E27FC236}">
+                <a16:creationId xmlns:a16="http://schemas.microsoft.com/office/drawing/2014/main" id="{407FD84A-F484-45E6-BB1F-4DEDE5CCA779}"/>
+              </a:ext>
+            </a:extLst>
+          </p:cNvPr>
+          <p:cNvSpPr/>
+          <p:nvPr/>
+        </p:nvSpPr>
+        <p:spPr>
+          <a:xfrm rot="16200000" flipH="1">
+            <a:off x="6078000" y="1922141"/>
+            <a:ext cx="36000" cy="4997788"/>
+          </a:xfrm>
+          <a:prstGeom prst="rect">
+            <a:avLst/>
+          </a:prstGeom>
+          <a:gradFill flip="none" rotWithShape="1">
+            <a:gsLst>
+              <a:gs pos="27000">
+                <a:srgbClr val="B5B7BB"/>
+              </a:gs>
+              <a:gs pos="76000">
+                <a:srgbClr val="C2C7CE"/>
+              </a:gs>
+              <a:gs pos="0">
+                <a:schemeClr val="bg1">
+                  <a:lumMod val="65000"/>
+                  <a:alpha val="0"/>
+                </a:schemeClr>
+              </a:gs>
+              <a:gs pos="100000">
+                <a:schemeClr val="accent1">
+                  <a:tint val="23500"/>
+                  <a:satMod val="160000"/>
+                  <a:alpha val="0"/>
+                </a:schemeClr>
+              </a:gs>
+            </a:gsLst>
+            <a:lin ang="5400000" scaled="1"/>
+            <a:tileRect/>
+          </a:gradFill>
+          <a:ln>
+            <a:noFill/>
+          </a:ln>
+        </p:spPr>
+        <p:style>
+          <a:lnRef idx="2">
+            <a:schemeClr val="accent1">
+              <a:shade val="50000"/>
+            </a:schemeClr>
+          </a:lnRef>
+          <a:fillRef idx="1">
+            <a:schemeClr val="accent1"/>
+          </a:fillRef>
+          <a:effectRef idx="0">
+            <a:schemeClr val="accent1"/>
+          </a:effectRef>
+          <a:fontRef idx="minor">
+            <a:schemeClr val="lt1"/>
+          </a:fontRef>
+        </p:style>
+        <p:txBody>
+          <a:bodyPr rtlCol="0" anchor="ctr"/>
+          <a:lstStyle/>
+          <a:p>
+            <a:pPr algn="ctr"/>
+            <a:endParaRPr lang="en-GB"/>
+          </a:p>
+        </p:txBody>
+      </p:sp>
+    </p:spTree>
+    <p:extLst>
+      <p:ext uri="{BB962C8B-B14F-4D97-AF65-F5344CB8AC3E}">
+        <p14:creationId xmlns:p14="http://schemas.microsoft.com/office/powerpoint/2010/main" val="1083081964"/>
+      </p:ext>
+    </p:extLst>
+  </p:cSld>
+  <p:clrMapOvr>
+    <a:masterClrMapping/>
+  </p:clrMapOvr>
+  <p:timing>
+    <p:tnLst>
+      <p:par>
+        <p:cTn id="1" dur="indefinite" restart="never" nodeType="tmRoot">
+          <p:childTnLst>
+            <p:seq concurrent="1" nextAc="seek">
+              <p:cTn id="2" dur="indefinite" nodeType="mainSeq">
+                <p:childTnLst>
+                  <p:par>
+                    <p:cTn id="3" fill="hold">
+                      <p:stCondLst>
+                        <p:cond delay="indefinite"/>
+                      </p:stCondLst>
+                      <p:childTnLst>
+                        <p:par>
+                          <p:cTn id="4" fill="hold">
+                            <p:stCondLst>
+                              <p:cond delay="0"/>
+                            </p:stCondLst>
+                            <p:childTnLst>
+                              <p:par>
+                                <p:cTn id="5" presetID="8" presetClass="emph" presetSubtype="0" repeatCount="indefinite" fill="hold" nodeType="clickEffect">
+                                  <p:stCondLst>
+                                    <p:cond delay="0"/>
+                                  </p:stCondLst>
+                                  <p:childTnLst>
+                                    <p:animRot by="21600000">
+                                      <p:cBhvr>
+                                        <p:cTn id="6" dur="33000" fill="hold"/>
+                                        <p:tgtEl>
+                                          <p:spTgt spid="5"/>
+                                        </p:tgtEl>
+                                        <p:attrNameLst>
+                                          <p:attrName>r</p:attrName>
+                                        </p:attrNameLst>
+                                      </p:cBhvr>
+                                    </p:animRot>
+                                  </p:childTnLst>
+                                </p:cTn>
+                              </p:par>
+                            </p:childTnLst>
+                          </p:cTn>
+                        </p:par>
+                      </p:childTnLst>
+                    </p:cTn>
+                  </p:par>
+                </p:childTnLst>
+              </p:cTn>
+              <p:prevCondLst>
+                <p:cond evt="onPrev" delay="0">
+                  <p:tgtEl>
+                    <p:sldTgt/>
+                  </p:tgtEl>
+                </p:cond>
+              </p:prevCondLst>
+              <p:nextCondLst>
+                <p:cond evt="onNext" delay="0">
+                  <p:tgtEl>
+                    <p:sldTgt/>
+                  </p:tgtEl>
+                </p:cond>
+              </p:nextCondLst>
+            </p:seq>
+          </p:childTnLst>
+        </p:cTn>
+      </p:par>
+    </p:tnLst>
+  </p:timing>
+</p:sld>
+</file>
+
+<file path=ppt/slides/slide13.xml><?xml version="1.0" encoding="utf-8"?>
+<p:sld xmlns:a="http://schemas.openxmlformats.org/drawingml/2006/main" xmlns:r="http://schemas.openxmlformats.org/officeDocument/2006/relationships" xmlns:p="http://schemas.openxmlformats.org/presentationml/2006/main">
+  <p:cSld>
+    <p:spTree>
+      <p:nvGrpSpPr>
+        <p:cNvPr id="1" name=""/>
+        <p:cNvGrpSpPr/>
+        <p:nvPr/>
+      </p:nvGrpSpPr>
+      <p:grpSpPr>
+        <a:xfrm>
+          <a:off x="0" y="0"/>
+          <a:ext cx="0" cy="0"/>
+          <a:chOff x="0" y="0"/>
+          <a:chExt cx="0" cy="0"/>
+        </a:xfrm>
+      </p:grpSpPr>
+      <p:sp>
+        <p:nvSpPr>
+          <p:cNvPr id="2" name="Rectangle 1"/>
+          <p:cNvSpPr/>
+          <p:nvPr/>
+        </p:nvSpPr>
+        <p:spPr>
+          <a:xfrm>
+            <a:off x="0" y="0"/>
+            <a:ext cx="12192000" cy="6858000"/>
+          </a:xfrm>
+          <a:prstGeom prst="rect">
+            <a:avLst/>
+          </a:prstGeom>
+          <a:solidFill>
+            <a:srgbClr val="231F20"/>
+          </a:solidFill>
+          <a:ln w="57150">
+            <a:noFill/>
+          </a:ln>
+        </p:spPr>
+        <p:style>
+          <a:lnRef idx="2">
+            <a:schemeClr val="accent1">
+              <a:shade val="50000"/>
+            </a:schemeClr>
+          </a:lnRef>
+          <a:fillRef idx="1">
+            <a:schemeClr val="accent1"/>
+          </a:fillRef>
+          <a:effectRef idx="0">
+            <a:schemeClr val="accent1"/>
+          </a:effectRef>
+          <a:fontRef idx="minor">
+            <a:schemeClr val="lt1"/>
+          </a:fontRef>
+        </p:style>
+        <p:txBody>
+          <a:bodyPr rtlCol="0" anchor="ctr"/>
+          <a:lstStyle/>
+          <a:p>
+            <a:pPr algn="ctr"/>
+            <a:endParaRPr lang="en-GB"/>
+          </a:p>
+        </p:txBody>
+      </p:sp>
+      <p:pic>
+        <p:nvPicPr>
+          <p:cNvPr id="5" name="Picture 4"/>
+          <p:cNvPicPr>
+            <a:picLocks noChangeAspect="1"/>
+          </p:cNvPicPr>
+          <p:nvPr/>
+        </p:nvPicPr>
+        <p:blipFill rotWithShape="1">
+          <a:blip r:embed="rId2">
+            <a:extLst>
+              <a:ext uri="{BEBA8EAE-BF5A-486C-A8C5-ECC9F3942E4B}">
+                <a14:imgProps xmlns:a14="http://schemas.microsoft.com/office/drawing/2010/main">
+                  <a14:imgLayer r:embed="rId3">
+                    <a14:imgEffect>
+                      <a14:artisticBlur/>
+                    </a14:imgEffect>
+                  </a14:imgLayer>
+                </a14:imgProps>
+              </a:ext>
+              <a:ext uri="{28A0092B-C50C-407E-A947-70E740481C1C}">
+                <a14:useLocalDpi xmlns:a14="http://schemas.microsoft.com/office/drawing/2010/main" val="0"/>
+              </a:ext>
+            </a:extLst>
+          </a:blip>
+          <a:srcRect t="1" b="-5015"/>
+          <a:stretch/>
+        </p:blipFill>
+        <p:spPr>
+          <a:xfrm>
+            <a:off x="2780270" y="132414"/>
+            <a:ext cx="6631460" cy="6936026"/>
+          </a:xfrm>
+          <a:prstGeom prst="rect">
+            <a:avLst/>
+          </a:prstGeom>
+        </p:spPr>
+      </p:pic>
+      <p:sp>
+        <p:nvSpPr>
+          <p:cNvPr id="8" name="TextBox 7">
+            <a:extLst>
+              <a:ext uri="{FF2B5EF4-FFF2-40B4-BE49-F238E27FC236}">
+                <a16:creationId xmlns:a16="http://schemas.microsoft.com/office/drawing/2014/main" id="{EB5458EB-41A5-4115-9FA0-D9944FB4B945}"/>
+              </a:ext>
+            </a:extLst>
+          </p:cNvPr>
+          <p:cNvSpPr txBox="1"/>
+          <p:nvPr/>
+        </p:nvSpPr>
+        <p:spPr>
+          <a:xfrm>
+            <a:off x="217909" y="4714502"/>
+            <a:ext cx="11756182" cy="1846659"/>
+          </a:xfrm>
+          <a:prstGeom prst="rect">
+            <a:avLst/>
+          </a:prstGeom>
+          <a:noFill/>
+        </p:spPr>
+        <p:txBody>
+          <a:bodyPr wrap="square" rtlCol="0">
+            <a:spAutoFit/>
+          </a:bodyPr>
+          <a:lstStyle/>
+          <a:p>
+            <a:pPr algn="ctr"/>
+            <a:r>
+              <a:rPr lang="ro-RO" sz="6000" b="1" dirty="0">
+                <a:solidFill>
+                  <a:schemeClr val="bg1">
+                    <a:lumMod val="85000"/>
+                  </a:schemeClr>
+                </a:solidFill>
+                <a:latin typeface="Bahnschrift" panose="020B0502040204020203" pitchFamily="34" charset="0"/>
+              </a:rPr>
+              <a:t>I. erd</a:t>
+            </a:r>
+            <a:r>
+              <a:rPr lang="hu-HU" sz="6000" b="1" dirty="0">
+                <a:solidFill>
+                  <a:schemeClr val="bg1">
+                    <a:lumMod val="85000"/>
+                  </a:schemeClr>
+                </a:solidFill>
+                <a:latin typeface="Bahnschrift" panose="020B0502040204020203" pitchFamily="34" charset="0"/>
+              </a:rPr>
+              <a:t>élyi adatviz</a:t>
+            </a:r>
+            <a:br>
+              <a:rPr lang="hu-HU" sz="5400" b="1" dirty="0">
+                <a:solidFill>
+                  <a:schemeClr val="bg1">
+                    <a:lumMod val="85000"/>
+                  </a:schemeClr>
+                </a:solidFill>
+                <a:latin typeface="Bahnschrift" panose="020B0502040204020203" pitchFamily="34" charset="0"/>
+              </a:rPr>
+            </a:br>
+            <a:r>
+              <a:rPr lang="en-GB" sz="5400" b="1" dirty="0">
+                <a:solidFill>
+                  <a:schemeClr val="bg1">
+                    <a:lumMod val="85000"/>
+                  </a:schemeClr>
+                </a:solidFill>
+                <a:latin typeface="Bahnschrift" panose="020B0502040204020203" pitchFamily="34" charset="0"/>
+              </a:rPr>
+              <a:t>mini-</a:t>
+            </a:r>
+            <a:r>
+              <a:rPr lang="en-GB" sz="5400" b="1" dirty="0" err="1">
+                <a:solidFill>
+                  <a:schemeClr val="bg1">
+                    <a:lumMod val="85000"/>
+                  </a:schemeClr>
+                </a:solidFill>
+                <a:latin typeface="Bahnschrift" panose="020B0502040204020203" pitchFamily="34" charset="0"/>
+              </a:rPr>
+              <a:t>konferencia</a:t>
+            </a:r>
+            <a:endParaRPr lang="hu-HU" sz="5400" b="1" dirty="0">
+              <a:solidFill>
+                <a:schemeClr val="bg1">
+                  <a:lumMod val="85000"/>
+                </a:schemeClr>
+              </a:solidFill>
+              <a:latin typeface="Bahnschrift" panose="020B0502040204020203" pitchFamily="34" charset="0"/>
+            </a:endParaRPr>
+          </a:p>
+        </p:txBody>
+      </p:sp>
+      <p:pic>
+        <p:nvPicPr>
+          <p:cNvPr id="9" name="Picture 8">
+            <a:extLst>
+              <a:ext uri="{FF2B5EF4-FFF2-40B4-BE49-F238E27FC236}">
+                <a16:creationId xmlns:a16="http://schemas.microsoft.com/office/drawing/2014/main" id="{816DBDDA-88D6-4591-A59E-93E89C11022C}"/>
+              </a:ext>
+            </a:extLst>
+          </p:cNvPr>
+          <p:cNvPicPr>
+            <a:picLocks noChangeAspect="1"/>
+          </p:cNvPicPr>
+          <p:nvPr/>
+        </p:nvPicPr>
+        <p:blipFill>
+          <a:blip r:embed="rId4">
+            <a:clrChange>
+              <a:clrFrom>
+                <a:srgbClr val="2C2728"/>
+              </a:clrFrom>
+              <a:clrTo>
+                <a:srgbClr val="2C2728">
+                  <a:alpha val="0"/>
+                </a:srgbClr>
+              </a:clrTo>
+            </a:clrChange>
+          </a:blip>
+          <a:stretch>
+            <a:fillRect/>
+          </a:stretch>
+        </p:blipFill>
+        <p:spPr>
+          <a:xfrm>
+            <a:off x="134930" y="367247"/>
+            <a:ext cx="2699658" cy="914400"/>
+          </a:xfrm>
+          <a:prstGeom prst="rect">
+            <a:avLst/>
+          </a:prstGeom>
+        </p:spPr>
+      </p:pic>
+      <p:pic>
+        <p:nvPicPr>
+          <p:cNvPr id="15" name="Picture 14">
+            <a:extLst>
+              <a:ext uri="{FF2B5EF4-FFF2-40B4-BE49-F238E27FC236}">
+                <a16:creationId xmlns:a16="http://schemas.microsoft.com/office/drawing/2014/main" id="{B80250E4-4212-4BCB-B63D-CA4FD598F553}"/>
+              </a:ext>
+            </a:extLst>
+          </p:cNvPr>
+          <p:cNvPicPr>
+            <a:picLocks noChangeAspect="1"/>
+          </p:cNvPicPr>
+          <p:nvPr/>
+        </p:nvPicPr>
+        <p:blipFill>
+          <a:blip r:embed="rId5">
+            <a:clrChange>
+              <a:clrFrom>
+                <a:srgbClr val="2C2728"/>
+              </a:clrFrom>
+              <a:clrTo>
+                <a:srgbClr val="2C2728">
+                  <a:alpha val="0"/>
+                </a:srgbClr>
+              </a:clrTo>
+            </a:clrChange>
+          </a:blip>
+          <a:stretch>
+            <a:fillRect/>
+          </a:stretch>
+        </p:blipFill>
+        <p:spPr>
+          <a:xfrm>
+            <a:off x="8856302" y="512392"/>
+            <a:ext cx="3108960" cy="659830"/>
+          </a:xfrm>
+          <a:prstGeom prst="rect">
+            <a:avLst/>
+          </a:prstGeom>
+        </p:spPr>
+      </p:pic>
+      <p:pic>
+        <p:nvPicPr>
+          <p:cNvPr id="19" name="Picture 18">
+            <a:extLst>
+              <a:ext uri="{FF2B5EF4-FFF2-40B4-BE49-F238E27FC236}">
+                <a16:creationId xmlns:a16="http://schemas.microsoft.com/office/drawing/2014/main" id="{FA40B0F5-FC66-4A1B-9727-A82788A465B0}"/>
+              </a:ext>
+            </a:extLst>
+          </p:cNvPr>
+          <p:cNvPicPr>
+            <a:picLocks noChangeAspect="1"/>
+          </p:cNvPicPr>
+          <p:nvPr/>
+        </p:nvPicPr>
+        <p:blipFill rotWithShape="1">
+          <a:blip r:embed="rId6"/>
+          <a:srcRect t="13690" b="13690"/>
+          <a:stretch/>
+        </p:blipFill>
+        <p:spPr>
+          <a:xfrm>
+            <a:off x="3791567" y="454308"/>
+            <a:ext cx="4442908" cy="929652"/>
+          </a:xfrm>
+          <a:prstGeom prst="rect">
+            <a:avLst/>
+          </a:prstGeom>
+        </p:spPr>
+      </p:pic>
+      <p:pic>
+        <p:nvPicPr>
+          <p:cNvPr id="22" name="Graphic 21" descr="Lecturer">
+            <a:extLst>
+              <a:ext uri="{FF2B5EF4-FFF2-40B4-BE49-F238E27FC236}">
+                <a16:creationId xmlns:a16="http://schemas.microsoft.com/office/drawing/2014/main" id="{9A8918D1-4280-4E94-9831-DD072E27DEFD}"/>
+              </a:ext>
+            </a:extLst>
+          </p:cNvPr>
+          <p:cNvPicPr>
+            <a:picLocks noChangeAspect="1"/>
+          </p:cNvPicPr>
+          <p:nvPr/>
+        </p:nvPicPr>
+        <p:blipFill>
+          <a:blip r:embed="rId7">
+            <a:extLst>
+              <a:ext uri="{28A0092B-C50C-407E-A947-70E740481C1C}">
+                <a14:useLocalDpi xmlns:a14="http://schemas.microsoft.com/office/drawing/2010/main" val="0"/>
+              </a:ext>
+              <a:ext uri="{96DAC541-7B7A-43D3-8B79-37D633B846F1}">
+                <asvg:svgBlip xmlns:asvg="http://schemas.microsoft.com/office/drawing/2016/SVG/main" r:embed="rId8"/>
+              </a:ext>
+            </a:extLst>
+          </a:blip>
+          <a:stretch>
+            <a:fillRect/>
+          </a:stretch>
+        </p:blipFill>
+        <p:spPr>
+          <a:xfrm>
+            <a:off x="10057477" y="4908297"/>
+            <a:ext cx="1488775" cy="1488775"/>
+          </a:xfrm>
+          <a:prstGeom prst="rect">
+            <a:avLst/>
+          </a:prstGeom>
+        </p:spPr>
+      </p:pic>
+      <p:pic>
+        <p:nvPicPr>
+          <p:cNvPr id="24" name="Graphic 23" descr="Bar chart">
+            <a:extLst>
+              <a:ext uri="{FF2B5EF4-FFF2-40B4-BE49-F238E27FC236}">
+                <a16:creationId xmlns:a16="http://schemas.microsoft.com/office/drawing/2014/main" id="{BB0AE8F9-1E7F-4E77-8B25-716FBBDC82A9}"/>
+              </a:ext>
+            </a:extLst>
+          </p:cNvPr>
+          <p:cNvPicPr>
+            <a:picLocks noChangeAspect="1"/>
+          </p:cNvPicPr>
+          <p:nvPr/>
+        </p:nvPicPr>
+        <p:blipFill>
+          <a:blip r:embed="rId9">
+            <a:extLst>
+              <a:ext uri="{28A0092B-C50C-407E-A947-70E740481C1C}">
+                <a14:useLocalDpi xmlns:a14="http://schemas.microsoft.com/office/drawing/2010/main" val="0"/>
+              </a:ext>
+              <a:ext uri="{96DAC541-7B7A-43D3-8B79-37D633B846F1}">
+                <asvg:svgBlip xmlns:asvg="http://schemas.microsoft.com/office/drawing/2016/SVG/main" r:embed="rId10"/>
+              </a:ext>
+            </a:extLst>
+          </a:blip>
+          <a:stretch>
+            <a:fillRect/>
+          </a:stretch>
+        </p:blipFill>
+        <p:spPr>
+          <a:xfrm>
+            <a:off x="300888" y="4846408"/>
+            <a:ext cx="1736124" cy="1736124"/>
+          </a:xfrm>
+          <a:prstGeom prst="rect">
+            <a:avLst/>
+          </a:prstGeom>
+        </p:spPr>
+      </p:pic>
+      <p:sp>
+        <p:nvSpPr>
+          <p:cNvPr id="25" name="Rectangle 24">
+            <a:extLst>
+              <a:ext uri="{FF2B5EF4-FFF2-40B4-BE49-F238E27FC236}">
+                <a16:creationId xmlns:a16="http://schemas.microsoft.com/office/drawing/2014/main" id="{8AB67406-5825-4B66-8538-9E3B9099584B}"/>
+              </a:ext>
+            </a:extLst>
+          </p:cNvPr>
+          <p:cNvSpPr/>
+          <p:nvPr/>
+        </p:nvSpPr>
+        <p:spPr>
+          <a:xfrm rot="16200000" flipH="1">
+            <a:off x="6078000" y="-934978"/>
+            <a:ext cx="36000" cy="4997788"/>
+          </a:xfrm>
+          <a:prstGeom prst="rect">
+            <a:avLst/>
+          </a:prstGeom>
+          <a:gradFill flip="none" rotWithShape="1">
+            <a:gsLst>
+              <a:gs pos="27000">
+                <a:srgbClr val="B5B7BB"/>
+              </a:gs>
+              <a:gs pos="76000">
+                <a:srgbClr val="C2C7CE"/>
+              </a:gs>
+              <a:gs pos="0">
+                <a:schemeClr val="bg1">
+                  <a:lumMod val="65000"/>
+                  <a:alpha val="0"/>
+                </a:schemeClr>
+              </a:gs>
+              <a:gs pos="100000">
+                <a:schemeClr val="accent1">
+                  <a:tint val="23500"/>
+                  <a:satMod val="160000"/>
+                  <a:alpha val="0"/>
+                </a:schemeClr>
+              </a:gs>
+            </a:gsLst>
+            <a:lin ang="5400000" scaled="1"/>
+            <a:tileRect/>
+          </a:gradFill>
+          <a:ln>
+            <a:noFill/>
+          </a:ln>
+        </p:spPr>
+        <p:style>
+          <a:lnRef idx="2">
+            <a:schemeClr val="accent1">
+              <a:shade val="50000"/>
+            </a:schemeClr>
+          </a:lnRef>
+          <a:fillRef idx="1">
+            <a:schemeClr val="accent1"/>
+          </a:fillRef>
+          <a:effectRef idx="0">
+            <a:schemeClr val="accent1"/>
+          </a:effectRef>
+          <a:fontRef idx="minor">
+            <a:schemeClr val="lt1"/>
+          </a:fontRef>
+        </p:style>
+        <p:txBody>
+          <a:bodyPr rtlCol="0" anchor="ctr"/>
+          <a:lstStyle/>
+          <a:p>
+            <a:pPr algn="ctr"/>
+            <a:endParaRPr lang="en-GB"/>
+          </a:p>
+        </p:txBody>
+      </p:sp>
+      <p:sp>
+        <p:nvSpPr>
+          <p:cNvPr id="26" name="Rectangle 25">
+            <a:extLst>
+              <a:ext uri="{FF2B5EF4-FFF2-40B4-BE49-F238E27FC236}">
+                <a16:creationId xmlns:a16="http://schemas.microsoft.com/office/drawing/2014/main" id="{407FD84A-F484-45E6-BB1F-4DEDE5CCA779}"/>
+              </a:ext>
+            </a:extLst>
+          </p:cNvPr>
+          <p:cNvSpPr/>
+          <p:nvPr/>
+        </p:nvSpPr>
+        <p:spPr>
+          <a:xfrm rot="16200000" flipH="1">
+            <a:off x="6078000" y="1922141"/>
+            <a:ext cx="36000" cy="4997788"/>
+          </a:xfrm>
+          <a:prstGeom prst="rect">
+            <a:avLst/>
+          </a:prstGeom>
+          <a:gradFill flip="none" rotWithShape="1">
+            <a:gsLst>
+              <a:gs pos="27000">
+                <a:srgbClr val="B5B7BB"/>
+              </a:gs>
+              <a:gs pos="76000">
+                <a:srgbClr val="C2C7CE"/>
+              </a:gs>
+              <a:gs pos="0">
+                <a:schemeClr val="bg1">
+                  <a:lumMod val="65000"/>
+                  <a:alpha val="0"/>
+                </a:schemeClr>
+              </a:gs>
+              <a:gs pos="100000">
+                <a:schemeClr val="accent1">
+                  <a:tint val="23500"/>
+                  <a:satMod val="160000"/>
+                  <a:alpha val="0"/>
+                </a:schemeClr>
+              </a:gs>
+            </a:gsLst>
+            <a:lin ang="5400000" scaled="1"/>
+            <a:tileRect/>
+          </a:gradFill>
+          <a:ln>
+            <a:noFill/>
+          </a:ln>
+        </p:spPr>
+        <p:style>
+          <a:lnRef idx="2">
+            <a:schemeClr val="accent1">
+              <a:shade val="50000"/>
+            </a:schemeClr>
+          </a:lnRef>
+          <a:fillRef idx="1">
+            <a:schemeClr val="accent1"/>
+          </a:fillRef>
+          <a:effectRef idx="0">
+            <a:schemeClr val="accent1"/>
+          </a:effectRef>
+          <a:fontRef idx="minor">
+            <a:schemeClr val="lt1"/>
+          </a:fontRef>
+        </p:style>
+        <p:txBody>
+          <a:bodyPr rtlCol="0" anchor="ctr"/>
+          <a:lstStyle/>
+          <a:p>
+            <a:pPr algn="ctr"/>
+            <a:endParaRPr lang="en-GB"/>
+          </a:p>
+        </p:txBody>
+      </p:sp>
+      <p:sp>
+        <p:nvSpPr>
+          <p:cNvPr id="13" name="TextBox 12">
+            <a:extLst>
+              <a:ext uri="{FF2B5EF4-FFF2-40B4-BE49-F238E27FC236}">
+                <a16:creationId xmlns:a16="http://schemas.microsoft.com/office/drawing/2014/main" id="{79EE02F0-7FAA-4940-8EDA-D94D65DB9913}"/>
+              </a:ext>
+            </a:extLst>
+          </p:cNvPr>
+          <p:cNvSpPr txBox="1"/>
+          <p:nvPr/>
+        </p:nvSpPr>
+        <p:spPr>
+          <a:xfrm>
+            <a:off x="134930" y="1835366"/>
+            <a:ext cx="11756182" cy="2492990"/>
+          </a:xfrm>
+          <a:prstGeom prst="rect">
+            <a:avLst/>
+          </a:prstGeom>
+          <a:noFill/>
+        </p:spPr>
+        <p:txBody>
+          <a:bodyPr wrap="square" rtlCol="0">
+            <a:spAutoFit/>
+          </a:bodyPr>
+          <a:lstStyle/>
+          <a:p>
+            <a:pPr algn="ctr"/>
+            <a:r>
+              <a:rPr lang="hu-HU" sz="15600" b="1" dirty="0">
+                <a:solidFill>
+                  <a:schemeClr val="bg1">
+                    <a:lumMod val="85000"/>
+                  </a:schemeClr>
+                </a:solidFill>
+                <a:latin typeface="Bahnschrift" panose="020B0502040204020203" pitchFamily="34" charset="0"/>
+              </a:rPr>
+              <a:t>t </a:t>
+            </a:r>
+            <a:r>
+              <a:rPr lang="hu-HU" sz="13800" b="1" dirty="0">
+                <a:solidFill>
+                  <a:schemeClr val="bg1">
+                    <a:lumMod val="85000"/>
+                  </a:schemeClr>
+                </a:solidFill>
+                <a:latin typeface="Bahnschrift" panose="020B0502040204020203" pitchFamily="34" charset="0"/>
+              </a:rPr>
+              <a:t>- 2</a:t>
+            </a:r>
+            <a:endParaRPr lang="hu-HU" sz="11500" b="1" dirty="0">
+              <a:solidFill>
+                <a:schemeClr val="bg1">
+                  <a:lumMod val="85000"/>
+                </a:schemeClr>
+              </a:solidFill>
+              <a:latin typeface="Bahnschrift" panose="020B0502040204020203" pitchFamily="34" charset="0"/>
+            </a:endParaRPr>
+          </a:p>
+        </p:txBody>
+      </p:sp>
+    </p:spTree>
+    <p:extLst>
+      <p:ext uri="{BB962C8B-B14F-4D97-AF65-F5344CB8AC3E}">
+        <p14:creationId xmlns:p14="http://schemas.microsoft.com/office/powerpoint/2010/main" val="3270054485"/>
+      </p:ext>
+    </p:extLst>
+  </p:cSld>
+  <p:clrMapOvr>
+    <a:masterClrMapping/>
+  </p:clrMapOvr>
+  <p:timing>
+    <p:tnLst>
+      <p:par>
+        <p:cTn id="1" dur="indefinite" restart="never" nodeType="tmRoot">
+          <p:childTnLst>
+            <p:seq concurrent="1" nextAc="seek">
+              <p:cTn id="2" dur="indefinite" nodeType="mainSeq">
+                <p:childTnLst>
+                  <p:par>
+                    <p:cTn id="3" fill="hold">
+                      <p:stCondLst>
+                        <p:cond delay="indefinite"/>
+                      </p:stCondLst>
+                      <p:childTnLst>
+                        <p:par>
+                          <p:cTn id="4" fill="hold">
+                            <p:stCondLst>
+                              <p:cond delay="0"/>
+                            </p:stCondLst>
+                            <p:childTnLst>
+                              <p:par>
+                                <p:cTn id="5" presetID="8" presetClass="emph" presetSubtype="0" repeatCount="indefinite" fill="hold" nodeType="clickEffect">
+                                  <p:stCondLst>
+                                    <p:cond delay="0"/>
+                                  </p:stCondLst>
+                                  <p:childTnLst>
+                                    <p:animRot by="21600000">
+                                      <p:cBhvr>
+                                        <p:cTn id="6" dur="33000" fill="hold"/>
+                                        <p:tgtEl>
+                                          <p:spTgt spid="5"/>
+                                        </p:tgtEl>
+                                        <p:attrNameLst>
+                                          <p:attrName>r</p:attrName>
+                                        </p:attrNameLst>
+                                      </p:cBhvr>
+                                    </p:animRot>
+                                  </p:childTnLst>
+                                </p:cTn>
+                              </p:par>
+                            </p:childTnLst>
+                          </p:cTn>
+                        </p:par>
+                      </p:childTnLst>
+                    </p:cTn>
+                  </p:par>
+                </p:childTnLst>
+              </p:cTn>
+              <p:prevCondLst>
+                <p:cond evt="onPrev" delay="0">
+                  <p:tgtEl>
+                    <p:sldTgt/>
+                  </p:tgtEl>
+                </p:cond>
+              </p:prevCondLst>
+              <p:nextCondLst>
+                <p:cond evt="onNext" delay="0">
+                  <p:tgtEl>
+                    <p:sldTgt/>
+                  </p:tgtEl>
+                </p:cond>
+              </p:nextCondLst>
+            </p:seq>
+          </p:childTnLst>
+        </p:cTn>
+      </p:par>
+    </p:tnLst>
+  </p:timing>
+</p:sld>
+</file>
+
+<file path=ppt/slides/slide14.xml><?xml version="1.0" encoding="utf-8"?>
+<p:sld xmlns:a="http://schemas.openxmlformats.org/drawingml/2006/main" xmlns:r="http://schemas.openxmlformats.org/officeDocument/2006/relationships" xmlns:p="http://schemas.openxmlformats.org/presentationml/2006/main">
+  <p:cSld>
+    <p:spTree>
+      <p:nvGrpSpPr>
+        <p:cNvPr id="1" name=""/>
+        <p:cNvGrpSpPr/>
+        <p:nvPr/>
+      </p:nvGrpSpPr>
+      <p:grpSpPr>
+        <a:xfrm>
+          <a:off x="0" y="0"/>
+          <a:ext cx="0" cy="0"/>
+          <a:chOff x="0" y="0"/>
+          <a:chExt cx="0" cy="0"/>
+        </a:xfrm>
+      </p:grpSpPr>
+      <p:sp>
+        <p:nvSpPr>
+          <p:cNvPr id="2" name="Rectangle 1"/>
+          <p:cNvSpPr/>
+          <p:nvPr/>
+        </p:nvSpPr>
+        <p:spPr>
+          <a:xfrm>
+            <a:off x="0" y="0"/>
+            <a:ext cx="12192000" cy="6858000"/>
+          </a:xfrm>
+          <a:prstGeom prst="rect">
+            <a:avLst/>
+          </a:prstGeom>
+          <a:solidFill>
+            <a:srgbClr val="231F20"/>
+          </a:solidFill>
+          <a:ln w="57150">
+            <a:noFill/>
+          </a:ln>
+        </p:spPr>
+        <p:style>
+          <a:lnRef idx="2">
+            <a:schemeClr val="accent1">
+              <a:shade val="50000"/>
+            </a:schemeClr>
+          </a:lnRef>
+          <a:fillRef idx="1">
+            <a:schemeClr val="accent1"/>
+          </a:fillRef>
+          <a:effectRef idx="0">
+            <a:schemeClr val="accent1"/>
+          </a:effectRef>
+          <a:fontRef idx="minor">
+            <a:schemeClr val="lt1"/>
+          </a:fontRef>
+        </p:style>
+        <p:txBody>
+          <a:bodyPr rtlCol="0" anchor="ctr"/>
+          <a:lstStyle/>
+          <a:p>
+            <a:pPr algn="ctr"/>
+            <a:endParaRPr lang="en-GB"/>
+          </a:p>
+        </p:txBody>
+      </p:sp>
+      <p:pic>
+        <p:nvPicPr>
+          <p:cNvPr id="5" name="Picture 4"/>
+          <p:cNvPicPr>
+            <a:picLocks noChangeAspect="1"/>
+          </p:cNvPicPr>
+          <p:nvPr/>
+        </p:nvPicPr>
+        <p:blipFill rotWithShape="1">
+          <a:blip r:embed="rId2">
+            <a:extLst>
+              <a:ext uri="{BEBA8EAE-BF5A-486C-A8C5-ECC9F3942E4B}">
+                <a14:imgProps xmlns:a14="http://schemas.microsoft.com/office/drawing/2010/main">
+                  <a14:imgLayer r:embed="rId3">
+                    <a14:imgEffect>
+                      <a14:artisticBlur/>
+                    </a14:imgEffect>
+                  </a14:imgLayer>
+                </a14:imgProps>
+              </a:ext>
+              <a:ext uri="{28A0092B-C50C-407E-A947-70E740481C1C}">
+                <a14:useLocalDpi xmlns:a14="http://schemas.microsoft.com/office/drawing/2010/main" val="0"/>
+              </a:ext>
+            </a:extLst>
+          </a:blip>
+          <a:srcRect t="1" b="-5015"/>
+          <a:stretch/>
+        </p:blipFill>
+        <p:spPr>
+          <a:xfrm>
+            <a:off x="2780270" y="132414"/>
+            <a:ext cx="6631460" cy="6936026"/>
+          </a:xfrm>
+          <a:prstGeom prst="rect">
+            <a:avLst/>
+          </a:prstGeom>
+        </p:spPr>
+      </p:pic>
+      <p:sp>
+        <p:nvSpPr>
+          <p:cNvPr id="8" name="TextBox 7">
+            <a:extLst>
+              <a:ext uri="{FF2B5EF4-FFF2-40B4-BE49-F238E27FC236}">
+                <a16:creationId xmlns:a16="http://schemas.microsoft.com/office/drawing/2014/main" id="{EB5458EB-41A5-4115-9FA0-D9944FB4B945}"/>
+              </a:ext>
+            </a:extLst>
+          </p:cNvPr>
+          <p:cNvSpPr txBox="1"/>
+          <p:nvPr/>
+        </p:nvSpPr>
+        <p:spPr>
+          <a:xfrm>
+            <a:off x="217909" y="4714502"/>
+            <a:ext cx="11756182" cy="1846659"/>
+          </a:xfrm>
+          <a:prstGeom prst="rect">
+            <a:avLst/>
+          </a:prstGeom>
+          <a:noFill/>
+        </p:spPr>
+        <p:txBody>
+          <a:bodyPr wrap="square" rtlCol="0">
+            <a:spAutoFit/>
+          </a:bodyPr>
+          <a:lstStyle/>
+          <a:p>
+            <a:pPr algn="ctr"/>
+            <a:r>
+              <a:rPr lang="ro-RO" sz="6000" b="1" dirty="0">
+                <a:solidFill>
+                  <a:schemeClr val="bg1">
+                    <a:lumMod val="85000"/>
+                  </a:schemeClr>
+                </a:solidFill>
+                <a:latin typeface="Bahnschrift" panose="020B0502040204020203" pitchFamily="34" charset="0"/>
+              </a:rPr>
+              <a:t>I. erd</a:t>
+            </a:r>
+            <a:r>
+              <a:rPr lang="hu-HU" sz="6000" b="1" dirty="0">
+                <a:solidFill>
+                  <a:schemeClr val="bg1">
+                    <a:lumMod val="85000"/>
+                  </a:schemeClr>
+                </a:solidFill>
+                <a:latin typeface="Bahnschrift" panose="020B0502040204020203" pitchFamily="34" charset="0"/>
+              </a:rPr>
+              <a:t>élyi adatviz</a:t>
+            </a:r>
+            <a:br>
+              <a:rPr lang="hu-HU" sz="5400" b="1" dirty="0">
+                <a:solidFill>
+                  <a:schemeClr val="bg1">
+                    <a:lumMod val="85000"/>
+                  </a:schemeClr>
+                </a:solidFill>
+                <a:latin typeface="Bahnschrift" panose="020B0502040204020203" pitchFamily="34" charset="0"/>
+              </a:rPr>
+            </a:br>
+            <a:r>
+              <a:rPr lang="en-GB" sz="5400" b="1" dirty="0">
+                <a:solidFill>
+                  <a:schemeClr val="bg1">
+                    <a:lumMod val="85000"/>
+                  </a:schemeClr>
+                </a:solidFill>
+                <a:latin typeface="Bahnschrift" panose="020B0502040204020203" pitchFamily="34" charset="0"/>
+              </a:rPr>
+              <a:t>mini-</a:t>
+            </a:r>
+            <a:r>
+              <a:rPr lang="en-GB" sz="5400" b="1" dirty="0" err="1">
+                <a:solidFill>
+                  <a:schemeClr val="bg1">
+                    <a:lumMod val="85000"/>
+                  </a:schemeClr>
+                </a:solidFill>
+                <a:latin typeface="Bahnschrift" panose="020B0502040204020203" pitchFamily="34" charset="0"/>
+              </a:rPr>
+              <a:t>konferencia</a:t>
+            </a:r>
+            <a:endParaRPr lang="hu-HU" sz="5400" b="1" dirty="0">
+              <a:solidFill>
+                <a:schemeClr val="bg1">
+                  <a:lumMod val="85000"/>
+                </a:schemeClr>
+              </a:solidFill>
+              <a:latin typeface="Bahnschrift" panose="020B0502040204020203" pitchFamily="34" charset="0"/>
+            </a:endParaRPr>
+          </a:p>
+        </p:txBody>
+      </p:sp>
+      <p:pic>
+        <p:nvPicPr>
+          <p:cNvPr id="9" name="Picture 8">
+            <a:extLst>
+              <a:ext uri="{FF2B5EF4-FFF2-40B4-BE49-F238E27FC236}">
+                <a16:creationId xmlns:a16="http://schemas.microsoft.com/office/drawing/2014/main" id="{816DBDDA-88D6-4591-A59E-93E89C11022C}"/>
+              </a:ext>
+            </a:extLst>
+          </p:cNvPr>
+          <p:cNvPicPr>
+            <a:picLocks noChangeAspect="1"/>
+          </p:cNvPicPr>
+          <p:nvPr/>
+        </p:nvPicPr>
+        <p:blipFill>
+          <a:blip r:embed="rId4">
+            <a:clrChange>
+              <a:clrFrom>
+                <a:srgbClr val="2C2728"/>
+              </a:clrFrom>
+              <a:clrTo>
+                <a:srgbClr val="2C2728">
+                  <a:alpha val="0"/>
+                </a:srgbClr>
+              </a:clrTo>
+            </a:clrChange>
+          </a:blip>
+          <a:stretch>
+            <a:fillRect/>
+          </a:stretch>
+        </p:blipFill>
+        <p:spPr>
+          <a:xfrm>
+            <a:off x="134930" y="367247"/>
+            <a:ext cx="2699658" cy="914400"/>
+          </a:xfrm>
+          <a:prstGeom prst="rect">
+            <a:avLst/>
+          </a:prstGeom>
+        </p:spPr>
+      </p:pic>
+      <p:pic>
+        <p:nvPicPr>
+          <p:cNvPr id="15" name="Picture 14">
+            <a:extLst>
+              <a:ext uri="{FF2B5EF4-FFF2-40B4-BE49-F238E27FC236}">
+                <a16:creationId xmlns:a16="http://schemas.microsoft.com/office/drawing/2014/main" id="{B80250E4-4212-4BCB-B63D-CA4FD598F553}"/>
+              </a:ext>
+            </a:extLst>
+          </p:cNvPr>
+          <p:cNvPicPr>
+            <a:picLocks noChangeAspect="1"/>
+          </p:cNvPicPr>
+          <p:nvPr/>
+        </p:nvPicPr>
+        <p:blipFill>
+          <a:blip r:embed="rId5">
+            <a:clrChange>
+              <a:clrFrom>
+                <a:srgbClr val="2C2728"/>
+              </a:clrFrom>
+              <a:clrTo>
+                <a:srgbClr val="2C2728">
+                  <a:alpha val="0"/>
+                </a:srgbClr>
+              </a:clrTo>
+            </a:clrChange>
+          </a:blip>
+          <a:stretch>
+            <a:fillRect/>
+          </a:stretch>
+        </p:blipFill>
+        <p:spPr>
+          <a:xfrm>
+            <a:off x="8856302" y="512392"/>
+            <a:ext cx="3108960" cy="659830"/>
+          </a:xfrm>
+          <a:prstGeom prst="rect">
+            <a:avLst/>
+          </a:prstGeom>
+        </p:spPr>
+      </p:pic>
+      <p:pic>
+        <p:nvPicPr>
+          <p:cNvPr id="19" name="Picture 18">
+            <a:extLst>
+              <a:ext uri="{FF2B5EF4-FFF2-40B4-BE49-F238E27FC236}">
+                <a16:creationId xmlns:a16="http://schemas.microsoft.com/office/drawing/2014/main" id="{FA40B0F5-FC66-4A1B-9727-A82788A465B0}"/>
+              </a:ext>
+            </a:extLst>
+          </p:cNvPr>
+          <p:cNvPicPr>
+            <a:picLocks noChangeAspect="1"/>
+          </p:cNvPicPr>
+          <p:nvPr/>
+        </p:nvPicPr>
+        <p:blipFill rotWithShape="1">
+          <a:blip r:embed="rId6"/>
+          <a:srcRect t="13690" b="13690"/>
+          <a:stretch/>
+        </p:blipFill>
+        <p:spPr>
+          <a:xfrm>
+            <a:off x="3791567" y="454308"/>
+            <a:ext cx="4442908" cy="929652"/>
+          </a:xfrm>
+          <a:prstGeom prst="rect">
+            <a:avLst/>
+          </a:prstGeom>
+        </p:spPr>
+      </p:pic>
+      <p:pic>
+        <p:nvPicPr>
+          <p:cNvPr id="22" name="Graphic 21" descr="Lecturer">
+            <a:extLst>
+              <a:ext uri="{FF2B5EF4-FFF2-40B4-BE49-F238E27FC236}">
+                <a16:creationId xmlns:a16="http://schemas.microsoft.com/office/drawing/2014/main" id="{9A8918D1-4280-4E94-9831-DD072E27DEFD}"/>
+              </a:ext>
+            </a:extLst>
+          </p:cNvPr>
+          <p:cNvPicPr>
+            <a:picLocks noChangeAspect="1"/>
+          </p:cNvPicPr>
+          <p:nvPr/>
+        </p:nvPicPr>
+        <p:blipFill>
+          <a:blip r:embed="rId7">
+            <a:extLst>
+              <a:ext uri="{28A0092B-C50C-407E-A947-70E740481C1C}">
+                <a14:useLocalDpi xmlns:a14="http://schemas.microsoft.com/office/drawing/2010/main" val="0"/>
+              </a:ext>
+              <a:ext uri="{96DAC541-7B7A-43D3-8B79-37D633B846F1}">
+                <asvg:svgBlip xmlns:asvg="http://schemas.microsoft.com/office/drawing/2016/SVG/main" r:embed="rId8"/>
+              </a:ext>
+            </a:extLst>
+          </a:blip>
+          <a:stretch>
+            <a:fillRect/>
+          </a:stretch>
+        </p:blipFill>
+        <p:spPr>
+          <a:xfrm>
+            <a:off x="10057477" y="4908297"/>
+            <a:ext cx="1488775" cy="1488775"/>
+          </a:xfrm>
+          <a:prstGeom prst="rect">
+            <a:avLst/>
+          </a:prstGeom>
+        </p:spPr>
+      </p:pic>
+      <p:pic>
+        <p:nvPicPr>
+          <p:cNvPr id="24" name="Graphic 23" descr="Bar chart">
+            <a:extLst>
+              <a:ext uri="{FF2B5EF4-FFF2-40B4-BE49-F238E27FC236}">
+                <a16:creationId xmlns:a16="http://schemas.microsoft.com/office/drawing/2014/main" id="{BB0AE8F9-1E7F-4E77-8B25-716FBBDC82A9}"/>
+              </a:ext>
+            </a:extLst>
+          </p:cNvPr>
+          <p:cNvPicPr>
+            <a:picLocks noChangeAspect="1"/>
+          </p:cNvPicPr>
+          <p:nvPr/>
+        </p:nvPicPr>
+        <p:blipFill>
+          <a:blip r:embed="rId9">
+            <a:extLst>
+              <a:ext uri="{28A0092B-C50C-407E-A947-70E740481C1C}">
+                <a14:useLocalDpi xmlns:a14="http://schemas.microsoft.com/office/drawing/2010/main" val="0"/>
+              </a:ext>
+              <a:ext uri="{96DAC541-7B7A-43D3-8B79-37D633B846F1}">
+                <asvg:svgBlip xmlns:asvg="http://schemas.microsoft.com/office/drawing/2016/SVG/main" r:embed="rId10"/>
+              </a:ext>
+            </a:extLst>
+          </a:blip>
+          <a:stretch>
+            <a:fillRect/>
+          </a:stretch>
+        </p:blipFill>
+        <p:spPr>
+          <a:xfrm>
+            <a:off x="300888" y="4846408"/>
+            <a:ext cx="1736124" cy="1736124"/>
+          </a:xfrm>
+          <a:prstGeom prst="rect">
+            <a:avLst/>
+          </a:prstGeom>
+        </p:spPr>
+      </p:pic>
+      <p:sp>
+        <p:nvSpPr>
+          <p:cNvPr id="25" name="Rectangle 24">
+            <a:extLst>
+              <a:ext uri="{FF2B5EF4-FFF2-40B4-BE49-F238E27FC236}">
+                <a16:creationId xmlns:a16="http://schemas.microsoft.com/office/drawing/2014/main" id="{8AB67406-5825-4B66-8538-9E3B9099584B}"/>
+              </a:ext>
+            </a:extLst>
+          </p:cNvPr>
+          <p:cNvSpPr/>
+          <p:nvPr/>
+        </p:nvSpPr>
+        <p:spPr>
+          <a:xfrm rot="16200000" flipH="1">
+            <a:off x="6078000" y="-934978"/>
+            <a:ext cx="36000" cy="4997788"/>
+          </a:xfrm>
+          <a:prstGeom prst="rect">
+            <a:avLst/>
+          </a:prstGeom>
+          <a:gradFill flip="none" rotWithShape="1">
+            <a:gsLst>
+              <a:gs pos="27000">
+                <a:srgbClr val="B5B7BB"/>
+              </a:gs>
+              <a:gs pos="76000">
+                <a:srgbClr val="C2C7CE"/>
+              </a:gs>
+              <a:gs pos="0">
+                <a:schemeClr val="bg1">
+                  <a:lumMod val="65000"/>
+                  <a:alpha val="0"/>
+                </a:schemeClr>
+              </a:gs>
+              <a:gs pos="100000">
+                <a:schemeClr val="accent1">
+                  <a:tint val="23500"/>
+                  <a:satMod val="160000"/>
+                  <a:alpha val="0"/>
+                </a:schemeClr>
+              </a:gs>
+            </a:gsLst>
+            <a:lin ang="5400000" scaled="1"/>
+            <a:tileRect/>
+          </a:gradFill>
+          <a:ln>
+            <a:noFill/>
+          </a:ln>
+        </p:spPr>
+        <p:style>
+          <a:lnRef idx="2">
+            <a:schemeClr val="accent1">
+              <a:shade val="50000"/>
+            </a:schemeClr>
+          </a:lnRef>
+          <a:fillRef idx="1">
+            <a:schemeClr val="accent1"/>
+          </a:fillRef>
+          <a:effectRef idx="0">
+            <a:schemeClr val="accent1"/>
+          </a:effectRef>
+          <a:fontRef idx="minor">
+            <a:schemeClr val="lt1"/>
+          </a:fontRef>
+        </p:style>
+        <p:txBody>
+          <a:bodyPr rtlCol="0" anchor="ctr"/>
+          <a:lstStyle/>
+          <a:p>
+            <a:pPr algn="ctr"/>
+            <a:endParaRPr lang="en-GB"/>
+          </a:p>
+        </p:txBody>
+      </p:sp>
+      <p:sp>
+        <p:nvSpPr>
+          <p:cNvPr id="26" name="Rectangle 25">
+            <a:extLst>
+              <a:ext uri="{FF2B5EF4-FFF2-40B4-BE49-F238E27FC236}">
+                <a16:creationId xmlns:a16="http://schemas.microsoft.com/office/drawing/2014/main" id="{407FD84A-F484-45E6-BB1F-4DEDE5CCA779}"/>
+              </a:ext>
+            </a:extLst>
+          </p:cNvPr>
+          <p:cNvSpPr/>
+          <p:nvPr/>
+        </p:nvSpPr>
+        <p:spPr>
+          <a:xfrm rot="16200000" flipH="1">
+            <a:off x="6078000" y="1922141"/>
+            <a:ext cx="36000" cy="4997788"/>
+          </a:xfrm>
+          <a:prstGeom prst="rect">
+            <a:avLst/>
+          </a:prstGeom>
+          <a:gradFill flip="none" rotWithShape="1">
+            <a:gsLst>
+              <a:gs pos="27000">
+                <a:srgbClr val="B5B7BB"/>
+              </a:gs>
+              <a:gs pos="76000">
+                <a:srgbClr val="C2C7CE"/>
+              </a:gs>
+              <a:gs pos="0">
+                <a:schemeClr val="bg1">
+                  <a:lumMod val="65000"/>
+                  <a:alpha val="0"/>
+                </a:schemeClr>
+              </a:gs>
+              <a:gs pos="100000">
+                <a:schemeClr val="accent1">
+                  <a:tint val="23500"/>
+                  <a:satMod val="160000"/>
+                  <a:alpha val="0"/>
+                </a:schemeClr>
+              </a:gs>
+            </a:gsLst>
+            <a:lin ang="5400000" scaled="1"/>
+            <a:tileRect/>
+          </a:gradFill>
+          <a:ln>
+            <a:noFill/>
+          </a:ln>
+        </p:spPr>
+        <p:style>
+          <a:lnRef idx="2">
+            <a:schemeClr val="accent1">
+              <a:shade val="50000"/>
+            </a:schemeClr>
+          </a:lnRef>
+          <a:fillRef idx="1">
+            <a:schemeClr val="accent1"/>
+          </a:fillRef>
+          <a:effectRef idx="0">
+            <a:schemeClr val="accent1"/>
+          </a:effectRef>
+          <a:fontRef idx="minor">
+            <a:schemeClr val="lt1"/>
+          </a:fontRef>
+        </p:style>
+        <p:txBody>
+          <a:bodyPr rtlCol="0" anchor="ctr"/>
+          <a:lstStyle/>
+          <a:p>
+            <a:pPr algn="ctr"/>
+            <a:endParaRPr lang="en-GB"/>
+          </a:p>
+        </p:txBody>
+      </p:sp>
+      <p:sp>
+        <p:nvSpPr>
+          <p:cNvPr id="13" name="TextBox 12">
+            <a:extLst>
+              <a:ext uri="{FF2B5EF4-FFF2-40B4-BE49-F238E27FC236}">
+                <a16:creationId xmlns:a16="http://schemas.microsoft.com/office/drawing/2014/main" id="{79EE02F0-7FAA-4940-8EDA-D94D65DB9913}"/>
+              </a:ext>
+            </a:extLst>
+          </p:cNvPr>
+          <p:cNvSpPr txBox="1"/>
+          <p:nvPr/>
+        </p:nvSpPr>
+        <p:spPr>
+          <a:xfrm>
+            <a:off x="134930" y="1835366"/>
+            <a:ext cx="11756182" cy="2492990"/>
+          </a:xfrm>
+          <a:prstGeom prst="rect">
+            <a:avLst/>
+          </a:prstGeom>
+          <a:noFill/>
+        </p:spPr>
+        <p:txBody>
+          <a:bodyPr wrap="square" rtlCol="0">
+            <a:spAutoFit/>
+          </a:bodyPr>
+          <a:lstStyle/>
+          <a:p>
+            <a:pPr algn="ctr"/>
+            <a:r>
+              <a:rPr lang="hu-HU" sz="15600" b="1" dirty="0">
+                <a:solidFill>
+                  <a:schemeClr val="bg1">
+                    <a:lumMod val="85000"/>
+                  </a:schemeClr>
+                </a:solidFill>
+                <a:latin typeface="Bahnschrift" panose="020B0502040204020203" pitchFamily="34" charset="0"/>
+              </a:rPr>
+              <a:t>t </a:t>
+            </a:r>
+            <a:r>
+              <a:rPr lang="hu-HU" sz="13800" b="1" dirty="0">
+                <a:solidFill>
+                  <a:schemeClr val="bg1">
+                    <a:lumMod val="85000"/>
+                  </a:schemeClr>
+                </a:solidFill>
+                <a:latin typeface="Bahnschrift" panose="020B0502040204020203" pitchFamily="34" charset="0"/>
+              </a:rPr>
+              <a:t>- </a:t>
+            </a:r>
+            <a:r>
+              <a:rPr lang="en-US" sz="13800" b="1" dirty="0">
+                <a:solidFill>
+                  <a:schemeClr val="bg1">
+                    <a:lumMod val="85000"/>
+                  </a:schemeClr>
+                </a:solidFill>
+                <a:latin typeface="Bahnschrift" panose="020B0502040204020203" pitchFamily="34" charset="0"/>
+              </a:rPr>
+              <a:t>1</a:t>
+            </a:r>
+            <a:endParaRPr lang="hu-HU" sz="11500" b="1" dirty="0">
+              <a:solidFill>
+                <a:schemeClr val="bg1">
+                  <a:lumMod val="85000"/>
+                </a:schemeClr>
+              </a:solidFill>
+              <a:latin typeface="Bahnschrift" panose="020B0502040204020203" pitchFamily="34" charset="0"/>
+            </a:endParaRPr>
+          </a:p>
+        </p:txBody>
+      </p:sp>
+    </p:spTree>
+    <p:extLst>
+      <p:ext uri="{BB962C8B-B14F-4D97-AF65-F5344CB8AC3E}">
+        <p14:creationId xmlns:p14="http://schemas.microsoft.com/office/powerpoint/2010/main" val="2198973106"/>
+      </p:ext>
+    </p:extLst>
+  </p:cSld>
+  <p:clrMapOvr>
+    <a:masterClrMapping/>
+  </p:clrMapOvr>
+  <p:timing>
+    <p:tnLst>
+      <p:par>
+        <p:cTn id="1" dur="indefinite" restart="never" nodeType="tmRoot">
+          <p:childTnLst>
+            <p:seq concurrent="1" nextAc="seek">
+              <p:cTn id="2" dur="indefinite" nodeType="mainSeq">
+                <p:childTnLst>
+                  <p:par>
+                    <p:cTn id="3" fill="hold">
+                      <p:stCondLst>
+                        <p:cond delay="indefinite"/>
+                      </p:stCondLst>
+                      <p:childTnLst>
+                        <p:par>
+                          <p:cTn id="4" fill="hold">
+                            <p:stCondLst>
+                              <p:cond delay="0"/>
+                            </p:stCondLst>
+                            <p:childTnLst>
+                              <p:par>
+                                <p:cTn id="5" presetID="8" presetClass="emph" presetSubtype="0" repeatCount="indefinite" fill="hold" nodeType="clickEffect">
+                                  <p:stCondLst>
+                                    <p:cond delay="0"/>
+                                  </p:stCondLst>
+                                  <p:childTnLst>
+                                    <p:animRot by="21600000">
+                                      <p:cBhvr>
+                                        <p:cTn id="6" dur="33000" fill="hold"/>
+                                        <p:tgtEl>
+                                          <p:spTgt spid="5"/>
+                                        </p:tgtEl>
+                                        <p:attrNameLst>
+                                          <p:attrName>r</p:attrName>
+                                        </p:attrNameLst>
+                                      </p:cBhvr>
+                                    </p:animRot>
+                                  </p:childTnLst>
+                                </p:cTn>
+                              </p:par>
+                            </p:childTnLst>
+                          </p:cTn>
+                        </p:par>
+                      </p:childTnLst>
+                    </p:cTn>
+                  </p:par>
+                </p:childTnLst>
+              </p:cTn>
+              <p:prevCondLst>
+                <p:cond evt="onPrev" delay="0">
+                  <p:tgtEl>
+                    <p:sldTgt/>
+                  </p:tgtEl>
+                </p:cond>
+              </p:prevCondLst>
+              <p:nextCondLst>
+                <p:cond evt="onNext" delay="0">
+                  <p:tgtEl>
+                    <p:sldTgt/>
+                  </p:tgtEl>
+                </p:cond>
+              </p:nextCondLst>
+            </p:seq>
+          </p:childTnLst>
+        </p:cTn>
+      </p:par>
+    </p:tnLst>
+  </p:timing>
+</p:sld>
+</file>
+
+<file path=ppt/slides/slide15.xml><?xml version="1.0" encoding="utf-8"?>
+<p:sld xmlns:a="http://schemas.openxmlformats.org/drawingml/2006/main" xmlns:r="http://schemas.openxmlformats.org/officeDocument/2006/relationships" xmlns:p="http://schemas.openxmlformats.org/presentationml/2006/main">
+  <p:cSld>
+    <p:spTree>
+      <p:nvGrpSpPr>
+        <p:cNvPr id="1" name=""/>
+        <p:cNvGrpSpPr/>
+        <p:nvPr/>
+      </p:nvGrpSpPr>
+      <p:grpSpPr>
+        <a:xfrm>
+          <a:off x="0" y="0"/>
+          <a:ext cx="0" cy="0"/>
+          <a:chOff x="0" y="0"/>
+          <a:chExt cx="0" cy="0"/>
+        </a:xfrm>
+      </p:grpSpPr>
+      <p:sp>
+        <p:nvSpPr>
+          <p:cNvPr id="2" name="Rectangle 1"/>
+          <p:cNvSpPr/>
+          <p:nvPr/>
+        </p:nvSpPr>
+        <p:spPr>
+          <a:xfrm>
+            <a:off x="0" y="0"/>
+            <a:ext cx="12192000" cy="6858000"/>
+          </a:xfrm>
+          <a:prstGeom prst="rect">
+            <a:avLst/>
+          </a:prstGeom>
+          <a:solidFill>
+            <a:srgbClr val="231F20"/>
+          </a:solidFill>
+          <a:ln w="57150">
+            <a:noFill/>
+          </a:ln>
+        </p:spPr>
+        <p:style>
+          <a:lnRef idx="2">
+            <a:schemeClr val="accent1">
+              <a:shade val="50000"/>
+            </a:schemeClr>
+          </a:lnRef>
+          <a:fillRef idx="1">
+            <a:schemeClr val="accent1"/>
+          </a:fillRef>
+          <a:effectRef idx="0">
+            <a:schemeClr val="accent1"/>
+          </a:effectRef>
+          <a:fontRef idx="minor">
+            <a:schemeClr val="lt1"/>
+          </a:fontRef>
+        </p:style>
+        <p:txBody>
+          <a:bodyPr rtlCol="0" anchor="ctr"/>
+          <a:lstStyle/>
+          <a:p>
+            <a:pPr algn="ctr"/>
+            <a:endParaRPr lang="en-GB"/>
+          </a:p>
+        </p:txBody>
+      </p:sp>
+      <p:pic>
+        <p:nvPicPr>
+          <p:cNvPr id="5" name="Picture 4"/>
+          <p:cNvPicPr>
+            <a:picLocks noChangeAspect="1"/>
+          </p:cNvPicPr>
+          <p:nvPr/>
+        </p:nvPicPr>
+        <p:blipFill rotWithShape="1">
+          <a:blip r:embed="rId2">
+            <a:extLst>
+              <a:ext uri="{BEBA8EAE-BF5A-486C-A8C5-ECC9F3942E4B}">
+                <a14:imgProps xmlns:a14="http://schemas.microsoft.com/office/drawing/2010/main">
+                  <a14:imgLayer r:embed="rId3">
+                    <a14:imgEffect>
+                      <a14:artisticBlur/>
+                    </a14:imgEffect>
+                  </a14:imgLayer>
+                </a14:imgProps>
+              </a:ext>
+              <a:ext uri="{28A0092B-C50C-407E-A947-70E740481C1C}">
+                <a14:useLocalDpi xmlns:a14="http://schemas.microsoft.com/office/drawing/2010/main" val="0"/>
+              </a:ext>
+            </a:extLst>
+          </a:blip>
+          <a:srcRect t="1" b="-5015"/>
+          <a:stretch/>
+        </p:blipFill>
+        <p:spPr>
+          <a:xfrm>
+            <a:off x="2780270" y="132414"/>
+            <a:ext cx="6631460" cy="6936026"/>
+          </a:xfrm>
+          <a:prstGeom prst="rect">
+            <a:avLst/>
+          </a:prstGeom>
+        </p:spPr>
+      </p:pic>
+      <p:sp>
+        <p:nvSpPr>
+          <p:cNvPr id="8" name="TextBox 7">
+            <a:extLst>
+              <a:ext uri="{FF2B5EF4-FFF2-40B4-BE49-F238E27FC236}">
+                <a16:creationId xmlns:a16="http://schemas.microsoft.com/office/drawing/2014/main" id="{EB5458EB-41A5-4115-9FA0-D9944FB4B945}"/>
+              </a:ext>
+            </a:extLst>
+          </p:cNvPr>
+          <p:cNvSpPr txBox="1"/>
+          <p:nvPr/>
+        </p:nvSpPr>
+        <p:spPr>
+          <a:xfrm>
+            <a:off x="217909" y="4714502"/>
+            <a:ext cx="11756182" cy="1846659"/>
+          </a:xfrm>
+          <a:prstGeom prst="rect">
+            <a:avLst/>
+          </a:prstGeom>
+          <a:noFill/>
+        </p:spPr>
+        <p:txBody>
+          <a:bodyPr wrap="square" rtlCol="0">
+            <a:spAutoFit/>
+          </a:bodyPr>
+          <a:lstStyle/>
+          <a:p>
+            <a:pPr algn="ctr"/>
+            <a:r>
+              <a:rPr lang="ro-RO" sz="6000" b="1" dirty="0">
+                <a:solidFill>
+                  <a:schemeClr val="bg1">
+                    <a:lumMod val="85000"/>
+                  </a:schemeClr>
+                </a:solidFill>
+                <a:latin typeface="Bahnschrift" panose="020B0502040204020203" pitchFamily="34" charset="0"/>
+              </a:rPr>
+              <a:t>I. erd</a:t>
+            </a:r>
+            <a:r>
+              <a:rPr lang="hu-HU" sz="6000" b="1" dirty="0">
+                <a:solidFill>
+                  <a:schemeClr val="bg1">
+                    <a:lumMod val="85000"/>
+                  </a:schemeClr>
+                </a:solidFill>
+                <a:latin typeface="Bahnschrift" panose="020B0502040204020203" pitchFamily="34" charset="0"/>
+              </a:rPr>
+              <a:t>élyi adatviz</a:t>
+            </a:r>
+            <a:br>
+              <a:rPr lang="hu-HU" sz="5400" b="1" dirty="0">
+                <a:solidFill>
+                  <a:schemeClr val="bg1">
+                    <a:lumMod val="85000"/>
+                  </a:schemeClr>
+                </a:solidFill>
+                <a:latin typeface="Bahnschrift" panose="020B0502040204020203" pitchFamily="34" charset="0"/>
+              </a:rPr>
+            </a:br>
+            <a:r>
+              <a:rPr lang="en-GB" sz="5400" b="1" dirty="0">
+                <a:solidFill>
+                  <a:schemeClr val="bg1">
+                    <a:lumMod val="85000"/>
+                  </a:schemeClr>
+                </a:solidFill>
+                <a:latin typeface="Bahnschrift" panose="020B0502040204020203" pitchFamily="34" charset="0"/>
+              </a:rPr>
+              <a:t>mini-</a:t>
+            </a:r>
+            <a:r>
+              <a:rPr lang="en-GB" sz="5400" b="1" dirty="0" err="1">
+                <a:solidFill>
+                  <a:schemeClr val="bg1">
+                    <a:lumMod val="85000"/>
+                  </a:schemeClr>
+                </a:solidFill>
+                <a:latin typeface="Bahnschrift" panose="020B0502040204020203" pitchFamily="34" charset="0"/>
+              </a:rPr>
+              <a:t>konferencia</a:t>
+            </a:r>
+            <a:endParaRPr lang="hu-HU" sz="5400" b="1" dirty="0">
+              <a:solidFill>
+                <a:schemeClr val="bg1">
+                  <a:lumMod val="85000"/>
+                </a:schemeClr>
+              </a:solidFill>
+              <a:latin typeface="Bahnschrift" panose="020B0502040204020203" pitchFamily="34" charset="0"/>
+            </a:endParaRPr>
+          </a:p>
+        </p:txBody>
+      </p:sp>
+      <p:pic>
+        <p:nvPicPr>
+          <p:cNvPr id="9" name="Picture 8">
+            <a:extLst>
+              <a:ext uri="{FF2B5EF4-FFF2-40B4-BE49-F238E27FC236}">
+                <a16:creationId xmlns:a16="http://schemas.microsoft.com/office/drawing/2014/main" id="{816DBDDA-88D6-4591-A59E-93E89C11022C}"/>
+              </a:ext>
+            </a:extLst>
+          </p:cNvPr>
+          <p:cNvPicPr>
+            <a:picLocks noChangeAspect="1"/>
+          </p:cNvPicPr>
+          <p:nvPr/>
+        </p:nvPicPr>
+        <p:blipFill>
+          <a:blip r:embed="rId4">
+            <a:clrChange>
+              <a:clrFrom>
+                <a:srgbClr val="2C2728"/>
+              </a:clrFrom>
+              <a:clrTo>
+                <a:srgbClr val="2C2728">
+                  <a:alpha val="0"/>
+                </a:srgbClr>
+              </a:clrTo>
+            </a:clrChange>
+          </a:blip>
+          <a:stretch>
+            <a:fillRect/>
+          </a:stretch>
+        </p:blipFill>
+        <p:spPr>
+          <a:xfrm>
+            <a:off x="134930" y="367247"/>
+            <a:ext cx="2699658" cy="914400"/>
+          </a:xfrm>
+          <a:prstGeom prst="rect">
+            <a:avLst/>
+          </a:prstGeom>
+        </p:spPr>
+      </p:pic>
+      <p:pic>
+        <p:nvPicPr>
+          <p:cNvPr id="15" name="Picture 14">
+            <a:extLst>
+              <a:ext uri="{FF2B5EF4-FFF2-40B4-BE49-F238E27FC236}">
+                <a16:creationId xmlns:a16="http://schemas.microsoft.com/office/drawing/2014/main" id="{B80250E4-4212-4BCB-B63D-CA4FD598F553}"/>
+              </a:ext>
+            </a:extLst>
+          </p:cNvPr>
+          <p:cNvPicPr>
+            <a:picLocks noChangeAspect="1"/>
+          </p:cNvPicPr>
+          <p:nvPr/>
+        </p:nvPicPr>
+        <p:blipFill>
+          <a:blip r:embed="rId5">
+            <a:clrChange>
+              <a:clrFrom>
+                <a:srgbClr val="2C2728"/>
+              </a:clrFrom>
+              <a:clrTo>
+                <a:srgbClr val="2C2728">
+                  <a:alpha val="0"/>
+                </a:srgbClr>
+              </a:clrTo>
+            </a:clrChange>
+          </a:blip>
+          <a:stretch>
+            <a:fillRect/>
+          </a:stretch>
+        </p:blipFill>
+        <p:spPr>
+          <a:xfrm>
+            <a:off x="8856302" y="512392"/>
+            <a:ext cx="3108960" cy="659830"/>
+          </a:xfrm>
+          <a:prstGeom prst="rect">
+            <a:avLst/>
+          </a:prstGeom>
+        </p:spPr>
+      </p:pic>
+      <p:pic>
+        <p:nvPicPr>
+          <p:cNvPr id="19" name="Picture 18">
+            <a:extLst>
+              <a:ext uri="{FF2B5EF4-FFF2-40B4-BE49-F238E27FC236}">
+                <a16:creationId xmlns:a16="http://schemas.microsoft.com/office/drawing/2014/main" id="{FA40B0F5-FC66-4A1B-9727-A82788A465B0}"/>
+              </a:ext>
+            </a:extLst>
+          </p:cNvPr>
+          <p:cNvPicPr>
+            <a:picLocks noChangeAspect="1"/>
+          </p:cNvPicPr>
+          <p:nvPr/>
+        </p:nvPicPr>
+        <p:blipFill rotWithShape="1">
+          <a:blip r:embed="rId6"/>
+          <a:srcRect t="13690" b="13690"/>
+          <a:stretch/>
+        </p:blipFill>
+        <p:spPr>
+          <a:xfrm>
+            <a:off x="3791567" y="454308"/>
+            <a:ext cx="4442908" cy="929652"/>
+          </a:xfrm>
+          <a:prstGeom prst="rect">
+            <a:avLst/>
+          </a:prstGeom>
+        </p:spPr>
+      </p:pic>
+      <p:pic>
+        <p:nvPicPr>
+          <p:cNvPr id="22" name="Graphic 21" descr="Lecturer">
+            <a:extLst>
+              <a:ext uri="{FF2B5EF4-FFF2-40B4-BE49-F238E27FC236}">
+                <a16:creationId xmlns:a16="http://schemas.microsoft.com/office/drawing/2014/main" id="{9A8918D1-4280-4E94-9831-DD072E27DEFD}"/>
+              </a:ext>
+            </a:extLst>
+          </p:cNvPr>
+          <p:cNvPicPr>
+            <a:picLocks noChangeAspect="1"/>
+          </p:cNvPicPr>
+          <p:nvPr/>
+        </p:nvPicPr>
+        <p:blipFill>
+          <a:blip r:embed="rId7">
+            <a:extLst>
+              <a:ext uri="{28A0092B-C50C-407E-A947-70E740481C1C}">
+                <a14:useLocalDpi xmlns:a14="http://schemas.microsoft.com/office/drawing/2010/main" val="0"/>
+              </a:ext>
+              <a:ext uri="{96DAC541-7B7A-43D3-8B79-37D633B846F1}">
+                <asvg:svgBlip xmlns:asvg="http://schemas.microsoft.com/office/drawing/2016/SVG/main" r:embed="rId8"/>
+              </a:ext>
+            </a:extLst>
+          </a:blip>
+          <a:stretch>
+            <a:fillRect/>
+          </a:stretch>
+        </p:blipFill>
+        <p:spPr>
+          <a:xfrm>
+            <a:off x="10057477" y="4908297"/>
+            <a:ext cx="1488775" cy="1488775"/>
+          </a:xfrm>
+          <a:prstGeom prst="rect">
+            <a:avLst/>
+          </a:prstGeom>
+        </p:spPr>
+      </p:pic>
+      <p:pic>
+        <p:nvPicPr>
+          <p:cNvPr id="24" name="Graphic 23" descr="Bar chart">
+            <a:extLst>
+              <a:ext uri="{FF2B5EF4-FFF2-40B4-BE49-F238E27FC236}">
+                <a16:creationId xmlns:a16="http://schemas.microsoft.com/office/drawing/2014/main" id="{BB0AE8F9-1E7F-4E77-8B25-716FBBDC82A9}"/>
+              </a:ext>
+            </a:extLst>
+          </p:cNvPr>
+          <p:cNvPicPr>
+            <a:picLocks noChangeAspect="1"/>
+          </p:cNvPicPr>
+          <p:nvPr/>
+        </p:nvPicPr>
+        <p:blipFill>
+          <a:blip r:embed="rId9">
+            <a:extLst>
+              <a:ext uri="{28A0092B-C50C-407E-A947-70E740481C1C}">
+                <a14:useLocalDpi xmlns:a14="http://schemas.microsoft.com/office/drawing/2010/main" val="0"/>
+              </a:ext>
+              <a:ext uri="{96DAC541-7B7A-43D3-8B79-37D633B846F1}">
+                <asvg:svgBlip xmlns:asvg="http://schemas.microsoft.com/office/drawing/2016/SVG/main" r:embed="rId10"/>
+              </a:ext>
+            </a:extLst>
+          </a:blip>
+          <a:stretch>
+            <a:fillRect/>
+          </a:stretch>
+        </p:blipFill>
+        <p:spPr>
+          <a:xfrm>
+            <a:off x="300888" y="4846408"/>
+            <a:ext cx="1736124" cy="1736124"/>
+          </a:xfrm>
+          <a:prstGeom prst="rect">
+            <a:avLst/>
+          </a:prstGeom>
+        </p:spPr>
+      </p:pic>
+      <p:sp>
+        <p:nvSpPr>
+          <p:cNvPr id="25" name="Rectangle 24">
+            <a:extLst>
+              <a:ext uri="{FF2B5EF4-FFF2-40B4-BE49-F238E27FC236}">
+                <a16:creationId xmlns:a16="http://schemas.microsoft.com/office/drawing/2014/main" id="{8AB67406-5825-4B66-8538-9E3B9099584B}"/>
+              </a:ext>
+            </a:extLst>
+          </p:cNvPr>
+          <p:cNvSpPr/>
+          <p:nvPr/>
+        </p:nvSpPr>
+        <p:spPr>
+          <a:xfrm rot="16200000" flipH="1">
+            <a:off x="6078000" y="-934978"/>
+            <a:ext cx="36000" cy="4997788"/>
+          </a:xfrm>
+          <a:prstGeom prst="rect">
+            <a:avLst/>
+          </a:prstGeom>
+          <a:gradFill flip="none" rotWithShape="1">
+            <a:gsLst>
+              <a:gs pos="27000">
+                <a:srgbClr val="B5B7BB"/>
+              </a:gs>
+              <a:gs pos="76000">
+                <a:srgbClr val="C2C7CE"/>
+              </a:gs>
+              <a:gs pos="0">
+                <a:schemeClr val="bg1">
+                  <a:lumMod val="65000"/>
+                  <a:alpha val="0"/>
+                </a:schemeClr>
+              </a:gs>
+              <a:gs pos="100000">
+                <a:schemeClr val="accent1">
+                  <a:tint val="23500"/>
+                  <a:satMod val="160000"/>
+                  <a:alpha val="0"/>
+                </a:schemeClr>
+              </a:gs>
+            </a:gsLst>
+            <a:lin ang="5400000" scaled="1"/>
+            <a:tileRect/>
+          </a:gradFill>
+          <a:ln>
+            <a:noFill/>
+          </a:ln>
+        </p:spPr>
+        <p:style>
+          <a:lnRef idx="2">
+            <a:schemeClr val="accent1">
+              <a:shade val="50000"/>
+            </a:schemeClr>
+          </a:lnRef>
+          <a:fillRef idx="1">
+            <a:schemeClr val="accent1"/>
+          </a:fillRef>
+          <a:effectRef idx="0">
+            <a:schemeClr val="accent1"/>
+          </a:effectRef>
+          <a:fontRef idx="minor">
+            <a:schemeClr val="lt1"/>
+          </a:fontRef>
+        </p:style>
+        <p:txBody>
+          <a:bodyPr rtlCol="0" anchor="ctr"/>
+          <a:lstStyle/>
+          <a:p>
+            <a:pPr algn="ctr"/>
+            <a:endParaRPr lang="en-GB"/>
+          </a:p>
+        </p:txBody>
+      </p:sp>
+      <p:sp>
+        <p:nvSpPr>
+          <p:cNvPr id="26" name="Rectangle 25">
+            <a:extLst>
+              <a:ext uri="{FF2B5EF4-FFF2-40B4-BE49-F238E27FC236}">
+                <a16:creationId xmlns:a16="http://schemas.microsoft.com/office/drawing/2014/main" id="{407FD84A-F484-45E6-BB1F-4DEDE5CCA779}"/>
+              </a:ext>
+            </a:extLst>
+          </p:cNvPr>
+          <p:cNvSpPr/>
+          <p:nvPr/>
+        </p:nvSpPr>
+        <p:spPr>
+          <a:xfrm rot="16200000" flipH="1">
+            <a:off x="6078000" y="1922141"/>
+            <a:ext cx="36000" cy="4997788"/>
+          </a:xfrm>
+          <a:prstGeom prst="rect">
+            <a:avLst/>
+          </a:prstGeom>
+          <a:gradFill flip="none" rotWithShape="1">
+            <a:gsLst>
+              <a:gs pos="27000">
+                <a:srgbClr val="B5B7BB"/>
+              </a:gs>
+              <a:gs pos="76000">
+                <a:srgbClr val="C2C7CE"/>
+              </a:gs>
+              <a:gs pos="0">
+                <a:schemeClr val="bg1">
+                  <a:lumMod val="65000"/>
+                  <a:alpha val="0"/>
+                </a:schemeClr>
+              </a:gs>
+              <a:gs pos="100000">
+                <a:schemeClr val="accent1">
+                  <a:tint val="23500"/>
+                  <a:satMod val="160000"/>
+                  <a:alpha val="0"/>
+                </a:schemeClr>
+              </a:gs>
+            </a:gsLst>
+            <a:lin ang="5400000" scaled="1"/>
+            <a:tileRect/>
+          </a:gradFill>
+          <a:ln>
+            <a:noFill/>
+          </a:ln>
+        </p:spPr>
+        <p:style>
+          <a:lnRef idx="2">
+            <a:schemeClr val="accent1">
+              <a:shade val="50000"/>
+            </a:schemeClr>
+          </a:lnRef>
+          <a:fillRef idx="1">
+            <a:schemeClr val="accent1"/>
+          </a:fillRef>
+          <a:effectRef idx="0">
+            <a:schemeClr val="accent1"/>
+          </a:effectRef>
+          <a:fontRef idx="minor">
+            <a:schemeClr val="lt1"/>
+          </a:fontRef>
+        </p:style>
+        <p:txBody>
+          <a:bodyPr rtlCol="0" anchor="ctr"/>
+          <a:lstStyle/>
+          <a:p>
+            <a:pPr algn="ctr"/>
+            <a:endParaRPr lang="en-GB"/>
+          </a:p>
+        </p:txBody>
+      </p:sp>
+      <p:sp>
+        <p:nvSpPr>
+          <p:cNvPr id="13" name="TextBox 12">
+            <a:extLst>
+              <a:ext uri="{FF2B5EF4-FFF2-40B4-BE49-F238E27FC236}">
+                <a16:creationId xmlns:a16="http://schemas.microsoft.com/office/drawing/2014/main" id="{79EE02F0-7FAA-4940-8EDA-D94D65DB9913}"/>
+              </a:ext>
+            </a:extLst>
+          </p:cNvPr>
+          <p:cNvSpPr txBox="1"/>
+          <p:nvPr/>
+        </p:nvSpPr>
+        <p:spPr>
+          <a:xfrm>
+            <a:off x="134930" y="1835366"/>
+            <a:ext cx="11756182" cy="1862048"/>
+          </a:xfrm>
+          <a:prstGeom prst="rect">
+            <a:avLst/>
+          </a:prstGeom>
+          <a:noFill/>
+        </p:spPr>
+        <p:txBody>
+          <a:bodyPr wrap="square" rtlCol="0">
+            <a:spAutoFit/>
+          </a:bodyPr>
+          <a:lstStyle/>
+          <a:p>
+            <a:pPr algn="ctr"/>
+            <a:r>
+              <a:rPr lang="en-US" sz="11500" b="1" dirty="0">
+                <a:solidFill>
+                  <a:schemeClr val="bg1">
+                    <a:lumMod val="85000"/>
+                  </a:schemeClr>
+                </a:solidFill>
+                <a:latin typeface="Bahnschrift" panose="020B0502040204020203" pitchFamily="34" charset="0"/>
+              </a:rPr>
+              <a:t>#</a:t>
+            </a:r>
+            <a:r>
+              <a:rPr lang="en-US" sz="11500" b="1" dirty="0" err="1">
+                <a:solidFill>
+                  <a:schemeClr val="bg1">
+                    <a:lumMod val="85000"/>
+                  </a:schemeClr>
+                </a:solidFill>
+                <a:latin typeface="Bahnschrift" panose="020B0502040204020203" pitchFamily="34" charset="0"/>
+              </a:rPr>
+              <a:t>szekelydata</a:t>
+            </a:r>
+            <a:endParaRPr lang="hu-HU" sz="11500" b="1" dirty="0">
+              <a:solidFill>
+                <a:schemeClr val="bg1">
+                  <a:lumMod val="85000"/>
+                </a:schemeClr>
+              </a:solidFill>
+              <a:latin typeface="Bahnschrift" panose="020B0502040204020203" pitchFamily="34" charset="0"/>
+            </a:endParaRPr>
+          </a:p>
+        </p:txBody>
+      </p:sp>
+    </p:spTree>
+    <p:extLst>
+      <p:ext uri="{BB962C8B-B14F-4D97-AF65-F5344CB8AC3E}">
+        <p14:creationId xmlns:p14="http://schemas.microsoft.com/office/powerpoint/2010/main" val="4184987118"/>
+      </p:ext>
+    </p:extLst>
+  </p:cSld>
+  <p:clrMapOvr>
+    <a:masterClrMapping/>
+  </p:clrMapOvr>
+  <p:timing>
+    <p:tnLst>
+      <p:par>
+        <p:cTn id="1" dur="indefinite" restart="never" nodeType="tmRoot">
+          <p:childTnLst>
+            <p:seq concurrent="1" nextAc="seek">
+              <p:cTn id="2" dur="indefinite" nodeType="mainSeq">
+                <p:childTnLst>
+                  <p:par>
+                    <p:cTn id="3" fill="hold">
+                      <p:stCondLst>
+                        <p:cond delay="indefinite"/>
+                      </p:stCondLst>
+                      <p:childTnLst>
+                        <p:par>
+                          <p:cTn id="4" fill="hold">
+                            <p:stCondLst>
+                              <p:cond delay="0"/>
+                            </p:stCondLst>
+                            <p:childTnLst>
+                              <p:par>
+                                <p:cTn id="5" presetID="8" presetClass="emph" presetSubtype="0" repeatCount="indefinite" fill="hold" nodeType="clickEffect">
+                                  <p:stCondLst>
+                                    <p:cond delay="0"/>
+                                  </p:stCondLst>
+                                  <p:childTnLst>
+                                    <p:animRot by="21600000">
+                                      <p:cBhvr>
+                                        <p:cTn id="6" dur="33000" fill="hold"/>
+                                        <p:tgtEl>
+                                          <p:spTgt spid="5"/>
+                                        </p:tgtEl>
+                                        <p:attrNameLst>
+                                          <p:attrName>r</p:attrName>
+                                        </p:attrNameLst>
+                                      </p:cBhvr>
+                                    </p:animRot>
+                                  </p:childTnLst>
+                                </p:cTn>
+                              </p:par>
+                            </p:childTnLst>
+                          </p:cTn>
+                        </p:par>
+                      </p:childTnLst>
+                    </p:cTn>
+                  </p:par>
+                </p:childTnLst>
+              </p:cTn>
+              <p:prevCondLst>
+                <p:cond evt="onPrev" delay="0">
+                  <p:tgtEl>
+                    <p:sldTgt/>
+                  </p:tgtEl>
+                </p:cond>
+              </p:prevCondLst>
+              <p:nextCondLst>
+                <p:cond evt="onNext" delay="0">
+                  <p:tgtEl>
+                    <p:sldTgt/>
+                  </p:tgtEl>
+                </p:cond>
+              </p:nextCondLst>
+            </p:seq>
+          </p:childTnLst>
+        </p:cTn>
+      </p:par>
+    </p:tnLst>
+  </p:timing>
+</p:sld>
+</file>
+
+<file path=ppt/slides/slide16.xml><?xml version="1.0" encoding="utf-8"?>
+<p:sld xmlns:a="http://schemas.openxmlformats.org/drawingml/2006/main" xmlns:r="http://schemas.openxmlformats.org/officeDocument/2006/relationships" xmlns:p="http://schemas.openxmlformats.org/presentationml/2006/main">
+  <p:cSld>
+    <p:spTree>
+      <p:nvGrpSpPr>
+        <p:cNvPr id="1" name=""/>
+        <p:cNvGrpSpPr/>
+        <p:nvPr/>
+      </p:nvGrpSpPr>
+      <p:grpSpPr>
+        <a:xfrm>
+          <a:off x="0" y="0"/>
+          <a:ext cx="0" cy="0"/>
+          <a:chOff x="0" y="0"/>
+          <a:chExt cx="0" cy="0"/>
+        </a:xfrm>
+      </p:grpSpPr>
+      <p:sp>
+        <p:nvSpPr>
+          <p:cNvPr id="2" name="Rectangle 1"/>
+          <p:cNvSpPr/>
+          <p:nvPr/>
+        </p:nvSpPr>
+        <p:spPr>
+          <a:xfrm>
+            <a:off x="0" y="0"/>
+            <a:ext cx="12192000" cy="6858000"/>
+          </a:xfrm>
+          <a:prstGeom prst="rect">
+            <a:avLst/>
+          </a:prstGeom>
+          <a:solidFill>
+            <a:srgbClr val="231F20"/>
+          </a:solidFill>
+          <a:ln w="57150">
+            <a:noFill/>
+          </a:ln>
+        </p:spPr>
+        <p:style>
+          <a:lnRef idx="2">
+            <a:schemeClr val="accent1">
+              <a:shade val="50000"/>
+            </a:schemeClr>
+          </a:lnRef>
+          <a:fillRef idx="1">
+            <a:schemeClr val="accent1"/>
+          </a:fillRef>
+          <a:effectRef idx="0">
+            <a:schemeClr val="accent1"/>
+          </a:effectRef>
+          <a:fontRef idx="minor">
+            <a:schemeClr val="lt1"/>
+          </a:fontRef>
+        </p:style>
+        <p:txBody>
+          <a:bodyPr rtlCol="0" anchor="ctr"/>
+          <a:lstStyle/>
+          <a:p>
+            <a:pPr algn="ctr"/>
+            <a:endParaRPr lang="en-GB"/>
+          </a:p>
+        </p:txBody>
+      </p:sp>
+      <p:pic>
+        <p:nvPicPr>
+          <p:cNvPr id="5" name="Picture 4"/>
+          <p:cNvPicPr>
+            <a:picLocks noChangeAspect="1"/>
+          </p:cNvPicPr>
+          <p:nvPr/>
+        </p:nvPicPr>
+        <p:blipFill rotWithShape="1">
+          <a:blip r:embed="rId2">
+            <a:extLst>
+              <a:ext uri="{BEBA8EAE-BF5A-486C-A8C5-ECC9F3942E4B}">
+                <a14:imgProps xmlns:a14="http://schemas.microsoft.com/office/drawing/2010/main">
+                  <a14:imgLayer r:embed="rId3">
+                    <a14:imgEffect>
+                      <a14:artisticBlur/>
+                    </a14:imgEffect>
+                  </a14:imgLayer>
+                </a14:imgProps>
+              </a:ext>
+              <a:ext uri="{28A0092B-C50C-407E-A947-70E740481C1C}">
+                <a14:useLocalDpi xmlns:a14="http://schemas.microsoft.com/office/drawing/2010/main" val="0"/>
+              </a:ext>
+            </a:extLst>
+          </a:blip>
+          <a:srcRect t="1" b="-5015"/>
+          <a:stretch/>
+        </p:blipFill>
+        <p:spPr>
+          <a:xfrm>
+            <a:off x="2780270" y="132414"/>
+            <a:ext cx="6631460" cy="6936026"/>
+          </a:xfrm>
+          <a:prstGeom prst="rect">
+            <a:avLst/>
+          </a:prstGeom>
+        </p:spPr>
+      </p:pic>
+      <p:sp>
+        <p:nvSpPr>
+          <p:cNvPr id="8" name="TextBox 7">
+            <a:extLst>
+              <a:ext uri="{FF2B5EF4-FFF2-40B4-BE49-F238E27FC236}">
+                <a16:creationId xmlns:a16="http://schemas.microsoft.com/office/drawing/2014/main" id="{EB5458EB-41A5-4115-9FA0-D9944FB4B945}"/>
+              </a:ext>
+            </a:extLst>
+          </p:cNvPr>
+          <p:cNvSpPr txBox="1"/>
+          <p:nvPr/>
+        </p:nvSpPr>
+        <p:spPr>
+          <a:xfrm>
+            <a:off x="8625028" y="309164"/>
+            <a:ext cx="3760382" cy="630942"/>
+          </a:xfrm>
+          <a:prstGeom prst="rect">
+            <a:avLst/>
+          </a:prstGeom>
+          <a:noFill/>
+        </p:spPr>
+        <p:txBody>
+          <a:bodyPr wrap="square" rtlCol="0">
+            <a:spAutoFit/>
+          </a:bodyPr>
+          <a:lstStyle/>
+          <a:p>
+            <a:pPr algn="ctr"/>
+            <a:r>
+              <a:rPr lang="ro-RO" b="1" dirty="0">
+                <a:solidFill>
+                  <a:schemeClr val="bg1">
+                    <a:lumMod val="85000"/>
+                  </a:schemeClr>
+                </a:solidFill>
+                <a:latin typeface="Bahnschrift" panose="020B0502040204020203" pitchFamily="34" charset="0"/>
+              </a:rPr>
+              <a:t>I. erd</a:t>
+            </a:r>
+            <a:r>
+              <a:rPr lang="hu-HU" b="1" dirty="0">
+                <a:solidFill>
+                  <a:schemeClr val="bg1">
+                    <a:lumMod val="85000"/>
+                  </a:schemeClr>
+                </a:solidFill>
+                <a:latin typeface="Bahnschrift" panose="020B0502040204020203" pitchFamily="34" charset="0"/>
+              </a:rPr>
+              <a:t>élyi adatviz</a:t>
+            </a:r>
+            <a:br>
+              <a:rPr lang="hu-HU" sz="1600" b="1" dirty="0">
+                <a:solidFill>
+                  <a:schemeClr val="bg1">
+                    <a:lumMod val="85000"/>
+                  </a:schemeClr>
+                </a:solidFill>
+                <a:latin typeface="Bahnschrift" panose="020B0502040204020203" pitchFamily="34" charset="0"/>
+              </a:rPr>
+            </a:br>
+            <a:r>
+              <a:rPr lang="en-GB" sz="1700" b="1" dirty="0">
+                <a:solidFill>
+                  <a:schemeClr val="bg1">
+                    <a:lumMod val="85000"/>
+                  </a:schemeClr>
+                </a:solidFill>
+                <a:latin typeface="Bahnschrift" panose="020B0502040204020203" pitchFamily="34" charset="0"/>
+              </a:rPr>
+              <a:t>mini-</a:t>
+            </a:r>
+            <a:r>
+              <a:rPr lang="en-GB" sz="1700" b="1" dirty="0" err="1">
+                <a:solidFill>
+                  <a:schemeClr val="bg1">
+                    <a:lumMod val="85000"/>
+                  </a:schemeClr>
+                </a:solidFill>
+                <a:latin typeface="Bahnschrift" panose="020B0502040204020203" pitchFamily="34" charset="0"/>
+              </a:rPr>
+              <a:t>konferencia</a:t>
+            </a:r>
+            <a:endParaRPr lang="hu-HU" sz="1700" b="1" dirty="0">
+              <a:solidFill>
+                <a:schemeClr val="bg1">
+                  <a:lumMod val="85000"/>
+                </a:schemeClr>
+              </a:solidFill>
+              <a:latin typeface="Bahnschrift" panose="020B0502040204020203" pitchFamily="34" charset="0"/>
+            </a:endParaRPr>
+          </a:p>
+        </p:txBody>
+      </p:sp>
+      <p:pic>
+        <p:nvPicPr>
+          <p:cNvPr id="9" name="Picture 8">
+            <a:extLst>
+              <a:ext uri="{FF2B5EF4-FFF2-40B4-BE49-F238E27FC236}">
+                <a16:creationId xmlns:a16="http://schemas.microsoft.com/office/drawing/2014/main" id="{816DBDDA-88D6-4591-A59E-93E89C11022C}"/>
+              </a:ext>
+            </a:extLst>
+          </p:cNvPr>
+          <p:cNvPicPr>
+            <a:picLocks noChangeAspect="1"/>
+          </p:cNvPicPr>
+          <p:nvPr/>
+        </p:nvPicPr>
+        <p:blipFill>
+          <a:blip r:embed="rId4">
+            <a:clrChange>
+              <a:clrFrom>
+                <a:srgbClr val="2C2728"/>
+              </a:clrFrom>
+              <a:clrTo>
+                <a:srgbClr val="2C2728">
+                  <a:alpha val="0"/>
+                </a:srgbClr>
+              </a:clrTo>
+            </a:clrChange>
+          </a:blip>
+          <a:stretch>
+            <a:fillRect/>
+          </a:stretch>
+        </p:blipFill>
+        <p:spPr>
+          <a:xfrm>
+            <a:off x="279437" y="360670"/>
+            <a:ext cx="1902082" cy="644253"/>
+          </a:xfrm>
+          <a:prstGeom prst="rect">
+            <a:avLst/>
+          </a:prstGeom>
+        </p:spPr>
+      </p:pic>
+      <p:pic>
+        <p:nvPicPr>
+          <p:cNvPr id="15" name="Picture 14">
+            <a:extLst>
+              <a:ext uri="{FF2B5EF4-FFF2-40B4-BE49-F238E27FC236}">
+                <a16:creationId xmlns:a16="http://schemas.microsoft.com/office/drawing/2014/main" id="{B80250E4-4212-4BCB-B63D-CA4FD598F553}"/>
+              </a:ext>
+            </a:extLst>
+          </p:cNvPr>
+          <p:cNvPicPr>
+            <a:picLocks noChangeAspect="1"/>
+          </p:cNvPicPr>
+          <p:nvPr/>
+        </p:nvPicPr>
+        <p:blipFill>
+          <a:blip r:embed="rId5">
+            <a:clrChange>
+              <a:clrFrom>
+                <a:srgbClr val="2C2728"/>
+              </a:clrFrom>
+              <a:clrTo>
+                <a:srgbClr val="2C2728">
+                  <a:alpha val="0"/>
+                </a:srgbClr>
+              </a:clrTo>
+            </a:clrChange>
+          </a:blip>
+          <a:stretch>
+            <a:fillRect/>
+          </a:stretch>
+        </p:blipFill>
+        <p:spPr>
+          <a:xfrm>
+            <a:off x="5413247" y="419953"/>
+            <a:ext cx="2598412" cy="551474"/>
+          </a:xfrm>
+          <a:prstGeom prst="rect">
+            <a:avLst/>
+          </a:prstGeom>
+        </p:spPr>
+      </p:pic>
+      <p:pic>
+        <p:nvPicPr>
+          <p:cNvPr id="19" name="Picture 18">
+            <a:extLst>
+              <a:ext uri="{FF2B5EF4-FFF2-40B4-BE49-F238E27FC236}">
+                <a16:creationId xmlns:a16="http://schemas.microsoft.com/office/drawing/2014/main" id="{FA40B0F5-FC66-4A1B-9727-A82788A465B0}"/>
+              </a:ext>
+            </a:extLst>
+          </p:cNvPr>
+          <p:cNvPicPr>
+            <a:picLocks noChangeAspect="1"/>
+          </p:cNvPicPr>
+          <p:nvPr/>
+        </p:nvPicPr>
+        <p:blipFill rotWithShape="1">
+          <a:blip r:embed="rId6"/>
+          <a:srcRect t="13690" b="13690"/>
+          <a:stretch/>
+        </p:blipFill>
+        <p:spPr>
+          <a:xfrm>
+            <a:off x="2366072" y="412416"/>
+            <a:ext cx="3108960" cy="650531"/>
+          </a:xfrm>
+          <a:prstGeom prst="rect">
+            <a:avLst/>
+          </a:prstGeom>
+        </p:spPr>
+      </p:pic>
+      <p:pic>
+        <p:nvPicPr>
+          <p:cNvPr id="22" name="Graphic 21" descr="Lecturer">
+            <a:extLst>
+              <a:ext uri="{FF2B5EF4-FFF2-40B4-BE49-F238E27FC236}">
+                <a16:creationId xmlns:a16="http://schemas.microsoft.com/office/drawing/2014/main" id="{9A8918D1-4280-4E94-9831-DD072E27DEFD}"/>
+              </a:ext>
+            </a:extLst>
+          </p:cNvPr>
+          <p:cNvPicPr>
+            <a:picLocks noChangeAspect="1"/>
+          </p:cNvPicPr>
+          <p:nvPr/>
+        </p:nvPicPr>
+        <p:blipFill>
+          <a:blip r:embed="rId7">
+            <a:extLst>
+              <a:ext uri="{28A0092B-C50C-407E-A947-70E740481C1C}">
+                <a14:useLocalDpi xmlns:a14="http://schemas.microsoft.com/office/drawing/2010/main" val="0"/>
+              </a:ext>
+              <a:ext uri="{96DAC541-7B7A-43D3-8B79-37D633B846F1}">
+                <asvg:svgBlip xmlns:asvg="http://schemas.microsoft.com/office/drawing/2016/SVG/main" r:embed="rId8"/>
+              </a:ext>
+            </a:extLst>
+          </a:blip>
+          <a:stretch>
+            <a:fillRect/>
+          </a:stretch>
+        </p:blipFill>
+        <p:spPr>
+          <a:xfrm>
+            <a:off x="11332032" y="306445"/>
+            <a:ext cx="615553" cy="615553"/>
+          </a:xfrm>
+          <a:prstGeom prst="rect">
+            <a:avLst/>
+          </a:prstGeom>
+        </p:spPr>
+      </p:pic>
+      <p:pic>
+        <p:nvPicPr>
+          <p:cNvPr id="24" name="Graphic 23" descr="Bar chart">
+            <a:extLst>
+              <a:ext uri="{FF2B5EF4-FFF2-40B4-BE49-F238E27FC236}">
+                <a16:creationId xmlns:a16="http://schemas.microsoft.com/office/drawing/2014/main" id="{BB0AE8F9-1E7F-4E77-8B25-716FBBDC82A9}"/>
+              </a:ext>
+            </a:extLst>
+          </p:cNvPr>
+          <p:cNvPicPr>
+            <a:picLocks noChangeAspect="1"/>
+          </p:cNvPicPr>
+          <p:nvPr/>
+        </p:nvPicPr>
+        <p:blipFill>
+          <a:blip r:embed="rId9">
+            <a:extLst>
+              <a:ext uri="{28A0092B-C50C-407E-A947-70E740481C1C}">
+                <a14:useLocalDpi xmlns:a14="http://schemas.microsoft.com/office/drawing/2010/main" val="0"/>
+              </a:ext>
+              <a:ext uri="{96DAC541-7B7A-43D3-8B79-37D633B846F1}">
+                <asvg:svgBlip xmlns:asvg="http://schemas.microsoft.com/office/drawing/2016/SVG/main" r:embed="rId10"/>
+              </a:ext>
+            </a:extLst>
+          </a:blip>
+          <a:stretch>
+            <a:fillRect/>
+          </a:stretch>
+        </p:blipFill>
+        <p:spPr>
+          <a:xfrm>
+            <a:off x="8919977" y="290744"/>
+            <a:ext cx="677108" cy="677108"/>
+          </a:xfrm>
+          <a:prstGeom prst="rect">
+            <a:avLst/>
+          </a:prstGeom>
+        </p:spPr>
+      </p:pic>
+      <p:sp>
+        <p:nvSpPr>
+          <p:cNvPr id="25" name="Rectangle 24">
+            <a:extLst>
+              <a:ext uri="{FF2B5EF4-FFF2-40B4-BE49-F238E27FC236}">
+                <a16:creationId xmlns:a16="http://schemas.microsoft.com/office/drawing/2014/main" id="{8AB67406-5825-4B66-8538-9E3B9099584B}"/>
+              </a:ext>
+            </a:extLst>
+          </p:cNvPr>
+          <p:cNvSpPr/>
+          <p:nvPr/>
+        </p:nvSpPr>
+        <p:spPr>
+          <a:xfrm rot="16200000" flipH="1">
+            <a:off x="6090806" y="-4387666"/>
+            <a:ext cx="36000" cy="11612880"/>
+          </a:xfrm>
+          <a:prstGeom prst="rect">
+            <a:avLst/>
+          </a:prstGeom>
+          <a:gradFill flip="none" rotWithShape="1">
+            <a:gsLst>
+              <a:gs pos="27000">
+                <a:srgbClr val="B5B7BB"/>
+              </a:gs>
+              <a:gs pos="76000">
+                <a:srgbClr val="C2C7CE"/>
+              </a:gs>
+              <a:gs pos="0">
+                <a:schemeClr val="bg1">
+                  <a:lumMod val="65000"/>
+                  <a:alpha val="0"/>
+                </a:schemeClr>
+              </a:gs>
+              <a:gs pos="100000">
+                <a:schemeClr val="accent1">
+                  <a:tint val="23500"/>
+                  <a:satMod val="160000"/>
+                  <a:alpha val="0"/>
+                </a:schemeClr>
+              </a:gs>
+            </a:gsLst>
+            <a:lin ang="5400000" scaled="1"/>
+            <a:tileRect/>
+          </a:gradFill>
+          <a:ln>
+            <a:noFill/>
+          </a:ln>
+        </p:spPr>
+        <p:style>
+          <a:lnRef idx="2">
+            <a:schemeClr val="accent1">
+              <a:shade val="50000"/>
+            </a:schemeClr>
+          </a:lnRef>
+          <a:fillRef idx="1">
+            <a:schemeClr val="accent1"/>
+          </a:fillRef>
+          <a:effectRef idx="0">
+            <a:schemeClr val="accent1"/>
+          </a:effectRef>
+          <a:fontRef idx="minor">
+            <a:schemeClr val="lt1"/>
+          </a:fontRef>
+        </p:style>
+        <p:txBody>
+          <a:bodyPr rtlCol="0" anchor="ctr"/>
+          <a:lstStyle/>
+          <a:p>
+            <a:pPr algn="ctr"/>
+            <a:endParaRPr lang="en-GB"/>
+          </a:p>
+        </p:txBody>
+      </p:sp>
+      <p:graphicFrame>
+        <p:nvGraphicFramePr>
+          <p:cNvPr id="3" name="Table 2">
+            <a:extLst>
+              <a:ext uri="{FF2B5EF4-FFF2-40B4-BE49-F238E27FC236}">
+                <a16:creationId xmlns:a16="http://schemas.microsoft.com/office/drawing/2014/main" id="{F5504F90-8E44-4F92-8A69-13D1BC559DBB}"/>
+              </a:ext>
+            </a:extLst>
+          </p:cNvPr>
+          <p:cNvGraphicFramePr>
+            <a:graphicFrameLocks noGrp="1"/>
+          </p:cNvGraphicFramePr>
+          <p:nvPr>
+            <p:extLst>
+              <p:ext uri="{D42A27DB-BD31-4B8C-83A1-F6EECF244321}">
+                <p14:modId xmlns:p14="http://schemas.microsoft.com/office/powerpoint/2010/main" val="3923181651"/>
+              </p:ext>
+            </p:extLst>
+          </p:nvPr>
+        </p:nvGraphicFramePr>
+        <p:xfrm>
+          <a:off x="302366" y="1571980"/>
+          <a:ext cx="11612880" cy="4995276"/>
+        </p:xfrm>
+        <a:graphic>
+          <a:graphicData uri="http://schemas.openxmlformats.org/drawingml/2006/table">
+            <a:tbl>
+              <a:tblPr firstRow="1" bandRow="1">
+                <a:tableStyleId>{F5AB1C69-6EDB-4FF4-983F-18BD219EF322}</a:tableStyleId>
+              </a:tblPr>
+              <a:tblGrid>
+                <a:gridCol w="1482891">
+                  <a:extLst>
+                    <a:ext uri="{9D8B030D-6E8A-4147-A177-3AD203B41FA5}">
+                      <a16:colId xmlns:a16="http://schemas.microsoft.com/office/drawing/2014/main" val="3903504574"/>
+                    </a:ext>
+                  </a:extLst>
+                </a:gridCol>
+                <a:gridCol w="1770743">
+                  <a:extLst>
+                    <a:ext uri="{9D8B030D-6E8A-4147-A177-3AD203B41FA5}">
+                      <a16:colId xmlns:a16="http://schemas.microsoft.com/office/drawing/2014/main" val="316317020"/>
+                    </a:ext>
+                  </a:extLst>
+                </a:gridCol>
+                <a:gridCol w="2612571">
+                  <a:extLst>
+                    <a:ext uri="{9D8B030D-6E8A-4147-A177-3AD203B41FA5}">
+                      <a16:colId xmlns:a16="http://schemas.microsoft.com/office/drawing/2014/main" val="3530042826"/>
+                    </a:ext>
+                  </a:extLst>
+                </a:gridCol>
+                <a:gridCol w="1436915">
+                  <a:extLst>
+                    <a:ext uri="{9D8B030D-6E8A-4147-A177-3AD203B41FA5}">
+                      <a16:colId xmlns:a16="http://schemas.microsoft.com/office/drawing/2014/main" val="3185981179"/>
+                    </a:ext>
+                  </a:extLst>
+                </a:gridCol>
+                <a:gridCol w="1988457">
+                  <a:extLst>
+                    <a:ext uri="{9D8B030D-6E8A-4147-A177-3AD203B41FA5}">
+                      <a16:colId xmlns:a16="http://schemas.microsoft.com/office/drawing/2014/main" val="2942748100"/>
+                    </a:ext>
+                  </a:extLst>
+                </a:gridCol>
+                <a:gridCol w="2321303">
+                  <a:extLst>
+                    <a:ext uri="{9D8B030D-6E8A-4147-A177-3AD203B41FA5}">
+                      <a16:colId xmlns:a16="http://schemas.microsoft.com/office/drawing/2014/main" val="1623602884"/>
+                    </a:ext>
+                  </a:extLst>
+                </a:gridCol>
+              </a:tblGrid>
+              <a:tr h="670324">
+                <a:tc>
+                  <a:txBody>
+                    <a:bodyPr/>
+                    <a:lstStyle/>
+                    <a:p>
+                      <a:pPr lvl="0" rtl="0"/>
+                      <a:r>
+                        <a:rPr lang="en-US" b="1" dirty="0">
+                          <a:solidFill>
+                            <a:schemeClr val="bg1">
+                              <a:lumMod val="85000"/>
+                            </a:schemeClr>
+                          </a:solidFill>
+                          <a:latin typeface="Bahnschrift" panose="020B0502040204020203" pitchFamily="34" charset="0"/>
+                        </a:rPr>
+                        <a:t>08:30 – 09:15</a:t>
+                      </a:r>
+                    </a:p>
+                  </a:txBody>
+                  <a:tcPr anchor="ctr">
+                    <a:lnL w="12700" cmpd="sng">
+                      <a:noFill/>
+                    </a:lnL>
+                    <a:lnR w="12700" cmpd="sng">
+                      <a:noFill/>
+                    </a:lnR>
+                    <a:lnT w="12700" cmpd="sng">
+                      <a:noFill/>
+                    </a:lnT>
+                    <a:lnB w="38100" cmpd="sng">
+                      <a:noFill/>
+                    </a:lnB>
+                    <a:lnTlToBr w="12700" cmpd="sng">
+                      <a:noFill/>
+                      <a:prstDash val="solid"/>
+                    </a:lnTlToBr>
+                    <a:lnBlToTr w="12700" cmpd="sng">
+                      <a:noFill/>
+                      <a:prstDash val="solid"/>
+                    </a:lnBlToTr>
+                    <a:noFill/>
+                  </a:tcPr>
+                </a:tc>
+                <a:tc>
+                  <a:txBody>
+                    <a:bodyPr/>
+                    <a:lstStyle/>
+                    <a:p>
+                      <a:pPr lvl="0"/>
+                      <a:r>
+                        <a:rPr lang="hu-HU" sz="1600" b="0" dirty="0">
+                          <a:solidFill>
+                            <a:schemeClr val="bg1"/>
+                          </a:solidFill>
+                          <a:latin typeface="Bahnschrift" panose="020B0502040204020203" pitchFamily="34" charset="0"/>
+                        </a:rPr>
+                        <a:t>BI kurzus diákok</a:t>
+                      </a:r>
+                      <a:endParaRPr lang="en-US" sz="1600" b="0" dirty="0">
+                        <a:solidFill>
+                          <a:schemeClr val="bg1"/>
+                        </a:solidFill>
+                        <a:latin typeface="Bahnschrift" panose="020B0502040204020203" pitchFamily="34" charset="0"/>
+                      </a:endParaRPr>
+                    </a:p>
+                  </a:txBody>
+                  <a:tcPr anchor="ctr">
+                    <a:lnL w="12700" cmpd="sng">
+                      <a:noFill/>
+                    </a:lnL>
+                    <a:lnR w="12700" cmpd="sng">
+                      <a:noFill/>
+                    </a:lnR>
+                    <a:lnT w="12700" cmpd="sng">
+                      <a:noFill/>
+                    </a:lnT>
+                    <a:lnB w="38100" cmpd="sng">
+                      <a:noFill/>
+                    </a:lnB>
+                    <a:lnTlToBr w="12700" cmpd="sng">
+                      <a:noFill/>
+                      <a:prstDash val="solid"/>
+                    </a:lnTlToBr>
+                    <a:lnBlToTr w="12700" cmpd="sng">
+                      <a:noFill/>
+                      <a:prstDash val="solid"/>
+                    </a:lnBlToTr>
+                    <a:noFill/>
+                  </a:tcPr>
+                </a:tc>
+                <a:tc>
+                  <a:txBody>
+                    <a:bodyPr/>
+                    <a:lstStyle/>
+                    <a:p>
+                      <a:pPr lvl="0"/>
+                      <a:r>
+                        <a:rPr lang="hu-HU" sz="1400" b="0" dirty="0">
+                          <a:solidFill>
+                            <a:schemeClr val="bg1">
+                              <a:lumMod val="85000"/>
+                            </a:schemeClr>
+                          </a:solidFill>
+                          <a:latin typeface="Bahnschrift" panose="020B0502040204020203" pitchFamily="34" charset="0"/>
+                        </a:rPr>
+                        <a:t>Csoportos projektek bemutatása</a:t>
+                      </a:r>
+                      <a:endParaRPr lang="en-US" sz="1400" b="0" dirty="0">
+                        <a:solidFill>
+                          <a:schemeClr val="bg1">
+                            <a:lumMod val="85000"/>
+                          </a:schemeClr>
+                        </a:solidFill>
+                        <a:latin typeface="Bahnschrift" panose="020B0502040204020203" pitchFamily="34" charset="0"/>
+                      </a:endParaRPr>
+                    </a:p>
+                  </a:txBody>
+                  <a:tcPr anchor="ctr">
+                    <a:lnL w="12700" cmpd="sng">
+                      <a:noFill/>
+                    </a:lnL>
+                    <a:lnR w="12700" cmpd="sng">
+                      <a:noFill/>
+                    </a:lnR>
+                    <a:lnT w="12700" cmpd="sng">
+                      <a:noFill/>
+                    </a:lnT>
+                    <a:lnB w="38100" cmpd="sng">
+                      <a:noFill/>
+                    </a:lnB>
+                    <a:lnTlToBr w="12700" cmpd="sng">
+                      <a:noFill/>
+                      <a:prstDash val="solid"/>
+                    </a:lnTlToBr>
+                    <a:lnBlToTr w="12700" cmpd="sng">
+                      <a:noFill/>
+                      <a:prstDash val="solid"/>
+                    </a:lnBlToTr>
+                    <a:noFill/>
+                  </a:tcPr>
+                </a:tc>
+                <a:tc>
+                  <a:txBody>
+                    <a:bodyPr/>
+                    <a:lstStyle/>
+                    <a:p>
+                      <a:pPr marL="0" marR="0" lvl="0" indent="0" algn="l" defTabSz="914400" rtl="0" eaLnBrk="1" fontAlgn="auto" latinLnBrk="0" hangingPunct="1">
+                        <a:lnSpc>
+                          <a:spcPct val="100000"/>
+                        </a:lnSpc>
+                        <a:spcBef>
+                          <a:spcPts val="0"/>
+                        </a:spcBef>
+                        <a:spcAft>
+                          <a:spcPts val="0"/>
+                        </a:spcAft>
+                        <a:buClrTx/>
+                        <a:buSzTx/>
+                        <a:buFontTx/>
+                        <a:buNone/>
+                        <a:tabLst/>
+                        <a:defRPr/>
+                      </a:pPr>
+                      <a:r>
+                        <a:rPr lang="en-US" b="1" dirty="0">
+                          <a:solidFill>
+                            <a:schemeClr val="bg1">
+                              <a:lumMod val="85000"/>
+                            </a:schemeClr>
+                          </a:solidFill>
+                          <a:latin typeface="Bahnschrift" panose="020B0502040204020203" pitchFamily="34" charset="0"/>
+                        </a:rPr>
+                        <a:t>11:35 – 11:55</a:t>
+                      </a:r>
+                    </a:p>
+                  </a:txBody>
+                  <a:tcPr anchor="ctr">
+                    <a:lnL w="12700" cmpd="sng">
+                      <a:noFill/>
+                    </a:lnL>
+                    <a:lnR w="12700" cmpd="sng">
+                      <a:noFill/>
+                    </a:lnR>
+                    <a:lnT w="12700" cmpd="sng">
+                      <a:noFill/>
+                    </a:lnT>
+                    <a:lnB w="38100" cmpd="sng">
+                      <a:noFill/>
+                    </a:lnB>
+                    <a:lnTlToBr w="12700" cmpd="sng">
+                      <a:noFill/>
+                      <a:prstDash val="solid"/>
+                    </a:lnTlToBr>
+                    <a:lnBlToTr w="12700" cmpd="sng">
+                      <a:noFill/>
+                      <a:prstDash val="solid"/>
+                    </a:lnBlToTr>
+                    <a:noFill/>
+                  </a:tcPr>
+                </a:tc>
+                <a:tc>
+                  <a:txBody>
+                    <a:bodyPr/>
+                    <a:lstStyle/>
+                    <a:p>
+                      <a:pPr lvl="0"/>
+                      <a:r>
+                        <a:rPr lang="en-US" sz="1600" b="0" dirty="0" err="1">
+                          <a:solidFill>
+                            <a:schemeClr val="bg1"/>
+                          </a:solidFill>
+                          <a:latin typeface="Bahnschrift" panose="020B0502040204020203" pitchFamily="34" charset="0"/>
+                        </a:rPr>
+                        <a:t>Lőrincz</a:t>
+                      </a:r>
+                      <a:r>
+                        <a:rPr lang="en-US" sz="1600" b="0" dirty="0">
+                          <a:solidFill>
+                            <a:schemeClr val="bg1"/>
+                          </a:solidFill>
+                          <a:latin typeface="Bahnschrift" panose="020B0502040204020203" pitchFamily="34" charset="0"/>
+                        </a:rPr>
+                        <a:t> </a:t>
+                      </a:r>
+                      <a:r>
+                        <a:rPr lang="en-US" sz="1600" b="0" dirty="0" err="1">
+                          <a:solidFill>
+                            <a:schemeClr val="bg1"/>
+                          </a:solidFill>
+                          <a:latin typeface="Bahnschrift" panose="020B0502040204020203" pitchFamily="34" charset="0"/>
+                        </a:rPr>
+                        <a:t>Szabolcs</a:t>
+                      </a:r>
+                      <a:endParaRPr lang="hu-HU" sz="1600" b="0" dirty="0">
+                        <a:solidFill>
+                          <a:schemeClr val="bg1"/>
+                        </a:solidFill>
+                        <a:latin typeface="Bahnschrift" panose="020B0502040204020203" pitchFamily="34" charset="0"/>
+                      </a:endParaRPr>
+                    </a:p>
+                    <a:p>
+                      <a:pPr lvl="0"/>
+                      <a:r>
+                        <a:rPr lang="en-US" sz="1600" b="0" dirty="0">
+                          <a:solidFill>
+                            <a:schemeClr val="bg1"/>
+                          </a:solidFill>
+                          <a:latin typeface="Bahnschrift" panose="020B0502040204020203" pitchFamily="34" charset="0"/>
+                        </a:rPr>
+                        <a:t>Jakab István</a:t>
+                      </a:r>
+                    </a:p>
+                  </a:txBody>
+                  <a:tcPr anchor="ctr">
+                    <a:lnL w="12700" cmpd="sng">
+                      <a:noFill/>
+                    </a:lnL>
+                    <a:lnR w="12700" cmpd="sng">
+                      <a:noFill/>
+                    </a:lnR>
+                    <a:lnT w="12700" cmpd="sng">
+                      <a:noFill/>
+                    </a:lnT>
+                    <a:lnB w="38100" cmpd="sng">
+                      <a:noFill/>
+                    </a:lnB>
+                    <a:lnTlToBr w="12700" cmpd="sng">
+                      <a:noFill/>
+                      <a:prstDash val="solid"/>
+                    </a:lnTlToBr>
+                    <a:lnBlToTr w="12700" cmpd="sng">
+                      <a:noFill/>
+                      <a:prstDash val="solid"/>
+                    </a:lnBlToTr>
+                    <a:noFill/>
+                  </a:tcPr>
+                </a:tc>
+                <a:tc>
+                  <a:txBody>
+                    <a:bodyPr/>
+                    <a:lstStyle/>
+                    <a:p>
+                      <a:pPr lvl="0"/>
+                      <a:r>
+                        <a:rPr lang="en-US" sz="1400" b="0" dirty="0">
+                          <a:solidFill>
+                            <a:schemeClr val="bg1">
+                              <a:lumMod val="85000"/>
+                            </a:schemeClr>
+                          </a:solidFill>
+                          <a:latin typeface="Bahnschrift" panose="020B0502040204020203" pitchFamily="34" charset="0"/>
+                        </a:rPr>
+                        <a:t>World Data Visualization Prize</a:t>
+                      </a:r>
+                      <a:r>
+                        <a:rPr lang="hu-HU" sz="1400" b="0" dirty="0">
+                          <a:solidFill>
+                            <a:schemeClr val="bg1">
+                              <a:lumMod val="85000"/>
+                            </a:schemeClr>
+                          </a:solidFill>
+                          <a:latin typeface="Bahnschrift" panose="020B0502040204020203" pitchFamily="34" charset="0"/>
+                        </a:rPr>
+                        <a:t> pályamunka</a:t>
+                      </a:r>
+                      <a:endParaRPr lang="en-US" sz="1400" b="0" dirty="0">
+                        <a:solidFill>
+                          <a:schemeClr val="bg1">
+                            <a:lumMod val="85000"/>
+                          </a:schemeClr>
+                        </a:solidFill>
+                        <a:latin typeface="Bahnschrift" panose="020B0502040204020203" pitchFamily="34" charset="0"/>
+                      </a:endParaRPr>
+                    </a:p>
+                  </a:txBody>
+                  <a:tcPr anchor="ctr">
+                    <a:lnL w="12700" cmpd="sng">
+                      <a:noFill/>
+                    </a:lnL>
+                    <a:lnR w="12700" cmpd="sng">
+                      <a:noFill/>
+                    </a:lnR>
+                    <a:lnT w="12700" cmpd="sng">
+                      <a:noFill/>
+                    </a:lnT>
+                    <a:lnB w="38100" cmpd="sng">
+                      <a:noFill/>
+                    </a:lnB>
+                    <a:lnTlToBr w="12700" cmpd="sng">
+                      <a:noFill/>
+                      <a:prstDash val="solid"/>
+                    </a:lnTlToBr>
+                    <a:lnBlToTr w="12700" cmpd="sng">
+                      <a:noFill/>
+                      <a:prstDash val="solid"/>
+                    </a:lnBlToTr>
+                    <a:noFill/>
+                  </a:tcPr>
+                </a:tc>
+                <a:extLst>
+                  <a:ext uri="{0D108BD9-81ED-4DB2-BD59-A6C34878D82A}">
+                    <a16:rowId xmlns:a16="http://schemas.microsoft.com/office/drawing/2014/main" val="3202737337"/>
+                  </a:ext>
+                </a:extLst>
+              </a:tr>
+              <a:tr h="670324">
+                <a:tc>
+                  <a:txBody>
+                    <a:bodyPr/>
+                    <a:lstStyle/>
+                    <a:p>
+                      <a:pPr lvl="0"/>
+                      <a:r>
+                        <a:rPr lang="en-US" b="1" dirty="0">
+                          <a:solidFill>
+                            <a:schemeClr val="bg1">
+                              <a:lumMod val="85000"/>
+                            </a:schemeClr>
+                          </a:solidFill>
+                          <a:latin typeface="Bahnschrift" panose="020B0502040204020203" pitchFamily="34" charset="0"/>
+                        </a:rPr>
+                        <a:t>09:20 – 09:40</a:t>
+                      </a:r>
+                    </a:p>
+                  </a:txBody>
+                  <a:tcPr anchor="ctr">
+                    <a:lnL w="12700" cmpd="sng">
+                      <a:noFill/>
+                    </a:lnL>
+                    <a:lnR w="12700" cmpd="sng">
+                      <a:noFill/>
+                    </a:lnR>
+                    <a:lnT w="38100" cmpd="sng">
+                      <a:noFill/>
+                    </a:lnT>
+                    <a:lnB w="12700" cmpd="sng">
+                      <a:noFill/>
+                    </a:lnB>
+                    <a:lnTlToBr w="12700" cmpd="sng">
+                      <a:noFill/>
+                      <a:prstDash val="solid"/>
+                    </a:lnTlToBr>
+                    <a:lnBlToTr w="12700" cmpd="sng">
+                      <a:noFill/>
+                      <a:prstDash val="solid"/>
+                    </a:lnBlToTr>
+                    <a:noFill/>
+                  </a:tcPr>
+                </a:tc>
+                <a:tc>
+                  <a:txBody>
+                    <a:bodyPr/>
+                    <a:lstStyle/>
+                    <a:p>
+                      <a:pPr lvl="0"/>
+                      <a:r>
+                        <a:rPr lang="en-US" sz="1600" b="0" dirty="0">
+                          <a:solidFill>
+                            <a:schemeClr val="bg1"/>
+                          </a:solidFill>
+                          <a:latin typeface="Bahnschrift" panose="020B0502040204020203" pitchFamily="34" charset="0"/>
+                        </a:rPr>
+                        <a:t>Balázs Fülöp Mátyás</a:t>
+                      </a:r>
+                    </a:p>
+                  </a:txBody>
+                  <a:tcPr anchor="ctr">
+                    <a:lnL w="12700" cmpd="sng">
+                      <a:noFill/>
+                    </a:lnL>
+                    <a:lnR w="12700" cmpd="sng">
+                      <a:noFill/>
+                    </a:lnR>
+                    <a:lnT w="38100" cmpd="sng">
+                      <a:noFill/>
+                    </a:lnT>
+                    <a:lnB w="12700" cmpd="sng">
+                      <a:noFill/>
+                    </a:lnB>
+                    <a:lnTlToBr w="12700" cmpd="sng">
+                      <a:noFill/>
+                      <a:prstDash val="solid"/>
+                    </a:lnTlToBr>
+                    <a:lnBlToTr w="12700" cmpd="sng">
+                      <a:noFill/>
+                      <a:prstDash val="solid"/>
+                    </a:lnBlToTr>
+                    <a:noFill/>
+                  </a:tcPr>
+                </a:tc>
+                <a:tc>
+                  <a:txBody>
+                    <a:bodyPr/>
+                    <a:lstStyle/>
+                    <a:p>
+                      <a:pPr lvl="0"/>
+                      <a:r>
+                        <a:rPr lang="en-US" sz="1400" b="0" dirty="0" err="1">
+                          <a:solidFill>
+                            <a:schemeClr val="bg1">
+                              <a:lumMod val="85000"/>
+                            </a:schemeClr>
+                          </a:solidFill>
+                          <a:latin typeface="Bahnschrift" panose="020B0502040204020203" pitchFamily="34" charset="0"/>
+                        </a:rPr>
+                        <a:t>Belépés</a:t>
+                      </a:r>
+                      <a:r>
+                        <a:rPr lang="en-US" sz="1400" b="0" dirty="0">
+                          <a:solidFill>
+                            <a:schemeClr val="bg1">
+                              <a:lumMod val="85000"/>
+                            </a:schemeClr>
+                          </a:solidFill>
+                          <a:latin typeface="Bahnschrift" panose="020B0502040204020203" pitchFamily="34" charset="0"/>
+                        </a:rPr>
+                        <a:t> </a:t>
+                      </a:r>
+                      <a:r>
+                        <a:rPr lang="en-US" sz="1400" b="0" dirty="0" err="1">
+                          <a:solidFill>
+                            <a:schemeClr val="bg1">
+                              <a:lumMod val="85000"/>
+                            </a:schemeClr>
+                          </a:solidFill>
+                          <a:latin typeface="Bahnschrift" panose="020B0502040204020203" pitchFamily="34" charset="0"/>
+                        </a:rPr>
+                        <a:t>az</a:t>
+                      </a:r>
+                      <a:r>
+                        <a:rPr lang="en-US" sz="1400" b="0" dirty="0">
+                          <a:solidFill>
+                            <a:schemeClr val="bg1">
+                              <a:lumMod val="85000"/>
+                            </a:schemeClr>
+                          </a:solidFill>
+                          <a:latin typeface="Bahnschrift" panose="020B0502040204020203" pitchFamily="34" charset="0"/>
+                        </a:rPr>
+                        <a:t> </a:t>
+                      </a:r>
+                      <a:r>
+                        <a:rPr lang="en-US" sz="1400" b="0" dirty="0" err="1">
+                          <a:solidFill>
+                            <a:schemeClr val="bg1">
+                              <a:lumMod val="85000"/>
+                            </a:schemeClr>
+                          </a:solidFill>
+                          <a:latin typeface="Bahnschrift" panose="020B0502040204020203" pitchFamily="34" charset="0"/>
+                        </a:rPr>
+                        <a:t>adatok</a:t>
+                      </a:r>
+                      <a:r>
+                        <a:rPr lang="en-US" sz="1400" b="0" dirty="0">
+                          <a:solidFill>
+                            <a:schemeClr val="bg1">
+                              <a:lumMod val="85000"/>
+                            </a:schemeClr>
+                          </a:solidFill>
+                          <a:latin typeface="Bahnschrift" panose="020B0502040204020203" pitchFamily="34" charset="0"/>
+                        </a:rPr>
+                        <a:t> </a:t>
+                      </a:r>
+                      <a:r>
+                        <a:rPr lang="en-US" sz="1400" b="0" dirty="0" err="1">
+                          <a:solidFill>
+                            <a:schemeClr val="bg1">
+                              <a:lumMod val="85000"/>
+                            </a:schemeClr>
+                          </a:solidFill>
+                          <a:latin typeface="Bahnschrift" panose="020B0502040204020203" pitchFamily="34" charset="0"/>
+                        </a:rPr>
+                        <a:t>világába</a:t>
+                      </a:r>
+                      <a:endParaRPr lang="en-US" sz="1400" b="0" dirty="0">
+                        <a:solidFill>
+                          <a:schemeClr val="bg1">
+                            <a:lumMod val="85000"/>
+                          </a:schemeClr>
+                        </a:solidFill>
+                        <a:latin typeface="Bahnschrift" panose="020B0502040204020203" pitchFamily="34" charset="0"/>
+                      </a:endParaRPr>
+                    </a:p>
+                  </a:txBody>
+                  <a:tcPr anchor="ctr">
+                    <a:lnL w="12700" cmpd="sng">
+                      <a:noFill/>
+                    </a:lnL>
+                    <a:lnR w="12700" cmpd="sng">
+                      <a:noFill/>
+                    </a:lnR>
+                    <a:lnT w="38100" cmpd="sng">
+                      <a:noFill/>
+                    </a:lnT>
+                    <a:lnB w="12700" cmpd="sng">
+                      <a:noFill/>
+                    </a:lnB>
+                    <a:lnTlToBr w="12700" cmpd="sng">
+                      <a:noFill/>
+                      <a:prstDash val="solid"/>
+                    </a:lnTlToBr>
+                    <a:lnBlToTr w="12700" cmpd="sng">
+                      <a:noFill/>
+                      <a:prstDash val="solid"/>
+                    </a:lnBlToTr>
+                    <a:noFill/>
+                  </a:tcPr>
+                </a:tc>
+                <a:tc>
+                  <a:txBody>
+                    <a:bodyPr/>
+                    <a:lstStyle/>
+                    <a:p>
+                      <a:pPr marL="0" marR="0" lvl="0" indent="0" algn="l" defTabSz="914400" rtl="0" eaLnBrk="1" fontAlgn="auto" latinLnBrk="0" hangingPunct="1">
+                        <a:lnSpc>
+                          <a:spcPct val="100000"/>
+                        </a:lnSpc>
+                        <a:spcBef>
+                          <a:spcPts val="0"/>
+                        </a:spcBef>
+                        <a:spcAft>
+                          <a:spcPts val="0"/>
+                        </a:spcAft>
+                        <a:buClrTx/>
+                        <a:buSzTx/>
+                        <a:buFontTx/>
+                        <a:buNone/>
+                        <a:tabLst/>
+                        <a:defRPr/>
+                      </a:pPr>
+                      <a:r>
+                        <a:rPr lang="en-US" b="1" dirty="0">
+                          <a:solidFill>
+                            <a:schemeClr val="bg1">
+                              <a:lumMod val="85000"/>
+                            </a:schemeClr>
+                          </a:solidFill>
+                          <a:latin typeface="Bahnschrift" panose="020B0502040204020203" pitchFamily="34" charset="0"/>
+                        </a:rPr>
+                        <a:t>12:05 – 12:25</a:t>
+                      </a:r>
+                    </a:p>
+                  </a:txBody>
+                  <a:tcPr anchor="ctr">
+                    <a:lnL w="12700" cmpd="sng">
+                      <a:noFill/>
+                    </a:lnL>
+                    <a:lnR w="12700" cmpd="sng">
+                      <a:noFill/>
+                    </a:lnR>
+                    <a:lnT w="38100" cmpd="sng">
+                      <a:noFill/>
+                    </a:lnT>
+                    <a:lnB w="12700" cmpd="sng">
+                      <a:noFill/>
+                    </a:lnB>
+                    <a:lnTlToBr w="12700" cmpd="sng">
+                      <a:noFill/>
+                      <a:prstDash val="solid"/>
+                    </a:lnTlToBr>
+                    <a:lnBlToTr w="12700" cmpd="sng">
+                      <a:noFill/>
+                      <a:prstDash val="solid"/>
+                    </a:lnBlToTr>
+                    <a:noFill/>
+                  </a:tcPr>
+                </a:tc>
+                <a:tc>
+                  <a:txBody>
+                    <a:bodyPr/>
+                    <a:lstStyle/>
+                    <a:p>
+                      <a:pPr lvl="0"/>
+                      <a:r>
+                        <a:rPr lang="en-US" sz="1600" b="0" dirty="0" err="1">
+                          <a:solidFill>
+                            <a:schemeClr val="bg1"/>
+                          </a:solidFill>
+                          <a:latin typeface="Bahnschrift" panose="020B0502040204020203" pitchFamily="34" charset="0"/>
+                        </a:rPr>
+                        <a:t>Kalamár</a:t>
+                      </a:r>
+                      <a:r>
+                        <a:rPr lang="en-US" sz="1600" b="0" dirty="0">
+                          <a:solidFill>
+                            <a:schemeClr val="bg1"/>
+                          </a:solidFill>
+                          <a:latin typeface="Bahnschrift" panose="020B0502040204020203" pitchFamily="34" charset="0"/>
+                        </a:rPr>
+                        <a:t> </a:t>
+                      </a:r>
+                      <a:r>
+                        <a:rPr lang="en-US" sz="1600" b="0" dirty="0" err="1">
+                          <a:solidFill>
+                            <a:schemeClr val="bg1"/>
+                          </a:solidFill>
+                          <a:latin typeface="Bahnschrift" panose="020B0502040204020203" pitchFamily="34" charset="0"/>
+                        </a:rPr>
+                        <a:t>Gáspár</a:t>
+                      </a:r>
+                      <a:r>
+                        <a:rPr lang="en-US" sz="1600" b="0" dirty="0">
+                          <a:solidFill>
+                            <a:schemeClr val="bg1"/>
+                          </a:solidFill>
+                          <a:latin typeface="Bahnschrift" panose="020B0502040204020203" pitchFamily="34" charset="0"/>
+                        </a:rPr>
+                        <a:t> Gábor</a:t>
+                      </a:r>
+                    </a:p>
+                  </a:txBody>
+                  <a:tcPr anchor="ctr">
+                    <a:lnL w="12700" cmpd="sng">
+                      <a:noFill/>
+                    </a:lnL>
+                    <a:lnR w="12700" cmpd="sng">
+                      <a:noFill/>
+                    </a:lnR>
+                    <a:lnT w="38100" cmpd="sng">
+                      <a:noFill/>
+                    </a:lnT>
+                    <a:lnB w="12700" cmpd="sng">
+                      <a:noFill/>
+                    </a:lnB>
+                    <a:lnTlToBr w="12700" cmpd="sng">
+                      <a:noFill/>
+                      <a:prstDash val="solid"/>
+                    </a:lnTlToBr>
+                    <a:lnBlToTr w="12700" cmpd="sng">
+                      <a:noFill/>
+                      <a:prstDash val="solid"/>
+                    </a:lnBlToTr>
+                    <a:noFill/>
+                  </a:tcPr>
+                </a:tc>
+                <a:tc>
+                  <a:txBody>
+                    <a:bodyPr/>
+                    <a:lstStyle/>
+                    <a:p>
+                      <a:pPr lvl="0"/>
+                      <a:r>
+                        <a:rPr lang="hu-HU" sz="1400" b="0" dirty="0">
+                          <a:solidFill>
+                            <a:schemeClr val="bg1">
+                              <a:lumMod val="85000"/>
+                            </a:schemeClr>
+                          </a:solidFill>
+                          <a:latin typeface="Bahnschrift" panose="020B0502040204020203" pitchFamily="34" charset="0"/>
+                        </a:rPr>
+                        <a:t>Sepsiszentgyörgy VR-on keresztül</a:t>
+                      </a:r>
+                      <a:endParaRPr lang="en-US" sz="1400" b="0" dirty="0">
+                        <a:solidFill>
+                          <a:schemeClr val="bg1">
+                            <a:lumMod val="85000"/>
+                          </a:schemeClr>
+                        </a:solidFill>
+                        <a:latin typeface="Bahnschrift" panose="020B0502040204020203" pitchFamily="34" charset="0"/>
+                      </a:endParaRPr>
+                    </a:p>
+                  </a:txBody>
+                  <a:tcPr anchor="ctr">
+                    <a:lnL w="12700" cmpd="sng">
+                      <a:noFill/>
+                    </a:lnL>
+                    <a:lnR w="12700" cmpd="sng">
+                      <a:noFill/>
+                    </a:lnR>
+                    <a:lnT w="38100" cmpd="sng">
+                      <a:noFill/>
+                    </a:lnT>
+                    <a:lnB w="12700" cmpd="sng">
+                      <a:noFill/>
+                    </a:lnB>
+                    <a:lnTlToBr w="12700" cmpd="sng">
+                      <a:noFill/>
+                      <a:prstDash val="solid"/>
+                    </a:lnTlToBr>
+                    <a:lnBlToTr w="12700" cmpd="sng">
+                      <a:noFill/>
+                      <a:prstDash val="solid"/>
+                    </a:lnBlToTr>
+                    <a:noFill/>
+                  </a:tcPr>
+                </a:tc>
+                <a:extLst>
+                  <a:ext uri="{0D108BD9-81ED-4DB2-BD59-A6C34878D82A}">
+                    <a16:rowId xmlns:a16="http://schemas.microsoft.com/office/drawing/2014/main" val="546673319"/>
+                  </a:ext>
+                </a:extLst>
+              </a:tr>
+              <a:tr h="670324">
+                <a:tc>
+                  <a:txBody>
+                    <a:bodyPr/>
+                    <a:lstStyle/>
+                    <a:p>
+                      <a:pPr lvl="0"/>
+                      <a:r>
+                        <a:rPr lang="en-US" b="1" dirty="0">
+                          <a:solidFill>
+                            <a:schemeClr val="bg1">
+                              <a:lumMod val="85000"/>
+                            </a:schemeClr>
+                          </a:solidFill>
+                          <a:latin typeface="Bahnschrift" panose="020B0502040204020203" pitchFamily="34" charset="0"/>
+                        </a:rPr>
+                        <a:t>09:40 – 10:00</a:t>
+                      </a:r>
+                    </a:p>
+                  </a:txBody>
+                  <a:tcPr anchor="ctr">
+                    <a:lnL w="12700" cmpd="sng">
+                      <a:noFill/>
+                    </a:lnL>
+                    <a:lnR w="12700" cmpd="sng">
+                      <a:noFill/>
+                    </a:lnR>
+                    <a:lnT w="12700" cmpd="sng">
+                      <a:noFill/>
+                    </a:lnT>
+                    <a:lnB w="12700" cmpd="sng">
+                      <a:noFill/>
+                    </a:lnB>
+                    <a:lnTlToBr w="12700" cmpd="sng">
+                      <a:noFill/>
+                      <a:prstDash val="solid"/>
+                    </a:lnTlToBr>
+                    <a:lnBlToTr w="12700" cmpd="sng">
+                      <a:noFill/>
+                      <a:prstDash val="solid"/>
+                    </a:lnBlToTr>
+                    <a:noFill/>
+                  </a:tcPr>
+                </a:tc>
+                <a:tc>
+                  <a:txBody>
+                    <a:bodyPr/>
+                    <a:lstStyle/>
+                    <a:p>
+                      <a:pPr lvl="0"/>
+                      <a:r>
+                        <a:rPr lang="en-US" sz="1600" b="0" dirty="0" err="1">
+                          <a:solidFill>
+                            <a:schemeClr val="bg1"/>
+                          </a:solidFill>
+                          <a:latin typeface="Bahnschrift" panose="020B0502040204020203" pitchFamily="34" charset="0"/>
+                        </a:rPr>
+                        <a:t>Földi</a:t>
+                      </a:r>
+                      <a:r>
+                        <a:rPr lang="en-US" sz="1600" b="0" dirty="0">
+                          <a:solidFill>
+                            <a:schemeClr val="bg1"/>
+                          </a:solidFill>
+                          <a:latin typeface="Bahnschrift" panose="020B0502040204020203" pitchFamily="34" charset="0"/>
+                        </a:rPr>
+                        <a:t> Zsuzsa</a:t>
+                      </a:r>
+                      <a:endParaRPr lang="hu-HU" sz="1600" b="0" dirty="0">
+                        <a:solidFill>
+                          <a:schemeClr val="bg1"/>
+                        </a:solidFill>
+                        <a:latin typeface="Bahnschrift" panose="020B0502040204020203" pitchFamily="34" charset="0"/>
+                      </a:endParaRPr>
+                    </a:p>
+                    <a:p>
+                      <a:pPr lvl="0"/>
+                      <a:r>
+                        <a:rPr lang="en-US" sz="1600" b="0" dirty="0" err="1">
+                          <a:solidFill>
+                            <a:schemeClr val="bg1"/>
+                          </a:solidFill>
+                          <a:latin typeface="Bahnschrift" panose="020B0502040204020203" pitchFamily="34" charset="0"/>
+                        </a:rPr>
+                        <a:t>Rétyi</a:t>
+                      </a:r>
+                      <a:r>
+                        <a:rPr lang="en-US" sz="1600" b="0" dirty="0">
+                          <a:solidFill>
+                            <a:schemeClr val="bg1"/>
+                          </a:solidFill>
+                          <a:latin typeface="Bahnschrift" panose="020B0502040204020203" pitchFamily="34" charset="0"/>
+                        </a:rPr>
+                        <a:t> </a:t>
+                      </a:r>
+                      <a:r>
+                        <a:rPr lang="en-US" sz="1600" b="0" dirty="0" err="1">
+                          <a:solidFill>
+                            <a:schemeClr val="bg1"/>
+                          </a:solidFill>
+                          <a:latin typeface="Bahnschrift" panose="020B0502040204020203" pitchFamily="34" charset="0"/>
+                        </a:rPr>
+                        <a:t>Dorottya</a:t>
+                      </a:r>
+                      <a:endParaRPr lang="en-US" sz="1600" b="0" dirty="0">
+                        <a:solidFill>
+                          <a:schemeClr val="bg1"/>
+                        </a:solidFill>
+                        <a:latin typeface="Bahnschrift" panose="020B0502040204020203" pitchFamily="34" charset="0"/>
+                      </a:endParaRPr>
+                    </a:p>
+                  </a:txBody>
+                  <a:tcPr anchor="ctr">
+                    <a:lnL w="12700" cmpd="sng">
+                      <a:noFill/>
+                    </a:lnL>
+                    <a:lnR w="12700" cmpd="sng">
+                      <a:noFill/>
+                    </a:lnR>
+                    <a:lnT w="12700" cmpd="sng">
+                      <a:noFill/>
+                    </a:lnT>
+                    <a:lnB w="12700" cmpd="sng">
+                      <a:noFill/>
+                    </a:lnB>
+                    <a:lnTlToBr w="12700" cmpd="sng">
+                      <a:noFill/>
+                      <a:prstDash val="solid"/>
+                    </a:lnTlToBr>
+                    <a:lnBlToTr w="12700" cmpd="sng">
+                      <a:noFill/>
+                      <a:prstDash val="solid"/>
+                    </a:lnBlToTr>
+                    <a:noFill/>
+                  </a:tcPr>
+                </a:tc>
+                <a:tc>
+                  <a:txBody>
+                    <a:bodyPr/>
+                    <a:lstStyle/>
+                    <a:p>
+                      <a:pPr lvl="0"/>
+                      <a:r>
+                        <a:rPr lang="en-US" sz="1400" b="0" dirty="0" err="1">
+                          <a:solidFill>
+                            <a:schemeClr val="bg1">
+                              <a:lumMod val="85000"/>
+                            </a:schemeClr>
+                          </a:solidFill>
+                          <a:latin typeface="Bahnschrift" panose="020B0502040204020203" pitchFamily="34" charset="0"/>
+                        </a:rPr>
+                        <a:t>Munka</a:t>
+                      </a:r>
+                      <a:r>
+                        <a:rPr lang="en-US" sz="1400" b="0" dirty="0">
+                          <a:solidFill>
+                            <a:schemeClr val="bg1">
+                              <a:lumMod val="85000"/>
+                            </a:schemeClr>
+                          </a:solidFill>
+                          <a:latin typeface="Bahnschrift" panose="020B0502040204020203" pitchFamily="34" charset="0"/>
+                        </a:rPr>
+                        <a:t> </a:t>
+                      </a:r>
+                      <a:r>
+                        <a:rPr lang="en-US" sz="1400" b="0" dirty="0" err="1">
+                          <a:solidFill>
+                            <a:schemeClr val="bg1">
+                              <a:lumMod val="85000"/>
+                            </a:schemeClr>
+                          </a:solidFill>
+                          <a:latin typeface="Bahnschrift" panose="020B0502040204020203" pitchFamily="34" charset="0"/>
+                        </a:rPr>
+                        <a:t>és</a:t>
+                      </a:r>
+                      <a:r>
+                        <a:rPr lang="en-US" sz="1400" b="0" dirty="0">
+                          <a:solidFill>
+                            <a:schemeClr val="bg1">
+                              <a:lumMod val="85000"/>
+                            </a:schemeClr>
+                          </a:solidFill>
+                          <a:latin typeface="Bahnschrift" panose="020B0502040204020203" pitchFamily="34" charset="0"/>
+                        </a:rPr>
+                        <a:t> </a:t>
+                      </a:r>
+                      <a:r>
+                        <a:rPr lang="en-US" sz="1400" b="0" dirty="0" err="1">
+                          <a:solidFill>
+                            <a:schemeClr val="bg1">
+                              <a:lumMod val="85000"/>
+                            </a:schemeClr>
+                          </a:solidFill>
+                          <a:latin typeface="Bahnschrift" panose="020B0502040204020203" pitchFamily="34" charset="0"/>
+                        </a:rPr>
+                        <a:t>tanulás</a:t>
+                      </a:r>
+                      <a:r>
+                        <a:rPr lang="en-US" sz="1400" b="0" dirty="0">
+                          <a:solidFill>
+                            <a:schemeClr val="bg1">
+                              <a:lumMod val="85000"/>
+                            </a:schemeClr>
+                          </a:solidFill>
+                          <a:latin typeface="Bahnschrift" panose="020B0502040204020203" pitchFamily="34" charset="0"/>
+                        </a:rPr>
+                        <a:t> </a:t>
+                      </a:r>
+                      <a:r>
+                        <a:rPr lang="en-US" sz="1400" b="0" dirty="0" err="1">
+                          <a:solidFill>
+                            <a:schemeClr val="bg1">
+                              <a:lumMod val="85000"/>
+                            </a:schemeClr>
+                          </a:solidFill>
+                          <a:latin typeface="Bahnschrift" panose="020B0502040204020203" pitchFamily="34" charset="0"/>
+                        </a:rPr>
+                        <a:t>Székelyföldön</a:t>
+                      </a:r>
+                      <a:endParaRPr lang="en-US" sz="1400" b="0" dirty="0">
+                        <a:solidFill>
+                          <a:schemeClr val="bg1">
+                            <a:lumMod val="85000"/>
+                          </a:schemeClr>
+                        </a:solidFill>
+                        <a:latin typeface="Bahnschrift" panose="020B0502040204020203" pitchFamily="34" charset="0"/>
+                      </a:endParaRPr>
+                    </a:p>
+                  </a:txBody>
+                  <a:tcPr anchor="ctr">
+                    <a:lnL w="12700" cmpd="sng">
+                      <a:noFill/>
+                    </a:lnL>
+                    <a:lnR w="12700" cmpd="sng">
+                      <a:noFill/>
+                    </a:lnR>
+                    <a:lnT w="12700" cmpd="sng">
+                      <a:noFill/>
+                    </a:lnT>
+                    <a:lnB w="12700" cmpd="sng">
+                      <a:noFill/>
+                    </a:lnB>
+                    <a:lnTlToBr w="12700" cmpd="sng">
+                      <a:noFill/>
+                      <a:prstDash val="solid"/>
+                    </a:lnTlToBr>
+                    <a:lnBlToTr w="12700" cmpd="sng">
+                      <a:noFill/>
+                      <a:prstDash val="solid"/>
+                    </a:lnBlToTr>
+                    <a:noFill/>
+                  </a:tcPr>
+                </a:tc>
+                <a:tc>
+                  <a:txBody>
+                    <a:bodyPr/>
+                    <a:lstStyle/>
+                    <a:p>
+                      <a:pPr marL="0" marR="0" lvl="0" indent="0" algn="l" defTabSz="914400" rtl="0" eaLnBrk="1" fontAlgn="auto" latinLnBrk="0" hangingPunct="1">
+                        <a:lnSpc>
+                          <a:spcPct val="100000"/>
+                        </a:lnSpc>
+                        <a:spcBef>
+                          <a:spcPts val="0"/>
+                        </a:spcBef>
+                        <a:spcAft>
+                          <a:spcPts val="0"/>
+                        </a:spcAft>
+                        <a:buClrTx/>
+                        <a:buSzTx/>
+                        <a:buFontTx/>
+                        <a:buNone/>
+                        <a:tabLst/>
+                        <a:defRPr/>
+                      </a:pPr>
+                      <a:r>
+                        <a:rPr lang="en-US" b="1" dirty="0">
+                          <a:solidFill>
+                            <a:schemeClr val="bg1">
+                              <a:lumMod val="85000"/>
+                            </a:schemeClr>
+                          </a:solidFill>
+                          <a:latin typeface="Bahnschrift" panose="020B0502040204020203" pitchFamily="34" charset="0"/>
+                        </a:rPr>
+                        <a:t>12:25 – 12:45</a:t>
+                      </a:r>
+                    </a:p>
+                  </a:txBody>
+                  <a:tcPr anchor="ctr">
+                    <a:lnL w="12700" cmpd="sng">
+                      <a:noFill/>
+                    </a:lnL>
+                    <a:lnR w="12700" cmpd="sng">
+                      <a:noFill/>
+                    </a:lnR>
+                    <a:lnT w="12700" cmpd="sng">
+                      <a:noFill/>
+                    </a:lnT>
+                    <a:lnB w="12700" cmpd="sng">
+                      <a:noFill/>
+                    </a:lnB>
+                    <a:lnTlToBr w="12700" cmpd="sng">
+                      <a:noFill/>
+                      <a:prstDash val="solid"/>
+                    </a:lnTlToBr>
+                    <a:lnBlToTr w="12700" cmpd="sng">
+                      <a:noFill/>
+                      <a:prstDash val="solid"/>
+                    </a:lnBlToTr>
+                    <a:noFill/>
+                  </a:tcPr>
+                </a:tc>
+                <a:tc>
+                  <a:txBody>
+                    <a:bodyPr/>
+                    <a:lstStyle/>
+                    <a:p>
+                      <a:pPr lvl="0"/>
+                      <a:r>
+                        <a:rPr lang="en-US" sz="1600" b="0" dirty="0" err="1">
+                          <a:solidFill>
+                            <a:schemeClr val="bg1"/>
+                          </a:solidFill>
+                          <a:latin typeface="Bahnschrift" panose="020B0502040204020203" pitchFamily="34" charset="0"/>
+                        </a:rPr>
+                        <a:t>Korodi</a:t>
+                      </a:r>
+                      <a:r>
+                        <a:rPr lang="en-US" sz="1600" b="0" dirty="0">
+                          <a:solidFill>
+                            <a:schemeClr val="bg1"/>
+                          </a:solidFill>
+                          <a:latin typeface="Bahnschrift" panose="020B0502040204020203" pitchFamily="34" charset="0"/>
+                        </a:rPr>
+                        <a:t>-Vass </a:t>
+                      </a:r>
+                      <a:r>
+                        <a:rPr lang="en-US" sz="1600" b="0" dirty="0" err="1">
+                          <a:solidFill>
+                            <a:schemeClr val="bg1"/>
+                          </a:solidFill>
+                          <a:latin typeface="Bahnschrift" panose="020B0502040204020203" pitchFamily="34" charset="0"/>
+                        </a:rPr>
+                        <a:t>Lórán</a:t>
+                      </a:r>
+                      <a:r>
+                        <a:rPr lang="hu-HU" sz="1600" b="0" dirty="0">
+                          <a:solidFill>
+                            <a:schemeClr val="bg1"/>
+                          </a:solidFill>
+                          <a:latin typeface="Bahnschrift" panose="020B0502040204020203" pitchFamily="34" charset="0"/>
+                        </a:rPr>
+                        <a:t>t</a:t>
+                      </a:r>
+                      <a:endParaRPr lang="en-US" sz="1600" b="0" dirty="0">
+                        <a:solidFill>
+                          <a:schemeClr val="bg1"/>
+                        </a:solidFill>
+                        <a:latin typeface="Bahnschrift" panose="020B0502040204020203" pitchFamily="34" charset="0"/>
+                      </a:endParaRPr>
+                    </a:p>
+                  </a:txBody>
+                  <a:tcPr anchor="ctr">
+                    <a:lnL w="12700" cmpd="sng">
+                      <a:noFill/>
+                    </a:lnL>
+                    <a:lnR w="12700" cmpd="sng">
+                      <a:noFill/>
+                    </a:lnR>
+                    <a:lnT w="12700" cmpd="sng">
+                      <a:noFill/>
+                    </a:lnT>
+                    <a:lnB w="12700" cmpd="sng">
+                      <a:noFill/>
+                    </a:lnB>
+                    <a:lnTlToBr w="12700" cmpd="sng">
+                      <a:noFill/>
+                      <a:prstDash val="solid"/>
+                    </a:lnTlToBr>
+                    <a:lnBlToTr w="12700" cmpd="sng">
+                      <a:noFill/>
+                      <a:prstDash val="solid"/>
+                    </a:lnBlToTr>
+                    <a:noFill/>
+                  </a:tcPr>
+                </a:tc>
+                <a:tc>
+                  <a:txBody>
+                    <a:bodyPr/>
+                    <a:lstStyle/>
+                    <a:p>
+                      <a:pPr lvl="0"/>
+                      <a:r>
+                        <a:rPr lang="en-US" sz="1400" b="0" dirty="0" err="1">
+                          <a:solidFill>
+                            <a:schemeClr val="bg1">
+                              <a:lumMod val="85000"/>
+                            </a:schemeClr>
+                          </a:solidFill>
+                          <a:latin typeface="Bahnschrift" panose="020B0502040204020203" pitchFamily="34" charset="0"/>
+                        </a:rPr>
+                        <a:t>SZEMiotika</a:t>
+                      </a:r>
+                      <a:endParaRPr lang="en-US" sz="1400" b="0" dirty="0">
+                        <a:solidFill>
+                          <a:schemeClr val="bg1">
+                            <a:lumMod val="85000"/>
+                          </a:schemeClr>
+                        </a:solidFill>
+                        <a:latin typeface="Bahnschrift" panose="020B0502040204020203" pitchFamily="34" charset="0"/>
+                      </a:endParaRPr>
+                    </a:p>
+                  </a:txBody>
+                  <a:tcPr anchor="ctr">
+                    <a:lnL w="12700" cmpd="sng">
+                      <a:noFill/>
+                    </a:lnL>
+                    <a:lnR w="12700" cmpd="sng">
+                      <a:noFill/>
+                    </a:lnR>
+                    <a:lnT w="12700" cmpd="sng">
+                      <a:noFill/>
+                    </a:lnT>
+                    <a:lnB w="12700" cmpd="sng">
+                      <a:noFill/>
+                    </a:lnB>
+                    <a:lnTlToBr w="12700" cmpd="sng">
+                      <a:noFill/>
+                      <a:prstDash val="solid"/>
+                    </a:lnTlToBr>
+                    <a:lnBlToTr w="12700" cmpd="sng">
+                      <a:noFill/>
+                      <a:prstDash val="solid"/>
+                    </a:lnBlToTr>
+                    <a:noFill/>
+                  </a:tcPr>
+                </a:tc>
+                <a:extLst>
+                  <a:ext uri="{0D108BD9-81ED-4DB2-BD59-A6C34878D82A}">
+                    <a16:rowId xmlns:a16="http://schemas.microsoft.com/office/drawing/2014/main" val="319368779"/>
+                  </a:ext>
+                </a:extLst>
+              </a:tr>
+              <a:tr h="821828">
+                <a:tc>
+                  <a:txBody>
+                    <a:bodyPr/>
+                    <a:lstStyle/>
+                    <a:p>
+                      <a:pPr marL="0" marR="0" lvl="0" indent="0" algn="l" defTabSz="914400" rtl="0" eaLnBrk="1" fontAlgn="auto" latinLnBrk="0" hangingPunct="1">
+                        <a:lnSpc>
+                          <a:spcPct val="100000"/>
+                        </a:lnSpc>
+                        <a:spcBef>
+                          <a:spcPts val="0"/>
+                        </a:spcBef>
+                        <a:spcAft>
+                          <a:spcPts val="0"/>
+                        </a:spcAft>
+                        <a:buClrTx/>
+                        <a:buSzTx/>
+                        <a:buFontTx/>
+                        <a:buNone/>
+                        <a:tabLst/>
+                        <a:defRPr/>
+                      </a:pPr>
+                      <a:r>
+                        <a:rPr lang="en-US" b="1" dirty="0">
+                          <a:solidFill>
+                            <a:schemeClr val="bg1">
+                              <a:lumMod val="85000"/>
+                            </a:schemeClr>
+                          </a:solidFill>
+                          <a:latin typeface="Bahnschrift" panose="020B0502040204020203" pitchFamily="34" charset="0"/>
+                        </a:rPr>
+                        <a:t>10:00 – 10:20</a:t>
+                      </a:r>
+                    </a:p>
+                  </a:txBody>
+                  <a:tcPr anchor="ctr">
+                    <a:lnL w="12700" cmpd="sng">
+                      <a:noFill/>
+                    </a:lnL>
+                    <a:lnR w="12700" cmpd="sng">
+                      <a:noFill/>
+                    </a:lnR>
+                    <a:lnT w="12700" cmpd="sng">
+                      <a:noFill/>
+                    </a:lnT>
+                    <a:lnB w="12700" cmpd="sng">
+                      <a:noFill/>
+                    </a:lnB>
+                    <a:lnTlToBr w="12700" cmpd="sng">
+                      <a:noFill/>
+                      <a:prstDash val="solid"/>
+                    </a:lnTlToBr>
+                    <a:lnBlToTr w="12700" cmpd="sng">
+                      <a:noFill/>
+                      <a:prstDash val="solid"/>
+                    </a:lnBlToTr>
+                    <a:noFill/>
+                  </a:tcPr>
+                </a:tc>
+                <a:tc>
+                  <a:txBody>
+                    <a:bodyPr/>
+                    <a:lstStyle/>
+                    <a:p>
+                      <a:pPr lvl="0"/>
+                      <a:r>
+                        <a:rPr lang="fi-FI" sz="1600" b="0" dirty="0">
+                          <a:solidFill>
+                            <a:schemeClr val="bg1"/>
+                          </a:solidFill>
+                          <a:latin typeface="Bahnschrift" panose="020B0502040204020203" pitchFamily="34" charset="0"/>
+                        </a:rPr>
+                        <a:t>Salamon Evelin </a:t>
+                      </a:r>
+                      <a:endParaRPr lang="hu-HU" sz="1600" b="0" dirty="0">
+                        <a:solidFill>
+                          <a:schemeClr val="bg1"/>
+                        </a:solidFill>
+                        <a:latin typeface="Bahnschrift" panose="020B0502040204020203" pitchFamily="34" charset="0"/>
+                      </a:endParaRPr>
+                    </a:p>
+                    <a:p>
+                      <a:pPr lvl="0"/>
+                      <a:r>
+                        <a:rPr lang="fi-FI" sz="1600" b="0" dirty="0">
+                          <a:solidFill>
+                            <a:schemeClr val="bg1"/>
+                          </a:solidFill>
+                          <a:latin typeface="Bahnschrift" panose="020B0502040204020203" pitchFamily="34" charset="0"/>
+                        </a:rPr>
+                        <a:t>Rapa Erik</a:t>
+                      </a:r>
+                      <a:endParaRPr lang="en-US" sz="1600" b="0" dirty="0">
+                        <a:solidFill>
+                          <a:schemeClr val="bg1"/>
+                        </a:solidFill>
+                        <a:latin typeface="Bahnschrift" panose="020B0502040204020203" pitchFamily="34" charset="0"/>
+                      </a:endParaRPr>
+                    </a:p>
+                  </a:txBody>
+                  <a:tcPr anchor="ctr">
+                    <a:lnL w="12700" cmpd="sng">
+                      <a:noFill/>
+                    </a:lnL>
+                    <a:lnR w="12700" cmpd="sng">
+                      <a:noFill/>
+                    </a:lnR>
+                    <a:lnT w="12700" cmpd="sng">
+                      <a:noFill/>
+                    </a:lnT>
+                    <a:lnB w="12700" cmpd="sng">
+                      <a:noFill/>
+                    </a:lnB>
+                    <a:lnTlToBr w="12700" cmpd="sng">
+                      <a:noFill/>
+                      <a:prstDash val="solid"/>
+                    </a:lnTlToBr>
+                    <a:lnBlToTr w="12700" cmpd="sng">
+                      <a:noFill/>
+                      <a:prstDash val="solid"/>
+                    </a:lnBlToTr>
+                    <a:noFill/>
+                  </a:tcPr>
+                </a:tc>
+                <a:tc>
+                  <a:txBody>
+                    <a:bodyPr/>
+                    <a:lstStyle/>
+                    <a:p>
+                      <a:pPr lvl="0"/>
+                      <a:r>
+                        <a:rPr lang="en-US" sz="1400" b="0" dirty="0" err="1">
+                          <a:solidFill>
+                            <a:schemeClr val="bg1">
+                              <a:lumMod val="85000"/>
+                            </a:schemeClr>
+                          </a:solidFill>
+                          <a:latin typeface="Bahnschrift" panose="020B0502040204020203" pitchFamily="34" charset="0"/>
+                        </a:rPr>
+                        <a:t>Tudásbázis</a:t>
+                      </a:r>
+                      <a:r>
+                        <a:rPr lang="en-US" sz="1400" b="0" dirty="0">
+                          <a:solidFill>
+                            <a:schemeClr val="bg1">
+                              <a:lumMod val="85000"/>
+                            </a:schemeClr>
+                          </a:solidFill>
+                          <a:latin typeface="Bahnschrift" panose="020B0502040204020203" pitchFamily="34" charset="0"/>
+                        </a:rPr>
+                        <a:t> </a:t>
+                      </a:r>
+                      <a:r>
+                        <a:rPr lang="en-US" sz="1400" b="0" dirty="0" err="1">
+                          <a:solidFill>
+                            <a:schemeClr val="bg1">
+                              <a:lumMod val="85000"/>
+                            </a:schemeClr>
+                          </a:solidFill>
+                          <a:latin typeface="Bahnschrift" panose="020B0502040204020203" pitchFamily="34" charset="0"/>
+                        </a:rPr>
+                        <a:t>alapú</a:t>
+                      </a:r>
+                      <a:r>
+                        <a:rPr lang="en-US" sz="1400" b="0" dirty="0">
+                          <a:solidFill>
+                            <a:schemeClr val="bg1">
+                              <a:lumMod val="85000"/>
+                            </a:schemeClr>
+                          </a:solidFill>
+                          <a:latin typeface="Bahnschrift" panose="020B0502040204020203" pitchFamily="34" charset="0"/>
+                        </a:rPr>
+                        <a:t> </a:t>
+                      </a:r>
+                      <a:r>
+                        <a:rPr lang="en-US" sz="1400" b="0" dirty="0" err="1">
+                          <a:solidFill>
+                            <a:schemeClr val="bg1">
+                              <a:lumMod val="85000"/>
+                            </a:schemeClr>
+                          </a:solidFill>
+                          <a:latin typeface="Bahnschrift" panose="020B0502040204020203" pitchFamily="34" charset="0"/>
+                        </a:rPr>
+                        <a:t>tisztítás</a:t>
+                      </a:r>
+                      <a:r>
+                        <a:rPr lang="en-US" sz="1400" b="0" dirty="0">
+                          <a:solidFill>
+                            <a:schemeClr val="bg1">
+                              <a:lumMod val="85000"/>
+                            </a:schemeClr>
+                          </a:solidFill>
+                          <a:latin typeface="Bahnschrift" panose="020B0502040204020203" pitchFamily="34" charset="0"/>
+                        </a:rPr>
+                        <a:t> </a:t>
+                      </a:r>
+                      <a:endParaRPr lang="hu-HU" sz="1400" b="0" dirty="0">
+                        <a:solidFill>
+                          <a:schemeClr val="bg1">
+                            <a:lumMod val="85000"/>
+                          </a:schemeClr>
+                        </a:solidFill>
+                        <a:latin typeface="Bahnschrift" panose="020B0502040204020203" pitchFamily="34" charset="0"/>
+                      </a:endParaRPr>
+                    </a:p>
+                    <a:p>
+                      <a:pPr lvl="0"/>
+                      <a:r>
+                        <a:rPr lang="en-US" sz="1400" b="0" dirty="0" err="1">
+                          <a:solidFill>
+                            <a:schemeClr val="bg1">
+                              <a:lumMod val="85000"/>
+                            </a:schemeClr>
+                          </a:solidFill>
+                          <a:latin typeface="Bahnschrift" panose="020B0502040204020203" pitchFamily="34" charset="0"/>
+                        </a:rPr>
+                        <a:t>és</a:t>
+                      </a:r>
+                      <a:r>
+                        <a:rPr lang="en-US" sz="1400" b="0" dirty="0">
+                          <a:solidFill>
+                            <a:schemeClr val="bg1">
+                              <a:lumMod val="85000"/>
+                            </a:schemeClr>
+                          </a:solidFill>
+                          <a:latin typeface="Bahnschrift" panose="020B0502040204020203" pitchFamily="34" charset="0"/>
+                        </a:rPr>
+                        <a:t> </a:t>
+                      </a:r>
+                      <a:r>
+                        <a:rPr lang="en-US" sz="1400" b="0" dirty="0" err="1">
+                          <a:solidFill>
+                            <a:schemeClr val="bg1">
+                              <a:lumMod val="85000"/>
+                            </a:schemeClr>
+                          </a:solidFill>
+                          <a:latin typeface="Bahnschrift" panose="020B0502040204020203" pitchFamily="34" charset="0"/>
+                        </a:rPr>
+                        <a:t>adatvizualizálás</a:t>
+                      </a:r>
+                      <a:endParaRPr lang="en-US" sz="1400" b="0" dirty="0">
+                        <a:solidFill>
+                          <a:schemeClr val="bg1">
+                            <a:lumMod val="85000"/>
+                          </a:schemeClr>
+                        </a:solidFill>
+                        <a:latin typeface="Bahnschrift" panose="020B0502040204020203" pitchFamily="34" charset="0"/>
+                      </a:endParaRPr>
+                    </a:p>
+                  </a:txBody>
+                  <a:tcPr anchor="ctr">
+                    <a:lnL w="12700" cmpd="sng">
+                      <a:noFill/>
+                    </a:lnL>
+                    <a:lnR w="12700" cmpd="sng">
+                      <a:noFill/>
+                    </a:lnR>
+                    <a:lnT w="12700" cmpd="sng">
+                      <a:noFill/>
+                    </a:lnT>
+                    <a:lnB w="12700" cmpd="sng">
+                      <a:noFill/>
+                    </a:lnB>
+                    <a:lnTlToBr w="12700" cmpd="sng">
+                      <a:noFill/>
+                      <a:prstDash val="solid"/>
+                    </a:lnTlToBr>
+                    <a:lnBlToTr w="12700" cmpd="sng">
+                      <a:noFill/>
+                      <a:prstDash val="solid"/>
+                    </a:lnBlToTr>
+                    <a:noFill/>
+                  </a:tcPr>
+                </a:tc>
+                <a:tc>
+                  <a:txBody>
+                    <a:bodyPr/>
+                    <a:lstStyle/>
+                    <a:p>
+                      <a:pPr marL="0" marR="0" lvl="0" indent="0" algn="l" defTabSz="914400" rtl="0" eaLnBrk="1" fontAlgn="auto" latinLnBrk="0" hangingPunct="1">
+                        <a:lnSpc>
+                          <a:spcPct val="100000"/>
+                        </a:lnSpc>
+                        <a:spcBef>
+                          <a:spcPts val="0"/>
+                        </a:spcBef>
+                        <a:spcAft>
+                          <a:spcPts val="0"/>
+                        </a:spcAft>
+                        <a:buClrTx/>
+                        <a:buSzTx/>
+                        <a:buFontTx/>
+                        <a:buNone/>
+                        <a:tabLst/>
+                        <a:defRPr/>
+                      </a:pPr>
+                      <a:r>
+                        <a:rPr lang="en-US" b="1" dirty="0">
+                          <a:solidFill>
+                            <a:schemeClr val="bg1">
+                              <a:lumMod val="85000"/>
+                            </a:schemeClr>
+                          </a:solidFill>
+                          <a:latin typeface="Bahnschrift" panose="020B0502040204020203" pitchFamily="34" charset="0"/>
+                        </a:rPr>
+                        <a:t>12:45 – 13:05</a:t>
+                      </a:r>
+                    </a:p>
+                  </a:txBody>
+                  <a:tcPr anchor="ctr">
+                    <a:lnL w="12700" cmpd="sng">
+                      <a:noFill/>
+                    </a:lnL>
+                    <a:lnR w="12700" cmpd="sng">
+                      <a:noFill/>
+                    </a:lnR>
+                    <a:lnT w="12700" cmpd="sng">
+                      <a:noFill/>
+                    </a:lnT>
+                    <a:lnB w="12700" cmpd="sng">
+                      <a:noFill/>
+                    </a:lnB>
+                    <a:lnTlToBr w="12700" cmpd="sng">
+                      <a:noFill/>
+                      <a:prstDash val="solid"/>
+                    </a:lnTlToBr>
+                    <a:lnBlToTr w="12700" cmpd="sng">
+                      <a:noFill/>
+                      <a:prstDash val="solid"/>
+                    </a:lnBlToTr>
+                    <a:noFill/>
+                  </a:tcPr>
+                </a:tc>
+                <a:tc>
+                  <a:txBody>
+                    <a:bodyPr/>
+                    <a:lstStyle/>
+                    <a:p>
+                      <a:pPr lvl="0"/>
+                      <a:r>
+                        <a:rPr lang="en-US" sz="1600" b="0" dirty="0">
+                          <a:solidFill>
+                            <a:schemeClr val="bg1"/>
+                          </a:solidFill>
+                          <a:latin typeface="Bahnschrift" panose="020B0502040204020203" pitchFamily="34" charset="0"/>
+                        </a:rPr>
+                        <a:t>Sipos Zoltán</a:t>
+                      </a:r>
+                    </a:p>
+                  </a:txBody>
+                  <a:tcPr anchor="ctr">
+                    <a:lnL w="12700" cmpd="sng">
+                      <a:noFill/>
+                    </a:lnL>
+                    <a:lnR w="12700" cmpd="sng">
+                      <a:noFill/>
+                    </a:lnR>
+                    <a:lnT w="12700" cmpd="sng">
+                      <a:noFill/>
+                    </a:lnT>
+                    <a:lnB w="12700" cmpd="sng">
+                      <a:noFill/>
+                    </a:lnB>
+                    <a:lnTlToBr w="12700" cmpd="sng">
+                      <a:noFill/>
+                      <a:prstDash val="solid"/>
+                    </a:lnTlToBr>
+                    <a:lnBlToTr w="12700" cmpd="sng">
+                      <a:noFill/>
+                      <a:prstDash val="solid"/>
+                    </a:lnBlToTr>
+                    <a:noFill/>
+                  </a:tcPr>
+                </a:tc>
+                <a:tc>
+                  <a:txBody>
+                    <a:bodyPr/>
+                    <a:lstStyle/>
+                    <a:p>
+                      <a:pPr lvl="0"/>
+                      <a:r>
+                        <a:rPr lang="hu-HU" sz="1400" b="0" dirty="0">
+                          <a:solidFill>
+                            <a:schemeClr val="bg1">
+                              <a:lumMod val="85000"/>
+                            </a:schemeClr>
+                          </a:solidFill>
+                          <a:latin typeface="Bahnschrift" panose="020B0502040204020203" pitchFamily="34" charset="0"/>
+                        </a:rPr>
+                        <a:t>Screenshot is your best friend: Így cseleznek közérdekű adatokkal</a:t>
+                      </a:r>
+                      <a:endParaRPr lang="en-US" sz="1400" b="0" dirty="0">
+                        <a:solidFill>
+                          <a:schemeClr val="bg1">
+                            <a:lumMod val="85000"/>
+                          </a:schemeClr>
+                        </a:solidFill>
+                        <a:latin typeface="Bahnschrift" panose="020B0502040204020203" pitchFamily="34" charset="0"/>
+                      </a:endParaRPr>
+                    </a:p>
+                  </a:txBody>
+                  <a:tcPr anchor="ctr">
+                    <a:lnL w="12700" cmpd="sng">
+                      <a:noFill/>
+                    </a:lnL>
+                    <a:lnR w="12700" cmpd="sng">
+                      <a:noFill/>
+                    </a:lnR>
+                    <a:lnT w="12700" cmpd="sng">
+                      <a:noFill/>
+                    </a:lnT>
+                    <a:lnB w="12700" cmpd="sng">
+                      <a:noFill/>
+                    </a:lnB>
+                    <a:lnTlToBr w="12700" cmpd="sng">
+                      <a:noFill/>
+                      <a:prstDash val="solid"/>
+                    </a:lnTlToBr>
+                    <a:lnBlToTr w="12700" cmpd="sng">
+                      <a:noFill/>
+                      <a:prstDash val="solid"/>
+                    </a:lnBlToTr>
+                    <a:noFill/>
+                  </a:tcPr>
+                </a:tc>
+                <a:extLst>
+                  <a:ext uri="{0D108BD9-81ED-4DB2-BD59-A6C34878D82A}">
+                    <a16:rowId xmlns:a16="http://schemas.microsoft.com/office/drawing/2014/main" val="1620672614"/>
+                  </a:ext>
+                </a:extLst>
+              </a:tr>
+              <a:tr h="821828">
+                <a:tc>
+                  <a:txBody>
+                    <a:bodyPr/>
+                    <a:lstStyle/>
+                    <a:p>
+                      <a:pPr marL="0" marR="0" lvl="0" indent="0" algn="l" defTabSz="914400" rtl="0" eaLnBrk="1" fontAlgn="auto" latinLnBrk="0" hangingPunct="1">
+                        <a:lnSpc>
+                          <a:spcPct val="100000"/>
+                        </a:lnSpc>
+                        <a:spcBef>
+                          <a:spcPts val="0"/>
+                        </a:spcBef>
+                        <a:spcAft>
+                          <a:spcPts val="0"/>
+                        </a:spcAft>
+                        <a:buClrTx/>
+                        <a:buSzTx/>
+                        <a:buFontTx/>
+                        <a:buNone/>
+                        <a:tabLst/>
+                        <a:defRPr/>
+                      </a:pPr>
+                      <a:r>
+                        <a:rPr lang="en-US" b="1" dirty="0">
+                          <a:solidFill>
+                            <a:schemeClr val="bg1">
+                              <a:lumMod val="85000"/>
+                            </a:schemeClr>
+                          </a:solidFill>
+                          <a:latin typeface="Bahnschrift" panose="020B0502040204020203" pitchFamily="34" charset="0"/>
+                        </a:rPr>
+                        <a:t>10:35 – 10:55</a:t>
+                      </a:r>
+                    </a:p>
+                  </a:txBody>
+                  <a:tcPr anchor="ctr">
+                    <a:lnL w="12700" cmpd="sng">
+                      <a:noFill/>
+                    </a:lnL>
+                    <a:lnR w="12700" cmpd="sng">
+                      <a:noFill/>
+                    </a:lnR>
+                    <a:lnT w="12700" cmpd="sng">
+                      <a:noFill/>
+                    </a:lnT>
+                    <a:lnB w="12700" cmpd="sng">
+                      <a:noFill/>
+                    </a:lnB>
+                    <a:lnTlToBr w="12700" cmpd="sng">
+                      <a:noFill/>
+                      <a:prstDash val="solid"/>
+                    </a:lnTlToBr>
+                    <a:lnBlToTr w="12700" cmpd="sng">
+                      <a:noFill/>
+                      <a:prstDash val="solid"/>
+                    </a:lnBlToTr>
+                    <a:noFill/>
+                  </a:tcPr>
+                </a:tc>
+                <a:tc>
+                  <a:txBody>
+                    <a:bodyPr/>
+                    <a:lstStyle/>
+                    <a:p>
+                      <a:pPr lvl="0"/>
+                      <a:r>
+                        <a:rPr lang="en-US" sz="1600" b="0" dirty="0" err="1">
+                          <a:solidFill>
+                            <a:schemeClr val="bg1"/>
+                          </a:solidFill>
+                          <a:latin typeface="Bahnschrift" panose="020B0502040204020203" pitchFamily="34" charset="0"/>
+                        </a:rPr>
+                        <a:t>Polacsek</a:t>
+                      </a:r>
+                      <a:r>
+                        <a:rPr lang="en-US" sz="1600" b="0" dirty="0">
+                          <a:solidFill>
+                            <a:schemeClr val="bg1"/>
+                          </a:solidFill>
+                          <a:latin typeface="Bahnschrift" panose="020B0502040204020203" pitchFamily="34" charset="0"/>
+                        </a:rPr>
+                        <a:t> </a:t>
+                      </a:r>
+                      <a:r>
+                        <a:rPr lang="en-US" sz="1600" b="0" dirty="0" err="1">
+                          <a:solidFill>
+                            <a:schemeClr val="bg1"/>
+                          </a:solidFill>
+                          <a:latin typeface="Bahnschrift" panose="020B0502040204020203" pitchFamily="34" charset="0"/>
+                        </a:rPr>
+                        <a:t>Péter</a:t>
+                      </a:r>
+                      <a:endParaRPr lang="en-US" sz="1600" b="0" dirty="0">
+                        <a:solidFill>
+                          <a:schemeClr val="bg1"/>
+                        </a:solidFill>
+                        <a:latin typeface="Bahnschrift" panose="020B0502040204020203" pitchFamily="34" charset="0"/>
+                      </a:endParaRPr>
+                    </a:p>
+                  </a:txBody>
+                  <a:tcPr anchor="ctr">
+                    <a:lnL w="12700" cmpd="sng">
+                      <a:noFill/>
+                    </a:lnL>
+                    <a:lnR w="12700" cmpd="sng">
+                      <a:noFill/>
+                    </a:lnR>
+                    <a:lnT w="12700" cmpd="sng">
+                      <a:noFill/>
+                    </a:lnT>
+                    <a:lnB w="12700" cmpd="sng">
+                      <a:noFill/>
+                    </a:lnB>
+                    <a:lnTlToBr w="12700" cmpd="sng">
+                      <a:noFill/>
+                      <a:prstDash val="solid"/>
+                    </a:lnTlToBr>
+                    <a:lnBlToTr w="12700" cmpd="sng">
+                      <a:noFill/>
+                      <a:prstDash val="solid"/>
+                    </a:lnBlToTr>
+                    <a:noFill/>
+                  </a:tcPr>
+                </a:tc>
+                <a:tc>
+                  <a:txBody>
+                    <a:bodyPr/>
+                    <a:lstStyle/>
+                    <a:p>
+                      <a:pPr lvl="0"/>
+                      <a:r>
+                        <a:rPr lang="hu-HU" sz="1400" b="0" dirty="0">
+                          <a:solidFill>
+                            <a:schemeClr val="bg1">
+                              <a:lumMod val="85000"/>
+                            </a:schemeClr>
+                          </a:solidFill>
+                          <a:latin typeface="Bahnschrift" panose="020B0502040204020203" pitchFamily="34" charset="0"/>
+                        </a:rPr>
+                        <a:t>Kommunikációs eszközök a </a:t>
+                      </a:r>
+                      <a:r>
+                        <a:rPr lang="en-US" sz="1400" b="0" dirty="0">
+                          <a:solidFill>
+                            <a:schemeClr val="bg1">
+                              <a:lumMod val="85000"/>
+                            </a:schemeClr>
+                          </a:solidFill>
+                          <a:latin typeface="Bahnschrift" panose="020B0502040204020203" pitchFamily="34" charset="0"/>
+                        </a:rPr>
+                        <a:t>Vibe </a:t>
+                      </a:r>
+                      <a:r>
+                        <a:rPr lang="en-US" sz="1400" b="0" dirty="0" err="1">
+                          <a:solidFill>
+                            <a:schemeClr val="bg1">
+                              <a:lumMod val="85000"/>
+                            </a:schemeClr>
+                          </a:solidFill>
+                          <a:latin typeface="Bahnschrift" panose="020B0502040204020203" pitchFamily="34" charset="0"/>
+                        </a:rPr>
+                        <a:t>fesztivál</a:t>
+                      </a:r>
+                      <a:r>
+                        <a:rPr lang="en-US" sz="1400" b="0" dirty="0">
+                          <a:solidFill>
+                            <a:schemeClr val="bg1">
+                              <a:lumMod val="85000"/>
+                            </a:schemeClr>
+                          </a:solidFill>
+                          <a:latin typeface="Bahnschrift" panose="020B0502040204020203" pitchFamily="34" charset="0"/>
+                        </a:rPr>
+                        <a:t> </a:t>
+                      </a:r>
+                      <a:r>
+                        <a:rPr lang="en-US" sz="1400" b="0" dirty="0" err="1">
+                          <a:solidFill>
+                            <a:schemeClr val="bg1">
+                              <a:lumMod val="85000"/>
+                            </a:schemeClr>
+                          </a:solidFill>
+                          <a:latin typeface="Bahnschrift" panose="020B0502040204020203" pitchFamily="34" charset="0"/>
+                        </a:rPr>
+                        <a:t>közönség</a:t>
+                      </a:r>
+                      <a:r>
+                        <a:rPr lang="hu-HU" sz="1400" b="0" dirty="0">
+                          <a:solidFill>
+                            <a:schemeClr val="bg1">
+                              <a:lumMod val="85000"/>
+                            </a:schemeClr>
+                          </a:solidFill>
+                          <a:latin typeface="Bahnschrift" panose="020B0502040204020203" pitchFamily="34" charset="0"/>
+                        </a:rPr>
+                        <a:t>ének </a:t>
+                      </a:r>
+                      <a:r>
+                        <a:rPr lang="en-US" sz="1400" b="0" dirty="0" err="1">
+                          <a:solidFill>
+                            <a:schemeClr val="bg1">
+                              <a:lumMod val="85000"/>
+                            </a:schemeClr>
+                          </a:solidFill>
+                          <a:latin typeface="Bahnschrift" panose="020B0502040204020203" pitchFamily="34" charset="0"/>
+                        </a:rPr>
+                        <a:t>megszólítás</a:t>
+                      </a:r>
+                      <a:r>
+                        <a:rPr lang="hu-HU" sz="1400" b="0" dirty="0">
+                          <a:solidFill>
+                            <a:schemeClr val="bg1">
+                              <a:lumMod val="85000"/>
+                            </a:schemeClr>
+                          </a:solidFill>
+                          <a:latin typeface="Bahnschrift" panose="020B0502040204020203" pitchFamily="34" charset="0"/>
+                        </a:rPr>
+                        <a:t>ára</a:t>
+                      </a:r>
+                      <a:endParaRPr lang="en-US" sz="1400" b="0" dirty="0">
+                        <a:solidFill>
+                          <a:schemeClr val="bg1">
+                            <a:lumMod val="85000"/>
+                          </a:schemeClr>
+                        </a:solidFill>
+                        <a:latin typeface="Bahnschrift" panose="020B0502040204020203" pitchFamily="34" charset="0"/>
+                      </a:endParaRPr>
+                    </a:p>
+                  </a:txBody>
+                  <a:tcPr anchor="ctr">
+                    <a:lnL w="12700" cmpd="sng">
+                      <a:noFill/>
+                    </a:lnL>
+                    <a:lnR w="12700" cmpd="sng">
+                      <a:noFill/>
+                    </a:lnR>
+                    <a:lnT w="12700" cmpd="sng">
+                      <a:noFill/>
+                    </a:lnT>
+                    <a:lnB w="12700" cmpd="sng">
+                      <a:noFill/>
+                    </a:lnB>
+                    <a:lnTlToBr w="12700" cmpd="sng">
+                      <a:noFill/>
+                      <a:prstDash val="solid"/>
+                    </a:lnTlToBr>
+                    <a:lnBlToTr w="12700" cmpd="sng">
+                      <a:noFill/>
+                      <a:prstDash val="solid"/>
+                    </a:lnBlToTr>
+                    <a:noFill/>
+                  </a:tcPr>
+                </a:tc>
+                <a:tc>
+                  <a:txBody>
+                    <a:bodyPr/>
+                    <a:lstStyle/>
+                    <a:p>
+                      <a:pPr marL="0" marR="0" lvl="0" indent="0" algn="l" defTabSz="914400" rtl="0" eaLnBrk="1" fontAlgn="auto" latinLnBrk="0" hangingPunct="1">
+                        <a:lnSpc>
+                          <a:spcPct val="100000"/>
+                        </a:lnSpc>
+                        <a:spcBef>
+                          <a:spcPts val="0"/>
+                        </a:spcBef>
+                        <a:spcAft>
+                          <a:spcPts val="0"/>
+                        </a:spcAft>
+                        <a:buClrTx/>
+                        <a:buSzTx/>
+                        <a:buFontTx/>
+                        <a:buNone/>
+                        <a:tabLst/>
+                        <a:defRPr/>
+                      </a:pPr>
+                      <a:r>
+                        <a:rPr lang="en-US" b="1" dirty="0">
+                          <a:solidFill>
+                            <a:schemeClr val="bg1">
+                              <a:lumMod val="85000"/>
+                            </a:schemeClr>
+                          </a:solidFill>
+                          <a:latin typeface="Bahnschrift" panose="020B0502040204020203" pitchFamily="34" charset="0"/>
+                        </a:rPr>
+                        <a:t>13:05 – 13:25</a:t>
+                      </a:r>
+                    </a:p>
+                  </a:txBody>
+                  <a:tcPr anchor="ctr">
+                    <a:lnL w="12700" cmpd="sng">
+                      <a:noFill/>
+                    </a:lnL>
+                    <a:lnR w="12700" cmpd="sng">
+                      <a:noFill/>
+                    </a:lnR>
+                    <a:lnT w="12700" cmpd="sng">
+                      <a:noFill/>
+                    </a:lnT>
+                    <a:lnB w="12700" cmpd="sng">
+                      <a:noFill/>
+                    </a:lnB>
+                    <a:lnTlToBr w="12700" cmpd="sng">
+                      <a:noFill/>
+                      <a:prstDash val="solid"/>
+                    </a:lnTlToBr>
+                    <a:lnBlToTr w="12700" cmpd="sng">
+                      <a:noFill/>
+                      <a:prstDash val="solid"/>
+                    </a:lnBlToTr>
+                    <a:noFill/>
+                  </a:tcPr>
+                </a:tc>
+                <a:tc>
+                  <a:txBody>
+                    <a:bodyPr/>
+                    <a:lstStyle/>
+                    <a:p>
+                      <a:pPr lvl="0"/>
+                      <a:r>
+                        <a:rPr lang="en-US" sz="1600" b="0" dirty="0" err="1">
+                          <a:solidFill>
+                            <a:schemeClr val="bg1"/>
+                          </a:solidFill>
+                          <a:latin typeface="Bahnschrift" panose="020B0502040204020203" pitchFamily="34" charset="0"/>
+                        </a:rPr>
+                        <a:t>Györgyei</a:t>
+                      </a:r>
+                      <a:r>
+                        <a:rPr lang="en-US" sz="1600" b="0" dirty="0">
+                          <a:solidFill>
+                            <a:schemeClr val="bg1"/>
+                          </a:solidFill>
+                          <a:latin typeface="Bahnschrift" panose="020B0502040204020203" pitchFamily="34" charset="0"/>
+                        </a:rPr>
+                        <a:t> Szabó Magdolna</a:t>
+                      </a:r>
+                    </a:p>
+                  </a:txBody>
+                  <a:tcPr anchor="ctr">
+                    <a:lnL w="12700" cmpd="sng">
+                      <a:noFill/>
+                    </a:lnL>
+                    <a:lnR w="12700" cmpd="sng">
+                      <a:noFill/>
+                    </a:lnR>
+                    <a:lnT w="12700" cmpd="sng">
+                      <a:noFill/>
+                    </a:lnT>
+                    <a:lnB w="12700" cmpd="sng">
+                      <a:noFill/>
+                    </a:lnB>
+                    <a:lnTlToBr w="12700" cmpd="sng">
+                      <a:noFill/>
+                      <a:prstDash val="solid"/>
+                    </a:lnTlToBr>
+                    <a:lnBlToTr w="12700" cmpd="sng">
+                      <a:noFill/>
+                      <a:prstDash val="solid"/>
+                    </a:lnBlToTr>
+                    <a:noFill/>
+                  </a:tcPr>
+                </a:tc>
+                <a:tc>
+                  <a:txBody>
+                    <a:bodyPr/>
+                    <a:lstStyle/>
+                    <a:p>
+                      <a:pPr lvl="0"/>
+                      <a:r>
+                        <a:rPr lang="hu-HU" sz="1400" b="0" dirty="0">
+                          <a:solidFill>
+                            <a:schemeClr val="bg1">
+                              <a:lumMod val="85000"/>
+                            </a:schemeClr>
+                          </a:solidFill>
+                          <a:latin typeface="Bahnschrift" panose="020B0502040204020203" pitchFamily="34" charset="0"/>
+                        </a:rPr>
+                        <a:t>E</a:t>
+                      </a:r>
+                      <a:r>
+                        <a:rPr lang="en-US" sz="1400" b="0" dirty="0" err="1">
+                          <a:solidFill>
+                            <a:schemeClr val="bg1">
+                              <a:lumMod val="85000"/>
+                            </a:schemeClr>
+                          </a:solidFill>
+                          <a:latin typeface="Bahnschrift" panose="020B0502040204020203" pitchFamily="34" charset="0"/>
+                        </a:rPr>
+                        <a:t>mber</a:t>
+                      </a:r>
+                      <a:r>
+                        <a:rPr lang="en-US" sz="1400" b="0" dirty="0">
+                          <a:solidFill>
+                            <a:schemeClr val="bg1">
+                              <a:lumMod val="85000"/>
+                            </a:schemeClr>
+                          </a:solidFill>
+                          <a:latin typeface="Bahnschrift" panose="020B0502040204020203" pitchFamily="34" charset="0"/>
+                        </a:rPr>
+                        <a:t> a </a:t>
+                      </a:r>
+                      <a:r>
+                        <a:rPr lang="en-US" sz="1400" b="0" dirty="0" err="1">
+                          <a:solidFill>
+                            <a:schemeClr val="bg1">
+                              <a:lumMod val="85000"/>
+                            </a:schemeClr>
+                          </a:solidFill>
+                          <a:latin typeface="Bahnschrift" panose="020B0502040204020203" pitchFamily="34" charset="0"/>
+                        </a:rPr>
+                        <a:t>bitek</a:t>
+                      </a:r>
+                      <a:r>
+                        <a:rPr lang="en-US" sz="1400" b="0" dirty="0">
+                          <a:solidFill>
+                            <a:schemeClr val="bg1">
+                              <a:lumMod val="85000"/>
+                            </a:schemeClr>
+                          </a:solidFill>
+                          <a:latin typeface="Bahnschrift" panose="020B0502040204020203" pitchFamily="34" charset="0"/>
+                        </a:rPr>
+                        <a:t> </a:t>
+                      </a:r>
+                      <a:r>
+                        <a:rPr lang="en-US" sz="1400" b="0" dirty="0" err="1">
+                          <a:solidFill>
+                            <a:schemeClr val="bg1">
+                              <a:lumMod val="85000"/>
+                            </a:schemeClr>
+                          </a:solidFill>
+                          <a:latin typeface="Bahnschrift" panose="020B0502040204020203" pitchFamily="34" charset="0"/>
+                        </a:rPr>
+                        <a:t>mögött</a:t>
+                      </a:r>
+                      <a:endParaRPr lang="en-US" sz="1400" b="0" dirty="0">
+                        <a:solidFill>
+                          <a:schemeClr val="bg1">
+                            <a:lumMod val="85000"/>
+                          </a:schemeClr>
+                        </a:solidFill>
+                        <a:latin typeface="Bahnschrift" panose="020B0502040204020203" pitchFamily="34" charset="0"/>
+                      </a:endParaRPr>
+                    </a:p>
+                  </a:txBody>
+                  <a:tcPr anchor="ctr">
+                    <a:lnL w="12700" cmpd="sng">
+                      <a:noFill/>
+                    </a:lnL>
+                    <a:lnR w="12700" cmpd="sng">
+                      <a:noFill/>
+                    </a:lnR>
+                    <a:lnT w="12700" cmpd="sng">
+                      <a:noFill/>
+                    </a:lnT>
+                    <a:lnB w="12700" cmpd="sng">
+                      <a:noFill/>
+                    </a:lnB>
+                    <a:lnTlToBr w="12700" cmpd="sng">
+                      <a:noFill/>
+                      <a:prstDash val="solid"/>
+                    </a:lnTlToBr>
+                    <a:lnBlToTr w="12700" cmpd="sng">
+                      <a:noFill/>
+                      <a:prstDash val="solid"/>
+                    </a:lnBlToTr>
+                    <a:noFill/>
+                  </a:tcPr>
+                </a:tc>
+                <a:extLst>
+                  <a:ext uri="{0D108BD9-81ED-4DB2-BD59-A6C34878D82A}">
+                    <a16:rowId xmlns:a16="http://schemas.microsoft.com/office/drawing/2014/main" val="3777654547"/>
+                  </a:ext>
+                </a:extLst>
+              </a:tr>
+              <a:tr h="670324">
+                <a:tc>
+                  <a:txBody>
+                    <a:bodyPr/>
+                    <a:lstStyle/>
+                    <a:p>
+                      <a:pPr marL="0" marR="0" lvl="0" indent="0" algn="l" defTabSz="914400" rtl="0" eaLnBrk="1" fontAlgn="auto" latinLnBrk="0" hangingPunct="1">
+                        <a:lnSpc>
+                          <a:spcPct val="100000"/>
+                        </a:lnSpc>
+                        <a:spcBef>
+                          <a:spcPts val="0"/>
+                        </a:spcBef>
+                        <a:spcAft>
+                          <a:spcPts val="0"/>
+                        </a:spcAft>
+                        <a:buClrTx/>
+                        <a:buSzTx/>
+                        <a:buFontTx/>
+                        <a:buNone/>
+                        <a:tabLst/>
+                        <a:defRPr/>
+                      </a:pPr>
+                      <a:r>
+                        <a:rPr lang="en-US" b="1" dirty="0">
+                          <a:solidFill>
+                            <a:schemeClr val="bg1">
+                              <a:lumMod val="85000"/>
+                            </a:schemeClr>
+                          </a:solidFill>
+                          <a:latin typeface="Bahnschrift" panose="020B0502040204020203" pitchFamily="34" charset="0"/>
+                        </a:rPr>
+                        <a:t>10:55 – 11:15</a:t>
+                      </a:r>
+                    </a:p>
+                  </a:txBody>
+                  <a:tcPr anchor="ctr">
+                    <a:lnL w="12700" cmpd="sng">
+                      <a:noFill/>
+                    </a:lnL>
+                    <a:lnR w="12700" cmpd="sng">
+                      <a:noFill/>
+                    </a:lnR>
+                    <a:lnT w="12700" cmpd="sng">
+                      <a:noFill/>
+                    </a:lnT>
+                    <a:lnB w="12700" cmpd="sng">
+                      <a:noFill/>
+                    </a:lnB>
+                    <a:lnTlToBr w="12700" cmpd="sng">
+                      <a:noFill/>
+                      <a:prstDash val="solid"/>
+                    </a:lnTlToBr>
+                    <a:lnBlToTr w="12700" cmpd="sng">
+                      <a:noFill/>
+                      <a:prstDash val="solid"/>
+                    </a:lnBlToTr>
+                    <a:noFill/>
+                  </a:tcPr>
+                </a:tc>
+                <a:tc>
+                  <a:txBody>
+                    <a:bodyPr/>
+                    <a:lstStyle/>
+                    <a:p>
+                      <a:pPr lvl="0"/>
+                      <a:r>
+                        <a:rPr lang="en-US" sz="1600" b="0" dirty="0" err="1">
+                          <a:solidFill>
+                            <a:schemeClr val="bg1"/>
+                          </a:solidFill>
+                          <a:latin typeface="Bahnschrift" panose="020B0502040204020203" pitchFamily="34" charset="0"/>
+                        </a:rPr>
+                        <a:t>Csata</a:t>
+                      </a:r>
+                      <a:r>
+                        <a:rPr lang="en-US" sz="1600" b="0" dirty="0">
+                          <a:solidFill>
+                            <a:schemeClr val="bg1"/>
+                          </a:solidFill>
+                          <a:latin typeface="Bahnschrift" panose="020B0502040204020203" pitchFamily="34" charset="0"/>
+                        </a:rPr>
+                        <a:t> István</a:t>
+                      </a:r>
+                    </a:p>
+                  </a:txBody>
+                  <a:tcPr anchor="ctr">
+                    <a:lnL w="12700" cmpd="sng">
+                      <a:noFill/>
+                    </a:lnL>
+                    <a:lnR w="12700" cmpd="sng">
+                      <a:noFill/>
+                    </a:lnR>
+                    <a:lnT w="12700" cmpd="sng">
+                      <a:noFill/>
+                    </a:lnT>
+                    <a:lnB w="12700" cmpd="sng">
+                      <a:noFill/>
+                    </a:lnB>
+                    <a:lnTlToBr w="12700" cmpd="sng">
+                      <a:noFill/>
+                      <a:prstDash val="solid"/>
+                    </a:lnTlToBr>
+                    <a:lnBlToTr w="12700" cmpd="sng">
+                      <a:noFill/>
+                      <a:prstDash val="solid"/>
+                    </a:lnBlToTr>
+                    <a:noFill/>
+                  </a:tcPr>
+                </a:tc>
+                <a:tc>
+                  <a:txBody>
+                    <a:bodyPr/>
+                    <a:lstStyle/>
+                    <a:p>
+                      <a:pPr lvl="0"/>
+                      <a:r>
+                        <a:rPr lang="hu-HU" sz="1400" b="0" dirty="0">
+                          <a:solidFill>
+                            <a:schemeClr val="bg1">
+                              <a:lumMod val="85000"/>
+                            </a:schemeClr>
+                          </a:solidFill>
+                          <a:latin typeface="Bahnschrift" panose="020B0502040204020203" pitchFamily="34" charset="0"/>
+                        </a:rPr>
+                        <a:t>Tableau adatvizializáció </a:t>
+                      </a:r>
+                      <a:br>
+                        <a:rPr lang="hu-HU" sz="1400" b="0" dirty="0">
+                          <a:solidFill>
+                            <a:schemeClr val="bg1">
+                              <a:lumMod val="85000"/>
+                            </a:schemeClr>
+                          </a:solidFill>
+                          <a:latin typeface="Bahnschrift" panose="020B0502040204020203" pitchFamily="34" charset="0"/>
+                        </a:rPr>
+                      </a:br>
+                      <a:r>
+                        <a:rPr lang="hu-HU" sz="1400" b="0" dirty="0">
+                          <a:solidFill>
+                            <a:schemeClr val="bg1">
+                              <a:lumMod val="85000"/>
+                            </a:schemeClr>
+                          </a:solidFill>
+                          <a:latin typeface="Bahnschrift" panose="020B0502040204020203" pitchFamily="34" charset="0"/>
+                        </a:rPr>
+                        <a:t>a Kynetecnél</a:t>
+                      </a:r>
+                      <a:endParaRPr lang="en-US" sz="1400" b="0" dirty="0">
+                        <a:solidFill>
+                          <a:schemeClr val="bg1">
+                            <a:lumMod val="85000"/>
+                          </a:schemeClr>
+                        </a:solidFill>
+                        <a:latin typeface="Bahnschrift" panose="020B0502040204020203" pitchFamily="34" charset="0"/>
+                      </a:endParaRPr>
+                    </a:p>
+                  </a:txBody>
+                  <a:tcPr anchor="ctr">
+                    <a:lnL w="12700" cmpd="sng">
+                      <a:noFill/>
+                    </a:lnL>
+                    <a:lnR w="12700" cmpd="sng">
+                      <a:noFill/>
+                    </a:lnR>
+                    <a:lnT w="12700" cmpd="sng">
+                      <a:noFill/>
+                    </a:lnT>
+                    <a:lnB w="12700" cmpd="sng">
+                      <a:noFill/>
+                    </a:lnB>
+                    <a:lnTlToBr w="12700" cmpd="sng">
+                      <a:noFill/>
+                      <a:prstDash val="solid"/>
+                    </a:lnTlToBr>
+                    <a:lnBlToTr w="12700" cmpd="sng">
+                      <a:noFill/>
+                      <a:prstDash val="solid"/>
+                    </a:lnBlToTr>
+                    <a:noFill/>
+                  </a:tcPr>
+                </a:tc>
+                <a:tc>
+                  <a:txBody>
+                    <a:bodyPr/>
+                    <a:lstStyle/>
+                    <a:p>
+                      <a:r>
+                        <a:rPr lang="en-US" b="1" dirty="0">
+                          <a:solidFill>
+                            <a:schemeClr val="bg1">
+                              <a:lumMod val="85000"/>
+                            </a:schemeClr>
+                          </a:solidFill>
+                          <a:latin typeface="Bahnschrift" panose="020B0502040204020203" pitchFamily="34" charset="0"/>
+                        </a:rPr>
+                        <a:t>13:25 – 13:45</a:t>
+                      </a:r>
+                      <a:endParaRPr lang="en-US" b="1" dirty="0"/>
+                    </a:p>
+                  </a:txBody>
+                  <a:tcPr anchor="ctr">
+                    <a:lnL w="12700" cmpd="sng">
+                      <a:noFill/>
+                    </a:lnL>
+                    <a:lnR w="12700" cmpd="sng">
+                      <a:noFill/>
+                    </a:lnR>
+                    <a:lnT w="12700" cmpd="sng">
+                      <a:noFill/>
+                    </a:lnT>
+                    <a:lnB w="12700" cmpd="sng">
+                      <a:noFill/>
+                    </a:lnB>
+                    <a:lnTlToBr w="12700" cmpd="sng">
+                      <a:noFill/>
+                      <a:prstDash val="solid"/>
+                    </a:lnTlToBr>
+                    <a:lnBlToTr w="12700" cmpd="sng">
+                      <a:noFill/>
+                      <a:prstDash val="solid"/>
+                    </a:lnBlToTr>
+                    <a:noFill/>
+                  </a:tcPr>
+                </a:tc>
+                <a:tc>
+                  <a:txBody>
+                    <a:bodyPr/>
+                    <a:lstStyle/>
+                    <a:p>
+                      <a:pPr lvl="0"/>
+                      <a:r>
+                        <a:rPr lang="en-US" sz="1600" b="0" dirty="0" err="1">
+                          <a:solidFill>
+                            <a:schemeClr val="bg1"/>
+                          </a:solidFill>
+                          <a:latin typeface="Bahnschrift" panose="020B0502040204020203" pitchFamily="34" charset="0"/>
+                        </a:rPr>
+                        <a:t>Szőke</a:t>
+                      </a:r>
+                      <a:r>
+                        <a:rPr lang="en-US" sz="1600" b="0" dirty="0">
+                          <a:solidFill>
+                            <a:schemeClr val="bg1"/>
+                          </a:solidFill>
+                          <a:latin typeface="Bahnschrift" panose="020B0502040204020203" pitchFamily="34" charset="0"/>
+                        </a:rPr>
+                        <a:t> László</a:t>
+                      </a:r>
+                    </a:p>
+                  </a:txBody>
+                  <a:tcPr anchor="ctr">
+                    <a:lnL w="12700" cmpd="sng">
+                      <a:noFill/>
+                    </a:lnL>
+                    <a:lnR w="12700" cmpd="sng">
+                      <a:noFill/>
+                    </a:lnR>
+                    <a:lnT w="12700" cmpd="sng">
+                      <a:noFill/>
+                    </a:lnT>
+                    <a:lnB w="12700" cmpd="sng">
+                      <a:noFill/>
+                    </a:lnB>
+                    <a:lnTlToBr w="12700" cmpd="sng">
+                      <a:noFill/>
+                      <a:prstDash val="solid"/>
+                    </a:lnTlToBr>
+                    <a:lnBlToTr w="12700" cmpd="sng">
+                      <a:noFill/>
+                      <a:prstDash val="solid"/>
+                    </a:lnBlToTr>
+                    <a:noFill/>
+                  </a:tcPr>
+                </a:tc>
+                <a:tc>
+                  <a:txBody>
+                    <a:bodyPr/>
+                    <a:lstStyle/>
+                    <a:p>
+                      <a:pPr lvl="0"/>
+                      <a:r>
+                        <a:rPr lang="hu-HU" sz="1400" b="0" dirty="0">
+                          <a:solidFill>
+                            <a:schemeClr val="bg1">
+                              <a:lumMod val="85000"/>
+                            </a:schemeClr>
+                          </a:solidFill>
+                          <a:latin typeface="Bahnschrift" panose="020B0502040204020203" pitchFamily="34" charset="0"/>
+                        </a:rPr>
+                        <a:t>Az </a:t>
+                      </a:r>
+                      <a:r>
+                        <a:rPr lang="en-US" sz="1400" b="0" dirty="0" err="1">
+                          <a:solidFill>
+                            <a:schemeClr val="bg1">
+                              <a:lumMod val="85000"/>
+                            </a:schemeClr>
+                          </a:solidFill>
+                          <a:latin typeface="Bahnschrift" panose="020B0502040204020203" pitchFamily="34" charset="0"/>
+                        </a:rPr>
+                        <a:t>erdélyi</a:t>
+                      </a:r>
+                      <a:r>
+                        <a:rPr lang="en-US" sz="1400" b="0" dirty="0">
+                          <a:solidFill>
+                            <a:schemeClr val="bg1">
+                              <a:lumMod val="85000"/>
+                            </a:schemeClr>
+                          </a:solidFill>
+                          <a:latin typeface="Bahnschrift" panose="020B0502040204020203" pitchFamily="34" charset="0"/>
+                        </a:rPr>
+                        <a:t> </a:t>
+                      </a:r>
+                      <a:r>
+                        <a:rPr lang="en-US" sz="1400" b="0" dirty="0" err="1">
+                          <a:solidFill>
+                            <a:schemeClr val="bg1">
+                              <a:lumMod val="85000"/>
+                            </a:schemeClr>
+                          </a:solidFill>
+                          <a:latin typeface="Bahnschrift" panose="020B0502040204020203" pitchFamily="34" charset="0"/>
+                        </a:rPr>
+                        <a:t>adat-újságírás</a:t>
+                      </a:r>
+                      <a:r>
+                        <a:rPr lang="en-US" sz="1400" b="0" dirty="0">
+                          <a:solidFill>
+                            <a:schemeClr val="bg1">
+                              <a:lumMod val="85000"/>
+                            </a:schemeClr>
+                          </a:solidFill>
+                          <a:latin typeface="Bahnschrift" panose="020B0502040204020203" pitchFamily="34" charset="0"/>
+                        </a:rPr>
+                        <a:t> </a:t>
+                      </a:r>
+                      <a:r>
+                        <a:rPr lang="hu-HU" sz="1400" b="0" dirty="0">
+                          <a:solidFill>
+                            <a:schemeClr val="bg1">
+                              <a:lumMod val="85000"/>
+                            </a:schemeClr>
+                          </a:solidFill>
+                          <a:latin typeface="Bahnschrift" panose="020B0502040204020203" pitchFamily="34" charset="0"/>
+                        </a:rPr>
+                        <a:t>jövőképe</a:t>
+                      </a:r>
+                      <a:endParaRPr lang="en-US" sz="1400" b="0" dirty="0">
+                        <a:solidFill>
+                          <a:schemeClr val="bg1">
+                            <a:lumMod val="85000"/>
+                          </a:schemeClr>
+                        </a:solidFill>
+                        <a:latin typeface="Bahnschrift" panose="020B0502040204020203" pitchFamily="34" charset="0"/>
+                      </a:endParaRPr>
+                    </a:p>
+                  </a:txBody>
+                  <a:tcPr anchor="ctr">
+                    <a:lnL w="12700" cmpd="sng">
+                      <a:noFill/>
+                    </a:lnL>
+                    <a:lnR w="12700" cmpd="sng">
+                      <a:noFill/>
+                    </a:lnR>
+                    <a:lnT w="12700" cmpd="sng">
+                      <a:noFill/>
+                    </a:lnT>
+                    <a:lnB w="12700" cmpd="sng">
+                      <a:noFill/>
+                    </a:lnB>
+                    <a:lnTlToBr w="12700" cmpd="sng">
+                      <a:noFill/>
+                      <a:prstDash val="solid"/>
+                    </a:lnTlToBr>
+                    <a:lnBlToTr w="12700" cmpd="sng">
+                      <a:noFill/>
+                      <a:prstDash val="solid"/>
+                    </a:lnBlToTr>
+                    <a:noFill/>
+                  </a:tcPr>
+                </a:tc>
+                <a:extLst>
+                  <a:ext uri="{0D108BD9-81ED-4DB2-BD59-A6C34878D82A}">
+                    <a16:rowId xmlns:a16="http://schemas.microsoft.com/office/drawing/2014/main" val="4037616739"/>
+                  </a:ext>
+                </a:extLst>
+              </a:tr>
+              <a:tr h="670324">
+                <a:tc>
+                  <a:txBody>
+                    <a:bodyPr/>
+                    <a:lstStyle/>
+                    <a:p>
+                      <a:pPr marL="0" marR="0" lvl="0" indent="0" algn="l" defTabSz="914400" rtl="0" eaLnBrk="1" fontAlgn="auto" latinLnBrk="0" hangingPunct="1">
+                        <a:lnSpc>
+                          <a:spcPct val="100000"/>
+                        </a:lnSpc>
+                        <a:spcBef>
+                          <a:spcPts val="0"/>
+                        </a:spcBef>
+                        <a:spcAft>
+                          <a:spcPts val="0"/>
+                        </a:spcAft>
+                        <a:buClrTx/>
+                        <a:buSzTx/>
+                        <a:buFontTx/>
+                        <a:buNone/>
+                        <a:tabLst/>
+                        <a:defRPr/>
+                      </a:pPr>
+                      <a:r>
+                        <a:rPr lang="en-US" b="1" dirty="0">
+                          <a:solidFill>
+                            <a:schemeClr val="bg1">
+                              <a:lumMod val="85000"/>
+                            </a:schemeClr>
+                          </a:solidFill>
+                          <a:latin typeface="Bahnschrift" panose="020B0502040204020203" pitchFamily="34" charset="0"/>
+                        </a:rPr>
+                        <a:t>11:15 – 11:35</a:t>
+                      </a:r>
+                    </a:p>
+                  </a:txBody>
+                  <a:tcPr anchor="ctr">
+                    <a:lnL w="12700" cmpd="sng">
+                      <a:noFill/>
+                    </a:lnL>
+                    <a:lnR w="12700" cmpd="sng">
+                      <a:noFill/>
+                    </a:lnR>
+                    <a:lnT w="12700" cmpd="sng">
+                      <a:noFill/>
+                    </a:lnT>
+                    <a:lnB w="12700" cmpd="sng">
+                      <a:noFill/>
+                    </a:lnB>
+                    <a:lnTlToBr w="12700" cmpd="sng">
+                      <a:noFill/>
+                      <a:prstDash val="solid"/>
+                    </a:lnTlToBr>
+                    <a:lnBlToTr w="12700" cmpd="sng">
+                      <a:noFill/>
+                      <a:prstDash val="solid"/>
+                    </a:lnBlToTr>
+                    <a:noFill/>
+                  </a:tcPr>
+                </a:tc>
+                <a:tc>
+                  <a:txBody>
+                    <a:bodyPr/>
+                    <a:lstStyle/>
+                    <a:p>
+                      <a:pPr lvl="0"/>
+                      <a:r>
+                        <a:rPr lang="en-US" sz="1600" b="0" dirty="0">
+                          <a:solidFill>
+                            <a:schemeClr val="bg1"/>
+                          </a:solidFill>
+                          <a:latin typeface="Bahnschrift" panose="020B0502040204020203" pitchFamily="34" charset="0"/>
+                        </a:rPr>
+                        <a:t>Simon Levente</a:t>
+                      </a:r>
+                    </a:p>
+                  </a:txBody>
+                  <a:tcPr anchor="ctr">
+                    <a:lnL w="12700" cmpd="sng">
+                      <a:noFill/>
+                    </a:lnL>
+                    <a:lnR w="12700" cmpd="sng">
+                      <a:noFill/>
+                    </a:lnR>
+                    <a:lnT w="12700" cmpd="sng">
+                      <a:noFill/>
+                    </a:lnT>
+                    <a:lnB w="12700" cmpd="sng">
+                      <a:noFill/>
+                    </a:lnB>
+                    <a:lnTlToBr w="12700" cmpd="sng">
+                      <a:noFill/>
+                      <a:prstDash val="solid"/>
+                    </a:lnTlToBr>
+                    <a:lnBlToTr w="12700" cmpd="sng">
+                      <a:noFill/>
+                      <a:prstDash val="solid"/>
+                    </a:lnBlToTr>
+                    <a:noFill/>
+                  </a:tcPr>
+                </a:tc>
+                <a:tc>
+                  <a:txBody>
+                    <a:bodyPr/>
+                    <a:lstStyle/>
+                    <a:p>
+                      <a:pPr lvl="0"/>
+                      <a:r>
+                        <a:rPr lang="en-US" sz="1400" b="0" dirty="0" err="1">
+                          <a:solidFill>
+                            <a:schemeClr val="bg1">
+                              <a:lumMod val="85000"/>
+                            </a:schemeClr>
+                          </a:solidFill>
+                          <a:latin typeface="Bahnschrift" panose="020B0502040204020203" pitchFamily="34" charset="0"/>
+                        </a:rPr>
+                        <a:t>Adatvizualizáció</a:t>
+                      </a:r>
+                      <a:r>
+                        <a:rPr lang="en-US" sz="1400" b="0" dirty="0">
+                          <a:solidFill>
+                            <a:schemeClr val="bg1">
+                              <a:lumMod val="85000"/>
+                            </a:schemeClr>
+                          </a:solidFill>
+                          <a:latin typeface="Bahnschrift" panose="020B0502040204020203" pitchFamily="34" charset="0"/>
+                        </a:rPr>
+                        <a:t> </a:t>
+                      </a:r>
+                      <a:r>
+                        <a:rPr lang="en-US" sz="1400" b="0" dirty="0" err="1">
+                          <a:solidFill>
+                            <a:schemeClr val="bg1">
+                              <a:lumMod val="85000"/>
+                            </a:schemeClr>
+                          </a:solidFill>
+                          <a:latin typeface="Bahnschrift" panose="020B0502040204020203" pitchFamily="34" charset="0"/>
+                        </a:rPr>
+                        <a:t>és</a:t>
+                      </a:r>
+                      <a:r>
+                        <a:rPr lang="en-US" sz="1400" b="0" dirty="0">
+                          <a:solidFill>
+                            <a:schemeClr val="bg1">
+                              <a:lumMod val="85000"/>
+                            </a:schemeClr>
+                          </a:solidFill>
+                          <a:latin typeface="Bahnschrift" panose="020B0502040204020203" pitchFamily="34" charset="0"/>
+                        </a:rPr>
+                        <a:t> </a:t>
+                      </a:r>
+                      <a:r>
+                        <a:rPr lang="en-US" sz="1400" b="0" dirty="0" err="1">
+                          <a:solidFill>
+                            <a:schemeClr val="bg1">
+                              <a:lumMod val="85000"/>
+                            </a:schemeClr>
+                          </a:solidFill>
+                          <a:latin typeface="Bahnschrift" panose="020B0502040204020203" pitchFamily="34" charset="0"/>
+                        </a:rPr>
+                        <a:t>hálózatelemzés</a:t>
+                      </a:r>
+                      <a:r>
+                        <a:rPr lang="en-US" sz="1400" b="0" dirty="0">
+                          <a:solidFill>
+                            <a:schemeClr val="bg1">
+                              <a:lumMod val="85000"/>
+                            </a:schemeClr>
+                          </a:solidFill>
+                          <a:latin typeface="Bahnschrift" panose="020B0502040204020203" pitchFamily="34" charset="0"/>
+                        </a:rPr>
+                        <a:t> a </a:t>
+                      </a:r>
+                      <a:r>
+                        <a:rPr lang="en-US" sz="1400" b="0" dirty="0" err="1">
+                          <a:solidFill>
+                            <a:schemeClr val="bg1">
+                              <a:lumMod val="85000"/>
+                            </a:schemeClr>
+                          </a:solidFill>
+                          <a:latin typeface="Bahnschrift" panose="020B0502040204020203" pitchFamily="34" charset="0"/>
+                        </a:rPr>
+                        <a:t>focipályán</a:t>
+                      </a:r>
+                      <a:endParaRPr lang="en-US" sz="1400" b="0" dirty="0">
+                        <a:solidFill>
+                          <a:schemeClr val="bg1">
+                            <a:lumMod val="85000"/>
+                          </a:schemeClr>
+                        </a:solidFill>
+                        <a:latin typeface="Bahnschrift" panose="020B0502040204020203" pitchFamily="34" charset="0"/>
+                      </a:endParaRPr>
+                    </a:p>
+                  </a:txBody>
+                  <a:tcPr anchor="ctr">
+                    <a:lnL w="12700" cmpd="sng">
+                      <a:noFill/>
+                    </a:lnL>
+                    <a:lnR w="12700" cmpd="sng">
+                      <a:noFill/>
+                    </a:lnR>
+                    <a:lnT w="12700" cmpd="sng">
+                      <a:noFill/>
+                    </a:lnT>
+                    <a:lnB w="12700" cmpd="sng">
+                      <a:noFill/>
+                    </a:lnB>
+                    <a:lnTlToBr w="12700" cmpd="sng">
+                      <a:noFill/>
+                      <a:prstDash val="solid"/>
+                    </a:lnTlToBr>
+                    <a:lnBlToTr w="12700" cmpd="sng">
+                      <a:noFill/>
+                      <a:prstDash val="solid"/>
+                    </a:lnBlToTr>
+                    <a:noFill/>
+                  </a:tcPr>
+                </a:tc>
+                <a:tc>
+                  <a:txBody>
+                    <a:bodyPr/>
+                    <a:lstStyle/>
+                    <a:p>
+                      <a:pPr marL="0" marR="0" lvl="0" indent="0" algn="l" defTabSz="914400" rtl="0" eaLnBrk="1" fontAlgn="auto" latinLnBrk="0" hangingPunct="1">
+                        <a:lnSpc>
+                          <a:spcPct val="100000"/>
+                        </a:lnSpc>
+                        <a:spcBef>
+                          <a:spcPts val="0"/>
+                        </a:spcBef>
+                        <a:spcAft>
+                          <a:spcPts val="0"/>
+                        </a:spcAft>
+                        <a:buClrTx/>
+                        <a:buSzTx/>
+                        <a:buFontTx/>
+                        <a:buNone/>
+                        <a:tabLst/>
+                        <a:defRPr/>
+                      </a:pPr>
+                      <a:r>
+                        <a:rPr lang="en-US" b="1" dirty="0">
+                          <a:solidFill>
+                            <a:schemeClr val="bg1">
+                              <a:lumMod val="85000"/>
+                            </a:schemeClr>
+                          </a:solidFill>
+                          <a:latin typeface="Bahnschrift" panose="020B0502040204020203" pitchFamily="34" charset="0"/>
+                        </a:rPr>
+                        <a:t>13:45 – 14:00</a:t>
+                      </a:r>
+                    </a:p>
+                  </a:txBody>
+                  <a:tcPr anchor="ctr">
+                    <a:lnL w="12700" cmpd="sng">
+                      <a:noFill/>
+                    </a:lnL>
+                    <a:lnR w="12700" cmpd="sng">
+                      <a:noFill/>
+                    </a:lnR>
+                    <a:lnT w="12700" cmpd="sng">
+                      <a:noFill/>
+                    </a:lnT>
+                    <a:lnB w="12700" cmpd="sng">
+                      <a:noFill/>
+                    </a:lnB>
+                    <a:lnTlToBr w="12700" cmpd="sng">
+                      <a:noFill/>
+                      <a:prstDash val="solid"/>
+                    </a:lnTlToBr>
+                    <a:lnBlToTr w="12700" cmpd="sng">
+                      <a:noFill/>
+                      <a:prstDash val="solid"/>
+                    </a:lnBlToTr>
+                    <a:noFill/>
+                  </a:tcPr>
+                </a:tc>
+                <a:tc>
+                  <a:txBody>
+                    <a:bodyPr/>
+                    <a:lstStyle/>
+                    <a:p>
+                      <a:pPr lvl="0"/>
+                      <a:r>
+                        <a:rPr lang="hu-HU" sz="1600" b="0" dirty="0">
+                          <a:solidFill>
+                            <a:schemeClr val="bg1"/>
+                          </a:solidFill>
+                          <a:latin typeface="Bahnschrift" panose="020B0502040204020203" pitchFamily="34" charset="0"/>
+                        </a:rPr>
+                        <a:t>Csala Dénes</a:t>
+                      </a:r>
+                      <a:endParaRPr lang="en-US" sz="1600" b="0" dirty="0">
+                        <a:solidFill>
+                          <a:schemeClr val="bg1"/>
+                        </a:solidFill>
+                        <a:latin typeface="Bahnschrift" panose="020B0502040204020203" pitchFamily="34" charset="0"/>
+                      </a:endParaRPr>
+                    </a:p>
+                  </a:txBody>
+                  <a:tcPr anchor="ctr">
+                    <a:lnL w="12700" cmpd="sng">
+                      <a:noFill/>
+                    </a:lnL>
+                    <a:lnR w="12700" cmpd="sng">
+                      <a:noFill/>
+                    </a:lnR>
+                    <a:lnT w="12700" cmpd="sng">
+                      <a:noFill/>
+                    </a:lnT>
+                    <a:lnB w="12700" cmpd="sng">
+                      <a:noFill/>
+                    </a:lnB>
+                    <a:lnTlToBr w="12700" cmpd="sng">
+                      <a:noFill/>
+                      <a:prstDash val="solid"/>
+                    </a:lnTlToBr>
+                    <a:lnBlToTr w="12700" cmpd="sng">
+                      <a:noFill/>
+                      <a:prstDash val="solid"/>
+                    </a:lnBlToTr>
+                    <a:noFill/>
+                  </a:tcPr>
+                </a:tc>
+                <a:tc>
+                  <a:txBody>
+                    <a:bodyPr/>
+                    <a:lstStyle/>
+                    <a:p>
+                      <a:pPr lvl="0"/>
+                      <a:r>
+                        <a:rPr lang="en-US" sz="1400" b="0" dirty="0">
+                          <a:solidFill>
+                            <a:schemeClr val="bg1">
+                              <a:lumMod val="85000"/>
+                            </a:schemeClr>
+                          </a:solidFill>
+                          <a:latin typeface="Bahnschrift" panose="020B0502040204020203" pitchFamily="34" charset="0"/>
+                        </a:rPr>
+                        <a:t>Z</a:t>
+                      </a:r>
+                      <a:r>
+                        <a:rPr lang="hu-HU" sz="1400" b="0" dirty="0">
+                          <a:solidFill>
+                            <a:schemeClr val="bg1">
+                              <a:lumMod val="85000"/>
+                            </a:schemeClr>
+                          </a:solidFill>
+                          <a:latin typeface="Bahnschrift" panose="020B0502040204020203" pitchFamily="34" charset="0"/>
+                        </a:rPr>
+                        <a:t>árószó</a:t>
+                      </a:r>
+                      <a:endParaRPr lang="en-US" sz="1400" b="0" dirty="0">
+                        <a:solidFill>
+                          <a:schemeClr val="bg1">
+                            <a:lumMod val="85000"/>
+                          </a:schemeClr>
+                        </a:solidFill>
+                        <a:latin typeface="Bahnschrift" panose="020B0502040204020203" pitchFamily="34" charset="0"/>
+                      </a:endParaRPr>
+                    </a:p>
+                  </a:txBody>
+                  <a:tcPr anchor="ctr">
+                    <a:lnL w="12700" cmpd="sng">
+                      <a:noFill/>
+                    </a:lnL>
+                    <a:lnR w="12700" cmpd="sng">
+                      <a:noFill/>
+                    </a:lnR>
+                    <a:lnT w="12700" cmpd="sng">
+                      <a:noFill/>
+                    </a:lnT>
+                    <a:lnB w="12700" cmpd="sng">
+                      <a:noFill/>
+                    </a:lnB>
+                    <a:lnTlToBr w="12700" cmpd="sng">
+                      <a:noFill/>
+                      <a:prstDash val="solid"/>
+                    </a:lnTlToBr>
+                    <a:lnBlToTr w="12700" cmpd="sng">
+                      <a:noFill/>
+                      <a:prstDash val="solid"/>
+                    </a:lnBlToTr>
+                    <a:noFill/>
+                  </a:tcPr>
+                </a:tc>
+                <a:extLst>
+                  <a:ext uri="{0D108BD9-81ED-4DB2-BD59-A6C34878D82A}">
+                    <a16:rowId xmlns:a16="http://schemas.microsoft.com/office/drawing/2014/main" val="1326394223"/>
+                  </a:ext>
+                </a:extLst>
+              </a:tr>
+            </a:tbl>
+          </a:graphicData>
+        </a:graphic>
+      </p:graphicFrame>
+      <p:sp>
+        <p:nvSpPr>
+          <p:cNvPr id="16" name="Rectangle 15">
+            <a:extLst>
+              <a:ext uri="{FF2B5EF4-FFF2-40B4-BE49-F238E27FC236}">
+                <a16:creationId xmlns:a16="http://schemas.microsoft.com/office/drawing/2014/main" id="{91D8C94E-70DC-4031-898E-11D7FE75EBA3}"/>
+              </a:ext>
+            </a:extLst>
+          </p:cNvPr>
+          <p:cNvSpPr/>
+          <p:nvPr/>
+        </p:nvSpPr>
+        <p:spPr>
+          <a:xfrm rot="16200000" flipH="1">
+            <a:off x="980044" y="3695995"/>
+            <a:ext cx="27432" cy="1463040"/>
+          </a:xfrm>
+          <a:prstGeom prst="rect">
+            <a:avLst/>
+          </a:prstGeom>
+          <a:gradFill flip="none" rotWithShape="1">
+            <a:gsLst>
+              <a:gs pos="27000">
+                <a:srgbClr val="B5B7BB"/>
+              </a:gs>
+              <a:gs pos="76000">
+                <a:srgbClr val="C2C7CE"/>
+              </a:gs>
+              <a:gs pos="0">
+                <a:schemeClr val="bg1">
+                  <a:lumMod val="65000"/>
+                  <a:alpha val="0"/>
+                </a:schemeClr>
+              </a:gs>
+              <a:gs pos="100000">
+                <a:schemeClr val="accent1">
+                  <a:tint val="23500"/>
+                  <a:satMod val="160000"/>
+                  <a:alpha val="0"/>
+                </a:schemeClr>
+              </a:gs>
+            </a:gsLst>
+            <a:lin ang="5400000" scaled="1"/>
+            <a:tileRect/>
+          </a:gradFill>
+          <a:ln>
+            <a:noFill/>
+          </a:ln>
+        </p:spPr>
+        <p:style>
+          <a:lnRef idx="2">
+            <a:schemeClr val="accent1">
+              <a:shade val="50000"/>
+            </a:schemeClr>
+          </a:lnRef>
+          <a:fillRef idx="1">
+            <a:schemeClr val="accent1"/>
+          </a:fillRef>
+          <a:effectRef idx="0">
+            <a:schemeClr val="accent1"/>
+          </a:effectRef>
+          <a:fontRef idx="minor">
+            <a:schemeClr val="lt1"/>
+          </a:fontRef>
+        </p:style>
+        <p:txBody>
+          <a:bodyPr rtlCol="0" anchor="ctr"/>
+          <a:lstStyle/>
+          <a:p>
+            <a:pPr algn="ctr"/>
+            <a:endParaRPr lang="en-GB"/>
+          </a:p>
+        </p:txBody>
+      </p:sp>
+      <p:sp>
+        <p:nvSpPr>
+          <p:cNvPr id="17" name="Rectangle 16">
+            <a:extLst>
+              <a:ext uri="{FF2B5EF4-FFF2-40B4-BE49-F238E27FC236}">
+                <a16:creationId xmlns:a16="http://schemas.microsoft.com/office/drawing/2014/main" id="{63BC665B-E176-452E-8718-013FB24B55FE}"/>
+              </a:ext>
+            </a:extLst>
+          </p:cNvPr>
+          <p:cNvSpPr/>
+          <p:nvPr/>
+        </p:nvSpPr>
+        <p:spPr>
+          <a:xfrm rot="16200000" flipH="1">
+            <a:off x="6822040" y="1536496"/>
+            <a:ext cx="27432" cy="1463040"/>
+          </a:xfrm>
+          <a:prstGeom prst="rect">
+            <a:avLst/>
+          </a:prstGeom>
+          <a:gradFill flip="none" rotWithShape="1">
+            <a:gsLst>
+              <a:gs pos="27000">
+                <a:srgbClr val="B5B7BB"/>
+              </a:gs>
+              <a:gs pos="76000">
+                <a:srgbClr val="C2C7CE"/>
+              </a:gs>
+              <a:gs pos="0">
+                <a:schemeClr val="bg1">
+                  <a:lumMod val="65000"/>
+                  <a:alpha val="0"/>
+                </a:schemeClr>
+              </a:gs>
+              <a:gs pos="100000">
+                <a:schemeClr val="accent1">
+                  <a:tint val="23500"/>
+                  <a:satMod val="160000"/>
+                  <a:alpha val="0"/>
+                </a:schemeClr>
+              </a:gs>
+            </a:gsLst>
+            <a:lin ang="5400000" scaled="1"/>
+            <a:tileRect/>
+          </a:gradFill>
+          <a:ln>
+            <a:noFill/>
+          </a:ln>
+        </p:spPr>
+        <p:style>
+          <a:lnRef idx="2">
+            <a:schemeClr val="accent1">
+              <a:shade val="50000"/>
+            </a:schemeClr>
+          </a:lnRef>
+          <a:fillRef idx="1">
+            <a:schemeClr val="accent1"/>
+          </a:fillRef>
+          <a:effectRef idx="0">
+            <a:schemeClr val="accent1"/>
+          </a:effectRef>
+          <a:fontRef idx="minor">
+            <a:schemeClr val="lt1"/>
+          </a:fontRef>
+        </p:style>
+        <p:txBody>
+          <a:bodyPr rtlCol="0" anchor="ctr"/>
+          <a:lstStyle/>
+          <a:p>
+            <a:pPr algn="ctr"/>
+            <a:endParaRPr lang="en-GB"/>
+          </a:p>
+        </p:txBody>
+      </p:sp>
+    </p:spTree>
+    <p:extLst>
+      <p:ext uri="{BB962C8B-B14F-4D97-AF65-F5344CB8AC3E}">
+        <p14:creationId xmlns:p14="http://schemas.microsoft.com/office/powerpoint/2010/main" val="3958684242"/>
+      </p:ext>
+    </p:extLst>
+  </p:cSld>
+  <p:clrMapOvr>
+    <a:masterClrMapping/>
+  </p:clrMapOvr>
+  <p:timing>
+    <p:tnLst>
+      <p:par>
+        <p:cTn id="1" dur="indefinite" restart="never" nodeType="tmRoot">
+          <p:childTnLst>
+            <p:seq concurrent="1" nextAc="seek">
+              <p:cTn id="2" dur="indefinite" nodeType="mainSeq">
+                <p:childTnLst>
+                  <p:par>
+                    <p:cTn id="3" fill="hold">
+                      <p:stCondLst>
+                        <p:cond delay="indefinite"/>
+                      </p:stCondLst>
+                      <p:childTnLst>
+                        <p:par>
+                          <p:cTn id="4" fill="hold">
+                            <p:stCondLst>
+                              <p:cond delay="0"/>
+                            </p:stCondLst>
+                            <p:childTnLst>
+                              <p:par>
+                                <p:cTn id="5" presetID="8" presetClass="emph" presetSubtype="0" repeatCount="indefinite" fill="hold" nodeType="clickEffect">
+                                  <p:stCondLst>
+                                    <p:cond delay="0"/>
+                                  </p:stCondLst>
+                                  <p:childTnLst>
+                                    <p:animRot by="21600000">
+                                      <p:cBhvr>
+                                        <p:cTn id="6" dur="33000" fill="hold"/>
+                                        <p:tgtEl>
+                                          <p:spTgt spid="5"/>
+                                        </p:tgtEl>
+                                        <p:attrNameLst>
+                                          <p:attrName>r</p:attrName>
+                                        </p:attrNameLst>
+                                      </p:cBhvr>
+                                    </p:animRot>
+                                  </p:childTnLst>
+                                </p:cTn>
+                              </p:par>
+                            </p:childTnLst>
+                          </p:cTn>
+                        </p:par>
+                      </p:childTnLst>
+                    </p:cTn>
+                  </p:par>
+                </p:childTnLst>
+              </p:cTn>
+              <p:prevCondLst>
+                <p:cond evt="onPrev" delay="0">
+                  <p:tgtEl>
+                    <p:sldTgt/>
+                  </p:tgtEl>
+                </p:cond>
+              </p:prevCondLst>
+              <p:nextCondLst>
+                <p:cond evt="onNext" delay="0">
+                  <p:tgtEl>
+                    <p:sldTgt/>
+                  </p:tgtEl>
+                </p:cond>
+              </p:nextCondLst>
+            </p:seq>
+          </p:childTnLst>
+        </p:cTn>
+      </p:par>
+    </p:tnLst>
+  </p:timing>
+</p:sld>
+</file>
+
+<file path=ppt/slides/slide17.xml><?xml version="1.0" encoding="utf-8"?>
+<p:sld xmlns:a="http://schemas.openxmlformats.org/drawingml/2006/main" xmlns:r="http://schemas.openxmlformats.org/officeDocument/2006/relationships" xmlns:p="http://schemas.openxmlformats.org/presentationml/2006/main">
+  <p:cSld>
+    <p:spTree>
+      <p:nvGrpSpPr>
+        <p:cNvPr id="1" name=""/>
+        <p:cNvGrpSpPr/>
+        <p:nvPr/>
+      </p:nvGrpSpPr>
+      <p:grpSpPr>
+        <a:xfrm>
+          <a:off x="0" y="0"/>
+          <a:ext cx="0" cy="0"/>
+          <a:chOff x="0" y="0"/>
+          <a:chExt cx="0" cy="0"/>
+        </a:xfrm>
+      </p:grpSpPr>
+      <p:sp>
+        <p:nvSpPr>
+          <p:cNvPr id="2" name="Rectangle 1"/>
+          <p:cNvSpPr/>
+          <p:nvPr/>
+        </p:nvSpPr>
+        <p:spPr>
+          <a:xfrm>
+            <a:off x="0" y="0"/>
+            <a:ext cx="12192000" cy="6858000"/>
+          </a:xfrm>
+          <a:prstGeom prst="rect">
+            <a:avLst/>
+          </a:prstGeom>
+          <a:solidFill>
+            <a:srgbClr val="231F20"/>
+          </a:solidFill>
+          <a:ln w="57150">
+            <a:noFill/>
+          </a:ln>
+        </p:spPr>
+        <p:style>
+          <a:lnRef idx="2">
+            <a:schemeClr val="accent1">
+              <a:shade val="50000"/>
+            </a:schemeClr>
+          </a:lnRef>
+          <a:fillRef idx="1">
+            <a:schemeClr val="accent1"/>
+          </a:fillRef>
+          <a:effectRef idx="0">
+            <a:schemeClr val="accent1"/>
+          </a:effectRef>
+          <a:fontRef idx="minor">
+            <a:schemeClr val="lt1"/>
+          </a:fontRef>
+        </p:style>
+        <p:txBody>
+          <a:bodyPr rtlCol="0" anchor="ctr"/>
+          <a:lstStyle/>
+          <a:p>
+            <a:pPr algn="ctr"/>
+            <a:endParaRPr lang="en-GB"/>
+          </a:p>
+        </p:txBody>
+      </p:sp>
+      <p:pic>
+        <p:nvPicPr>
+          <p:cNvPr id="5" name="Picture 4"/>
+          <p:cNvPicPr>
+            <a:picLocks noChangeAspect="1"/>
+          </p:cNvPicPr>
+          <p:nvPr/>
+        </p:nvPicPr>
+        <p:blipFill rotWithShape="1">
+          <a:blip r:embed="rId2">
+            <a:extLst>
+              <a:ext uri="{BEBA8EAE-BF5A-486C-A8C5-ECC9F3942E4B}">
+                <a14:imgProps xmlns:a14="http://schemas.microsoft.com/office/drawing/2010/main">
+                  <a14:imgLayer r:embed="rId3">
+                    <a14:imgEffect>
+                      <a14:artisticBlur/>
+                    </a14:imgEffect>
+                  </a14:imgLayer>
+                </a14:imgProps>
+              </a:ext>
+              <a:ext uri="{28A0092B-C50C-407E-A947-70E740481C1C}">
+                <a14:useLocalDpi xmlns:a14="http://schemas.microsoft.com/office/drawing/2010/main" val="0"/>
+              </a:ext>
+            </a:extLst>
+          </a:blip>
+          <a:srcRect t="1" b="-5015"/>
+          <a:stretch/>
+        </p:blipFill>
+        <p:spPr>
+          <a:xfrm>
+            <a:off x="2780270" y="132414"/>
+            <a:ext cx="6631460" cy="6936026"/>
+          </a:xfrm>
+          <a:prstGeom prst="rect">
+            <a:avLst/>
+          </a:prstGeom>
+        </p:spPr>
+      </p:pic>
+      <p:sp>
+        <p:nvSpPr>
+          <p:cNvPr id="8" name="TextBox 7">
+            <a:extLst>
+              <a:ext uri="{FF2B5EF4-FFF2-40B4-BE49-F238E27FC236}">
+                <a16:creationId xmlns:a16="http://schemas.microsoft.com/office/drawing/2014/main" id="{EB5458EB-41A5-4115-9FA0-D9944FB4B945}"/>
+              </a:ext>
+            </a:extLst>
+          </p:cNvPr>
+          <p:cNvSpPr txBox="1"/>
+          <p:nvPr/>
+        </p:nvSpPr>
+        <p:spPr>
+          <a:xfrm>
+            <a:off x="217909" y="4714502"/>
+            <a:ext cx="11756182" cy="1846659"/>
+          </a:xfrm>
+          <a:prstGeom prst="rect">
+            <a:avLst/>
+          </a:prstGeom>
+          <a:noFill/>
+        </p:spPr>
+        <p:txBody>
+          <a:bodyPr wrap="square" rtlCol="0">
+            <a:spAutoFit/>
+          </a:bodyPr>
+          <a:lstStyle/>
+          <a:p>
+            <a:pPr algn="ctr"/>
+            <a:r>
+              <a:rPr lang="ro-RO" sz="6000" b="1" dirty="0">
+                <a:solidFill>
+                  <a:schemeClr val="bg1">
+                    <a:lumMod val="85000"/>
+                  </a:schemeClr>
+                </a:solidFill>
+                <a:latin typeface="Bahnschrift" panose="020B0502040204020203" pitchFamily="34" charset="0"/>
+              </a:rPr>
+              <a:t>I. erd</a:t>
+            </a:r>
+            <a:r>
+              <a:rPr lang="hu-HU" sz="6000" b="1" dirty="0">
+                <a:solidFill>
+                  <a:schemeClr val="bg1">
+                    <a:lumMod val="85000"/>
+                  </a:schemeClr>
+                </a:solidFill>
+                <a:latin typeface="Bahnschrift" panose="020B0502040204020203" pitchFamily="34" charset="0"/>
+              </a:rPr>
+              <a:t>élyi adatviz</a:t>
+            </a:r>
+            <a:br>
+              <a:rPr lang="hu-HU" sz="5400" b="1" dirty="0">
+                <a:solidFill>
+                  <a:schemeClr val="bg1">
+                    <a:lumMod val="85000"/>
+                  </a:schemeClr>
+                </a:solidFill>
+                <a:latin typeface="Bahnschrift" panose="020B0502040204020203" pitchFamily="34" charset="0"/>
+              </a:rPr>
+            </a:br>
+            <a:r>
+              <a:rPr lang="en-GB" sz="5400" b="1" dirty="0">
+                <a:solidFill>
+                  <a:schemeClr val="bg1">
+                    <a:lumMod val="85000"/>
+                  </a:schemeClr>
+                </a:solidFill>
+                <a:latin typeface="Bahnschrift" panose="020B0502040204020203" pitchFamily="34" charset="0"/>
+              </a:rPr>
+              <a:t>mini-</a:t>
+            </a:r>
+            <a:r>
+              <a:rPr lang="en-GB" sz="5400" b="1" dirty="0" err="1">
+                <a:solidFill>
+                  <a:schemeClr val="bg1">
+                    <a:lumMod val="85000"/>
+                  </a:schemeClr>
+                </a:solidFill>
+                <a:latin typeface="Bahnschrift" panose="020B0502040204020203" pitchFamily="34" charset="0"/>
+              </a:rPr>
+              <a:t>konferencia</a:t>
+            </a:r>
+            <a:endParaRPr lang="hu-HU" sz="5400" b="1" dirty="0">
+              <a:solidFill>
+                <a:schemeClr val="bg1">
+                  <a:lumMod val="85000"/>
+                </a:schemeClr>
+              </a:solidFill>
+              <a:latin typeface="Bahnschrift" panose="020B0502040204020203" pitchFamily="34" charset="0"/>
+            </a:endParaRPr>
+          </a:p>
+        </p:txBody>
+      </p:sp>
+      <p:pic>
+        <p:nvPicPr>
+          <p:cNvPr id="9" name="Picture 8">
+            <a:extLst>
+              <a:ext uri="{FF2B5EF4-FFF2-40B4-BE49-F238E27FC236}">
+                <a16:creationId xmlns:a16="http://schemas.microsoft.com/office/drawing/2014/main" id="{816DBDDA-88D6-4591-A59E-93E89C11022C}"/>
+              </a:ext>
+            </a:extLst>
+          </p:cNvPr>
+          <p:cNvPicPr>
+            <a:picLocks noChangeAspect="1"/>
+          </p:cNvPicPr>
+          <p:nvPr/>
+        </p:nvPicPr>
+        <p:blipFill>
+          <a:blip r:embed="rId4">
+            <a:clrChange>
+              <a:clrFrom>
+                <a:srgbClr val="2C2728"/>
+              </a:clrFrom>
+              <a:clrTo>
+                <a:srgbClr val="2C2728">
+                  <a:alpha val="0"/>
+                </a:srgbClr>
+              </a:clrTo>
+            </a:clrChange>
+          </a:blip>
+          <a:stretch>
+            <a:fillRect/>
+          </a:stretch>
+        </p:blipFill>
+        <p:spPr>
+          <a:xfrm>
+            <a:off x="134930" y="367247"/>
+            <a:ext cx="2699658" cy="914400"/>
+          </a:xfrm>
+          <a:prstGeom prst="rect">
+            <a:avLst/>
+          </a:prstGeom>
+        </p:spPr>
+      </p:pic>
+      <p:pic>
+        <p:nvPicPr>
+          <p:cNvPr id="15" name="Picture 14">
+            <a:extLst>
+              <a:ext uri="{FF2B5EF4-FFF2-40B4-BE49-F238E27FC236}">
+                <a16:creationId xmlns:a16="http://schemas.microsoft.com/office/drawing/2014/main" id="{B80250E4-4212-4BCB-B63D-CA4FD598F553}"/>
+              </a:ext>
+            </a:extLst>
+          </p:cNvPr>
+          <p:cNvPicPr>
+            <a:picLocks noChangeAspect="1"/>
+          </p:cNvPicPr>
+          <p:nvPr/>
+        </p:nvPicPr>
+        <p:blipFill>
+          <a:blip r:embed="rId5">
+            <a:clrChange>
+              <a:clrFrom>
+                <a:srgbClr val="2C2728"/>
+              </a:clrFrom>
+              <a:clrTo>
+                <a:srgbClr val="2C2728">
+                  <a:alpha val="0"/>
+                </a:srgbClr>
+              </a:clrTo>
+            </a:clrChange>
+          </a:blip>
+          <a:stretch>
+            <a:fillRect/>
+          </a:stretch>
+        </p:blipFill>
+        <p:spPr>
+          <a:xfrm>
+            <a:off x="8856302" y="512392"/>
+            <a:ext cx="3108960" cy="659830"/>
+          </a:xfrm>
+          <a:prstGeom prst="rect">
+            <a:avLst/>
+          </a:prstGeom>
+        </p:spPr>
+      </p:pic>
+      <p:pic>
+        <p:nvPicPr>
+          <p:cNvPr id="19" name="Picture 18">
+            <a:extLst>
+              <a:ext uri="{FF2B5EF4-FFF2-40B4-BE49-F238E27FC236}">
+                <a16:creationId xmlns:a16="http://schemas.microsoft.com/office/drawing/2014/main" id="{FA40B0F5-FC66-4A1B-9727-A82788A465B0}"/>
+              </a:ext>
+            </a:extLst>
+          </p:cNvPr>
+          <p:cNvPicPr>
+            <a:picLocks noChangeAspect="1"/>
+          </p:cNvPicPr>
+          <p:nvPr/>
+        </p:nvPicPr>
+        <p:blipFill rotWithShape="1">
+          <a:blip r:embed="rId6"/>
+          <a:srcRect t="13690" b="13690"/>
+          <a:stretch/>
+        </p:blipFill>
+        <p:spPr>
+          <a:xfrm>
+            <a:off x="3791567" y="454308"/>
+            <a:ext cx="4442908" cy="929652"/>
+          </a:xfrm>
+          <a:prstGeom prst="rect">
+            <a:avLst/>
+          </a:prstGeom>
+        </p:spPr>
+      </p:pic>
+      <p:pic>
+        <p:nvPicPr>
+          <p:cNvPr id="22" name="Graphic 21" descr="Lecturer">
+            <a:extLst>
+              <a:ext uri="{FF2B5EF4-FFF2-40B4-BE49-F238E27FC236}">
+                <a16:creationId xmlns:a16="http://schemas.microsoft.com/office/drawing/2014/main" id="{9A8918D1-4280-4E94-9831-DD072E27DEFD}"/>
+              </a:ext>
+            </a:extLst>
+          </p:cNvPr>
+          <p:cNvPicPr>
+            <a:picLocks noChangeAspect="1"/>
+          </p:cNvPicPr>
+          <p:nvPr/>
+        </p:nvPicPr>
+        <p:blipFill>
+          <a:blip r:embed="rId7">
+            <a:extLst>
+              <a:ext uri="{28A0092B-C50C-407E-A947-70E740481C1C}">
+                <a14:useLocalDpi xmlns:a14="http://schemas.microsoft.com/office/drawing/2010/main" val="0"/>
+              </a:ext>
+              <a:ext uri="{96DAC541-7B7A-43D3-8B79-37D633B846F1}">
+                <asvg:svgBlip xmlns:asvg="http://schemas.microsoft.com/office/drawing/2016/SVG/main" r:embed="rId8"/>
+              </a:ext>
+            </a:extLst>
+          </a:blip>
+          <a:stretch>
+            <a:fillRect/>
+          </a:stretch>
+        </p:blipFill>
+        <p:spPr>
+          <a:xfrm>
+            <a:off x="10057477" y="4908297"/>
+            <a:ext cx="1488775" cy="1488775"/>
+          </a:xfrm>
+          <a:prstGeom prst="rect">
+            <a:avLst/>
+          </a:prstGeom>
+        </p:spPr>
+      </p:pic>
+      <p:pic>
+        <p:nvPicPr>
+          <p:cNvPr id="24" name="Graphic 23" descr="Bar chart">
+            <a:extLst>
+              <a:ext uri="{FF2B5EF4-FFF2-40B4-BE49-F238E27FC236}">
+                <a16:creationId xmlns:a16="http://schemas.microsoft.com/office/drawing/2014/main" id="{BB0AE8F9-1E7F-4E77-8B25-716FBBDC82A9}"/>
+              </a:ext>
+            </a:extLst>
+          </p:cNvPr>
+          <p:cNvPicPr>
+            <a:picLocks noChangeAspect="1"/>
+          </p:cNvPicPr>
+          <p:nvPr/>
+        </p:nvPicPr>
+        <p:blipFill>
+          <a:blip r:embed="rId9">
+            <a:extLst>
+              <a:ext uri="{28A0092B-C50C-407E-A947-70E740481C1C}">
+                <a14:useLocalDpi xmlns:a14="http://schemas.microsoft.com/office/drawing/2010/main" val="0"/>
+              </a:ext>
+              <a:ext uri="{96DAC541-7B7A-43D3-8B79-37D633B846F1}">
+                <asvg:svgBlip xmlns:asvg="http://schemas.microsoft.com/office/drawing/2016/SVG/main" r:embed="rId10"/>
+              </a:ext>
+            </a:extLst>
+          </a:blip>
+          <a:stretch>
+            <a:fillRect/>
+          </a:stretch>
+        </p:blipFill>
+        <p:spPr>
+          <a:xfrm>
+            <a:off x="300888" y="4846408"/>
+            <a:ext cx="1736124" cy="1736124"/>
+          </a:xfrm>
+          <a:prstGeom prst="rect">
+            <a:avLst/>
+          </a:prstGeom>
+        </p:spPr>
+      </p:pic>
+      <p:sp>
+        <p:nvSpPr>
+          <p:cNvPr id="25" name="Rectangle 24">
+            <a:extLst>
+              <a:ext uri="{FF2B5EF4-FFF2-40B4-BE49-F238E27FC236}">
+                <a16:creationId xmlns:a16="http://schemas.microsoft.com/office/drawing/2014/main" id="{8AB67406-5825-4B66-8538-9E3B9099584B}"/>
+              </a:ext>
+            </a:extLst>
+          </p:cNvPr>
+          <p:cNvSpPr/>
+          <p:nvPr/>
+        </p:nvSpPr>
+        <p:spPr>
+          <a:xfrm rot="16200000" flipH="1">
+            <a:off x="6078000" y="-934978"/>
+            <a:ext cx="36000" cy="4997788"/>
+          </a:xfrm>
+          <a:prstGeom prst="rect">
+            <a:avLst/>
+          </a:prstGeom>
+          <a:gradFill flip="none" rotWithShape="1">
+            <a:gsLst>
+              <a:gs pos="27000">
+                <a:srgbClr val="B5B7BB"/>
+              </a:gs>
+              <a:gs pos="76000">
+                <a:srgbClr val="C2C7CE"/>
+              </a:gs>
+              <a:gs pos="0">
+                <a:schemeClr val="bg1">
+                  <a:lumMod val="65000"/>
+                  <a:alpha val="0"/>
+                </a:schemeClr>
+              </a:gs>
+              <a:gs pos="100000">
+                <a:schemeClr val="accent1">
+                  <a:tint val="23500"/>
+                  <a:satMod val="160000"/>
+                  <a:alpha val="0"/>
+                </a:schemeClr>
+              </a:gs>
+            </a:gsLst>
+            <a:lin ang="5400000" scaled="1"/>
+            <a:tileRect/>
+          </a:gradFill>
+          <a:ln>
+            <a:noFill/>
+          </a:ln>
+        </p:spPr>
+        <p:style>
+          <a:lnRef idx="2">
+            <a:schemeClr val="accent1">
+              <a:shade val="50000"/>
+            </a:schemeClr>
+          </a:lnRef>
+          <a:fillRef idx="1">
+            <a:schemeClr val="accent1"/>
+          </a:fillRef>
+          <a:effectRef idx="0">
+            <a:schemeClr val="accent1"/>
+          </a:effectRef>
+          <a:fontRef idx="minor">
+            <a:schemeClr val="lt1"/>
+          </a:fontRef>
+        </p:style>
+        <p:txBody>
+          <a:bodyPr rtlCol="0" anchor="ctr"/>
+          <a:lstStyle/>
+          <a:p>
+            <a:pPr algn="ctr"/>
+            <a:endParaRPr lang="en-GB"/>
+          </a:p>
+        </p:txBody>
+      </p:sp>
+      <p:sp>
+        <p:nvSpPr>
+          <p:cNvPr id="26" name="Rectangle 25">
+            <a:extLst>
+              <a:ext uri="{FF2B5EF4-FFF2-40B4-BE49-F238E27FC236}">
+                <a16:creationId xmlns:a16="http://schemas.microsoft.com/office/drawing/2014/main" id="{407FD84A-F484-45E6-BB1F-4DEDE5CCA779}"/>
+              </a:ext>
+            </a:extLst>
+          </p:cNvPr>
+          <p:cNvSpPr/>
+          <p:nvPr/>
+        </p:nvSpPr>
+        <p:spPr>
+          <a:xfrm rot="16200000" flipH="1">
+            <a:off x="6078000" y="1922141"/>
+            <a:ext cx="36000" cy="4997788"/>
+          </a:xfrm>
+          <a:prstGeom prst="rect">
+            <a:avLst/>
+          </a:prstGeom>
+          <a:gradFill flip="none" rotWithShape="1">
+            <a:gsLst>
+              <a:gs pos="27000">
+                <a:srgbClr val="B5B7BB"/>
+              </a:gs>
+              <a:gs pos="76000">
+                <a:srgbClr val="C2C7CE"/>
+              </a:gs>
+              <a:gs pos="0">
+                <a:schemeClr val="bg1">
+                  <a:lumMod val="65000"/>
+                  <a:alpha val="0"/>
+                </a:schemeClr>
+              </a:gs>
+              <a:gs pos="100000">
+                <a:schemeClr val="accent1">
+                  <a:tint val="23500"/>
+                  <a:satMod val="160000"/>
+                  <a:alpha val="0"/>
+                </a:schemeClr>
+              </a:gs>
+            </a:gsLst>
+            <a:lin ang="5400000" scaled="1"/>
+            <a:tileRect/>
+          </a:gradFill>
+          <a:ln>
+            <a:noFill/>
+          </a:ln>
+        </p:spPr>
+        <p:style>
+          <a:lnRef idx="2">
+            <a:schemeClr val="accent1">
+              <a:shade val="50000"/>
+            </a:schemeClr>
+          </a:lnRef>
+          <a:fillRef idx="1">
+            <a:schemeClr val="accent1"/>
+          </a:fillRef>
+          <a:effectRef idx="0">
+            <a:schemeClr val="accent1"/>
+          </a:effectRef>
+          <a:fontRef idx="minor">
+            <a:schemeClr val="lt1"/>
+          </a:fontRef>
+        </p:style>
+        <p:txBody>
+          <a:bodyPr rtlCol="0" anchor="ctr"/>
+          <a:lstStyle/>
+          <a:p>
+            <a:pPr algn="ctr"/>
+            <a:endParaRPr lang="en-GB"/>
+          </a:p>
+        </p:txBody>
+      </p:sp>
+      <p:sp>
+        <p:nvSpPr>
+          <p:cNvPr id="13" name="TextBox 12">
+            <a:extLst>
+              <a:ext uri="{FF2B5EF4-FFF2-40B4-BE49-F238E27FC236}">
+                <a16:creationId xmlns:a16="http://schemas.microsoft.com/office/drawing/2014/main" id="{79EE02F0-7FAA-4940-8EDA-D94D65DB9913}"/>
+              </a:ext>
+            </a:extLst>
+          </p:cNvPr>
+          <p:cNvSpPr txBox="1"/>
+          <p:nvPr/>
+        </p:nvSpPr>
+        <p:spPr>
+          <a:xfrm>
+            <a:off x="134930" y="1946579"/>
+            <a:ext cx="11756182" cy="1862048"/>
+          </a:xfrm>
+          <a:prstGeom prst="rect">
+            <a:avLst/>
+          </a:prstGeom>
+          <a:noFill/>
+        </p:spPr>
+        <p:txBody>
+          <a:bodyPr wrap="square" rtlCol="0">
+            <a:spAutoFit/>
+          </a:bodyPr>
+          <a:lstStyle/>
+          <a:p>
+            <a:pPr algn="ctr"/>
+            <a:r>
+              <a:rPr lang="hu-HU" sz="11500" b="1" dirty="0">
+                <a:solidFill>
+                  <a:schemeClr val="bg1">
+                    <a:lumMod val="85000"/>
+                  </a:schemeClr>
+                </a:solidFill>
+                <a:latin typeface="Bahnschrift" panose="020B0502040204020203" pitchFamily="34" charset="0"/>
+              </a:rPr>
+              <a:t>előadók</a:t>
+            </a:r>
+          </a:p>
+        </p:txBody>
+      </p:sp>
+    </p:spTree>
+    <p:extLst>
+      <p:ext uri="{BB962C8B-B14F-4D97-AF65-F5344CB8AC3E}">
+        <p14:creationId xmlns:p14="http://schemas.microsoft.com/office/powerpoint/2010/main" val="3391966612"/>
+      </p:ext>
+    </p:extLst>
+  </p:cSld>
+  <p:clrMapOvr>
+    <a:masterClrMapping/>
+  </p:clrMapOvr>
+  <p:timing>
+    <p:tnLst>
+      <p:par>
+        <p:cTn id="1" dur="indefinite" restart="never" nodeType="tmRoot">
+          <p:childTnLst>
+            <p:seq concurrent="1" nextAc="seek">
+              <p:cTn id="2" dur="indefinite" nodeType="mainSeq">
+                <p:childTnLst>
+                  <p:par>
+                    <p:cTn id="3" fill="hold">
+                      <p:stCondLst>
+                        <p:cond delay="indefinite"/>
+                      </p:stCondLst>
+                      <p:childTnLst>
+                        <p:par>
+                          <p:cTn id="4" fill="hold">
+                            <p:stCondLst>
+                              <p:cond delay="0"/>
+                            </p:stCondLst>
+                            <p:childTnLst>
+                              <p:par>
+                                <p:cTn id="5" presetID="8" presetClass="emph" presetSubtype="0" repeatCount="indefinite" fill="hold" nodeType="clickEffect">
+                                  <p:stCondLst>
+                                    <p:cond delay="0"/>
+                                  </p:stCondLst>
+                                  <p:childTnLst>
+                                    <p:animRot by="21600000">
+                                      <p:cBhvr>
+                                        <p:cTn id="6" dur="33000" fill="hold"/>
+                                        <p:tgtEl>
+                                          <p:spTgt spid="5"/>
+                                        </p:tgtEl>
+                                        <p:attrNameLst>
+                                          <p:attrName>r</p:attrName>
+                                        </p:attrNameLst>
+                                      </p:cBhvr>
+                                    </p:animRot>
+                                  </p:childTnLst>
+                                </p:cTn>
+                              </p:par>
+                            </p:childTnLst>
+                          </p:cTn>
+                        </p:par>
+                      </p:childTnLst>
+                    </p:cTn>
+                  </p:par>
+                </p:childTnLst>
+              </p:cTn>
+              <p:prevCondLst>
+                <p:cond evt="onPrev" delay="0">
+                  <p:tgtEl>
+                    <p:sldTgt/>
+                  </p:tgtEl>
+                </p:cond>
+              </p:prevCondLst>
+              <p:nextCondLst>
+                <p:cond evt="onNext" delay="0">
+                  <p:tgtEl>
+                    <p:sldTgt/>
+                  </p:tgtEl>
+                </p:cond>
+              </p:nextCondLst>
+            </p:seq>
+          </p:childTnLst>
+        </p:cTn>
+      </p:par>
+    </p:tnLst>
+  </p:timing>
+</p:sld>
+</file>
+
+<file path=ppt/slides/slide18.xml><?xml version="1.0" encoding="utf-8"?>
+<p:sld xmlns:a="http://schemas.openxmlformats.org/drawingml/2006/main" xmlns:r="http://schemas.openxmlformats.org/officeDocument/2006/relationships" xmlns:p="http://schemas.openxmlformats.org/presentationml/2006/main">
+  <p:cSld>
+    <p:spTree>
+      <p:nvGrpSpPr>
+        <p:cNvPr id="1" name=""/>
+        <p:cNvGrpSpPr/>
+        <p:nvPr/>
+      </p:nvGrpSpPr>
+      <p:grpSpPr>
+        <a:xfrm>
+          <a:off x="0" y="0"/>
+          <a:ext cx="0" cy="0"/>
+          <a:chOff x="0" y="0"/>
+          <a:chExt cx="0" cy="0"/>
+        </a:xfrm>
+      </p:grpSpPr>
+      <p:sp>
+        <p:nvSpPr>
+          <p:cNvPr id="2" name="Rectangle 1"/>
+          <p:cNvSpPr/>
+          <p:nvPr/>
+        </p:nvSpPr>
+        <p:spPr>
+          <a:xfrm>
+            <a:off x="0" y="0"/>
+            <a:ext cx="12192000" cy="6858000"/>
+          </a:xfrm>
+          <a:prstGeom prst="rect">
+            <a:avLst/>
+          </a:prstGeom>
+          <a:solidFill>
+            <a:srgbClr val="231F20"/>
+          </a:solidFill>
+          <a:ln w="57150">
+            <a:noFill/>
+          </a:ln>
+        </p:spPr>
+        <p:style>
+          <a:lnRef idx="2">
+            <a:schemeClr val="accent1">
+              <a:shade val="50000"/>
+            </a:schemeClr>
+          </a:lnRef>
+          <a:fillRef idx="1">
+            <a:schemeClr val="accent1"/>
+          </a:fillRef>
+          <a:effectRef idx="0">
+            <a:schemeClr val="accent1"/>
+          </a:effectRef>
+          <a:fontRef idx="minor">
+            <a:schemeClr val="lt1"/>
+          </a:fontRef>
+        </p:style>
+        <p:txBody>
+          <a:bodyPr rtlCol="0" anchor="ctr"/>
+          <a:lstStyle/>
+          <a:p>
+            <a:pPr algn="ctr"/>
+            <a:endParaRPr lang="en-GB"/>
+          </a:p>
+        </p:txBody>
+      </p:sp>
+      <p:pic>
+        <p:nvPicPr>
+          <p:cNvPr id="5" name="Picture 4"/>
+          <p:cNvPicPr>
+            <a:picLocks noChangeAspect="1"/>
+          </p:cNvPicPr>
+          <p:nvPr/>
+        </p:nvPicPr>
+        <p:blipFill rotWithShape="1">
+          <a:blip r:embed="rId2">
+            <a:extLst>
+              <a:ext uri="{BEBA8EAE-BF5A-486C-A8C5-ECC9F3942E4B}">
+                <a14:imgProps xmlns:a14="http://schemas.microsoft.com/office/drawing/2010/main">
+                  <a14:imgLayer r:embed="rId3">
+                    <a14:imgEffect>
+                      <a14:artisticBlur/>
+                    </a14:imgEffect>
+                  </a14:imgLayer>
+                </a14:imgProps>
+              </a:ext>
+              <a:ext uri="{28A0092B-C50C-407E-A947-70E740481C1C}">
+                <a14:useLocalDpi xmlns:a14="http://schemas.microsoft.com/office/drawing/2010/main" val="0"/>
+              </a:ext>
+            </a:extLst>
+          </a:blip>
+          <a:srcRect t="1" b="-5015"/>
+          <a:stretch/>
+        </p:blipFill>
+        <p:spPr>
+          <a:xfrm>
+            <a:off x="2780270" y="132414"/>
+            <a:ext cx="6631460" cy="6936026"/>
+          </a:xfrm>
+          <a:prstGeom prst="rect">
+            <a:avLst/>
+          </a:prstGeom>
+        </p:spPr>
+      </p:pic>
+      <p:sp>
+        <p:nvSpPr>
+          <p:cNvPr id="8" name="TextBox 7">
+            <a:extLst>
+              <a:ext uri="{FF2B5EF4-FFF2-40B4-BE49-F238E27FC236}">
+                <a16:creationId xmlns:a16="http://schemas.microsoft.com/office/drawing/2014/main" id="{EB5458EB-41A5-4115-9FA0-D9944FB4B945}"/>
+              </a:ext>
+            </a:extLst>
+          </p:cNvPr>
+          <p:cNvSpPr txBox="1"/>
+          <p:nvPr/>
+        </p:nvSpPr>
+        <p:spPr>
+          <a:xfrm>
+            <a:off x="217909" y="4714502"/>
+            <a:ext cx="11756182" cy="1846659"/>
+          </a:xfrm>
+          <a:prstGeom prst="rect">
+            <a:avLst/>
+          </a:prstGeom>
+          <a:noFill/>
+        </p:spPr>
+        <p:txBody>
+          <a:bodyPr wrap="square" rtlCol="0">
+            <a:spAutoFit/>
+          </a:bodyPr>
+          <a:lstStyle/>
+          <a:p>
+            <a:pPr algn="ctr"/>
+            <a:r>
+              <a:rPr lang="ro-RO" sz="6000" b="1" dirty="0">
+                <a:solidFill>
+                  <a:schemeClr val="bg1">
+                    <a:lumMod val="85000"/>
+                  </a:schemeClr>
+                </a:solidFill>
+                <a:latin typeface="Bahnschrift" panose="020B0502040204020203" pitchFamily="34" charset="0"/>
+              </a:rPr>
+              <a:t>I. erd</a:t>
+            </a:r>
+            <a:r>
+              <a:rPr lang="hu-HU" sz="6000" b="1" dirty="0">
+                <a:solidFill>
+                  <a:schemeClr val="bg1">
+                    <a:lumMod val="85000"/>
+                  </a:schemeClr>
+                </a:solidFill>
+                <a:latin typeface="Bahnschrift" panose="020B0502040204020203" pitchFamily="34" charset="0"/>
+              </a:rPr>
+              <a:t>élyi adatviz</a:t>
+            </a:r>
+            <a:br>
+              <a:rPr lang="hu-HU" sz="5400" b="1" dirty="0">
+                <a:solidFill>
+                  <a:schemeClr val="bg1">
+                    <a:lumMod val="85000"/>
+                  </a:schemeClr>
+                </a:solidFill>
+                <a:latin typeface="Bahnschrift" panose="020B0502040204020203" pitchFamily="34" charset="0"/>
+              </a:rPr>
+            </a:br>
+            <a:r>
+              <a:rPr lang="en-GB" sz="5400" b="1" dirty="0">
+                <a:solidFill>
+                  <a:schemeClr val="bg1">
+                    <a:lumMod val="85000"/>
+                  </a:schemeClr>
+                </a:solidFill>
+                <a:latin typeface="Bahnschrift" panose="020B0502040204020203" pitchFamily="34" charset="0"/>
+              </a:rPr>
+              <a:t>mini-</a:t>
+            </a:r>
+            <a:r>
+              <a:rPr lang="en-GB" sz="5400" b="1" dirty="0" err="1">
+                <a:solidFill>
+                  <a:schemeClr val="bg1">
+                    <a:lumMod val="85000"/>
+                  </a:schemeClr>
+                </a:solidFill>
+                <a:latin typeface="Bahnschrift" panose="020B0502040204020203" pitchFamily="34" charset="0"/>
+              </a:rPr>
+              <a:t>konferencia</a:t>
+            </a:r>
+            <a:endParaRPr lang="hu-HU" sz="5400" b="1" dirty="0">
+              <a:solidFill>
+                <a:schemeClr val="bg1">
+                  <a:lumMod val="85000"/>
+                </a:schemeClr>
+              </a:solidFill>
+              <a:latin typeface="Bahnschrift" panose="020B0502040204020203" pitchFamily="34" charset="0"/>
+            </a:endParaRPr>
+          </a:p>
+        </p:txBody>
+      </p:sp>
+      <p:pic>
+        <p:nvPicPr>
+          <p:cNvPr id="9" name="Picture 8">
+            <a:extLst>
+              <a:ext uri="{FF2B5EF4-FFF2-40B4-BE49-F238E27FC236}">
+                <a16:creationId xmlns:a16="http://schemas.microsoft.com/office/drawing/2014/main" id="{816DBDDA-88D6-4591-A59E-93E89C11022C}"/>
+              </a:ext>
+            </a:extLst>
+          </p:cNvPr>
+          <p:cNvPicPr>
+            <a:picLocks noChangeAspect="1"/>
+          </p:cNvPicPr>
+          <p:nvPr/>
+        </p:nvPicPr>
+        <p:blipFill>
+          <a:blip r:embed="rId4">
+            <a:clrChange>
+              <a:clrFrom>
+                <a:srgbClr val="2C2728"/>
+              </a:clrFrom>
+              <a:clrTo>
+                <a:srgbClr val="2C2728">
+                  <a:alpha val="0"/>
+                </a:srgbClr>
+              </a:clrTo>
+            </a:clrChange>
+          </a:blip>
+          <a:stretch>
+            <a:fillRect/>
+          </a:stretch>
+        </p:blipFill>
+        <p:spPr>
+          <a:xfrm>
+            <a:off x="134930" y="367247"/>
+            <a:ext cx="2699658" cy="914400"/>
+          </a:xfrm>
+          <a:prstGeom prst="rect">
+            <a:avLst/>
+          </a:prstGeom>
+        </p:spPr>
+      </p:pic>
+      <p:pic>
+        <p:nvPicPr>
+          <p:cNvPr id="15" name="Picture 14">
+            <a:extLst>
+              <a:ext uri="{FF2B5EF4-FFF2-40B4-BE49-F238E27FC236}">
+                <a16:creationId xmlns:a16="http://schemas.microsoft.com/office/drawing/2014/main" id="{B80250E4-4212-4BCB-B63D-CA4FD598F553}"/>
+              </a:ext>
+            </a:extLst>
+          </p:cNvPr>
+          <p:cNvPicPr>
+            <a:picLocks noChangeAspect="1"/>
+          </p:cNvPicPr>
+          <p:nvPr/>
+        </p:nvPicPr>
+        <p:blipFill>
+          <a:blip r:embed="rId5">
+            <a:clrChange>
+              <a:clrFrom>
+                <a:srgbClr val="2C2728"/>
+              </a:clrFrom>
+              <a:clrTo>
+                <a:srgbClr val="2C2728">
+                  <a:alpha val="0"/>
+                </a:srgbClr>
+              </a:clrTo>
+            </a:clrChange>
+          </a:blip>
+          <a:stretch>
+            <a:fillRect/>
+          </a:stretch>
+        </p:blipFill>
+        <p:spPr>
+          <a:xfrm>
+            <a:off x="8856302" y="512392"/>
+            <a:ext cx="3108960" cy="659830"/>
+          </a:xfrm>
+          <a:prstGeom prst="rect">
+            <a:avLst/>
+          </a:prstGeom>
+        </p:spPr>
+      </p:pic>
+      <p:pic>
+        <p:nvPicPr>
+          <p:cNvPr id="19" name="Picture 18">
+            <a:extLst>
+              <a:ext uri="{FF2B5EF4-FFF2-40B4-BE49-F238E27FC236}">
+                <a16:creationId xmlns:a16="http://schemas.microsoft.com/office/drawing/2014/main" id="{FA40B0F5-FC66-4A1B-9727-A82788A465B0}"/>
+              </a:ext>
+            </a:extLst>
+          </p:cNvPr>
+          <p:cNvPicPr>
+            <a:picLocks noChangeAspect="1"/>
+          </p:cNvPicPr>
+          <p:nvPr/>
+        </p:nvPicPr>
+        <p:blipFill rotWithShape="1">
+          <a:blip r:embed="rId6"/>
+          <a:srcRect t="13690" b="13690"/>
+          <a:stretch/>
+        </p:blipFill>
+        <p:spPr>
+          <a:xfrm>
+            <a:off x="3791567" y="454308"/>
+            <a:ext cx="4442908" cy="929652"/>
+          </a:xfrm>
+          <a:prstGeom prst="rect">
+            <a:avLst/>
+          </a:prstGeom>
+        </p:spPr>
+      </p:pic>
+      <p:pic>
+        <p:nvPicPr>
+          <p:cNvPr id="22" name="Graphic 21" descr="Lecturer">
+            <a:extLst>
+              <a:ext uri="{FF2B5EF4-FFF2-40B4-BE49-F238E27FC236}">
+                <a16:creationId xmlns:a16="http://schemas.microsoft.com/office/drawing/2014/main" id="{9A8918D1-4280-4E94-9831-DD072E27DEFD}"/>
+              </a:ext>
+            </a:extLst>
+          </p:cNvPr>
+          <p:cNvPicPr>
+            <a:picLocks noChangeAspect="1"/>
+          </p:cNvPicPr>
+          <p:nvPr/>
+        </p:nvPicPr>
+        <p:blipFill>
+          <a:blip r:embed="rId7">
+            <a:extLst>
+              <a:ext uri="{28A0092B-C50C-407E-A947-70E740481C1C}">
+                <a14:useLocalDpi xmlns:a14="http://schemas.microsoft.com/office/drawing/2010/main" val="0"/>
+              </a:ext>
+              <a:ext uri="{96DAC541-7B7A-43D3-8B79-37D633B846F1}">
+                <asvg:svgBlip xmlns:asvg="http://schemas.microsoft.com/office/drawing/2016/SVG/main" r:embed="rId8"/>
+              </a:ext>
+            </a:extLst>
+          </a:blip>
+          <a:stretch>
+            <a:fillRect/>
+          </a:stretch>
+        </p:blipFill>
+        <p:spPr>
+          <a:xfrm>
+            <a:off x="10057477" y="4908297"/>
+            <a:ext cx="1488775" cy="1488775"/>
+          </a:xfrm>
+          <a:prstGeom prst="rect">
+            <a:avLst/>
+          </a:prstGeom>
+        </p:spPr>
+      </p:pic>
+      <p:pic>
+        <p:nvPicPr>
+          <p:cNvPr id="24" name="Graphic 23" descr="Bar chart">
+            <a:extLst>
+              <a:ext uri="{FF2B5EF4-FFF2-40B4-BE49-F238E27FC236}">
+                <a16:creationId xmlns:a16="http://schemas.microsoft.com/office/drawing/2014/main" id="{BB0AE8F9-1E7F-4E77-8B25-716FBBDC82A9}"/>
+              </a:ext>
+            </a:extLst>
+          </p:cNvPr>
+          <p:cNvPicPr>
+            <a:picLocks noChangeAspect="1"/>
+          </p:cNvPicPr>
+          <p:nvPr/>
+        </p:nvPicPr>
+        <p:blipFill>
+          <a:blip r:embed="rId9">
+            <a:extLst>
+              <a:ext uri="{28A0092B-C50C-407E-A947-70E740481C1C}">
+                <a14:useLocalDpi xmlns:a14="http://schemas.microsoft.com/office/drawing/2010/main" val="0"/>
+              </a:ext>
+              <a:ext uri="{96DAC541-7B7A-43D3-8B79-37D633B846F1}">
+                <asvg:svgBlip xmlns:asvg="http://schemas.microsoft.com/office/drawing/2016/SVG/main" r:embed="rId10"/>
+              </a:ext>
+            </a:extLst>
+          </a:blip>
+          <a:stretch>
+            <a:fillRect/>
+          </a:stretch>
+        </p:blipFill>
+        <p:spPr>
+          <a:xfrm>
+            <a:off x="300888" y="4846408"/>
+            <a:ext cx="1736124" cy="1736124"/>
+          </a:xfrm>
+          <a:prstGeom prst="rect">
+            <a:avLst/>
+          </a:prstGeom>
+        </p:spPr>
+      </p:pic>
+      <p:sp>
+        <p:nvSpPr>
+          <p:cNvPr id="25" name="Rectangle 24">
+            <a:extLst>
+              <a:ext uri="{FF2B5EF4-FFF2-40B4-BE49-F238E27FC236}">
+                <a16:creationId xmlns:a16="http://schemas.microsoft.com/office/drawing/2014/main" id="{8AB67406-5825-4B66-8538-9E3B9099584B}"/>
+              </a:ext>
+            </a:extLst>
+          </p:cNvPr>
+          <p:cNvSpPr/>
+          <p:nvPr/>
+        </p:nvSpPr>
+        <p:spPr>
+          <a:xfrm rot="16200000" flipH="1">
+            <a:off x="6078000" y="-934978"/>
+            <a:ext cx="36000" cy="4997788"/>
+          </a:xfrm>
+          <a:prstGeom prst="rect">
+            <a:avLst/>
+          </a:prstGeom>
+          <a:gradFill flip="none" rotWithShape="1">
+            <a:gsLst>
+              <a:gs pos="27000">
+                <a:srgbClr val="B5B7BB"/>
+              </a:gs>
+              <a:gs pos="76000">
+                <a:srgbClr val="C2C7CE"/>
+              </a:gs>
+              <a:gs pos="0">
+                <a:schemeClr val="bg1">
+                  <a:lumMod val="65000"/>
+                  <a:alpha val="0"/>
+                </a:schemeClr>
+              </a:gs>
+              <a:gs pos="100000">
+                <a:schemeClr val="accent1">
+                  <a:tint val="23500"/>
+                  <a:satMod val="160000"/>
+                  <a:alpha val="0"/>
+                </a:schemeClr>
+              </a:gs>
+            </a:gsLst>
+            <a:lin ang="5400000" scaled="1"/>
+            <a:tileRect/>
+          </a:gradFill>
+          <a:ln>
+            <a:noFill/>
+          </a:ln>
+        </p:spPr>
+        <p:style>
+          <a:lnRef idx="2">
+            <a:schemeClr val="accent1">
+              <a:shade val="50000"/>
+            </a:schemeClr>
+          </a:lnRef>
+          <a:fillRef idx="1">
+            <a:schemeClr val="accent1"/>
+          </a:fillRef>
+          <a:effectRef idx="0">
+            <a:schemeClr val="accent1"/>
+          </a:effectRef>
+          <a:fontRef idx="minor">
+            <a:schemeClr val="lt1"/>
+          </a:fontRef>
+        </p:style>
+        <p:txBody>
+          <a:bodyPr rtlCol="0" anchor="ctr"/>
+          <a:lstStyle/>
+          <a:p>
+            <a:pPr algn="ctr"/>
+            <a:endParaRPr lang="en-GB"/>
+          </a:p>
+        </p:txBody>
+      </p:sp>
+      <p:sp>
+        <p:nvSpPr>
+          <p:cNvPr id="26" name="Rectangle 25">
+            <a:extLst>
+              <a:ext uri="{FF2B5EF4-FFF2-40B4-BE49-F238E27FC236}">
+                <a16:creationId xmlns:a16="http://schemas.microsoft.com/office/drawing/2014/main" id="{407FD84A-F484-45E6-BB1F-4DEDE5CCA779}"/>
+              </a:ext>
+            </a:extLst>
+          </p:cNvPr>
+          <p:cNvSpPr/>
+          <p:nvPr/>
+        </p:nvSpPr>
+        <p:spPr>
+          <a:xfrm rot="16200000" flipH="1">
+            <a:off x="6078000" y="1922141"/>
+            <a:ext cx="36000" cy="4997788"/>
+          </a:xfrm>
+          <a:prstGeom prst="rect">
+            <a:avLst/>
+          </a:prstGeom>
+          <a:gradFill flip="none" rotWithShape="1">
+            <a:gsLst>
+              <a:gs pos="27000">
+                <a:srgbClr val="B5B7BB"/>
+              </a:gs>
+              <a:gs pos="76000">
+                <a:srgbClr val="C2C7CE"/>
+              </a:gs>
+              <a:gs pos="0">
+                <a:schemeClr val="bg1">
+                  <a:lumMod val="65000"/>
+                  <a:alpha val="0"/>
+                </a:schemeClr>
+              </a:gs>
+              <a:gs pos="100000">
+                <a:schemeClr val="accent1">
+                  <a:tint val="23500"/>
+                  <a:satMod val="160000"/>
+                  <a:alpha val="0"/>
+                </a:schemeClr>
+              </a:gs>
+            </a:gsLst>
+            <a:lin ang="5400000" scaled="1"/>
+            <a:tileRect/>
+          </a:gradFill>
+          <a:ln>
+            <a:noFill/>
+          </a:ln>
+        </p:spPr>
+        <p:style>
+          <a:lnRef idx="2">
+            <a:schemeClr val="accent1">
+              <a:shade val="50000"/>
+            </a:schemeClr>
+          </a:lnRef>
+          <a:fillRef idx="1">
+            <a:schemeClr val="accent1"/>
+          </a:fillRef>
+          <a:effectRef idx="0">
+            <a:schemeClr val="accent1"/>
+          </a:effectRef>
+          <a:fontRef idx="minor">
+            <a:schemeClr val="lt1"/>
+          </a:fontRef>
+        </p:style>
+        <p:txBody>
+          <a:bodyPr rtlCol="0" anchor="ctr"/>
+          <a:lstStyle/>
+          <a:p>
+            <a:pPr algn="ctr"/>
+            <a:endParaRPr lang="en-GB"/>
+          </a:p>
+        </p:txBody>
+      </p:sp>
+      <p:pic>
+        <p:nvPicPr>
+          <p:cNvPr id="14" name="Graphic 13" descr="Webcam">
+            <a:extLst>
+              <a:ext uri="{FF2B5EF4-FFF2-40B4-BE49-F238E27FC236}">
+                <a16:creationId xmlns:a16="http://schemas.microsoft.com/office/drawing/2014/main" id="{D840DF18-CC75-47F3-83E0-CB4109047748}"/>
+              </a:ext>
+            </a:extLst>
+          </p:cNvPr>
+          <p:cNvPicPr>
+            <a:picLocks noChangeAspect="1"/>
+          </p:cNvPicPr>
+          <p:nvPr/>
+        </p:nvPicPr>
+        <p:blipFill>
+          <a:blip r:embed="rId11">
+            <a:extLst>
+              <a:ext uri="{28A0092B-C50C-407E-A947-70E740481C1C}">
+                <a14:useLocalDpi xmlns:a14="http://schemas.microsoft.com/office/drawing/2010/main" val="0"/>
+              </a:ext>
+              <a:ext uri="{96DAC541-7B7A-43D3-8B79-37D633B846F1}">
+                <asvg:svgBlip xmlns:asvg="http://schemas.microsoft.com/office/drawing/2016/SVG/main" r:embed="rId12"/>
+              </a:ext>
+            </a:extLst>
+          </a:blip>
+          <a:stretch>
+            <a:fillRect/>
+          </a:stretch>
+        </p:blipFill>
+        <p:spPr>
+          <a:xfrm>
+            <a:off x="4646765" y="1626219"/>
+            <a:ext cx="2732512" cy="2732512"/>
+          </a:xfrm>
+          <a:prstGeom prst="rect">
+            <a:avLst/>
+          </a:prstGeom>
+        </p:spPr>
+      </p:pic>
+    </p:spTree>
+    <p:extLst>
+      <p:ext uri="{BB962C8B-B14F-4D97-AF65-F5344CB8AC3E}">
+        <p14:creationId xmlns:p14="http://schemas.microsoft.com/office/powerpoint/2010/main" val="1050808344"/>
+      </p:ext>
+    </p:extLst>
+  </p:cSld>
+  <p:clrMapOvr>
+    <a:masterClrMapping/>
+  </p:clrMapOvr>
+  <p:timing>
+    <p:tnLst>
+      <p:par>
+        <p:cTn id="1" dur="indefinite" restart="never" nodeType="tmRoot">
+          <p:childTnLst>
+            <p:seq concurrent="1" nextAc="seek">
+              <p:cTn id="2" dur="indefinite" nodeType="mainSeq">
+                <p:childTnLst>
+                  <p:par>
+                    <p:cTn id="3" fill="hold">
+                      <p:stCondLst>
+                        <p:cond delay="indefinite"/>
+                      </p:stCondLst>
+                      <p:childTnLst>
+                        <p:par>
+                          <p:cTn id="4" fill="hold">
+                            <p:stCondLst>
+                              <p:cond delay="0"/>
+                            </p:stCondLst>
+                            <p:childTnLst>
+                              <p:par>
+                                <p:cTn id="5" presetID="8" presetClass="emph" presetSubtype="0" repeatCount="indefinite" fill="hold" nodeType="clickEffect">
+                                  <p:stCondLst>
+                                    <p:cond delay="0"/>
+                                  </p:stCondLst>
+                                  <p:childTnLst>
+                                    <p:animRot by="21600000">
+                                      <p:cBhvr>
+                                        <p:cTn id="6" dur="33000" fill="hold"/>
+                                        <p:tgtEl>
+                                          <p:spTgt spid="5"/>
+                                        </p:tgtEl>
+                                        <p:attrNameLst>
+                                          <p:attrName>r</p:attrName>
+                                        </p:attrNameLst>
+                                      </p:cBhvr>
+                                    </p:animRot>
+                                  </p:childTnLst>
+                                </p:cTn>
+                              </p:par>
+                            </p:childTnLst>
+                          </p:cTn>
+                        </p:par>
+                      </p:childTnLst>
+                    </p:cTn>
+                  </p:par>
+                </p:childTnLst>
+              </p:cTn>
+              <p:prevCondLst>
+                <p:cond evt="onPrev" delay="0">
+                  <p:tgtEl>
+                    <p:sldTgt/>
+                  </p:tgtEl>
+                </p:cond>
+              </p:prevCondLst>
+              <p:nextCondLst>
+                <p:cond evt="onNext" delay="0">
+                  <p:tgtEl>
+                    <p:sldTgt/>
+                  </p:tgtEl>
+                </p:cond>
+              </p:nextCondLst>
+            </p:seq>
+          </p:childTnLst>
+        </p:cTn>
+      </p:par>
+    </p:tnLst>
+  </p:timing>
+</p:sld>
+</file>
+
+<file path=ppt/slides/slide19.xml><?xml version="1.0" encoding="utf-8"?>
+<p:sld xmlns:a="http://schemas.openxmlformats.org/drawingml/2006/main" xmlns:r="http://schemas.openxmlformats.org/officeDocument/2006/relationships" xmlns:p="http://schemas.openxmlformats.org/presentationml/2006/main">
+  <p:cSld>
+    <p:spTree>
+      <p:nvGrpSpPr>
+        <p:cNvPr id="1" name=""/>
+        <p:cNvGrpSpPr/>
+        <p:nvPr/>
+      </p:nvGrpSpPr>
+      <p:grpSpPr>
+        <a:xfrm>
+          <a:off x="0" y="0"/>
+          <a:ext cx="0" cy="0"/>
+          <a:chOff x="0" y="0"/>
+          <a:chExt cx="0" cy="0"/>
+        </a:xfrm>
+      </p:grpSpPr>
+      <p:sp>
+        <p:nvSpPr>
+          <p:cNvPr id="2" name="Rectangle 1"/>
+          <p:cNvSpPr/>
+          <p:nvPr/>
+        </p:nvSpPr>
+        <p:spPr>
+          <a:xfrm>
+            <a:off x="0" y="0"/>
+            <a:ext cx="12192000" cy="6858000"/>
+          </a:xfrm>
+          <a:prstGeom prst="rect">
+            <a:avLst/>
+          </a:prstGeom>
+          <a:solidFill>
+            <a:srgbClr val="231F20"/>
+          </a:solidFill>
+          <a:ln w="57150">
+            <a:noFill/>
+          </a:ln>
+        </p:spPr>
+        <p:style>
+          <a:lnRef idx="2">
+            <a:schemeClr val="accent1">
+              <a:shade val="50000"/>
+            </a:schemeClr>
+          </a:lnRef>
+          <a:fillRef idx="1">
+            <a:schemeClr val="accent1"/>
+          </a:fillRef>
+          <a:effectRef idx="0">
+            <a:schemeClr val="accent1"/>
+          </a:effectRef>
+          <a:fontRef idx="minor">
+            <a:schemeClr val="lt1"/>
+          </a:fontRef>
+        </p:style>
+        <p:txBody>
+          <a:bodyPr rtlCol="0" anchor="ctr"/>
+          <a:lstStyle/>
+          <a:p>
+            <a:pPr algn="ctr"/>
+            <a:endParaRPr lang="en-GB"/>
+          </a:p>
+        </p:txBody>
+      </p:sp>
+      <p:pic>
+        <p:nvPicPr>
+          <p:cNvPr id="5" name="Picture 4"/>
+          <p:cNvPicPr>
+            <a:picLocks noChangeAspect="1"/>
+          </p:cNvPicPr>
+          <p:nvPr/>
+        </p:nvPicPr>
+        <p:blipFill rotWithShape="1">
+          <a:blip r:embed="rId2">
+            <a:extLst>
+              <a:ext uri="{BEBA8EAE-BF5A-486C-A8C5-ECC9F3942E4B}">
+                <a14:imgProps xmlns:a14="http://schemas.microsoft.com/office/drawing/2010/main">
+                  <a14:imgLayer r:embed="rId3">
+                    <a14:imgEffect>
+                      <a14:artisticBlur/>
+                    </a14:imgEffect>
+                  </a14:imgLayer>
+                </a14:imgProps>
+              </a:ext>
+              <a:ext uri="{28A0092B-C50C-407E-A947-70E740481C1C}">
+                <a14:useLocalDpi xmlns:a14="http://schemas.microsoft.com/office/drawing/2010/main" val="0"/>
+              </a:ext>
+            </a:extLst>
+          </a:blip>
+          <a:srcRect t="1" b="-5015"/>
+          <a:stretch/>
+        </p:blipFill>
+        <p:spPr>
+          <a:xfrm>
+            <a:off x="2631828" y="132414"/>
+            <a:ext cx="6631460" cy="6936026"/>
+          </a:xfrm>
+          <a:prstGeom prst="rect">
+            <a:avLst/>
+          </a:prstGeom>
+        </p:spPr>
+      </p:pic>
+      <p:sp>
+        <p:nvSpPr>
+          <p:cNvPr id="8" name="TextBox 7">
+            <a:extLst>
+              <a:ext uri="{FF2B5EF4-FFF2-40B4-BE49-F238E27FC236}">
+                <a16:creationId xmlns:a16="http://schemas.microsoft.com/office/drawing/2014/main" id="{EB5458EB-41A5-4115-9FA0-D9944FB4B945}"/>
+              </a:ext>
+            </a:extLst>
+          </p:cNvPr>
+          <p:cNvSpPr txBox="1"/>
+          <p:nvPr/>
+        </p:nvSpPr>
+        <p:spPr>
+          <a:xfrm>
+            <a:off x="134930" y="4075200"/>
+            <a:ext cx="11756182" cy="1323439"/>
+          </a:xfrm>
+          <a:prstGeom prst="rect">
+            <a:avLst/>
+          </a:prstGeom>
+          <a:noFill/>
+        </p:spPr>
+        <p:txBody>
+          <a:bodyPr wrap="square" rtlCol="0">
+            <a:spAutoFit/>
+          </a:bodyPr>
+          <a:lstStyle/>
+          <a:p>
+            <a:pPr algn="ctr"/>
+            <a:r>
+              <a:rPr lang="ro-RO" sz="4000" b="1" dirty="0">
+                <a:solidFill>
+                  <a:schemeClr val="bg1">
+                    <a:lumMod val="85000"/>
+                  </a:schemeClr>
+                </a:solidFill>
+                <a:latin typeface="Bahnschrift" panose="020B0502040204020203" pitchFamily="34" charset="0"/>
+              </a:rPr>
+              <a:t>I. erd</a:t>
+            </a:r>
+            <a:r>
+              <a:rPr lang="hu-HU" sz="4000" b="1" dirty="0">
+                <a:solidFill>
+                  <a:schemeClr val="bg1">
+                    <a:lumMod val="85000"/>
+                  </a:schemeClr>
+                </a:solidFill>
+                <a:latin typeface="Bahnschrift" panose="020B0502040204020203" pitchFamily="34" charset="0"/>
+              </a:rPr>
+              <a:t>élyi adatviz</a:t>
+            </a:r>
+            <a:br>
+              <a:rPr lang="hu-HU" sz="3600" b="1" dirty="0">
+                <a:solidFill>
+                  <a:schemeClr val="bg1">
+                    <a:lumMod val="85000"/>
+                  </a:schemeClr>
+                </a:solidFill>
+                <a:latin typeface="Bahnschrift" panose="020B0502040204020203" pitchFamily="34" charset="0"/>
+              </a:rPr>
+            </a:br>
+            <a:r>
+              <a:rPr lang="en-GB" sz="3700" b="1" dirty="0">
+                <a:solidFill>
+                  <a:schemeClr val="bg1">
+                    <a:lumMod val="85000"/>
+                  </a:schemeClr>
+                </a:solidFill>
+                <a:latin typeface="Bahnschrift" panose="020B0502040204020203" pitchFamily="34" charset="0"/>
+              </a:rPr>
+              <a:t>mini-</a:t>
+            </a:r>
+            <a:r>
+              <a:rPr lang="en-GB" sz="3700" b="1" dirty="0" err="1">
+                <a:solidFill>
+                  <a:schemeClr val="bg1">
+                    <a:lumMod val="85000"/>
+                  </a:schemeClr>
+                </a:solidFill>
+                <a:latin typeface="Bahnschrift" panose="020B0502040204020203" pitchFamily="34" charset="0"/>
+              </a:rPr>
+              <a:t>konferencia</a:t>
+            </a:r>
+            <a:endParaRPr lang="hu-HU" sz="3700" b="1" dirty="0">
+              <a:solidFill>
+                <a:schemeClr val="bg1">
+                  <a:lumMod val="85000"/>
+                </a:schemeClr>
+              </a:solidFill>
+              <a:latin typeface="Bahnschrift" panose="020B0502040204020203" pitchFamily="34" charset="0"/>
+            </a:endParaRPr>
+          </a:p>
+        </p:txBody>
+      </p:sp>
+      <p:pic>
+        <p:nvPicPr>
+          <p:cNvPr id="9" name="Picture 8">
+            <a:extLst>
+              <a:ext uri="{FF2B5EF4-FFF2-40B4-BE49-F238E27FC236}">
+                <a16:creationId xmlns:a16="http://schemas.microsoft.com/office/drawing/2014/main" id="{816DBDDA-88D6-4591-A59E-93E89C11022C}"/>
+              </a:ext>
+            </a:extLst>
+          </p:cNvPr>
+          <p:cNvPicPr>
+            <a:picLocks noChangeAspect="1"/>
+          </p:cNvPicPr>
+          <p:nvPr/>
+        </p:nvPicPr>
+        <p:blipFill>
+          <a:blip r:embed="rId4">
+            <a:clrChange>
+              <a:clrFrom>
+                <a:srgbClr val="2C2728"/>
+              </a:clrFrom>
+              <a:clrTo>
+                <a:srgbClr val="2C2728">
+                  <a:alpha val="0"/>
+                </a:srgbClr>
+              </a:clrTo>
+            </a:clrChange>
+          </a:blip>
+          <a:stretch>
+            <a:fillRect/>
+          </a:stretch>
+        </p:blipFill>
+        <p:spPr>
+          <a:xfrm>
+            <a:off x="134930" y="1043489"/>
+            <a:ext cx="2376594" cy="804975"/>
+          </a:xfrm>
+          <a:prstGeom prst="rect">
+            <a:avLst/>
+          </a:prstGeom>
+        </p:spPr>
+      </p:pic>
+      <p:pic>
+        <p:nvPicPr>
+          <p:cNvPr id="15" name="Picture 14">
+            <a:extLst>
+              <a:ext uri="{FF2B5EF4-FFF2-40B4-BE49-F238E27FC236}">
+                <a16:creationId xmlns:a16="http://schemas.microsoft.com/office/drawing/2014/main" id="{B80250E4-4212-4BCB-B63D-CA4FD598F553}"/>
+              </a:ext>
+            </a:extLst>
+          </p:cNvPr>
+          <p:cNvPicPr>
+            <a:picLocks noChangeAspect="1"/>
+          </p:cNvPicPr>
+          <p:nvPr/>
+        </p:nvPicPr>
+        <p:blipFill>
+          <a:blip r:embed="rId5">
+            <a:clrChange>
+              <a:clrFrom>
+                <a:srgbClr val="2C2728"/>
+              </a:clrFrom>
+              <a:clrTo>
+                <a:srgbClr val="2C2728">
+                  <a:alpha val="0"/>
+                </a:srgbClr>
+              </a:clrTo>
+            </a:clrChange>
+          </a:blip>
+          <a:stretch>
+            <a:fillRect/>
+          </a:stretch>
+        </p:blipFill>
+        <p:spPr>
+          <a:xfrm>
+            <a:off x="9131300" y="1188634"/>
+            <a:ext cx="2833962" cy="601466"/>
+          </a:xfrm>
+          <a:prstGeom prst="rect">
+            <a:avLst/>
+          </a:prstGeom>
+        </p:spPr>
+      </p:pic>
+      <p:pic>
+        <p:nvPicPr>
+          <p:cNvPr id="19" name="Picture 18">
+            <a:extLst>
+              <a:ext uri="{FF2B5EF4-FFF2-40B4-BE49-F238E27FC236}">
+                <a16:creationId xmlns:a16="http://schemas.microsoft.com/office/drawing/2014/main" id="{FA40B0F5-FC66-4A1B-9727-A82788A465B0}"/>
+              </a:ext>
+            </a:extLst>
+          </p:cNvPr>
+          <p:cNvPicPr>
+            <a:picLocks noChangeAspect="1"/>
+          </p:cNvPicPr>
+          <p:nvPr/>
+        </p:nvPicPr>
+        <p:blipFill rotWithShape="1">
+          <a:blip r:embed="rId6"/>
+          <a:srcRect t="13690" b="13690"/>
+          <a:stretch/>
+        </p:blipFill>
+        <p:spPr>
+          <a:xfrm>
+            <a:off x="4045379" y="1043489"/>
+            <a:ext cx="4101242" cy="858160"/>
+          </a:xfrm>
+          <a:prstGeom prst="rect">
+            <a:avLst/>
+          </a:prstGeom>
+        </p:spPr>
+      </p:pic>
+      <p:pic>
+        <p:nvPicPr>
+          <p:cNvPr id="22" name="Graphic 21" descr="Lecturer">
+            <a:extLst>
+              <a:ext uri="{FF2B5EF4-FFF2-40B4-BE49-F238E27FC236}">
+                <a16:creationId xmlns:a16="http://schemas.microsoft.com/office/drawing/2014/main" id="{9A8918D1-4280-4E94-9831-DD072E27DEFD}"/>
+              </a:ext>
+            </a:extLst>
+          </p:cNvPr>
+          <p:cNvPicPr>
+            <a:picLocks noChangeAspect="1"/>
+          </p:cNvPicPr>
+          <p:nvPr/>
+        </p:nvPicPr>
+        <p:blipFill>
+          <a:blip r:embed="rId7">
+            <a:extLst>
+              <a:ext uri="{28A0092B-C50C-407E-A947-70E740481C1C}">
+                <a14:useLocalDpi xmlns:a14="http://schemas.microsoft.com/office/drawing/2010/main" val="0"/>
+              </a:ext>
+              <a:ext uri="{96DAC541-7B7A-43D3-8B79-37D633B846F1}">
+                <asvg:svgBlip xmlns:asvg="http://schemas.microsoft.com/office/drawing/2016/SVG/main" r:embed="rId8"/>
+              </a:ext>
+            </a:extLst>
+          </a:blip>
+          <a:stretch>
+            <a:fillRect/>
+          </a:stretch>
+        </p:blipFill>
+        <p:spPr>
+          <a:xfrm>
+            <a:off x="7846891" y="4215176"/>
+            <a:ext cx="1041357" cy="1041357"/>
+          </a:xfrm>
+          <a:prstGeom prst="rect">
+            <a:avLst/>
+          </a:prstGeom>
+        </p:spPr>
+      </p:pic>
+      <p:pic>
+        <p:nvPicPr>
+          <p:cNvPr id="24" name="Graphic 23" descr="Bar chart">
+            <a:extLst>
+              <a:ext uri="{FF2B5EF4-FFF2-40B4-BE49-F238E27FC236}">
+                <a16:creationId xmlns:a16="http://schemas.microsoft.com/office/drawing/2014/main" id="{BB0AE8F9-1E7F-4E77-8B25-716FBBDC82A9}"/>
+              </a:ext>
+            </a:extLst>
+          </p:cNvPr>
+          <p:cNvPicPr>
+            <a:picLocks noChangeAspect="1"/>
+          </p:cNvPicPr>
+          <p:nvPr/>
+        </p:nvPicPr>
+        <p:blipFill>
+          <a:blip r:embed="rId9">
+            <a:extLst>
+              <a:ext uri="{28A0092B-C50C-407E-A947-70E740481C1C}">
+                <a14:useLocalDpi xmlns:a14="http://schemas.microsoft.com/office/drawing/2010/main" val="0"/>
+              </a:ext>
+              <a:ext uri="{96DAC541-7B7A-43D3-8B79-37D633B846F1}">
+                <asvg:svgBlip xmlns:asvg="http://schemas.microsoft.com/office/drawing/2016/SVG/main" r:embed="rId10"/>
+              </a:ext>
+            </a:extLst>
+          </a:blip>
+          <a:stretch>
+            <a:fillRect/>
+          </a:stretch>
+        </p:blipFill>
+        <p:spPr>
+          <a:xfrm>
+            <a:off x="2788332" y="4149593"/>
+            <a:ext cx="1255291" cy="1255291"/>
+          </a:xfrm>
+          <a:prstGeom prst="rect">
+            <a:avLst/>
+          </a:prstGeom>
+        </p:spPr>
+      </p:pic>
+      <p:sp>
+        <p:nvSpPr>
+          <p:cNvPr id="13" name="TextBox 12">
+            <a:extLst>
+              <a:ext uri="{FF2B5EF4-FFF2-40B4-BE49-F238E27FC236}">
+                <a16:creationId xmlns:a16="http://schemas.microsoft.com/office/drawing/2014/main" id="{79EE02F0-7FAA-4940-8EDA-D94D65DB9913}"/>
+              </a:ext>
+            </a:extLst>
+          </p:cNvPr>
+          <p:cNvSpPr txBox="1"/>
+          <p:nvPr/>
+        </p:nvSpPr>
+        <p:spPr>
+          <a:xfrm>
+            <a:off x="7122812" y="2270072"/>
+            <a:ext cx="4950524" cy="1384995"/>
+          </a:xfrm>
+          <a:prstGeom prst="rect">
+            <a:avLst/>
+          </a:prstGeom>
+          <a:noFill/>
+        </p:spPr>
+        <p:txBody>
+          <a:bodyPr wrap="square" rtlCol="0">
+            <a:spAutoFit/>
+          </a:bodyPr>
+          <a:lstStyle/>
+          <a:p>
+            <a:pPr algn="ctr"/>
+            <a:r>
+              <a:rPr lang="en-US" sz="2800" dirty="0">
+                <a:solidFill>
+                  <a:schemeClr val="bg1">
+                    <a:lumMod val="85000"/>
+                  </a:schemeClr>
+                </a:solidFill>
+                <a:latin typeface="Bahnschrift" panose="020B0502040204020203" pitchFamily="34" charset="0"/>
+              </a:rPr>
+              <a:t>~60 r</a:t>
+            </a:r>
+            <a:r>
+              <a:rPr lang="hu-HU" sz="2800" dirty="0">
+                <a:solidFill>
+                  <a:schemeClr val="bg1">
+                    <a:lumMod val="85000"/>
+                  </a:schemeClr>
+                </a:solidFill>
+                <a:latin typeface="Bahnschrift" panose="020B0502040204020203" pitchFamily="34" charset="0"/>
+              </a:rPr>
+              <a:t>észtvevő</a:t>
+            </a:r>
+          </a:p>
+          <a:p>
+            <a:pPr algn="ctr"/>
+            <a:r>
+              <a:rPr lang="hu-HU" sz="2800" dirty="0">
+                <a:solidFill>
+                  <a:schemeClr val="bg1">
+                    <a:lumMod val="85000"/>
+                  </a:schemeClr>
+                </a:solidFill>
+                <a:latin typeface="Bahnschrift" panose="020B0502040204020203" pitchFamily="34" charset="0"/>
+              </a:rPr>
+              <a:t>15 ezer bevont ember online</a:t>
+            </a:r>
+          </a:p>
+          <a:p>
+            <a:pPr algn="ctr"/>
+            <a:r>
+              <a:rPr lang="hu-HU" sz="2800" dirty="0">
+                <a:solidFill>
+                  <a:schemeClr val="bg1">
+                    <a:lumMod val="85000"/>
+                  </a:schemeClr>
+                </a:solidFill>
+                <a:latin typeface="Bahnschrift" panose="020B0502040204020203" pitchFamily="34" charset="0"/>
+              </a:rPr>
+              <a:t>3</a:t>
+            </a:r>
+            <a:r>
+              <a:rPr lang="en-US" sz="2800" dirty="0">
+                <a:solidFill>
+                  <a:schemeClr val="bg1">
+                    <a:lumMod val="85000"/>
+                  </a:schemeClr>
+                </a:solidFill>
+                <a:latin typeface="Bahnschrift" panose="020B0502040204020203" pitchFamily="34" charset="0"/>
+              </a:rPr>
+              <a:t>000 </a:t>
+            </a:r>
+            <a:r>
+              <a:rPr lang="hu-HU" sz="2800" dirty="0">
+                <a:solidFill>
+                  <a:schemeClr val="bg1">
+                    <a:lumMod val="85000"/>
+                  </a:schemeClr>
+                </a:solidFill>
+                <a:latin typeface="Bahnschrift" panose="020B0502040204020203" pitchFamily="34" charset="0"/>
+              </a:rPr>
+              <a:t>perc </a:t>
+            </a:r>
+            <a:r>
+              <a:rPr lang="en-US" sz="2800" dirty="0">
+                <a:solidFill>
+                  <a:schemeClr val="bg1">
+                    <a:lumMod val="85000"/>
+                  </a:schemeClr>
+                </a:solidFill>
+                <a:latin typeface="Bahnschrift" panose="020B0502040204020203" pitchFamily="34" charset="0"/>
+              </a:rPr>
+              <a:t>vide</a:t>
+            </a:r>
+            <a:r>
+              <a:rPr lang="hu-HU" sz="2800" dirty="0">
+                <a:solidFill>
+                  <a:schemeClr val="bg1">
+                    <a:lumMod val="85000"/>
+                  </a:schemeClr>
+                </a:solidFill>
+                <a:latin typeface="Bahnschrift" panose="020B0502040204020203" pitchFamily="34" charset="0"/>
+              </a:rPr>
+              <a:t>ó-megtekintés</a:t>
+            </a:r>
+          </a:p>
+        </p:txBody>
+      </p:sp>
+      <p:sp>
+        <p:nvSpPr>
+          <p:cNvPr id="14" name="TextBox 13">
+            <a:extLst>
+              <a:ext uri="{FF2B5EF4-FFF2-40B4-BE49-F238E27FC236}">
+                <a16:creationId xmlns:a16="http://schemas.microsoft.com/office/drawing/2014/main" id="{04C86CE3-1B25-4B75-996A-CA87380112ED}"/>
+              </a:ext>
+            </a:extLst>
+          </p:cNvPr>
+          <p:cNvSpPr txBox="1"/>
+          <p:nvPr/>
+        </p:nvSpPr>
+        <p:spPr>
+          <a:xfrm>
+            <a:off x="625123" y="2296972"/>
+            <a:ext cx="4326418" cy="1384995"/>
+          </a:xfrm>
+          <a:prstGeom prst="rect">
+            <a:avLst/>
+          </a:prstGeom>
+          <a:noFill/>
+        </p:spPr>
+        <p:txBody>
+          <a:bodyPr wrap="square" rtlCol="0">
+            <a:spAutoFit/>
+          </a:bodyPr>
+          <a:lstStyle/>
+          <a:p>
+            <a:pPr algn="ctr"/>
+            <a:r>
+              <a:rPr lang="hu-HU" sz="2800" dirty="0">
+                <a:solidFill>
+                  <a:schemeClr val="bg1">
+                    <a:lumMod val="85000"/>
+                  </a:schemeClr>
+                </a:solidFill>
+                <a:latin typeface="Bahnschrift" panose="020B0502040204020203" pitchFamily="34" charset="0"/>
+              </a:rPr>
+              <a:t>Köszönjük </a:t>
+            </a:r>
+            <a:br>
+              <a:rPr lang="hu-HU" sz="2800" dirty="0">
+                <a:solidFill>
+                  <a:schemeClr val="bg1">
+                    <a:lumMod val="85000"/>
+                  </a:schemeClr>
+                </a:solidFill>
+                <a:latin typeface="Bahnschrift" panose="020B0502040204020203" pitchFamily="34" charset="0"/>
+              </a:rPr>
+            </a:br>
+            <a:r>
+              <a:rPr lang="hu-HU" sz="2800" dirty="0">
+                <a:solidFill>
+                  <a:schemeClr val="bg1">
+                    <a:lumMod val="85000"/>
+                  </a:schemeClr>
+                </a:solidFill>
+                <a:latin typeface="Bahnschrift" panose="020B0502040204020203" pitchFamily="34" charset="0"/>
+              </a:rPr>
+              <a:t>mindenkinek, </a:t>
+            </a:r>
+            <a:br>
+              <a:rPr lang="hu-HU" sz="2800" dirty="0">
+                <a:solidFill>
+                  <a:schemeClr val="bg1">
+                    <a:lumMod val="85000"/>
+                  </a:schemeClr>
+                </a:solidFill>
+                <a:latin typeface="Bahnschrift" panose="020B0502040204020203" pitchFamily="34" charset="0"/>
+              </a:rPr>
+            </a:br>
+            <a:r>
+              <a:rPr lang="hu-HU" sz="2800" dirty="0">
+                <a:solidFill>
+                  <a:schemeClr val="bg1">
+                    <a:lumMod val="85000"/>
+                  </a:schemeClr>
+                </a:solidFill>
+                <a:latin typeface="Bahnschrift" panose="020B0502040204020203" pitchFamily="34" charset="0"/>
+              </a:rPr>
+              <a:t>aki kíváncsi volt ránk</a:t>
+            </a:r>
+            <a:r>
+              <a:rPr lang="en-US" sz="2800" dirty="0">
+                <a:solidFill>
+                  <a:schemeClr val="bg1">
+                    <a:lumMod val="85000"/>
+                  </a:schemeClr>
+                </a:solidFill>
+                <a:latin typeface="Bahnschrift" panose="020B0502040204020203" pitchFamily="34" charset="0"/>
+              </a:rPr>
+              <a:t>!</a:t>
+            </a:r>
+          </a:p>
+        </p:txBody>
+      </p:sp>
+      <p:pic>
+        <p:nvPicPr>
+          <p:cNvPr id="17" name="Graphic 16" descr="Heart">
+            <a:extLst>
+              <a:ext uri="{FF2B5EF4-FFF2-40B4-BE49-F238E27FC236}">
+                <a16:creationId xmlns:a16="http://schemas.microsoft.com/office/drawing/2014/main" id="{51411AFC-D5A0-4DA9-97F1-4F287B096803}"/>
+              </a:ext>
+            </a:extLst>
+          </p:cNvPr>
+          <p:cNvPicPr>
+            <a:picLocks noChangeAspect="1"/>
+          </p:cNvPicPr>
+          <p:nvPr/>
+        </p:nvPicPr>
+        <p:blipFill>
+          <a:blip r:embed="rId11">
+            <a:extLst>
+              <a:ext uri="{28A0092B-C50C-407E-A947-70E740481C1C}">
+                <a14:useLocalDpi xmlns:a14="http://schemas.microsoft.com/office/drawing/2010/main" val="0"/>
+              </a:ext>
+              <a:ext uri="{96DAC541-7B7A-43D3-8B79-37D633B846F1}">
+                <asvg:svgBlip xmlns:asvg="http://schemas.microsoft.com/office/drawing/2016/SVG/main" r:embed="rId12"/>
+              </a:ext>
+            </a:extLst>
+          </a:blip>
+          <a:stretch>
+            <a:fillRect/>
+          </a:stretch>
+        </p:blipFill>
+        <p:spPr>
+          <a:xfrm>
+            <a:off x="5248230" y="2270072"/>
+            <a:ext cx="1529582" cy="1529580"/>
+          </a:xfrm>
+          <a:prstGeom prst="rect">
+            <a:avLst/>
+          </a:prstGeom>
+        </p:spPr>
+      </p:pic>
+    </p:spTree>
+    <p:extLst>
+      <p:ext uri="{BB962C8B-B14F-4D97-AF65-F5344CB8AC3E}">
+        <p14:creationId xmlns:p14="http://schemas.microsoft.com/office/powerpoint/2010/main" val="3902139194"/>
+      </p:ext>
+    </p:extLst>
+  </p:cSld>
+  <p:clrMapOvr>
+    <a:masterClrMapping/>
+  </p:clrMapOvr>
+  <p:timing>
+    <p:tnLst>
+      <p:par>
+        <p:cTn id="1" dur="indefinite" restart="never" nodeType="tmRoot">
+          <p:childTnLst>
+            <p:seq concurrent="1" nextAc="seek">
+              <p:cTn id="2" dur="indefinite" nodeType="mainSeq">
+                <p:childTnLst>
+                  <p:par>
+                    <p:cTn id="3" fill="hold">
+                      <p:stCondLst>
+                        <p:cond delay="indefinite"/>
+                      </p:stCondLst>
+                      <p:childTnLst>
+                        <p:par>
+                          <p:cTn id="4" fill="hold">
+                            <p:stCondLst>
+                              <p:cond delay="0"/>
+                            </p:stCondLst>
+                            <p:childTnLst>
+                              <p:par>
+                                <p:cTn id="5" presetID="8" presetClass="emph" presetSubtype="0" repeatCount="indefinite" fill="hold" nodeType="clickEffect">
+                                  <p:stCondLst>
+                                    <p:cond delay="0"/>
+                                  </p:stCondLst>
+                                  <p:childTnLst>
+                                    <p:animRot by="21600000">
+                                      <p:cBhvr>
+                                        <p:cTn id="6" dur="33000" fill="hold"/>
+                                        <p:tgtEl>
+                                          <p:spTgt spid="5"/>
+                                        </p:tgtEl>
+                                        <p:attrNameLst>
+                                          <p:attrName>r</p:attrName>
+                                        </p:attrNameLst>
+                                      </p:cBhvr>
+                                    </p:animRot>
+                                  </p:childTnLst>
+                                </p:cTn>
+                              </p:par>
+                            </p:childTnLst>
+                          </p:cTn>
+                        </p:par>
+                      </p:childTnLst>
+                    </p:cTn>
+                  </p:par>
+                </p:childTnLst>
+              </p:cTn>
+              <p:prevCondLst>
+                <p:cond evt="onPrev" delay="0">
+                  <p:tgtEl>
+                    <p:sldTgt/>
+                  </p:tgtEl>
+                </p:cond>
+              </p:prevCondLst>
+              <p:nextCondLst>
+                <p:cond evt="onNext" delay="0">
+                  <p:tgtEl>
+                    <p:sldTgt/>
+                  </p:tgtEl>
+                </p:cond>
+              </p:nextCondLst>
+            </p:seq>
+          </p:childTnLst>
+        </p:cTn>
+      </p:par>
+    </p:tnLst>
+  </p:timing>
 </p:sld>
 </file>
 
@@ -4632,6 +13667,82 @@
     <p:extLst>
       <p:ext uri="{BB962C8B-B14F-4D97-AF65-F5344CB8AC3E}">
         <p14:creationId xmlns:p14="http://schemas.microsoft.com/office/powerpoint/2010/main" val="2387789936"/>
+      </p:ext>
+    </p:extLst>
+  </p:cSld>
+  <p:clrMapOvr>
+    <a:masterClrMapping/>
+  </p:clrMapOvr>
+</p:sld>
+</file>
+
+<file path=ppt/slides/slide20.xml><?xml version="1.0" encoding="utf-8"?>
+<p:sld xmlns:a="http://schemas.openxmlformats.org/drawingml/2006/main" xmlns:r="http://schemas.openxmlformats.org/officeDocument/2006/relationships" xmlns:p="http://schemas.openxmlformats.org/presentationml/2006/main">
+  <p:cSld>
+    <p:spTree>
+      <p:nvGrpSpPr>
+        <p:cNvPr id="1" name=""/>
+        <p:cNvGrpSpPr/>
+        <p:nvPr/>
+      </p:nvGrpSpPr>
+      <p:grpSpPr>
+        <a:xfrm>
+          <a:off x="0" y="0"/>
+          <a:ext cx="0" cy="0"/>
+          <a:chOff x="0" y="0"/>
+          <a:chExt cx="0" cy="0"/>
+        </a:xfrm>
+      </p:grpSpPr>
+      <p:sp>
+        <p:nvSpPr>
+          <p:cNvPr id="2" name="Rectangle 1"/>
+          <p:cNvSpPr/>
+          <p:nvPr/>
+        </p:nvSpPr>
+        <p:spPr>
+          <a:xfrm>
+            <a:off x="0" y="0"/>
+            <a:ext cx="12192000" cy="6858000"/>
+          </a:xfrm>
+          <a:prstGeom prst="rect">
+            <a:avLst/>
+          </a:prstGeom>
+          <a:solidFill>
+            <a:srgbClr val="E6E6E6"/>
+          </a:solidFill>
+          <a:ln>
+            <a:noFill/>
+          </a:ln>
+        </p:spPr>
+        <p:style>
+          <a:lnRef idx="2">
+            <a:schemeClr val="accent1">
+              <a:shade val="50000"/>
+            </a:schemeClr>
+          </a:lnRef>
+          <a:fillRef idx="1">
+            <a:schemeClr val="accent1"/>
+          </a:fillRef>
+          <a:effectRef idx="0">
+            <a:schemeClr val="accent1"/>
+          </a:effectRef>
+          <a:fontRef idx="minor">
+            <a:schemeClr val="lt1"/>
+          </a:fontRef>
+        </p:style>
+        <p:txBody>
+          <a:bodyPr rtlCol="0" anchor="ctr"/>
+          <a:lstStyle/>
+          <a:p>
+            <a:pPr algn="ctr"/>
+            <a:endParaRPr lang="en-GB" dirty="0"/>
+          </a:p>
+        </p:txBody>
+      </p:sp>
+    </p:spTree>
+    <p:extLst>
+      <p:ext uri="{BB962C8B-B14F-4D97-AF65-F5344CB8AC3E}">
+        <p14:creationId xmlns:p14="http://schemas.microsoft.com/office/powerpoint/2010/main" val="2155476024"/>
       </p:ext>
     </p:extLst>
   </p:cSld>
